--- a/slides/12-categorical-inference-pt2.pptx
+++ b/slides/12-categorical-inference-pt2.pptx
@@ -5,7 +5,7 @@
     <p:sldMasterId id="2147483852" r:id="rId1"/>
   </p:sldMasterIdLst>
   <p:notesMasterIdLst>
-    <p:notesMasterId r:id="rId11"/>
+    <p:notesMasterId r:id="rId28"/>
   </p:notesMasterIdLst>
   <p:sldIdLst>
     <p:sldId id="256" r:id="rId2"/>
@@ -16,7 +16,24 @@
     <p:sldId id="394" r:id="rId7"/>
     <p:sldId id="395" r:id="rId8"/>
     <p:sldId id="396" r:id="rId9"/>
-    <p:sldId id="397" r:id="rId10"/>
+    <p:sldId id="398" r:id="rId10"/>
+    <p:sldId id="399" r:id="rId11"/>
+    <p:sldId id="397" r:id="rId12"/>
+    <p:sldId id="400" r:id="rId13"/>
+    <p:sldId id="401" r:id="rId14"/>
+    <p:sldId id="403" r:id="rId15"/>
+    <p:sldId id="402" r:id="rId16"/>
+    <p:sldId id="404" r:id="rId17"/>
+    <p:sldId id="405" r:id="rId18"/>
+    <p:sldId id="409" r:id="rId19"/>
+    <p:sldId id="410" r:id="rId20"/>
+    <p:sldId id="406" r:id="rId21"/>
+    <p:sldId id="407" r:id="rId22"/>
+    <p:sldId id="408" r:id="rId23"/>
+    <p:sldId id="411" r:id="rId24"/>
+    <p:sldId id="412" r:id="rId25"/>
+    <p:sldId id="413" r:id="rId26"/>
+    <p:sldId id="414" r:id="rId27"/>
   </p:sldIdLst>
   <p:sldSz cx="12192000" cy="6858000"/>
   <p:notesSz cx="6858000" cy="9144000"/>
@@ -123,6 +140,34 @@
 </p:presentation>
 </file>
 
+<file path=ppt/ink/ink1.xml><?xml version="1.0" encoding="utf-8"?>
+<inkml:ink xmlns:inkml="http://www.w3.org/2003/InkML">
+  <inkml:definitions>
+    <inkml:context xml:id="ctx0">
+      <inkml:inkSource xml:id="inkSrc0">
+        <inkml:traceFormat>
+          <inkml:channel name="X" type="integer" min="-2.14748E9" max="2.14748E9" units="cm"/>
+          <inkml:channel name="Y" type="integer" min="-2.14748E9" max="2.14748E9" units="cm"/>
+          <inkml:channel name="F" type="integer" max="32767" units="dev"/>
+        </inkml:traceFormat>
+        <inkml:channelProperties>
+          <inkml:channelProperty channel="X" name="resolution" value="1000" units="1/cm"/>
+          <inkml:channelProperty channel="Y" name="resolution" value="1000" units="1/cm"/>
+          <inkml:channelProperty channel="F" name="resolution" value="0" units="1/dev"/>
+        </inkml:channelProperties>
+      </inkml:inkSource>
+      <inkml:timestamp xml:id="ts0" timeString="2024-03-20T14:17:23.858"/>
+    </inkml:context>
+    <inkml:brush xml:id="br0">
+      <inkml:brushProperty name="width" value="0.035" units="cm"/>
+      <inkml:brushProperty name="height" value="0.035" units="cm"/>
+      <inkml:brushProperty name="color" value="#FFC114"/>
+    </inkml:brush>
+  </inkml:definitions>
+  <inkml:trace contextRef="#ctx0" brushRef="#br0">139 30 24575,'9'0'0,"7"0"0,5 0 0,2 0 0,-4 0 0,-11 0 0,-6 1 0,-9 4 0,-5 5 0,-2 3 0,-4 4 0,-3 0 0,-4 6 0,-4 2 0,-1 2 0,2-1 0,4-1 0,11-10 0,1 0 0,9-11 0,3 1 0,7-2 0,9-6 0,7-6 0,6-5 0,7-7 0,8 0 0,10-6 0,3 2 0,-5 2 0,-11 7 0,-13 7 0,-10 6 0,-7-2 0,-6 0 0,-2-1 0,0 2 0,-2 4 0,-5 2 0,-10 5 0,-7 5 0,-6 6 0,-4 4 0,1 1 0,1 0 0,5-2 0,6-4 0,3-3 0,4-4 0,3-1 0,1-1 0,4-1 0,1-1 0,2-1 0,0 1 0,0 1 0,1-2 0,3 0 0,6-3 0,5-2 0,8 0 0,9-5 0,11-9 0,12-9 0,8-6 0,0 3 0,-8 4 0,-12 9 0,-11 3 0,-8 3 0,-7 3 0,-4 2 0,-6 2 0,-5 2 0,-3 2 0,-6 2 0,-5 1 0,0 1 0,-4 2 0,-2 2 0,-2 1 0,0 3 0,3-2 0,1 2 0,9-5 0,0-1 0,7-4 0,0 1 0,0 1 0,0-1 0,2-3 0,3-2 0,5-2 0,6 0 0,5 0 0,1 0 0,0 0 0,0 0 0,0-4 0,1-6 0,-1-4 0,-3-2 0,-5 1 0,-6 1 0,-3 0 0,-2-3 0,1-1 0,0-2 0,-1-1 0,0 2 0,-3 4 0,0 5 0,0 1 0,-3 3 0,-7 2 0,-10 1 0,-9 3 0,-6 0 0,-3 0 0,2 0 0,2 0 0,5 0 0,3 0 0,1 0 0,-1 0 0,0 0 0,4 0 0,4 0 0,4 0 0,7 0 0,8 0 0,13-5 0,15-1 0,6-3 0,2 0 0,-5 5 0,-7 1 0,-5-2 0,-7 4 0,0-4 0,-6 3 0,3-3 0,-2-1 0,-2-1 0,-7 2 0,-8 2 0,-7 1 0,-7 2 0,-6 2 0,-3 4 0,-4 1 0,-1 1 0,-1-2 0,-1-3 0,1 0 0,1-3 0,2 2 0,6 1 0,-2 4 0,16-2 0,0 3 0,14-6 0,5 1 0,11-6 0,7-2 0,3-1 0,-3 0 0,-10 4 0,-5 2 0</inkml:trace>
+</inkml:ink>
+</file>
+
 <file path=ppt/notesMasters/notesMaster1.xml><?xml version="1.0" encoding="utf-8"?>
 <p:notesMaster xmlns:a="http://schemas.openxmlformats.org/drawingml/2006/main" xmlns:r="http://schemas.openxmlformats.org/officeDocument/2006/relationships" xmlns:p="http://schemas.openxmlformats.org/presentationml/2006/main">
   <p:cSld>
@@ -205,7 +250,7 @@
           <a:p>
             <a:fld id="{3CBB8A52-8AC5-C74C-97FB-632C448F3674}" type="datetimeFigureOut">
               <a:rPr lang="en-US" smtClean="0"/>
-              <a:t>3/19/24</a:t>
+              <a:t>3/20/24</a:t>
             </a:fld>
             <a:endParaRPr lang="en-US"/>
           </a:p>
@@ -580,6 +625,1108 @@
 </p:notes>
 </file>
 
+<file path=ppt/notesSlides/notesSlide10.xml><?xml version="1.0" encoding="utf-8"?>
+<p:notes xmlns:a="http://schemas.openxmlformats.org/drawingml/2006/main" xmlns:r="http://schemas.openxmlformats.org/officeDocument/2006/relationships" xmlns:p="http://schemas.openxmlformats.org/presentationml/2006/main">
+  <p:cSld>
+    <p:spTree>
+      <p:nvGrpSpPr>
+        <p:cNvPr id="1" name="">
+          <a:extLst>
+            <a:ext uri="{FF2B5EF4-FFF2-40B4-BE49-F238E27FC236}">
+              <a16:creationId xmlns:a16="http://schemas.microsoft.com/office/drawing/2014/main" id="{A5FFF428-A751-7C94-F8EA-50BA02FEA6B7}"/>
+            </a:ext>
+          </a:extLst>
+        </p:cNvPr>
+        <p:cNvGrpSpPr/>
+        <p:nvPr/>
+      </p:nvGrpSpPr>
+      <p:grpSpPr>
+        <a:xfrm>
+          <a:off x="0" y="0"/>
+          <a:ext cx="0" cy="0"/>
+          <a:chOff x="0" y="0"/>
+          <a:chExt cx="0" cy="0"/>
+        </a:xfrm>
+      </p:grpSpPr>
+      <p:sp>
+        <p:nvSpPr>
+          <p:cNvPr id="2" name="Slide Image Placeholder 1">
+            <a:extLst>
+              <a:ext uri="{FF2B5EF4-FFF2-40B4-BE49-F238E27FC236}">
+                <a16:creationId xmlns:a16="http://schemas.microsoft.com/office/drawing/2014/main" id="{4EE34161-39A9-94C2-4E62-A77B3CA38352}"/>
+              </a:ext>
+            </a:extLst>
+          </p:cNvPr>
+          <p:cNvSpPr>
+            <a:spLocks noGrp="1" noRot="1" noChangeAspect="1"/>
+          </p:cNvSpPr>
+          <p:nvPr>
+            <p:ph type="sldImg"/>
+          </p:nvPr>
+        </p:nvSpPr>
+        <p:spPr/>
+      </p:sp>
+      <p:sp>
+        <p:nvSpPr>
+          <p:cNvPr id="3" name="Notes Placeholder 2">
+            <a:extLst>
+              <a:ext uri="{FF2B5EF4-FFF2-40B4-BE49-F238E27FC236}">
+                <a16:creationId xmlns:a16="http://schemas.microsoft.com/office/drawing/2014/main" id="{B256E879-C388-C1A8-9F88-BD828EA7219A}"/>
+              </a:ext>
+            </a:extLst>
+          </p:cNvPr>
+          <p:cNvSpPr>
+            <a:spLocks noGrp="1"/>
+          </p:cNvSpPr>
+          <p:nvPr>
+            <p:ph type="body" idx="1"/>
+          </p:nvPr>
+        </p:nvSpPr>
+        <p:spPr/>
+        <p:txBody>
+          <a:bodyPr/>
+          <a:lstStyle/>
+          <a:p>
+            <a:endParaRPr lang="en-US" dirty="0"/>
+          </a:p>
+        </p:txBody>
+      </p:sp>
+      <p:sp>
+        <p:nvSpPr>
+          <p:cNvPr id="4" name="Slide Number Placeholder 3">
+            <a:extLst>
+              <a:ext uri="{FF2B5EF4-FFF2-40B4-BE49-F238E27FC236}">
+                <a16:creationId xmlns:a16="http://schemas.microsoft.com/office/drawing/2014/main" id="{AECBA29A-C24F-53E5-991F-2D2C901FFAB9}"/>
+              </a:ext>
+            </a:extLst>
+          </p:cNvPr>
+          <p:cNvSpPr>
+            <a:spLocks noGrp="1"/>
+          </p:cNvSpPr>
+          <p:nvPr>
+            <p:ph type="sldNum" sz="quarter" idx="5"/>
+          </p:nvPr>
+        </p:nvSpPr>
+        <p:spPr/>
+        <p:txBody>
+          <a:bodyPr/>
+          <a:lstStyle/>
+          <a:p>
+            <a:fld id="{E666506D-5C9B-294C-B2AE-15ACE8B5B9F7}" type="slidenum">
+              <a:rPr lang="en-US" smtClean="0"/>
+              <a:t>12</a:t>
+            </a:fld>
+            <a:endParaRPr lang="en-US"/>
+          </a:p>
+        </p:txBody>
+      </p:sp>
+    </p:spTree>
+    <p:extLst>
+      <p:ext uri="{BB962C8B-B14F-4D97-AF65-F5344CB8AC3E}">
+        <p14:creationId xmlns:p14="http://schemas.microsoft.com/office/powerpoint/2010/main" val="1536215598"/>
+      </p:ext>
+    </p:extLst>
+  </p:cSld>
+  <p:clrMapOvr>
+    <a:masterClrMapping/>
+  </p:clrMapOvr>
+</p:notes>
+</file>
+
+<file path=ppt/notesSlides/notesSlide11.xml><?xml version="1.0" encoding="utf-8"?>
+<p:notes xmlns:a="http://schemas.openxmlformats.org/drawingml/2006/main" xmlns:r="http://schemas.openxmlformats.org/officeDocument/2006/relationships" xmlns:p="http://schemas.openxmlformats.org/presentationml/2006/main">
+  <p:cSld>
+    <p:spTree>
+      <p:nvGrpSpPr>
+        <p:cNvPr id="1" name="">
+          <a:extLst>
+            <a:ext uri="{FF2B5EF4-FFF2-40B4-BE49-F238E27FC236}">
+              <a16:creationId xmlns:a16="http://schemas.microsoft.com/office/drawing/2014/main" id="{A5FFF428-A751-7C94-F8EA-50BA02FEA6B7}"/>
+            </a:ext>
+          </a:extLst>
+        </p:cNvPr>
+        <p:cNvGrpSpPr/>
+        <p:nvPr/>
+      </p:nvGrpSpPr>
+      <p:grpSpPr>
+        <a:xfrm>
+          <a:off x="0" y="0"/>
+          <a:ext cx="0" cy="0"/>
+          <a:chOff x="0" y="0"/>
+          <a:chExt cx="0" cy="0"/>
+        </a:xfrm>
+      </p:grpSpPr>
+      <p:sp>
+        <p:nvSpPr>
+          <p:cNvPr id="2" name="Slide Image Placeholder 1">
+            <a:extLst>
+              <a:ext uri="{FF2B5EF4-FFF2-40B4-BE49-F238E27FC236}">
+                <a16:creationId xmlns:a16="http://schemas.microsoft.com/office/drawing/2014/main" id="{4EE34161-39A9-94C2-4E62-A77B3CA38352}"/>
+              </a:ext>
+            </a:extLst>
+          </p:cNvPr>
+          <p:cNvSpPr>
+            <a:spLocks noGrp="1" noRot="1" noChangeAspect="1"/>
+          </p:cNvSpPr>
+          <p:nvPr>
+            <p:ph type="sldImg"/>
+          </p:nvPr>
+        </p:nvSpPr>
+        <p:spPr/>
+      </p:sp>
+      <p:sp>
+        <p:nvSpPr>
+          <p:cNvPr id="3" name="Notes Placeholder 2">
+            <a:extLst>
+              <a:ext uri="{FF2B5EF4-FFF2-40B4-BE49-F238E27FC236}">
+                <a16:creationId xmlns:a16="http://schemas.microsoft.com/office/drawing/2014/main" id="{B256E879-C388-C1A8-9F88-BD828EA7219A}"/>
+              </a:ext>
+            </a:extLst>
+          </p:cNvPr>
+          <p:cNvSpPr>
+            <a:spLocks noGrp="1"/>
+          </p:cNvSpPr>
+          <p:nvPr>
+            <p:ph type="body" idx="1"/>
+          </p:nvPr>
+        </p:nvSpPr>
+        <p:spPr/>
+        <p:txBody>
+          <a:bodyPr/>
+          <a:lstStyle/>
+          <a:p>
+            <a:endParaRPr lang="en-US" dirty="0"/>
+          </a:p>
+        </p:txBody>
+      </p:sp>
+      <p:sp>
+        <p:nvSpPr>
+          <p:cNvPr id="4" name="Slide Number Placeholder 3">
+            <a:extLst>
+              <a:ext uri="{FF2B5EF4-FFF2-40B4-BE49-F238E27FC236}">
+                <a16:creationId xmlns:a16="http://schemas.microsoft.com/office/drawing/2014/main" id="{AECBA29A-C24F-53E5-991F-2D2C901FFAB9}"/>
+              </a:ext>
+            </a:extLst>
+          </p:cNvPr>
+          <p:cNvSpPr>
+            <a:spLocks noGrp="1"/>
+          </p:cNvSpPr>
+          <p:nvPr>
+            <p:ph type="sldNum" sz="quarter" idx="5"/>
+          </p:nvPr>
+        </p:nvSpPr>
+        <p:spPr/>
+        <p:txBody>
+          <a:bodyPr/>
+          <a:lstStyle/>
+          <a:p>
+            <a:fld id="{E666506D-5C9B-294C-B2AE-15ACE8B5B9F7}" type="slidenum">
+              <a:rPr lang="en-US" smtClean="0"/>
+              <a:t>13</a:t>
+            </a:fld>
+            <a:endParaRPr lang="en-US"/>
+          </a:p>
+        </p:txBody>
+      </p:sp>
+    </p:spTree>
+    <p:extLst>
+      <p:ext uri="{BB962C8B-B14F-4D97-AF65-F5344CB8AC3E}">
+        <p14:creationId xmlns:p14="http://schemas.microsoft.com/office/powerpoint/2010/main" val="1225239644"/>
+      </p:ext>
+    </p:extLst>
+  </p:cSld>
+  <p:clrMapOvr>
+    <a:masterClrMapping/>
+  </p:clrMapOvr>
+</p:notes>
+</file>
+
+<file path=ppt/notesSlides/notesSlide12.xml><?xml version="1.0" encoding="utf-8"?>
+<p:notes xmlns:a="http://schemas.openxmlformats.org/drawingml/2006/main" xmlns:r="http://schemas.openxmlformats.org/officeDocument/2006/relationships" xmlns:p="http://schemas.openxmlformats.org/presentationml/2006/main">
+  <p:cSld>
+    <p:spTree>
+      <p:nvGrpSpPr>
+        <p:cNvPr id="1" name="">
+          <a:extLst>
+            <a:ext uri="{FF2B5EF4-FFF2-40B4-BE49-F238E27FC236}">
+              <a16:creationId xmlns:a16="http://schemas.microsoft.com/office/drawing/2014/main" id="{A5FFF428-A751-7C94-F8EA-50BA02FEA6B7}"/>
+            </a:ext>
+          </a:extLst>
+        </p:cNvPr>
+        <p:cNvGrpSpPr/>
+        <p:nvPr/>
+      </p:nvGrpSpPr>
+      <p:grpSpPr>
+        <a:xfrm>
+          <a:off x="0" y="0"/>
+          <a:ext cx="0" cy="0"/>
+          <a:chOff x="0" y="0"/>
+          <a:chExt cx="0" cy="0"/>
+        </a:xfrm>
+      </p:grpSpPr>
+      <p:sp>
+        <p:nvSpPr>
+          <p:cNvPr id="2" name="Slide Image Placeholder 1">
+            <a:extLst>
+              <a:ext uri="{FF2B5EF4-FFF2-40B4-BE49-F238E27FC236}">
+                <a16:creationId xmlns:a16="http://schemas.microsoft.com/office/drawing/2014/main" id="{4EE34161-39A9-94C2-4E62-A77B3CA38352}"/>
+              </a:ext>
+            </a:extLst>
+          </p:cNvPr>
+          <p:cNvSpPr>
+            <a:spLocks noGrp="1" noRot="1" noChangeAspect="1"/>
+          </p:cNvSpPr>
+          <p:nvPr>
+            <p:ph type="sldImg"/>
+          </p:nvPr>
+        </p:nvSpPr>
+        <p:spPr/>
+      </p:sp>
+      <p:sp>
+        <p:nvSpPr>
+          <p:cNvPr id="3" name="Notes Placeholder 2">
+            <a:extLst>
+              <a:ext uri="{FF2B5EF4-FFF2-40B4-BE49-F238E27FC236}">
+                <a16:creationId xmlns:a16="http://schemas.microsoft.com/office/drawing/2014/main" id="{B256E879-C388-C1A8-9F88-BD828EA7219A}"/>
+              </a:ext>
+            </a:extLst>
+          </p:cNvPr>
+          <p:cNvSpPr>
+            <a:spLocks noGrp="1"/>
+          </p:cNvSpPr>
+          <p:nvPr>
+            <p:ph type="body" idx="1"/>
+          </p:nvPr>
+        </p:nvSpPr>
+        <p:spPr/>
+        <p:txBody>
+          <a:bodyPr/>
+          <a:lstStyle/>
+          <a:p>
+            <a:r>
+              <a:rPr lang="en-US" dirty="0"/>
+              <a:t>If H_0 is true, then P(Y=not real | dem) = P(Y=Not real), so expected is total num of </a:t>
+            </a:r>
+            <a:r>
+              <a:rPr lang="en-US" dirty="0" err="1"/>
+              <a:t>dems</a:t>
+            </a:r>
+            <a:r>
+              <a:rPr lang="en-US" dirty="0"/>
+              <a:t> times proportion of not real </a:t>
+            </a:r>
+          </a:p>
+        </p:txBody>
+      </p:sp>
+      <p:sp>
+        <p:nvSpPr>
+          <p:cNvPr id="4" name="Slide Number Placeholder 3">
+            <a:extLst>
+              <a:ext uri="{FF2B5EF4-FFF2-40B4-BE49-F238E27FC236}">
+                <a16:creationId xmlns:a16="http://schemas.microsoft.com/office/drawing/2014/main" id="{AECBA29A-C24F-53E5-991F-2D2C901FFAB9}"/>
+              </a:ext>
+            </a:extLst>
+          </p:cNvPr>
+          <p:cNvSpPr>
+            <a:spLocks noGrp="1"/>
+          </p:cNvSpPr>
+          <p:nvPr>
+            <p:ph type="sldNum" sz="quarter" idx="5"/>
+          </p:nvPr>
+        </p:nvSpPr>
+        <p:spPr/>
+        <p:txBody>
+          <a:bodyPr/>
+          <a:lstStyle/>
+          <a:p>
+            <a:fld id="{E666506D-5C9B-294C-B2AE-15ACE8B5B9F7}" type="slidenum">
+              <a:rPr lang="en-US" smtClean="0"/>
+              <a:t>14</a:t>
+            </a:fld>
+            <a:endParaRPr lang="en-US"/>
+          </a:p>
+        </p:txBody>
+      </p:sp>
+    </p:spTree>
+    <p:extLst>
+      <p:ext uri="{BB962C8B-B14F-4D97-AF65-F5344CB8AC3E}">
+        <p14:creationId xmlns:p14="http://schemas.microsoft.com/office/powerpoint/2010/main" val="1120546664"/>
+      </p:ext>
+    </p:extLst>
+  </p:cSld>
+  <p:clrMapOvr>
+    <a:masterClrMapping/>
+  </p:clrMapOvr>
+</p:notes>
+</file>
+
+<file path=ppt/notesSlides/notesSlide13.xml><?xml version="1.0" encoding="utf-8"?>
+<p:notes xmlns:a="http://schemas.openxmlformats.org/drawingml/2006/main" xmlns:r="http://schemas.openxmlformats.org/officeDocument/2006/relationships" xmlns:p="http://schemas.openxmlformats.org/presentationml/2006/main">
+  <p:cSld>
+    <p:spTree>
+      <p:nvGrpSpPr>
+        <p:cNvPr id="1" name="">
+          <a:extLst>
+            <a:ext uri="{FF2B5EF4-FFF2-40B4-BE49-F238E27FC236}">
+              <a16:creationId xmlns:a16="http://schemas.microsoft.com/office/drawing/2014/main" id="{A5FFF428-A751-7C94-F8EA-50BA02FEA6B7}"/>
+            </a:ext>
+          </a:extLst>
+        </p:cNvPr>
+        <p:cNvGrpSpPr/>
+        <p:nvPr/>
+      </p:nvGrpSpPr>
+      <p:grpSpPr>
+        <a:xfrm>
+          <a:off x="0" y="0"/>
+          <a:ext cx="0" cy="0"/>
+          <a:chOff x="0" y="0"/>
+          <a:chExt cx="0" cy="0"/>
+        </a:xfrm>
+      </p:grpSpPr>
+      <p:sp>
+        <p:nvSpPr>
+          <p:cNvPr id="2" name="Slide Image Placeholder 1">
+            <a:extLst>
+              <a:ext uri="{FF2B5EF4-FFF2-40B4-BE49-F238E27FC236}">
+                <a16:creationId xmlns:a16="http://schemas.microsoft.com/office/drawing/2014/main" id="{4EE34161-39A9-94C2-4E62-A77B3CA38352}"/>
+              </a:ext>
+            </a:extLst>
+          </p:cNvPr>
+          <p:cNvSpPr>
+            <a:spLocks noGrp="1" noRot="1" noChangeAspect="1"/>
+          </p:cNvSpPr>
+          <p:nvPr>
+            <p:ph type="sldImg"/>
+          </p:nvPr>
+        </p:nvSpPr>
+        <p:spPr/>
+      </p:sp>
+      <p:sp>
+        <p:nvSpPr>
+          <p:cNvPr id="3" name="Notes Placeholder 2">
+            <a:extLst>
+              <a:ext uri="{FF2B5EF4-FFF2-40B4-BE49-F238E27FC236}">
+                <a16:creationId xmlns:a16="http://schemas.microsoft.com/office/drawing/2014/main" id="{B256E879-C388-C1A8-9F88-BD828EA7219A}"/>
+              </a:ext>
+            </a:extLst>
+          </p:cNvPr>
+          <p:cNvSpPr>
+            <a:spLocks noGrp="1"/>
+          </p:cNvSpPr>
+          <p:nvPr>
+            <p:ph type="body" idx="1"/>
+          </p:nvPr>
+        </p:nvSpPr>
+        <p:spPr/>
+        <p:txBody>
+          <a:bodyPr/>
+          <a:lstStyle/>
+          <a:p>
+            <a:r>
+              <a:rPr lang="en-US" dirty="0"/>
+              <a:t>If H_0 is true, then P(Y=not real | dem) = P(Y=Not real), so expected is total num of </a:t>
+            </a:r>
+            <a:r>
+              <a:rPr lang="en-US" dirty="0" err="1"/>
+              <a:t>dems</a:t>
+            </a:r>
+            <a:r>
+              <a:rPr lang="en-US" dirty="0"/>
+              <a:t> times proportion of not real </a:t>
+            </a:r>
+          </a:p>
+        </p:txBody>
+      </p:sp>
+      <p:sp>
+        <p:nvSpPr>
+          <p:cNvPr id="4" name="Slide Number Placeholder 3">
+            <a:extLst>
+              <a:ext uri="{FF2B5EF4-FFF2-40B4-BE49-F238E27FC236}">
+                <a16:creationId xmlns:a16="http://schemas.microsoft.com/office/drawing/2014/main" id="{AECBA29A-C24F-53E5-991F-2D2C901FFAB9}"/>
+              </a:ext>
+            </a:extLst>
+          </p:cNvPr>
+          <p:cNvSpPr>
+            <a:spLocks noGrp="1"/>
+          </p:cNvSpPr>
+          <p:nvPr>
+            <p:ph type="sldNum" sz="quarter" idx="5"/>
+          </p:nvPr>
+        </p:nvSpPr>
+        <p:spPr/>
+        <p:txBody>
+          <a:bodyPr/>
+          <a:lstStyle/>
+          <a:p>
+            <a:fld id="{E666506D-5C9B-294C-B2AE-15ACE8B5B9F7}" type="slidenum">
+              <a:rPr lang="en-US" smtClean="0"/>
+              <a:t>15</a:t>
+            </a:fld>
+            <a:endParaRPr lang="en-US"/>
+          </a:p>
+        </p:txBody>
+      </p:sp>
+    </p:spTree>
+    <p:extLst>
+      <p:ext uri="{BB962C8B-B14F-4D97-AF65-F5344CB8AC3E}">
+        <p14:creationId xmlns:p14="http://schemas.microsoft.com/office/powerpoint/2010/main" val="4197118246"/>
+      </p:ext>
+    </p:extLst>
+  </p:cSld>
+  <p:clrMapOvr>
+    <a:masterClrMapping/>
+  </p:clrMapOvr>
+</p:notes>
+</file>
+
+<file path=ppt/notesSlides/notesSlide14.xml><?xml version="1.0" encoding="utf-8"?>
+<p:notes xmlns:a="http://schemas.openxmlformats.org/drawingml/2006/main" xmlns:r="http://schemas.openxmlformats.org/officeDocument/2006/relationships" xmlns:p="http://schemas.openxmlformats.org/presentationml/2006/main">
+  <p:cSld>
+    <p:spTree>
+      <p:nvGrpSpPr>
+        <p:cNvPr id="1" name="">
+          <a:extLst>
+            <a:ext uri="{FF2B5EF4-FFF2-40B4-BE49-F238E27FC236}">
+              <a16:creationId xmlns:a16="http://schemas.microsoft.com/office/drawing/2014/main" id="{A5FFF428-A751-7C94-F8EA-50BA02FEA6B7}"/>
+            </a:ext>
+          </a:extLst>
+        </p:cNvPr>
+        <p:cNvGrpSpPr/>
+        <p:nvPr/>
+      </p:nvGrpSpPr>
+      <p:grpSpPr>
+        <a:xfrm>
+          <a:off x="0" y="0"/>
+          <a:ext cx="0" cy="0"/>
+          <a:chOff x="0" y="0"/>
+          <a:chExt cx="0" cy="0"/>
+        </a:xfrm>
+      </p:grpSpPr>
+      <p:sp>
+        <p:nvSpPr>
+          <p:cNvPr id="2" name="Slide Image Placeholder 1">
+            <a:extLst>
+              <a:ext uri="{FF2B5EF4-FFF2-40B4-BE49-F238E27FC236}">
+                <a16:creationId xmlns:a16="http://schemas.microsoft.com/office/drawing/2014/main" id="{4EE34161-39A9-94C2-4E62-A77B3CA38352}"/>
+              </a:ext>
+            </a:extLst>
+          </p:cNvPr>
+          <p:cNvSpPr>
+            <a:spLocks noGrp="1" noRot="1" noChangeAspect="1"/>
+          </p:cNvSpPr>
+          <p:nvPr>
+            <p:ph type="sldImg"/>
+          </p:nvPr>
+        </p:nvSpPr>
+        <p:spPr/>
+      </p:sp>
+      <p:sp>
+        <p:nvSpPr>
+          <p:cNvPr id="3" name="Notes Placeholder 2">
+            <a:extLst>
+              <a:ext uri="{FF2B5EF4-FFF2-40B4-BE49-F238E27FC236}">
+                <a16:creationId xmlns:a16="http://schemas.microsoft.com/office/drawing/2014/main" id="{B256E879-C388-C1A8-9F88-BD828EA7219A}"/>
+              </a:ext>
+            </a:extLst>
+          </p:cNvPr>
+          <p:cNvSpPr>
+            <a:spLocks noGrp="1"/>
+          </p:cNvSpPr>
+          <p:nvPr>
+            <p:ph type="body" idx="1"/>
+          </p:nvPr>
+        </p:nvSpPr>
+        <p:spPr/>
+        <p:txBody>
+          <a:bodyPr/>
+          <a:lstStyle/>
+          <a:p>
+            <a:endParaRPr lang="en-US" dirty="0"/>
+          </a:p>
+        </p:txBody>
+      </p:sp>
+      <p:sp>
+        <p:nvSpPr>
+          <p:cNvPr id="4" name="Slide Number Placeholder 3">
+            <a:extLst>
+              <a:ext uri="{FF2B5EF4-FFF2-40B4-BE49-F238E27FC236}">
+                <a16:creationId xmlns:a16="http://schemas.microsoft.com/office/drawing/2014/main" id="{AECBA29A-C24F-53E5-991F-2D2C901FFAB9}"/>
+              </a:ext>
+            </a:extLst>
+          </p:cNvPr>
+          <p:cNvSpPr>
+            <a:spLocks noGrp="1"/>
+          </p:cNvSpPr>
+          <p:nvPr>
+            <p:ph type="sldNum" sz="quarter" idx="5"/>
+          </p:nvPr>
+        </p:nvSpPr>
+        <p:spPr/>
+        <p:txBody>
+          <a:bodyPr/>
+          <a:lstStyle/>
+          <a:p>
+            <a:fld id="{E666506D-5C9B-294C-B2AE-15ACE8B5B9F7}" type="slidenum">
+              <a:rPr lang="en-US" smtClean="0"/>
+              <a:t>16</a:t>
+            </a:fld>
+            <a:endParaRPr lang="en-US"/>
+          </a:p>
+        </p:txBody>
+      </p:sp>
+    </p:spTree>
+    <p:extLst>
+      <p:ext uri="{BB962C8B-B14F-4D97-AF65-F5344CB8AC3E}">
+        <p14:creationId xmlns:p14="http://schemas.microsoft.com/office/powerpoint/2010/main" val="238222374"/>
+      </p:ext>
+    </p:extLst>
+  </p:cSld>
+  <p:clrMapOvr>
+    <a:masterClrMapping/>
+  </p:clrMapOvr>
+</p:notes>
+</file>
+
+<file path=ppt/notesSlides/notesSlide15.xml><?xml version="1.0" encoding="utf-8"?>
+<p:notes xmlns:a="http://schemas.openxmlformats.org/drawingml/2006/main" xmlns:r="http://schemas.openxmlformats.org/officeDocument/2006/relationships" xmlns:p="http://schemas.openxmlformats.org/presentationml/2006/main">
+  <p:cSld>
+    <p:spTree>
+      <p:nvGrpSpPr>
+        <p:cNvPr id="1" name="">
+          <a:extLst>
+            <a:ext uri="{FF2B5EF4-FFF2-40B4-BE49-F238E27FC236}">
+              <a16:creationId xmlns:a16="http://schemas.microsoft.com/office/drawing/2014/main" id="{A5FFF428-A751-7C94-F8EA-50BA02FEA6B7}"/>
+            </a:ext>
+          </a:extLst>
+        </p:cNvPr>
+        <p:cNvGrpSpPr/>
+        <p:nvPr/>
+      </p:nvGrpSpPr>
+      <p:grpSpPr>
+        <a:xfrm>
+          <a:off x="0" y="0"/>
+          <a:ext cx="0" cy="0"/>
+          <a:chOff x="0" y="0"/>
+          <a:chExt cx="0" cy="0"/>
+        </a:xfrm>
+      </p:grpSpPr>
+      <p:sp>
+        <p:nvSpPr>
+          <p:cNvPr id="2" name="Slide Image Placeholder 1">
+            <a:extLst>
+              <a:ext uri="{FF2B5EF4-FFF2-40B4-BE49-F238E27FC236}">
+                <a16:creationId xmlns:a16="http://schemas.microsoft.com/office/drawing/2014/main" id="{4EE34161-39A9-94C2-4E62-A77B3CA38352}"/>
+              </a:ext>
+            </a:extLst>
+          </p:cNvPr>
+          <p:cNvSpPr>
+            <a:spLocks noGrp="1" noRot="1" noChangeAspect="1"/>
+          </p:cNvSpPr>
+          <p:nvPr>
+            <p:ph type="sldImg"/>
+          </p:nvPr>
+        </p:nvSpPr>
+        <p:spPr/>
+      </p:sp>
+      <p:sp>
+        <p:nvSpPr>
+          <p:cNvPr id="3" name="Notes Placeholder 2">
+            <a:extLst>
+              <a:ext uri="{FF2B5EF4-FFF2-40B4-BE49-F238E27FC236}">
+                <a16:creationId xmlns:a16="http://schemas.microsoft.com/office/drawing/2014/main" id="{B256E879-C388-C1A8-9F88-BD828EA7219A}"/>
+              </a:ext>
+            </a:extLst>
+          </p:cNvPr>
+          <p:cNvSpPr>
+            <a:spLocks noGrp="1"/>
+          </p:cNvSpPr>
+          <p:nvPr>
+            <p:ph type="body" idx="1"/>
+          </p:nvPr>
+        </p:nvSpPr>
+        <p:spPr/>
+        <p:txBody>
+          <a:bodyPr/>
+          <a:lstStyle/>
+          <a:p>
+            <a:endParaRPr lang="en-US" dirty="0"/>
+          </a:p>
+        </p:txBody>
+      </p:sp>
+      <p:sp>
+        <p:nvSpPr>
+          <p:cNvPr id="4" name="Slide Number Placeholder 3">
+            <a:extLst>
+              <a:ext uri="{FF2B5EF4-FFF2-40B4-BE49-F238E27FC236}">
+                <a16:creationId xmlns:a16="http://schemas.microsoft.com/office/drawing/2014/main" id="{AECBA29A-C24F-53E5-991F-2D2C901FFAB9}"/>
+              </a:ext>
+            </a:extLst>
+          </p:cNvPr>
+          <p:cNvSpPr>
+            <a:spLocks noGrp="1"/>
+          </p:cNvSpPr>
+          <p:nvPr>
+            <p:ph type="sldNum" sz="quarter" idx="5"/>
+          </p:nvPr>
+        </p:nvSpPr>
+        <p:spPr/>
+        <p:txBody>
+          <a:bodyPr/>
+          <a:lstStyle/>
+          <a:p>
+            <a:fld id="{E666506D-5C9B-294C-B2AE-15ACE8B5B9F7}" type="slidenum">
+              <a:rPr lang="en-US" smtClean="0"/>
+              <a:t>17</a:t>
+            </a:fld>
+            <a:endParaRPr lang="en-US"/>
+          </a:p>
+        </p:txBody>
+      </p:sp>
+    </p:spTree>
+    <p:extLst>
+      <p:ext uri="{BB962C8B-B14F-4D97-AF65-F5344CB8AC3E}">
+        <p14:creationId xmlns:p14="http://schemas.microsoft.com/office/powerpoint/2010/main" val="3153247380"/>
+      </p:ext>
+    </p:extLst>
+  </p:cSld>
+  <p:clrMapOvr>
+    <a:masterClrMapping/>
+  </p:clrMapOvr>
+</p:notes>
+</file>
+
+<file path=ppt/notesSlides/notesSlide16.xml><?xml version="1.0" encoding="utf-8"?>
+<p:notes xmlns:a="http://schemas.openxmlformats.org/drawingml/2006/main" xmlns:r="http://schemas.openxmlformats.org/officeDocument/2006/relationships" xmlns:p="http://schemas.openxmlformats.org/presentationml/2006/main">
+  <p:cSld>
+    <p:spTree>
+      <p:nvGrpSpPr>
+        <p:cNvPr id="1" name="">
+          <a:extLst>
+            <a:ext uri="{FF2B5EF4-FFF2-40B4-BE49-F238E27FC236}">
+              <a16:creationId xmlns:a16="http://schemas.microsoft.com/office/drawing/2014/main" id="{A5FFF428-A751-7C94-F8EA-50BA02FEA6B7}"/>
+            </a:ext>
+          </a:extLst>
+        </p:cNvPr>
+        <p:cNvGrpSpPr/>
+        <p:nvPr/>
+      </p:nvGrpSpPr>
+      <p:grpSpPr>
+        <a:xfrm>
+          <a:off x="0" y="0"/>
+          <a:ext cx="0" cy="0"/>
+          <a:chOff x="0" y="0"/>
+          <a:chExt cx="0" cy="0"/>
+        </a:xfrm>
+      </p:grpSpPr>
+      <p:sp>
+        <p:nvSpPr>
+          <p:cNvPr id="2" name="Slide Image Placeholder 1">
+            <a:extLst>
+              <a:ext uri="{FF2B5EF4-FFF2-40B4-BE49-F238E27FC236}">
+                <a16:creationId xmlns:a16="http://schemas.microsoft.com/office/drawing/2014/main" id="{4EE34161-39A9-94C2-4E62-A77B3CA38352}"/>
+              </a:ext>
+            </a:extLst>
+          </p:cNvPr>
+          <p:cNvSpPr>
+            <a:spLocks noGrp="1" noRot="1" noChangeAspect="1"/>
+          </p:cNvSpPr>
+          <p:nvPr>
+            <p:ph type="sldImg"/>
+          </p:nvPr>
+        </p:nvSpPr>
+        <p:spPr/>
+      </p:sp>
+      <p:sp>
+        <p:nvSpPr>
+          <p:cNvPr id="3" name="Notes Placeholder 2">
+            <a:extLst>
+              <a:ext uri="{FF2B5EF4-FFF2-40B4-BE49-F238E27FC236}">
+                <a16:creationId xmlns:a16="http://schemas.microsoft.com/office/drawing/2014/main" id="{B256E879-C388-C1A8-9F88-BD828EA7219A}"/>
+              </a:ext>
+            </a:extLst>
+          </p:cNvPr>
+          <p:cNvSpPr>
+            <a:spLocks noGrp="1"/>
+          </p:cNvSpPr>
+          <p:nvPr>
+            <p:ph type="body" idx="1"/>
+          </p:nvPr>
+        </p:nvSpPr>
+        <p:spPr/>
+        <p:txBody>
+          <a:bodyPr/>
+          <a:lstStyle/>
+          <a:p>
+            <a:endParaRPr lang="en-US" dirty="0"/>
+          </a:p>
+        </p:txBody>
+      </p:sp>
+      <p:sp>
+        <p:nvSpPr>
+          <p:cNvPr id="4" name="Slide Number Placeholder 3">
+            <a:extLst>
+              <a:ext uri="{FF2B5EF4-FFF2-40B4-BE49-F238E27FC236}">
+                <a16:creationId xmlns:a16="http://schemas.microsoft.com/office/drawing/2014/main" id="{AECBA29A-C24F-53E5-991F-2D2C901FFAB9}"/>
+              </a:ext>
+            </a:extLst>
+          </p:cNvPr>
+          <p:cNvSpPr>
+            <a:spLocks noGrp="1"/>
+          </p:cNvSpPr>
+          <p:nvPr>
+            <p:ph type="sldNum" sz="quarter" idx="5"/>
+          </p:nvPr>
+        </p:nvSpPr>
+        <p:spPr/>
+        <p:txBody>
+          <a:bodyPr/>
+          <a:lstStyle/>
+          <a:p>
+            <a:fld id="{E666506D-5C9B-294C-B2AE-15ACE8B5B9F7}" type="slidenum">
+              <a:rPr lang="en-US" smtClean="0"/>
+              <a:t>18</a:t>
+            </a:fld>
+            <a:endParaRPr lang="en-US"/>
+          </a:p>
+        </p:txBody>
+      </p:sp>
+    </p:spTree>
+    <p:extLst>
+      <p:ext uri="{BB962C8B-B14F-4D97-AF65-F5344CB8AC3E}">
+        <p14:creationId xmlns:p14="http://schemas.microsoft.com/office/powerpoint/2010/main" val="243183929"/>
+      </p:ext>
+    </p:extLst>
+  </p:cSld>
+  <p:clrMapOvr>
+    <a:masterClrMapping/>
+  </p:clrMapOvr>
+</p:notes>
+</file>
+
+<file path=ppt/notesSlides/notesSlide17.xml><?xml version="1.0" encoding="utf-8"?>
+<p:notes xmlns:a="http://schemas.openxmlformats.org/drawingml/2006/main" xmlns:r="http://schemas.openxmlformats.org/officeDocument/2006/relationships" xmlns:p="http://schemas.openxmlformats.org/presentationml/2006/main">
+  <p:cSld>
+    <p:spTree>
+      <p:nvGrpSpPr>
+        <p:cNvPr id="1" name="">
+          <a:extLst>
+            <a:ext uri="{FF2B5EF4-FFF2-40B4-BE49-F238E27FC236}">
+              <a16:creationId xmlns:a16="http://schemas.microsoft.com/office/drawing/2014/main" id="{A5FFF428-A751-7C94-F8EA-50BA02FEA6B7}"/>
+            </a:ext>
+          </a:extLst>
+        </p:cNvPr>
+        <p:cNvGrpSpPr/>
+        <p:nvPr/>
+      </p:nvGrpSpPr>
+      <p:grpSpPr>
+        <a:xfrm>
+          <a:off x="0" y="0"/>
+          <a:ext cx="0" cy="0"/>
+          <a:chOff x="0" y="0"/>
+          <a:chExt cx="0" cy="0"/>
+        </a:xfrm>
+      </p:grpSpPr>
+      <p:sp>
+        <p:nvSpPr>
+          <p:cNvPr id="2" name="Slide Image Placeholder 1">
+            <a:extLst>
+              <a:ext uri="{FF2B5EF4-FFF2-40B4-BE49-F238E27FC236}">
+                <a16:creationId xmlns:a16="http://schemas.microsoft.com/office/drawing/2014/main" id="{4EE34161-39A9-94C2-4E62-A77B3CA38352}"/>
+              </a:ext>
+            </a:extLst>
+          </p:cNvPr>
+          <p:cNvSpPr>
+            <a:spLocks noGrp="1" noRot="1" noChangeAspect="1"/>
+          </p:cNvSpPr>
+          <p:nvPr>
+            <p:ph type="sldImg"/>
+          </p:nvPr>
+        </p:nvSpPr>
+        <p:spPr/>
+      </p:sp>
+      <p:sp>
+        <p:nvSpPr>
+          <p:cNvPr id="3" name="Notes Placeholder 2">
+            <a:extLst>
+              <a:ext uri="{FF2B5EF4-FFF2-40B4-BE49-F238E27FC236}">
+                <a16:creationId xmlns:a16="http://schemas.microsoft.com/office/drawing/2014/main" id="{B256E879-C388-C1A8-9F88-BD828EA7219A}"/>
+              </a:ext>
+            </a:extLst>
+          </p:cNvPr>
+          <p:cNvSpPr>
+            <a:spLocks noGrp="1"/>
+          </p:cNvSpPr>
+          <p:nvPr>
+            <p:ph type="body" idx="1"/>
+          </p:nvPr>
+        </p:nvSpPr>
+        <p:spPr/>
+        <p:txBody>
+          <a:bodyPr/>
+          <a:lstStyle/>
+          <a:p>
+            <a:endParaRPr lang="en-US" dirty="0"/>
+          </a:p>
+        </p:txBody>
+      </p:sp>
+      <p:sp>
+        <p:nvSpPr>
+          <p:cNvPr id="4" name="Slide Number Placeholder 3">
+            <a:extLst>
+              <a:ext uri="{FF2B5EF4-FFF2-40B4-BE49-F238E27FC236}">
+                <a16:creationId xmlns:a16="http://schemas.microsoft.com/office/drawing/2014/main" id="{AECBA29A-C24F-53E5-991F-2D2C901FFAB9}"/>
+              </a:ext>
+            </a:extLst>
+          </p:cNvPr>
+          <p:cNvSpPr>
+            <a:spLocks noGrp="1"/>
+          </p:cNvSpPr>
+          <p:nvPr>
+            <p:ph type="sldNum" sz="quarter" idx="5"/>
+          </p:nvPr>
+        </p:nvSpPr>
+        <p:spPr/>
+        <p:txBody>
+          <a:bodyPr/>
+          <a:lstStyle/>
+          <a:p>
+            <a:fld id="{E666506D-5C9B-294C-B2AE-15ACE8B5B9F7}" type="slidenum">
+              <a:rPr lang="en-US" smtClean="0"/>
+              <a:t>19</a:t>
+            </a:fld>
+            <a:endParaRPr lang="en-US"/>
+          </a:p>
+        </p:txBody>
+      </p:sp>
+    </p:spTree>
+    <p:extLst>
+      <p:ext uri="{BB962C8B-B14F-4D97-AF65-F5344CB8AC3E}">
+        <p14:creationId xmlns:p14="http://schemas.microsoft.com/office/powerpoint/2010/main" val="1461087587"/>
+      </p:ext>
+    </p:extLst>
+  </p:cSld>
+  <p:clrMapOvr>
+    <a:masterClrMapping/>
+  </p:clrMapOvr>
+</p:notes>
+</file>
+
+<file path=ppt/notesSlides/notesSlide18.xml><?xml version="1.0" encoding="utf-8"?>
+<p:notes xmlns:a="http://schemas.openxmlformats.org/drawingml/2006/main" xmlns:r="http://schemas.openxmlformats.org/officeDocument/2006/relationships" xmlns:p="http://schemas.openxmlformats.org/presentationml/2006/main">
+  <p:cSld>
+    <p:spTree>
+      <p:nvGrpSpPr>
+        <p:cNvPr id="1" name="">
+          <a:extLst>
+            <a:ext uri="{FF2B5EF4-FFF2-40B4-BE49-F238E27FC236}">
+              <a16:creationId xmlns:a16="http://schemas.microsoft.com/office/drawing/2014/main" id="{A5FFF428-A751-7C94-F8EA-50BA02FEA6B7}"/>
+            </a:ext>
+          </a:extLst>
+        </p:cNvPr>
+        <p:cNvGrpSpPr/>
+        <p:nvPr/>
+      </p:nvGrpSpPr>
+      <p:grpSpPr>
+        <a:xfrm>
+          <a:off x="0" y="0"/>
+          <a:ext cx="0" cy="0"/>
+          <a:chOff x="0" y="0"/>
+          <a:chExt cx="0" cy="0"/>
+        </a:xfrm>
+      </p:grpSpPr>
+      <p:sp>
+        <p:nvSpPr>
+          <p:cNvPr id="2" name="Slide Image Placeholder 1">
+            <a:extLst>
+              <a:ext uri="{FF2B5EF4-FFF2-40B4-BE49-F238E27FC236}">
+                <a16:creationId xmlns:a16="http://schemas.microsoft.com/office/drawing/2014/main" id="{4EE34161-39A9-94C2-4E62-A77B3CA38352}"/>
+              </a:ext>
+            </a:extLst>
+          </p:cNvPr>
+          <p:cNvSpPr>
+            <a:spLocks noGrp="1" noRot="1" noChangeAspect="1"/>
+          </p:cNvSpPr>
+          <p:nvPr>
+            <p:ph type="sldImg"/>
+          </p:nvPr>
+        </p:nvSpPr>
+        <p:spPr/>
+      </p:sp>
+      <p:sp>
+        <p:nvSpPr>
+          <p:cNvPr id="3" name="Notes Placeholder 2">
+            <a:extLst>
+              <a:ext uri="{FF2B5EF4-FFF2-40B4-BE49-F238E27FC236}">
+                <a16:creationId xmlns:a16="http://schemas.microsoft.com/office/drawing/2014/main" id="{B256E879-C388-C1A8-9F88-BD828EA7219A}"/>
+              </a:ext>
+            </a:extLst>
+          </p:cNvPr>
+          <p:cNvSpPr>
+            <a:spLocks noGrp="1"/>
+          </p:cNvSpPr>
+          <p:nvPr>
+            <p:ph type="body" idx="1"/>
+          </p:nvPr>
+        </p:nvSpPr>
+        <p:spPr/>
+        <p:txBody>
+          <a:bodyPr/>
+          <a:lstStyle/>
+          <a:p>
+            <a:endParaRPr lang="en-US" dirty="0"/>
+          </a:p>
+        </p:txBody>
+      </p:sp>
+      <p:sp>
+        <p:nvSpPr>
+          <p:cNvPr id="4" name="Slide Number Placeholder 3">
+            <a:extLst>
+              <a:ext uri="{FF2B5EF4-FFF2-40B4-BE49-F238E27FC236}">
+                <a16:creationId xmlns:a16="http://schemas.microsoft.com/office/drawing/2014/main" id="{AECBA29A-C24F-53E5-991F-2D2C901FFAB9}"/>
+              </a:ext>
+            </a:extLst>
+          </p:cNvPr>
+          <p:cNvSpPr>
+            <a:spLocks noGrp="1"/>
+          </p:cNvSpPr>
+          <p:nvPr>
+            <p:ph type="sldNum" sz="quarter" idx="5"/>
+          </p:nvPr>
+        </p:nvSpPr>
+        <p:spPr/>
+        <p:txBody>
+          <a:bodyPr/>
+          <a:lstStyle/>
+          <a:p>
+            <a:fld id="{E666506D-5C9B-294C-B2AE-15ACE8B5B9F7}" type="slidenum">
+              <a:rPr lang="en-US" smtClean="0"/>
+              <a:t>20</a:t>
+            </a:fld>
+            <a:endParaRPr lang="en-US"/>
+          </a:p>
+        </p:txBody>
+      </p:sp>
+    </p:spTree>
+    <p:extLst>
+      <p:ext uri="{BB962C8B-B14F-4D97-AF65-F5344CB8AC3E}">
+        <p14:creationId xmlns:p14="http://schemas.microsoft.com/office/powerpoint/2010/main" val="448099454"/>
+      </p:ext>
+    </p:extLst>
+  </p:cSld>
+  <p:clrMapOvr>
+    <a:masterClrMapping/>
+  </p:clrMapOvr>
+</p:notes>
+</file>
+
+<file path=ppt/notesSlides/notesSlide19.xml><?xml version="1.0" encoding="utf-8"?>
+<p:notes xmlns:a="http://schemas.openxmlformats.org/drawingml/2006/main" xmlns:r="http://schemas.openxmlformats.org/officeDocument/2006/relationships" xmlns:p="http://schemas.openxmlformats.org/presentationml/2006/main">
+  <p:cSld>
+    <p:spTree>
+      <p:nvGrpSpPr>
+        <p:cNvPr id="1" name="">
+          <a:extLst>
+            <a:ext uri="{FF2B5EF4-FFF2-40B4-BE49-F238E27FC236}">
+              <a16:creationId xmlns:a16="http://schemas.microsoft.com/office/drawing/2014/main" id="{A5FFF428-A751-7C94-F8EA-50BA02FEA6B7}"/>
+            </a:ext>
+          </a:extLst>
+        </p:cNvPr>
+        <p:cNvGrpSpPr/>
+        <p:nvPr/>
+      </p:nvGrpSpPr>
+      <p:grpSpPr>
+        <a:xfrm>
+          <a:off x="0" y="0"/>
+          <a:ext cx="0" cy="0"/>
+          <a:chOff x="0" y="0"/>
+          <a:chExt cx="0" cy="0"/>
+        </a:xfrm>
+      </p:grpSpPr>
+      <p:sp>
+        <p:nvSpPr>
+          <p:cNvPr id="2" name="Slide Image Placeholder 1">
+            <a:extLst>
+              <a:ext uri="{FF2B5EF4-FFF2-40B4-BE49-F238E27FC236}">
+                <a16:creationId xmlns:a16="http://schemas.microsoft.com/office/drawing/2014/main" id="{4EE34161-39A9-94C2-4E62-A77B3CA38352}"/>
+              </a:ext>
+            </a:extLst>
+          </p:cNvPr>
+          <p:cNvSpPr>
+            <a:spLocks noGrp="1" noRot="1" noChangeAspect="1"/>
+          </p:cNvSpPr>
+          <p:nvPr>
+            <p:ph type="sldImg"/>
+          </p:nvPr>
+        </p:nvSpPr>
+        <p:spPr/>
+      </p:sp>
+      <p:sp>
+        <p:nvSpPr>
+          <p:cNvPr id="3" name="Notes Placeholder 2">
+            <a:extLst>
+              <a:ext uri="{FF2B5EF4-FFF2-40B4-BE49-F238E27FC236}">
+                <a16:creationId xmlns:a16="http://schemas.microsoft.com/office/drawing/2014/main" id="{B256E879-C388-C1A8-9F88-BD828EA7219A}"/>
+              </a:ext>
+            </a:extLst>
+          </p:cNvPr>
+          <p:cNvSpPr>
+            <a:spLocks noGrp="1"/>
+          </p:cNvSpPr>
+          <p:nvPr>
+            <p:ph type="body" idx="1"/>
+          </p:nvPr>
+        </p:nvSpPr>
+        <p:spPr/>
+        <p:txBody>
+          <a:bodyPr/>
+          <a:lstStyle/>
+          <a:p>
+            <a:endParaRPr lang="en-US" dirty="0"/>
+          </a:p>
+        </p:txBody>
+      </p:sp>
+      <p:sp>
+        <p:nvSpPr>
+          <p:cNvPr id="4" name="Slide Number Placeholder 3">
+            <a:extLst>
+              <a:ext uri="{FF2B5EF4-FFF2-40B4-BE49-F238E27FC236}">
+                <a16:creationId xmlns:a16="http://schemas.microsoft.com/office/drawing/2014/main" id="{AECBA29A-C24F-53E5-991F-2D2C901FFAB9}"/>
+              </a:ext>
+            </a:extLst>
+          </p:cNvPr>
+          <p:cNvSpPr>
+            <a:spLocks noGrp="1"/>
+          </p:cNvSpPr>
+          <p:nvPr>
+            <p:ph type="sldNum" sz="quarter" idx="5"/>
+          </p:nvPr>
+        </p:nvSpPr>
+        <p:spPr/>
+        <p:txBody>
+          <a:bodyPr/>
+          <a:lstStyle/>
+          <a:p>
+            <a:fld id="{E666506D-5C9B-294C-B2AE-15ACE8B5B9F7}" type="slidenum">
+              <a:rPr lang="en-US" smtClean="0"/>
+              <a:t>21</a:t>
+            </a:fld>
+            <a:endParaRPr lang="en-US"/>
+          </a:p>
+        </p:txBody>
+      </p:sp>
+    </p:spTree>
+    <p:extLst>
+      <p:ext uri="{BB962C8B-B14F-4D97-AF65-F5344CB8AC3E}">
+        <p14:creationId xmlns:p14="http://schemas.microsoft.com/office/powerpoint/2010/main" val="2901680337"/>
+      </p:ext>
+    </p:extLst>
+  </p:cSld>
+  <p:clrMapOvr>
+    <a:masterClrMapping/>
+  </p:clrMapOvr>
+</p:notes>
+</file>
+
 <file path=ppt/notesSlides/notesSlide2.xml><?xml version="1.0" encoding="utf-8"?>
 <p:notes xmlns:a="http://schemas.openxmlformats.org/drawingml/2006/main" xmlns:r="http://schemas.openxmlformats.org/officeDocument/2006/relationships" xmlns:p="http://schemas.openxmlformats.org/presentationml/2006/main">
   <p:cSld>
@@ -679,6 +1826,704 @@
     <p:extLst>
       <p:ext uri="{BB962C8B-B14F-4D97-AF65-F5344CB8AC3E}">
         <p14:creationId xmlns:p14="http://schemas.microsoft.com/office/powerpoint/2010/main" val="149657465"/>
+      </p:ext>
+    </p:extLst>
+  </p:cSld>
+  <p:clrMapOvr>
+    <a:masterClrMapping/>
+  </p:clrMapOvr>
+</p:notes>
+</file>
+
+<file path=ppt/notesSlides/notesSlide20.xml><?xml version="1.0" encoding="utf-8"?>
+<p:notes xmlns:a="http://schemas.openxmlformats.org/drawingml/2006/main" xmlns:r="http://schemas.openxmlformats.org/officeDocument/2006/relationships" xmlns:p="http://schemas.openxmlformats.org/presentationml/2006/main">
+  <p:cSld>
+    <p:spTree>
+      <p:nvGrpSpPr>
+        <p:cNvPr id="1" name="">
+          <a:extLst>
+            <a:ext uri="{FF2B5EF4-FFF2-40B4-BE49-F238E27FC236}">
+              <a16:creationId xmlns:a16="http://schemas.microsoft.com/office/drawing/2014/main" id="{A5FFF428-A751-7C94-F8EA-50BA02FEA6B7}"/>
+            </a:ext>
+          </a:extLst>
+        </p:cNvPr>
+        <p:cNvGrpSpPr/>
+        <p:nvPr/>
+      </p:nvGrpSpPr>
+      <p:grpSpPr>
+        <a:xfrm>
+          <a:off x="0" y="0"/>
+          <a:ext cx="0" cy="0"/>
+          <a:chOff x="0" y="0"/>
+          <a:chExt cx="0" cy="0"/>
+        </a:xfrm>
+      </p:grpSpPr>
+      <p:sp>
+        <p:nvSpPr>
+          <p:cNvPr id="2" name="Slide Image Placeholder 1">
+            <a:extLst>
+              <a:ext uri="{FF2B5EF4-FFF2-40B4-BE49-F238E27FC236}">
+                <a16:creationId xmlns:a16="http://schemas.microsoft.com/office/drawing/2014/main" id="{4EE34161-39A9-94C2-4E62-A77B3CA38352}"/>
+              </a:ext>
+            </a:extLst>
+          </p:cNvPr>
+          <p:cNvSpPr>
+            <a:spLocks noGrp="1" noRot="1" noChangeAspect="1"/>
+          </p:cNvSpPr>
+          <p:nvPr>
+            <p:ph type="sldImg"/>
+          </p:nvPr>
+        </p:nvSpPr>
+        <p:spPr/>
+      </p:sp>
+      <p:sp>
+        <p:nvSpPr>
+          <p:cNvPr id="3" name="Notes Placeholder 2">
+            <a:extLst>
+              <a:ext uri="{FF2B5EF4-FFF2-40B4-BE49-F238E27FC236}">
+                <a16:creationId xmlns:a16="http://schemas.microsoft.com/office/drawing/2014/main" id="{B256E879-C388-C1A8-9F88-BD828EA7219A}"/>
+              </a:ext>
+            </a:extLst>
+          </p:cNvPr>
+          <p:cNvSpPr>
+            <a:spLocks noGrp="1"/>
+          </p:cNvSpPr>
+          <p:nvPr>
+            <p:ph type="body" idx="1"/>
+          </p:nvPr>
+        </p:nvSpPr>
+        <p:spPr/>
+        <p:txBody>
+          <a:bodyPr/>
+          <a:lstStyle/>
+          <a:p>
+            <a:endParaRPr lang="en-US" dirty="0"/>
+          </a:p>
+        </p:txBody>
+      </p:sp>
+      <p:sp>
+        <p:nvSpPr>
+          <p:cNvPr id="4" name="Slide Number Placeholder 3">
+            <a:extLst>
+              <a:ext uri="{FF2B5EF4-FFF2-40B4-BE49-F238E27FC236}">
+                <a16:creationId xmlns:a16="http://schemas.microsoft.com/office/drawing/2014/main" id="{AECBA29A-C24F-53E5-991F-2D2C901FFAB9}"/>
+              </a:ext>
+            </a:extLst>
+          </p:cNvPr>
+          <p:cNvSpPr>
+            <a:spLocks noGrp="1"/>
+          </p:cNvSpPr>
+          <p:nvPr>
+            <p:ph type="sldNum" sz="quarter" idx="5"/>
+          </p:nvPr>
+        </p:nvSpPr>
+        <p:spPr/>
+        <p:txBody>
+          <a:bodyPr/>
+          <a:lstStyle/>
+          <a:p>
+            <a:fld id="{E666506D-5C9B-294C-B2AE-15ACE8B5B9F7}" type="slidenum">
+              <a:rPr lang="en-US" smtClean="0"/>
+              <a:t>22</a:t>
+            </a:fld>
+            <a:endParaRPr lang="en-US"/>
+          </a:p>
+        </p:txBody>
+      </p:sp>
+    </p:spTree>
+    <p:extLst>
+      <p:ext uri="{BB962C8B-B14F-4D97-AF65-F5344CB8AC3E}">
+        <p14:creationId xmlns:p14="http://schemas.microsoft.com/office/powerpoint/2010/main" val="3877438053"/>
+      </p:ext>
+    </p:extLst>
+  </p:cSld>
+  <p:clrMapOvr>
+    <a:masterClrMapping/>
+  </p:clrMapOvr>
+</p:notes>
+</file>
+
+<file path=ppt/notesSlides/notesSlide21.xml><?xml version="1.0" encoding="utf-8"?>
+<p:notes xmlns:a="http://schemas.openxmlformats.org/drawingml/2006/main" xmlns:r="http://schemas.openxmlformats.org/officeDocument/2006/relationships" xmlns:p="http://schemas.openxmlformats.org/presentationml/2006/main">
+  <p:cSld>
+    <p:spTree>
+      <p:nvGrpSpPr>
+        <p:cNvPr id="1" name="">
+          <a:extLst>
+            <a:ext uri="{FF2B5EF4-FFF2-40B4-BE49-F238E27FC236}">
+              <a16:creationId xmlns:a16="http://schemas.microsoft.com/office/drawing/2014/main" id="{A5FFF428-A751-7C94-F8EA-50BA02FEA6B7}"/>
+            </a:ext>
+          </a:extLst>
+        </p:cNvPr>
+        <p:cNvGrpSpPr/>
+        <p:nvPr/>
+      </p:nvGrpSpPr>
+      <p:grpSpPr>
+        <a:xfrm>
+          <a:off x="0" y="0"/>
+          <a:ext cx="0" cy="0"/>
+          <a:chOff x="0" y="0"/>
+          <a:chExt cx="0" cy="0"/>
+        </a:xfrm>
+      </p:grpSpPr>
+      <p:sp>
+        <p:nvSpPr>
+          <p:cNvPr id="2" name="Slide Image Placeholder 1">
+            <a:extLst>
+              <a:ext uri="{FF2B5EF4-FFF2-40B4-BE49-F238E27FC236}">
+                <a16:creationId xmlns:a16="http://schemas.microsoft.com/office/drawing/2014/main" id="{4EE34161-39A9-94C2-4E62-A77B3CA38352}"/>
+              </a:ext>
+            </a:extLst>
+          </p:cNvPr>
+          <p:cNvSpPr>
+            <a:spLocks noGrp="1" noRot="1" noChangeAspect="1"/>
+          </p:cNvSpPr>
+          <p:nvPr>
+            <p:ph type="sldImg"/>
+          </p:nvPr>
+        </p:nvSpPr>
+        <p:spPr/>
+      </p:sp>
+      <p:sp>
+        <p:nvSpPr>
+          <p:cNvPr id="3" name="Notes Placeholder 2">
+            <a:extLst>
+              <a:ext uri="{FF2B5EF4-FFF2-40B4-BE49-F238E27FC236}">
+                <a16:creationId xmlns:a16="http://schemas.microsoft.com/office/drawing/2014/main" id="{B256E879-C388-C1A8-9F88-BD828EA7219A}"/>
+              </a:ext>
+            </a:extLst>
+          </p:cNvPr>
+          <p:cNvSpPr>
+            <a:spLocks noGrp="1"/>
+          </p:cNvSpPr>
+          <p:nvPr>
+            <p:ph type="body" idx="1"/>
+          </p:nvPr>
+        </p:nvSpPr>
+        <p:spPr/>
+        <p:txBody>
+          <a:bodyPr/>
+          <a:lstStyle/>
+          <a:p>
+            <a:r>
+              <a:rPr lang="en-US" i="1" dirty="0">
+                <a:effectLst/>
+                <a:latin typeface="Helvetica" pitchFamily="2" charset="0"/>
+              </a:rPr>
+              <a:t>It is closely related to the Normal distribution: it models the sum of k</a:t>
+            </a:r>
+            <a:r>
+              <a:rPr lang="en-US" i="0" dirty="0">
+                <a:effectLst/>
+                <a:latin typeface="Helvetica" pitchFamily="2" charset="0"/>
+              </a:rPr>
+              <a:t> </a:t>
+            </a:r>
+            <a:r>
+              <a:rPr lang="en-US" i="1" dirty="0">
+                <a:effectLst/>
+                <a:latin typeface="Helvetica" pitchFamily="2" charset="0"/>
+              </a:rPr>
+              <a:t>independent squared Z-scores!</a:t>
+            </a:r>
+            <a:endParaRPr lang="en-US" dirty="0">
+              <a:effectLst/>
+              <a:latin typeface="Helvetica" pitchFamily="2" charset="0"/>
+            </a:endParaRPr>
+          </a:p>
+          <a:p>
+            <a:endParaRPr lang="en-US" dirty="0"/>
+          </a:p>
+        </p:txBody>
+      </p:sp>
+      <p:sp>
+        <p:nvSpPr>
+          <p:cNvPr id="4" name="Slide Number Placeholder 3">
+            <a:extLst>
+              <a:ext uri="{FF2B5EF4-FFF2-40B4-BE49-F238E27FC236}">
+                <a16:creationId xmlns:a16="http://schemas.microsoft.com/office/drawing/2014/main" id="{AECBA29A-C24F-53E5-991F-2D2C901FFAB9}"/>
+              </a:ext>
+            </a:extLst>
+          </p:cNvPr>
+          <p:cNvSpPr>
+            <a:spLocks noGrp="1"/>
+          </p:cNvSpPr>
+          <p:nvPr>
+            <p:ph type="sldNum" sz="quarter" idx="5"/>
+          </p:nvPr>
+        </p:nvSpPr>
+        <p:spPr/>
+        <p:txBody>
+          <a:bodyPr/>
+          <a:lstStyle/>
+          <a:p>
+            <a:fld id="{E666506D-5C9B-294C-B2AE-15ACE8B5B9F7}" type="slidenum">
+              <a:rPr lang="en-US" smtClean="0"/>
+              <a:t>23</a:t>
+            </a:fld>
+            <a:endParaRPr lang="en-US"/>
+          </a:p>
+        </p:txBody>
+      </p:sp>
+    </p:spTree>
+    <p:extLst>
+      <p:ext uri="{BB962C8B-B14F-4D97-AF65-F5344CB8AC3E}">
+        <p14:creationId xmlns:p14="http://schemas.microsoft.com/office/powerpoint/2010/main" val="2326814878"/>
+      </p:ext>
+    </p:extLst>
+  </p:cSld>
+  <p:clrMapOvr>
+    <a:masterClrMapping/>
+  </p:clrMapOvr>
+</p:notes>
+</file>
+
+<file path=ppt/notesSlides/notesSlide22.xml><?xml version="1.0" encoding="utf-8"?>
+<p:notes xmlns:a="http://schemas.openxmlformats.org/drawingml/2006/main" xmlns:r="http://schemas.openxmlformats.org/officeDocument/2006/relationships" xmlns:p="http://schemas.openxmlformats.org/presentationml/2006/main">
+  <p:cSld>
+    <p:spTree>
+      <p:nvGrpSpPr>
+        <p:cNvPr id="1" name="">
+          <a:extLst>
+            <a:ext uri="{FF2B5EF4-FFF2-40B4-BE49-F238E27FC236}">
+              <a16:creationId xmlns:a16="http://schemas.microsoft.com/office/drawing/2014/main" id="{A5FFF428-A751-7C94-F8EA-50BA02FEA6B7}"/>
+            </a:ext>
+          </a:extLst>
+        </p:cNvPr>
+        <p:cNvGrpSpPr/>
+        <p:nvPr/>
+      </p:nvGrpSpPr>
+      <p:grpSpPr>
+        <a:xfrm>
+          <a:off x="0" y="0"/>
+          <a:ext cx="0" cy="0"/>
+          <a:chOff x="0" y="0"/>
+          <a:chExt cx="0" cy="0"/>
+        </a:xfrm>
+      </p:grpSpPr>
+      <p:sp>
+        <p:nvSpPr>
+          <p:cNvPr id="2" name="Slide Image Placeholder 1">
+            <a:extLst>
+              <a:ext uri="{FF2B5EF4-FFF2-40B4-BE49-F238E27FC236}">
+                <a16:creationId xmlns:a16="http://schemas.microsoft.com/office/drawing/2014/main" id="{4EE34161-39A9-94C2-4E62-A77B3CA38352}"/>
+              </a:ext>
+            </a:extLst>
+          </p:cNvPr>
+          <p:cNvSpPr>
+            <a:spLocks noGrp="1" noRot="1" noChangeAspect="1"/>
+          </p:cNvSpPr>
+          <p:nvPr>
+            <p:ph type="sldImg"/>
+          </p:nvPr>
+        </p:nvSpPr>
+        <p:spPr/>
+      </p:sp>
+      <p:sp>
+        <p:nvSpPr>
+          <p:cNvPr id="3" name="Notes Placeholder 2">
+            <a:extLst>
+              <a:ext uri="{FF2B5EF4-FFF2-40B4-BE49-F238E27FC236}">
+                <a16:creationId xmlns:a16="http://schemas.microsoft.com/office/drawing/2014/main" id="{B256E879-C388-C1A8-9F88-BD828EA7219A}"/>
+              </a:ext>
+            </a:extLst>
+          </p:cNvPr>
+          <p:cNvSpPr>
+            <a:spLocks noGrp="1"/>
+          </p:cNvSpPr>
+          <p:nvPr>
+            <p:ph type="body" idx="1"/>
+          </p:nvPr>
+        </p:nvSpPr>
+        <p:spPr/>
+        <p:txBody>
+          <a:bodyPr/>
+          <a:lstStyle/>
+          <a:p>
+            <a:r>
+              <a:rPr lang="en-US" i="1" dirty="0">
+                <a:effectLst/>
+                <a:latin typeface="Helvetica" pitchFamily="2" charset="0"/>
+              </a:rPr>
+              <a:t>It is closely related to the Normal distribution: it models the sum of k</a:t>
+            </a:r>
+            <a:r>
+              <a:rPr lang="en-US" i="0" dirty="0">
+                <a:effectLst/>
+                <a:latin typeface="Helvetica" pitchFamily="2" charset="0"/>
+              </a:rPr>
+              <a:t> </a:t>
+            </a:r>
+            <a:r>
+              <a:rPr lang="en-US" i="1" dirty="0">
+                <a:effectLst/>
+                <a:latin typeface="Helvetica" pitchFamily="2" charset="0"/>
+              </a:rPr>
+              <a:t>independent squared Z-scores!</a:t>
+            </a:r>
+            <a:endParaRPr lang="en-US" dirty="0">
+              <a:effectLst/>
+              <a:latin typeface="Helvetica" pitchFamily="2" charset="0"/>
+            </a:endParaRPr>
+          </a:p>
+          <a:p>
+            <a:endParaRPr lang="en-US" dirty="0"/>
+          </a:p>
+        </p:txBody>
+      </p:sp>
+      <p:sp>
+        <p:nvSpPr>
+          <p:cNvPr id="4" name="Slide Number Placeholder 3">
+            <a:extLst>
+              <a:ext uri="{FF2B5EF4-FFF2-40B4-BE49-F238E27FC236}">
+                <a16:creationId xmlns:a16="http://schemas.microsoft.com/office/drawing/2014/main" id="{AECBA29A-C24F-53E5-991F-2D2C901FFAB9}"/>
+              </a:ext>
+            </a:extLst>
+          </p:cNvPr>
+          <p:cNvSpPr>
+            <a:spLocks noGrp="1"/>
+          </p:cNvSpPr>
+          <p:nvPr>
+            <p:ph type="sldNum" sz="quarter" idx="5"/>
+          </p:nvPr>
+        </p:nvSpPr>
+        <p:spPr/>
+        <p:txBody>
+          <a:bodyPr/>
+          <a:lstStyle/>
+          <a:p>
+            <a:fld id="{E666506D-5C9B-294C-B2AE-15ACE8B5B9F7}" type="slidenum">
+              <a:rPr lang="en-US" smtClean="0"/>
+              <a:t>24</a:t>
+            </a:fld>
+            <a:endParaRPr lang="en-US"/>
+          </a:p>
+        </p:txBody>
+      </p:sp>
+    </p:spTree>
+    <p:extLst>
+      <p:ext uri="{BB962C8B-B14F-4D97-AF65-F5344CB8AC3E}">
+        <p14:creationId xmlns:p14="http://schemas.microsoft.com/office/powerpoint/2010/main" val="2574123188"/>
+      </p:ext>
+    </p:extLst>
+  </p:cSld>
+  <p:clrMapOvr>
+    <a:masterClrMapping/>
+  </p:clrMapOvr>
+</p:notes>
+</file>
+
+<file path=ppt/notesSlides/notesSlide23.xml><?xml version="1.0" encoding="utf-8"?>
+<p:notes xmlns:a="http://schemas.openxmlformats.org/drawingml/2006/main" xmlns:r="http://schemas.openxmlformats.org/officeDocument/2006/relationships" xmlns:p="http://schemas.openxmlformats.org/presentationml/2006/main">
+  <p:cSld>
+    <p:spTree>
+      <p:nvGrpSpPr>
+        <p:cNvPr id="1" name="">
+          <a:extLst>
+            <a:ext uri="{FF2B5EF4-FFF2-40B4-BE49-F238E27FC236}">
+              <a16:creationId xmlns:a16="http://schemas.microsoft.com/office/drawing/2014/main" id="{A5FFF428-A751-7C94-F8EA-50BA02FEA6B7}"/>
+            </a:ext>
+          </a:extLst>
+        </p:cNvPr>
+        <p:cNvGrpSpPr/>
+        <p:nvPr/>
+      </p:nvGrpSpPr>
+      <p:grpSpPr>
+        <a:xfrm>
+          <a:off x="0" y="0"/>
+          <a:ext cx="0" cy="0"/>
+          <a:chOff x="0" y="0"/>
+          <a:chExt cx="0" cy="0"/>
+        </a:xfrm>
+      </p:grpSpPr>
+      <p:sp>
+        <p:nvSpPr>
+          <p:cNvPr id="2" name="Slide Image Placeholder 1">
+            <a:extLst>
+              <a:ext uri="{FF2B5EF4-FFF2-40B4-BE49-F238E27FC236}">
+                <a16:creationId xmlns:a16="http://schemas.microsoft.com/office/drawing/2014/main" id="{4EE34161-39A9-94C2-4E62-A77B3CA38352}"/>
+              </a:ext>
+            </a:extLst>
+          </p:cNvPr>
+          <p:cNvSpPr>
+            <a:spLocks noGrp="1" noRot="1" noChangeAspect="1"/>
+          </p:cNvSpPr>
+          <p:nvPr>
+            <p:ph type="sldImg"/>
+          </p:nvPr>
+        </p:nvSpPr>
+        <p:spPr/>
+      </p:sp>
+      <p:sp>
+        <p:nvSpPr>
+          <p:cNvPr id="3" name="Notes Placeholder 2">
+            <a:extLst>
+              <a:ext uri="{FF2B5EF4-FFF2-40B4-BE49-F238E27FC236}">
+                <a16:creationId xmlns:a16="http://schemas.microsoft.com/office/drawing/2014/main" id="{B256E879-C388-C1A8-9F88-BD828EA7219A}"/>
+              </a:ext>
+            </a:extLst>
+          </p:cNvPr>
+          <p:cNvSpPr>
+            <a:spLocks noGrp="1"/>
+          </p:cNvSpPr>
+          <p:nvPr>
+            <p:ph type="body" idx="1"/>
+          </p:nvPr>
+        </p:nvSpPr>
+        <p:spPr/>
+        <p:txBody>
+          <a:bodyPr/>
+          <a:lstStyle/>
+          <a:p>
+            <a:pPr marL="228600" indent="-228600">
+              <a:buAutoNum type="arabicPeriod"/>
+            </a:pPr>
+            <a:r>
+              <a:rPr lang="en-US" i="1" dirty="0">
+                <a:effectLst/>
+                <a:latin typeface="Helvetica" pitchFamily="2" charset="0"/>
+              </a:rPr>
+              <a:t>hypotheses</a:t>
+            </a:r>
+          </a:p>
+          <a:p>
+            <a:pPr marL="228600" indent="-228600">
+              <a:buAutoNum type="arabicPeriod"/>
+            </a:pPr>
+            <a:r>
+              <a:rPr lang="en-US" i="1" dirty="0">
+                <a:effectLst/>
+                <a:latin typeface="Helvetica" pitchFamily="2" charset="0"/>
+              </a:rPr>
+              <a:t>test statistic</a:t>
+            </a:r>
+          </a:p>
+          <a:p>
+            <a:pPr marL="228600" indent="-228600">
+              <a:buAutoNum type="arabicPeriod"/>
+            </a:pPr>
+            <a:r>
+              <a:rPr lang="en-US" i="1" dirty="0">
+                <a:effectLst/>
+                <a:latin typeface="Helvetica" pitchFamily="2" charset="0"/>
+              </a:rPr>
+              <a:t>null distribution (assumptions)</a:t>
+            </a:r>
+          </a:p>
+          <a:p>
+            <a:pPr marL="228600" indent="-228600">
+              <a:buAutoNum type="arabicPeriod"/>
+            </a:pPr>
+            <a:r>
+              <a:rPr lang="en-US" i="1" dirty="0">
+                <a:effectLst/>
+                <a:latin typeface="Helvetica" pitchFamily="2" charset="0"/>
+              </a:rPr>
+              <a:t>p-value </a:t>
+            </a:r>
+            <a:endParaRPr lang="en-US" dirty="0">
+              <a:effectLst/>
+              <a:latin typeface="Helvetica" pitchFamily="2" charset="0"/>
+            </a:endParaRPr>
+          </a:p>
+          <a:p>
+            <a:endParaRPr lang="en-US" dirty="0"/>
+          </a:p>
+        </p:txBody>
+      </p:sp>
+      <p:sp>
+        <p:nvSpPr>
+          <p:cNvPr id="4" name="Slide Number Placeholder 3">
+            <a:extLst>
+              <a:ext uri="{FF2B5EF4-FFF2-40B4-BE49-F238E27FC236}">
+                <a16:creationId xmlns:a16="http://schemas.microsoft.com/office/drawing/2014/main" id="{AECBA29A-C24F-53E5-991F-2D2C901FFAB9}"/>
+              </a:ext>
+            </a:extLst>
+          </p:cNvPr>
+          <p:cNvSpPr>
+            <a:spLocks noGrp="1"/>
+          </p:cNvSpPr>
+          <p:nvPr>
+            <p:ph type="sldNum" sz="quarter" idx="5"/>
+          </p:nvPr>
+        </p:nvSpPr>
+        <p:spPr/>
+        <p:txBody>
+          <a:bodyPr/>
+          <a:lstStyle/>
+          <a:p>
+            <a:fld id="{E666506D-5C9B-294C-B2AE-15ACE8B5B9F7}" type="slidenum">
+              <a:rPr lang="en-US" smtClean="0"/>
+              <a:t>25</a:t>
+            </a:fld>
+            <a:endParaRPr lang="en-US"/>
+          </a:p>
+        </p:txBody>
+      </p:sp>
+    </p:spTree>
+    <p:extLst>
+      <p:ext uri="{BB962C8B-B14F-4D97-AF65-F5344CB8AC3E}">
+        <p14:creationId xmlns:p14="http://schemas.microsoft.com/office/powerpoint/2010/main" val="4205914694"/>
+      </p:ext>
+    </p:extLst>
+  </p:cSld>
+  <p:clrMapOvr>
+    <a:masterClrMapping/>
+  </p:clrMapOvr>
+</p:notes>
+</file>
+
+<file path=ppt/notesSlides/notesSlide24.xml><?xml version="1.0" encoding="utf-8"?>
+<p:notes xmlns:a="http://schemas.openxmlformats.org/drawingml/2006/main" xmlns:r="http://schemas.openxmlformats.org/officeDocument/2006/relationships" xmlns:p="http://schemas.openxmlformats.org/presentationml/2006/main">
+  <p:cSld>
+    <p:spTree>
+      <p:nvGrpSpPr>
+        <p:cNvPr id="1" name="">
+          <a:extLst>
+            <a:ext uri="{FF2B5EF4-FFF2-40B4-BE49-F238E27FC236}">
+              <a16:creationId xmlns:a16="http://schemas.microsoft.com/office/drawing/2014/main" id="{A5FFF428-A751-7C94-F8EA-50BA02FEA6B7}"/>
+            </a:ext>
+          </a:extLst>
+        </p:cNvPr>
+        <p:cNvGrpSpPr/>
+        <p:nvPr/>
+      </p:nvGrpSpPr>
+      <p:grpSpPr>
+        <a:xfrm>
+          <a:off x="0" y="0"/>
+          <a:ext cx="0" cy="0"/>
+          <a:chOff x="0" y="0"/>
+          <a:chExt cx="0" cy="0"/>
+        </a:xfrm>
+      </p:grpSpPr>
+      <p:sp>
+        <p:nvSpPr>
+          <p:cNvPr id="2" name="Slide Image Placeholder 1">
+            <a:extLst>
+              <a:ext uri="{FF2B5EF4-FFF2-40B4-BE49-F238E27FC236}">
+                <a16:creationId xmlns:a16="http://schemas.microsoft.com/office/drawing/2014/main" id="{4EE34161-39A9-94C2-4E62-A77B3CA38352}"/>
+              </a:ext>
+            </a:extLst>
+          </p:cNvPr>
+          <p:cNvSpPr>
+            <a:spLocks noGrp="1" noRot="1" noChangeAspect="1"/>
+          </p:cNvSpPr>
+          <p:nvPr>
+            <p:ph type="sldImg"/>
+          </p:nvPr>
+        </p:nvSpPr>
+        <p:spPr/>
+      </p:sp>
+      <p:sp>
+        <p:nvSpPr>
+          <p:cNvPr id="3" name="Notes Placeholder 2">
+            <a:extLst>
+              <a:ext uri="{FF2B5EF4-FFF2-40B4-BE49-F238E27FC236}">
+                <a16:creationId xmlns:a16="http://schemas.microsoft.com/office/drawing/2014/main" id="{B256E879-C388-C1A8-9F88-BD828EA7219A}"/>
+              </a:ext>
+            </a:extLst>
+          </p:cNvPr>
+          <p:cNvSpPr>
+            <a:spLocks noGrp="1"/>
+          </p:cNvSpPr>
+          <p:nvPr>
+            <p:ph type="body" idx="1"/>
+          </p:nvPr>
+        </p:nvSpPr>
+        <p:spPr/>
+        <p:txBody>
+          <a:bodyPr/>
+          <a:lstStyle/>
+          <a:p>
+            <a:pPr marL="228600" indent="-228600">
+              <a:buAutoNum type="arabicPeriod"/>
+            </a:pPr>
+            <a:r>
+              <a:rPr lang="en-US" i="1" dirty="0">
+                <a:effectLst/>
+                <a:latin typeface="Helvetica" pitchFamily="2" charset="0"/>
+              </a:rPr>
+              <a:t>hypotheses</a:t>
+            </a:r>
+          </a:p>
+          <a:p>
+            <a:pPr marL="228600" indent="-228600">
+              <a:buAutoNum type="arabicPeriod"/>
+            </a:pPr>
+            <a:r>
+              <a:rPr lang="en-US" i="1" dirty="0">
+                <a:effectLst/>
+                <a:latin typeface="Helvetica" pitchFamily="2" charset="0"/>
+              </a:rPr>
+              <a:t>test statistic</a:t>
+            </a:r>
+          </a:p>
+          <a:p>
+            <a:pPr marL="228600" indent="-228600">
+              <a:buAutoNum type="arabicPeriod"/>
+            </a:pPr>
+            <a:r>
+              <a:rPr lang="en-US" i="1" dirty="0">
+                <a:effectLst/>
+                <a:latin typeface="Helvetica" pitchFamily="2" charset="0"/>
+              </a:rPr>
+              <a:t>null distribution (assumptions)</a:t>
+            </a:r>
+          </a:p>
+          <a:p>
+            <a:pPr marL="228600" indent="-228600">
+              <a:buAutoNum type="arabicPeriod"/>
+            </a:pPr>
+            <a:r>
+              <a:rPr lang="en-US" i="1" dirty="0">
+                <a:effectLst/>
+                <a:latin typeface="Helvetica" pitchFamily="2" charset="0"/>
+              </a:rPr>
+              <a:t>p-value </a:t>
+            </a:r>
+            <a:endParaRPr lang="en-US" dirty="0">
+              <a:effectLst/>
+              <a:latin typeface="Helvetica" pitchFamily="2" charset="0"/>
+            </a:endParaRPr>
+          </a:p>
+          <a:p>
+            <a:endParaRPr lang="en-US" dirty="0"/>
+          </a:p>
+        </p:txBody>
+      </p:sp>
+      <p:sp>
+        <p:nvSpPr>
+          <p:cNvPr id="4" name="Slide Number Placeholder 3">
+            <a:extLst>
+              <a:ext uri="{FF2B5EF4-FFF2-40B4-BE49-F238E27FC236}">
+                <a16:creationId xmlns:a16="http://schemas.microsoft.com/office/drawing/2014/main" id="{AECBA29A-C24F-53E5-991F-2D2C901FFAB9}"/>
+              </a:ext>
+            </a:extLst>
+          </p:cNvPr>
+          <p:cNvSpPr>
+            <a:spLocks noGrp="1"/>
+          </p:cNvSpPr>
+          <p:nvPr>
+            <p:ph type="sldNum" sz="quarter" idx="5"/>
+          </p:nvPr>
+        </p:nvSpPr>
+        <p:spPr/>
+        <p:txBody>
+          <a:bodyPr/>
+          <a:lstStyle/>
+          <a:p>
+            <a:fld id="{E666506D-5C9B-294C-B2AE-15ACE8B5B9F7}" type="slidenum">
+              <a:rPr lang="en-US" smtClean="0"/>
+              <a:t>26</a:t>
+            </a:fld>
+            <a:endParaRPr lang="en-US"/>
+          </a:p>
+        </p:txBody>
+      </p:sp>
+    </p:spTree>
+    <p:extLst>
+      <p:ext uri="{BB962C8B-B14F-4D97-AF65-F5344CB8AC3E}">
+        <p14:creationId xmlns:p14="http://schemas.microsoft.com/office/powerpoint/2010/main" val="3117398323"/>
       </p:ext>
     </p:extLst>
   </p:cSld>
@@ -1218,7 +3063,223 @@
     </p:spTree>
     <p:extLst>
       <p:ext uri="{BB962C8B-B14F-4D97-AF65-F5344CB8AC3E}">
-        <p14:creationId xmlns:p14="http://schemas.microsoft.com/office/powerpoint/2010/main" val="2308269220"/>
+        <p14:creationId xmlns:p14="http://schemas.microsoft.com/office/powerpoint/2010/main" val="4267346840"/>
+      </p:ext>
+    </p:extLst>
+  </p:cSld>
+  <p:clrMapOvr>
+    <a:masterClrMapping/>
+  </p:clrMapOvr>
+</p:notes>
+</file>
+
+<file path=ppt/notesSlides/notesSlide8.xml><?xml version="1.0" encoding="utf-8"?>
+<p:notes xmlns:a="http://schemas.openxmlformats.org/drawingml/2006/main" xmlns:r="http://schemas.openxmlformats.org/officeDocument/2006/relationships" xmlns:p="http://schemas.openxmlformats.org/presentationml/2006/main">
+  <p:cSld>
+    <p:spTree>
+      <p:nvGrpSpPr>
+        <p:cNvPr id="1" name="">
+          <a:extLst>
+            <a:ext uri="{FF2B5EF4-FFF2-40B4-BE49-F238E27FC236}">
+              <a16:creationId xmlns:a16="http://schemas.microsoft.com/office/drawing/2014/main" id="{A5FFF428-A751-7C94-F8EA-50BA02FEA6B7}"/>
+            </a:ext>
+          </a:extLst>
+        </p:cNvPr>
+        <p:cNvGrpSpPr/>
+        <p:nvPr/>
+      </p:nvGrpSpPr>
+      <p:grpSpPr>
+        <a:xfrm>
+          <a:off x="0" y="0"/>
+          <a:ext cx="0" cy="0"/>
+          <a:chOff x="0" y="0"/>
+          <a:chExt cx="0" cy="0"/>
+        </a:xfrm>
+      </p:grpSpPr>
+      <p:sp>
+        <p:nvSpPr>
+          <p:cNvPr id="2" name="Slide Image Placeholder 1">
+            <a:extLst>
+              <a:ext uri="{FF2B5EF4-FFF2-40B4-BE49-F238E27FC236}">
+                <a16:creationId xmlns:a16="http://schemas.microsoft.com/office/drawing/2014/main" id="{4EE34161-39A9-94C2-4E62-A77B3CA38352}"/>
+              </a:ext>
+            </a:extLst>
+          </p:cNvPr>
+          <p:cNvSpPr>
+            <a:spLocks noGrp="1" noRot="1" noChangeAspect="1"/>
+          </p:cNvSpPr>
+          <p:nvPr>
+            <p:ph type="sldImg"/>
+          </p:nvPr>
+        </p:nvSpPr>
+        <p:spPr/>
+      </p:sp>
+      <p:sp>
+        <p:nvSpPr>
+          <p:cNvPr id="3" name="Notes Placeholder 2">
+            <a:extLst>
+              <a:ext uri="{FF2B5EF4-FFF2-40B4-BE49-F238E27FC236}">
+                <a16:creationId xmlns:a16="http://schemas.microsoft.com/office/drawing/2014/main" id="{B256E879-C388-C1A8-9F88-BD828EA7219A}"/>
+              </a:ext>
+            </a:extLst>
+          </p:cNvPr>
+          <p:cNvSpPr>
+            <a:spLocks noGrp="1"/>
+          </p:cNvSpPr>
+          <p:nvPr>
+            <p:ph type="body" idx="1"/>
+          </p:nvPr>
+        </p:nvSpPr>
+        <p:spPr/>
+        <p:txBody>
+          <a:bodyPr/>
+          <a:lstStyle/>
+          <a:p>
+            <a:endParaRPr lang="en-US" dirty="0"/>
+          </a:p>
+        </p:txBody>
+      </p:sp>
+      <p:sp>
+        <p:nvSpPr>
+          <p:cNvPr id="4" name="Slide Number Placeholder 3">
+            <a:extLst>
+              <a:ext uri="{FF2B5EF4-FFF2-40B4-BE49-F238E27FC236}">
+                <a16:creationId xmlns:a16="http://schemas.microsoft.com/office/drawing/2014/main" id="{AECBA29A-C24F-53E5-991F-2D2C901FFAB9}"/>
+              </a:ext>
+            </a:extLst>
+          </p:cNvPr>
+          <p:cNvSpPr>
+            <a:spLocks noGrp="1"/>
+          </p:cNvSpPr>
+          <p:nvPr>
+            <p:ph type="sldNum" sz="quarter" idx="5"/>
+          </p:nvPr>
+        </p:nvSpPr>
+        <p:spPr/>
+        <p:txBody>
+          <a:bodyPr/>
+          <a:lstStyle/>
+          <a:p>
+            <a:fld id="{E666506D-5C9B-294C-B2AE-15ACE8B5B9F7}" type="slidenum">
+              <a:rPr lang="en-US" smtClean="0"/>
+              <a:t>10</a:t>
+            </a:fld>
+            <a:endParaRPr lang="en-US"/>
+          </a:p>
+        </p:txBody>
+      </p:sp>
+    </p:spTree>
+    <p:extLst>
+      <p:ext uri="{BB962C8B-B14F-4D97-AF65-F5344CB8AC3E}">
+        <p14:creationId xmlns:p14="http://schemas.microsoft.com/office/powerpoint/2010/main" val="2442025846"/>
+      </p:ext>
+    </p:extLst>
+  </p:cSld>
+  <p:clrMapOvr>
+    <a:masterClrMapping/>
+  </p:clrMapOvr>
+</p:notes>
+</file>
+
+<file path=ppt/notesSlides/notesSlide9.xml><?xml version="1.0" encoding="utf-8"?>
+<p:notes xmlns:a="http://schemas.openxmlformats.org/drawingml/2006/main" xmlns:r="http://schemas.openxmlformats.org/officeDocument/2006/relationships" xmlns:p="http://schemas.openxmlformats.org/presentationml/2006/main">
+  <p:cSld>
+    <p:spTree>
+      <p:nvGrpSpPr>
+        <p:cNvPr id="1" name="">
+          <a:extLst>
+            <a:ext uri="{FF2B5EF4-FFF2-40B4-BE49-F238E27FC236}">
+              <a16:creationId xmlns:a16="http://schemas.microsoft.com/office/drawing/2014/main" id="{A5FFF428-A751-7C94-F8EA-50BA02FEA6B7}"/>
+            </a:ext>
+          </a:extLst>
+        </p:cNvPr>
+        <p:cNvGrpSpPr/>
+        <p:nvPr/>
+      </p:nvGrpSpPr>
+      <p:grpSpPr>
+        <a:xfrm>
+          <a:off x="0" y="0"/>
+          <a:ext cx="0" cy="0"/>
+          <a:chOff x="0" y="0"/>
+          <a:chExt cx="0" cy="0"/>
+        </a:xfrm>
+      </p:grpSpPr>
+      <p:sp>
+        <p:nvSpPr>
+          <p:cNvPr id="2" name="Slide Image Placeholder 1">
+            <a:extLst>
+              <a:ext uri="{FF2B5EF4-FFF2-40B4-BE49-F238E27FC236}">
+                <a16:creationId xmlns:a16="http://schemas.microsoft.com/office/drawing/2014/main" id="{4EE34161-39A9-94C2-4E62-A77B3CA38352}"/>
+              </a:ext>
+            </a:extLst>
+          </p:cNvPr>
+          <p:cNvSpPr>
+            <a:spLocks noGrp="1" noRot="1" noChangeAspect="1"/>
+          </p:cNvSpPr>
+          <p:nvPr>
+            <p:ph type="sldImg"/>
+          </p:nvPr>
+        </p:nvSpPr>
+        <p:spPr/>
+      </p:sp>
+      <p:sp>
+        <p:nvSpPr>
+          <p:cNvPr id="3" name="Notes Placeholder 2">
+            <a:extLst>
+              <a:ext uri="{FF2B5EF4-FFF2-40B4-BE49-F238E27FC236}">
+                <a16:creationId xmlns:a16="http://schemas.microsoft.com/office/drawing/2014/main" id="{B256E879-C388-C1A8-9F88-BD828EA7219A}"/>
+              </a:ext>
+            </a:extLst>
+          </p:cNvPr>
+          <p:cNvSpPr>
+            <a:spLocks noGrp="1"/>
+          </p:cNvSpPr>
+          <p:nvPr>
+            <p:ph type="body" idx="1"/>
+          </p:nvPr>
+        </p:nvSpPr>
+        <p:spPr/>
+        <p:txBody>
+          <a:bodyPr/>
+          <a:lstStyle/>
+          <a:p>
+            <a:endParaRPr lang="en-US" dirty="0"/>
+          </a:p>
+        </p:txBody>
+      </p:sp>
+      <p:sp>
+        <p:nvSpPr>
+          <p:cNvPr id="4" name="Slide Number Placeholder 3">
+            <a:extLst>
+              <a:ext uri="{FF2B5EF4-FFF2-40B4-BE49-F238E27FC236}">
+                <a16:creationId xmlns:a16="http://schemas.microsoft.com/office/drawing/2014/main" id="{AECBA29A-C24F-53E5-991F-2D2C901FFAB9}"/>
+              </a:ext>
+            </a:extLst>
+          </p:cNvPr>
+          <p:cNvSpPr>
+            <a:spLocks noGrp="1"/>
+          </p:cNvSpPr>
+          <p:nvPr>
+            <p:ph type="sldNum" sz="quarter" idx="5"/>
+          </p:nvPr>
+        </p:nvSpPr>
+        <p:spPr/>
+        <p:txBody>
+          <a:bodyPr/>
+          <a:lstStyle/>
+          <a:p>
+            <a:fld id="{E666506D-5C9B-294C-B2AE-15ACE8B5B9F7}" type="slidenum">
+              <a:rPr lang="en-US" smtClean="0"/>
+              <a:t>11</a:t>
+            </a:fld>
+            <a:endParaRPr lang="en-US"/>
+          </a:p>
+        </p:txBody>
+      </p:sp>
+    </p:spTree>
+    <p:extLst>
+      <p:ext uri="{BB962C8B-B14F-4D97-AF65-F5344CB8AC3E}">
+        <p14:creationId xmlns:p14="http://schemas.microsoft.com/office/powerpoint/2010/main" val="2499540434"/>
       </p:ext>
     </p:extLst>
   </p:cSld>
@@ -1453,7 +3514,7 @@
             <a:fld id="{5586B75A-687E-405C-8A0B-8D00578BA2C3}" type="datetimeFigureOut">
               <a:rPr lang="en-US" smtClean="0"/>
               <a:pPr/>
-              <a:t>3/19/24</a:t>
+              <a:t>3/20/24</a:t>
             </a:fld>
             <a:endParaRPr lang="en-US" dirty="0"/>
           </a:p>
@@ -1625,7 +3686,7 @@
             <a:fld id="{5586B75A-687E-405C-8A0B-8D00578BA2C3}" type="datetimeFigureOut">
               <a:rPr lang="en-US" smtClean="0"/>
               <a:pPr/>
-              <a:t>3/19/24</a:t>
+              <a:t>3/20/24</a:t>
             </a:fld>
             <a:endParaRPr lang="en-US" dirty="0"/>
           </a:p>
@@ -1807,7 +3868,7 @@
             <a:fld id="{5586B75A-687E-405C-8A0B-8D00578BA2C3}" type="datetimeFigureOut">
               <a:rPr lang="en-US" smtClean="0"/>
               <a:pPr/>
-              <a:t>3/19/24</a:t>
+              <a:t>3/20/24</a:t>
             </a:fld>
             <a:endParaRPr lang="en-US" dirty="0"/>
           </a:p>
@@ -1979,7 +4040,7 @@
             <a:fld id="{5586B75A-687E-405C-8A0B-8D00578BA2C3}" type="datetimeFigureOut">
               <a:rPr lang="en-US" smtClean="0"/>
               <a:pPr/>
-              <a:t>3/19/24</a:t>
+              <a:t>3/20/24</a:t>
             </a:fld>
             <a:endParaRPr lang="en-US" dirty="0"/>
           </a:p>
@@ -2235,7 +4296,7 @@
             <a:fld id="{5586B75A-687E-405C-8A0B-8D00578BA2C3}" type="datetimeFigureOut">
               <a:rPr lang="en-US" smtClean="0"/>
               <a:pPr/>
-              <a:t>3/19/24</a:t>
+              <a:t>3/20/24</a:t>
             </a:fld>
             <a:endParaRPr lang="en-US" dirty="0"/>
           </a:p>
@@ -2525,7 +4586,7 @@
             <a:fld id="{5586B75A-687E-405C-8A0B-8D00578BA2C3}" type="datetimeFigureOut">
               <a:rPr lang="en-US" smtClean="0"/>
               <a:pPr/>
-              <a:t>3/19/24</a:t>
+              <a:t>3/20/24</a:t>
             </a:fld>
             <a:endParaRPr lang="en-US" dirty="0"/>
           </a:p>
@@ -2969,7 +5030,7 @@
             <a:fld id="{5586B75A-687E-405C-8A0B-8D00578BA2C3}" type="datetimeFigureOut">
               <a:rPr lang="en-US" smtClean="0"/>
               <a:pPr/>
-              <a:t>3/19/24</a:t>
+              <a:t>3/20/24</a:t>
             </a:fld>
             <a:endParaRPr lang="en-US" dirty="0"/>
           </a:p>
@@ -3089,7 +5150,7 @@
             <a:fld id="{5586B75A-687E-405C-8A0B-8D00578BA2C3}" type="datetimeFigureOut">
               <a:rPr lang="en-US" smtClean="0"/>
               <a:pPr/>
-              <a:t>3/19/24</a:t>
+              <a:t>3/20/24</a:t>
             </a:fld>
             <a:endParaRPr lang="en-US" dirty="0"/>
           </a:p>
@@ -3186,7 +5247,7 @@
             <a:fld id="{5586B75A-687E-405C-8A0B-8D00578BA2C3}" type="datetimeFigureOut">
               <a:rPr lang="en-US" smtClean="0"/>
               <a:pPr/>
-              <a:t>3/19/24</a:t>
+              <a:t>3/20/24</a:t>
             </a:fld>
             <a:endParaRPr lang="en-US" dirty="0"/>
           </a:p>
@@ -3476,7 +5537,7 @@
             <a:fld id="{5586B75A-687E-405C-8A0B-8D00578BA2C3}" type="datetimeFigureOut">
               <a:rPr lang="en-US" smtClean="0"/>
               <a:pPr/>
-              <a:t>3/19/24</a:t>
+              <a:t>3/20/24</a:t>
             </a:fld>
             <a:endParaRPr lang="en-US" dirty="0"/>
           </a:p>
@@ -3751,7 +5812,7 @@
             <a:fld id="{5586B75A-687E-405C-8A0B-8D00578BA2C3}" type="datetimeFigureOut">
               <a:rPr lang="en-US" smtClean="0"/>
               <a:pPr/>
-              <a:t>3/19/24</a:t>
+              <a:t>3/20/24</a:t>
             </a:fld>
             <a:endParaRPr lang="en-US" dirty="0"/>
           </a:p>
@@ -4050,7 +6111,7 @@
             <a:fld id="{5586B75A-687E-405C-8A0B-8D00578BA2C3}" type="datetimeFigureOut">
               <a:rPr lang="en-US" smtClean="0"/>
               <a:pPr/>
-              <a:t>3/19/24</a:t>
+              <a:t>3/20/24</a:t>
             </a:fld>
             <a:endParaRPr lang="en-US" dirty="0"/>
           </a:p>
@@ -4650,6 +6711,3796 @@
 </p:sld>
 </file>
 
+<file path=ppt/slides/slide10.xml><?xml version="1.0" encoding="utf-8"?>
+<p:sld xmlns:a="http://schemas.openxmlformats.org/drawingml/2006/main" xmlns:r="http://schemas.openxmlformats.org/officeDocument/2006/relationships" xmlns:p="http://schemas.openxmlformats.org/presentationml/2006/main">
+  <p:cSld>
+    <p:spTree>
+      <p:nvGrpSpPr>
+        <p:cNvPr id="1" name="">
+          <a:extLst>
+            <a:ext uri="{FF2B5EF4-FFF2-40B4-BE49-F238E27FC236}">
+              <a16:creationId xmlns:a16="http://schemas.microsoft.com/office/drawing/2014/main" id="{51E8B79B-E8E6-9CBC-CFFE-FCF3DF3ACC0B}"/>
+            </a:ext>
+          </a:extLst>
+        </p:cNvPr>
+        <p:cNvGrpSpPr/>
+        <p:nvPr/>
+      </p:nvGrpSpPr>
+      <p:grpSpPr>
+        <a:xfrm>
+          <a:off x="0" y="0"/>
+          <a:ext cx="0" cy="0"/>
+          <a:chOff x="0" y="0"/>
+          <a:chExt cx="0" cy="0"/>
+        </a:xfrm>
+      </p:grpSpPr>
+      <p:sp>
+        <p:nvSpPr>
+          <p:cNvPr id="25" name="Title 24">
+            <a:extLst>
+              <a:ext uri="{FF2B5EF4-FFF2-40B4-BE49-F238E27FC236}">
+                <a16:creationId xmlns:a16="http://schemas.microsoft.com/office/drawing/2014/main" id="{F8453FC2-5BE9-D49A-A77C-346F0550F648}"/>
+              </a:ext>
+            </a:extLst>
+          </p:cNvPr>
+          <p:cNvSpPr>
+            <a:spLocks noGrp="1"/>
+          </p:cNvSpPr>
+          <p:nvPr>
+            <p:ph type="title"/>
+          </p:nvPr>
+        </p:nvSpPr>
+        <p:spPr/>
+        <p:txBody>
+          <a:bodyPr/>
+          <a:lstStyle/>
+          <a:p>
+            <a:r>
+              <a:rPr lang="en-US" dirty="0"/>
+              <a:t>Inference for Categorical Variables</a:t>
+            </a:r>
+          </a:p>
+        </p:txBody>
+      </p:sp>
+      <mc:AlternateContent xmlns:mc="http://schemas.openxmlformats.org/markup-compatibility/2006">
+        <mc:Choice xmlns:a14="http://schemas.microsoft.com/office/drawing/2010/main" Requires="a14">
+          <p:sp>
+            <p:nvSpPr>
+              <p:cNvPr id="2" name="TextBox 1">
+                <a:extLst>
+                  <a:ext uri="{FF2B5EF4-FFF2-40B4-BE49-F238E27FC236}">
+                    <a16:creationId xmlns:a16="http://schemas.microsoft.com/office/drawing/2014/main" id="{8D969975-513F-DB6C-92CE-5FE1EB582BDC}"/>
+                  </a:ext>
+                </a:extLst>
+              </p:cNvPr>
+              <p:cNvSpPr txBox="1"/>
+              <p:nvPr/>
+            </p:nvSpPr>
+            <p:spPr>
+              <a:xfrm>
+                <a:off x="3481771" y="166110"/>
+                <a:ext cx="8176829" cy="5632311"/>
+              </a:xfrm>
+              <a:prstGeom prst="rect">
+                <a:avLst/>
+              </a:prstGeom>
+              <a:noFill/>
+            </p:spPr>
+            <p:txBody>
+              <a:bodyPr wrap="square" rtlCol="0">
+                <a:spAutoFit/>
+              </a:bodyPr>
+              <a:lstStyle/>
+              <a:p>
+                <a:r>
+                  <a:rPr lang="en-US" sz="2400" dirty="0"/>
+                  <a:t>Hypothesis Tests for Categorical Variables with more than 2 levels follow the same recipe as the binary examples we’ve looked at:</a:t>
+                </a:r>
+              </a:p>
+              <a:p>
+                <a:endParaRPr lang="en-US" sz="2400" dirty="0"/>
+              </a:p>
+              <a:p>
+                <a:r>
+                  <a:rPr lang="en-US" sz="2400" dirty="0"/>
+                  <a:t>Pieces of a Hypothesis test:</a:t>
+                </a:r>
+              </a:p>
+              <a:p>
+                <a:pPr marL="457200" indent="-457200">
+                  <a:buAutoNum type="arabicPeriod"/>
+                </a:pPr>
+                <a:r>
+                  <a:rPr lang="en-US" sz="2400" b="1" i="1" dirty="0"/>
+                  <a:t>Null and Alternative Hypotheses</a:t>
+                </a:r>
+              </a:p>
+              <a:p>
+                <a:pPr marL="457200" indent="-457200">
+                  <a:buAutoNum type="arabicPeriod"/>
+                </a:pPr>
+                <a:r>
+                  <a:rPr lang="en-US" sz="2400" b="1" i="1" dirty="0"/>
+                  <a:t>Test Statistic</a:t>
+                </a:r>
+              </a:p>
+              <a:p>
+                <a:pPr marL="457200" indent="-457200">
+                  <a:buAutoNum type="arabicPeriod"/>
+                </a:pPr>
+                <a:r>
+                  <a:rPr lang="en-US" sz="2400" b="1" i="1" dirty="0"/>
+                  <a:t>Null Distribution	</a:t>
+                </a:r>
+                <a:endParaRPr lang="en-US" sz="2400" dirty="0"/>
+              </a:p>
+              <a:p>
+                <a:pPr marL="457200" indent="-457200">
+                  <a:buFont typeface="+mj-lt"/>
+                  <a:buAutoNum type="arabicPeriod" startAt="4"/>
+                </a:pPr>
+                <a:r>
+                  <a:rPr lang="en-US" sz="2400" b="1" i="1" dirty="0"/>
+                  <a:t>P-value</a:t>
+                </a:r>
+              </a:p>
+              <a:p>
+                <a:endParaRPr lang="en-US" sz="2400" dirty="0"/>
+              </a:p>
+              <a:p>
+                <a:r>
+                  <a:rPr lang="en-US" sz="2400" dirty="0"/>
+                  <a:t>However now, our test statistic is the Chi-square statistic (instead of </a:t>
+                </a:r>
+                <a14:m>
+                  <m:oMath xmlns:m="http://schemas.openxmlformats.org/officeDocument/2006/math">
+                    <m:acc>
+                      <m:accPr>
+                        <m:chr m:val="̂"/>
+                        <m:ctrlPr>
+                          <a:rPr lang="en-US" sz="2400" b="0" i="1" smtClean="0">
+                            <a:latin typeface="Cambria Math" panose="02040503050406030204" pitchFamily="18" charset="0"/>
+                          </a:rPr>
+                        </m:ctrlPr>
+                      </m:accPr>
+                      <m:e>
+                        <m:r>
+                          <a:rPr lang="en-US" sz="2400" b="0" i="1" smtClean="0">
+                            <a:latin typeface="Cambria Math" panose="02040503050406030204" pitchFamily="18" charset="0"/>
+                          </a:rPr>
+                          <m:t>𝑝</m:t>
+                        </m:r>
+                      </m:e>
+                    </m:acc>
+                  </m:oMath>
+                </a14:m>
+                <a:r>
+                  <a:rPr lang="en-US" sz="2400" dirty="0"/>
+                  <a:t>)</a:t>
+                </a:r>
+              </a:p>
+              <a:p>
+                <a:endParaRPr lang="en-US" sz="2400" dirty="0"/>
+              </a:p>
+              <a:p>
+                <a:r>
+                  <a:rPr lang="en-US" sz="2400" dirty="0"/>
+                  <a:t>and our null distribution will be modeled by the Chi distribution (instead of the normal distribution). </a:t>
+                </a:r>
+              </a:p>
+            </p:txBody>
+          </p:sp>
+        </mc:Choice>
+        <mc:Fallback>
+          <p:sp>
+            <p:nvSpPr>
+              <p:cNvPr id="2" name="TextBox 1">
+                <a:extLst>
+                  <a:ext uri="{FF2B5EF4-FFF2-40B4-BE49-F238E27FC236}">
+                    <a16:creationId xmlns:a16="http://schemas.microsoft.com/office/drawing/2014/main" id="{8D969975-513F-DB6C-92CE-5FE1EB582BDC}"/>
+                  </a:ext>
+                </a:extLst>
+              </p:cNvPr>
+              <p:cNvSpPr txBox="1">
+                <a:spLocks noRot="1" noChangeAspect="1" noMove="1" noResize="1" noEditPoints="1" noAdjustHandles="1" noChangeArrowheads="1" noChangeShapeType="1" noTextEdit="1"/>
+              </p:cNvSpPr>
+              <p:nvPr/>
+            </p:nvSpPr>
+            <p:spPr>
+              <a:xfrm>
+                <a:off x="3481771" y="166110"/>
+                <a:ext cx="8176829" cy="5632311"/>
+              </a:xfrm>
+              <a:prstGeom prst="rect">
+                <a:avLst/>
+              </a:prstGeom>
+              <a:blipFill>
+                <a:blip r:embed="rId3"/>
+                <a:stretch>
+                  <a:fillRect l="-1240" t="-674" r="-310" b="-1573"/>
+                </a:stretch>
+              </a:blipFill>
+            </p:spPr>
+            <p:txBody>
+              <a:bodyPr/>
+              <a:lstStyle/>
+              <a:p>
+                <a:r>
+                  <a:rPr lang="en-US">
+                    <a:noFill/>
+                  </a:rPr>
+                  <a:t> </a:t>
+                </a:r>
+              </a:p>
+            </p:txBody>
+          </p:sp>
+        </mc:Fallback>
+      </mc:AlternateContent>
+    </p:spTree>
+    <p:extLst>
+      <p:ext uri="{BB962C8B-B14F-4D97-AF65-F5344CB8AC3E}">
+        <p14:creationId xmlns:p14="http://schemas.microsoft.com/office/powerpoint/2010/main" val="3874084933"/>
+      </p:ext>
+    </p:extLst>
+  </p:cSld>
+  <p:clrMapOvr>
+    <a:masterClrMapping/>
+  </p:clrMapOvr>
+  <p:transition>
+    <p:cut/>
+  </p:transition>
+</p:sld>
+</file>
+
+<file path=ppt/slides/slide11.xml><?xml version="1.0" encoding="utf-8"?>
+<p:sld xmlns:a="http://schemas.openxmlformats.org/drawingml/2006/main" xmlns:r="http://schemas.openxmlformats.org/officeDocument/2006/relationships" xmlns:p="http://schemas.openxmlformats.org/presentationml/2006/main">
+  <p:cSld>
+    <p:spTree>
+      <p:nvGrpSpPr>
+        <p:cNvPr id="1" name="">
+          <a:extLst>
+            <a:ext uri="{FF2B5EF4-FFF2-40B4-BE49-F238E27FC236}">
+              <a16:creationId xmlns:a16="http://schemas.microsoft.com/office/drawing/2014/main" id="{51E8B79B-E8E6-9CBC-CFFE-FCF3DF3ACC0B}"/>
+            </a:ext>
+          </a:extLst>
+        </p:cNvPr>
+        <p:cNvGrpSpPr/>
+        <p:nvPr/>
+      </p:nvGrpSpPr>
+      <p:grpSpPr>
+        <a:xfrm>
+          <a:off x="0" y="0"/>
+          <a:ext cx="0" cy="0"/>
+          <a:chOff x="0" y="0"/>
+          <a:chExt cx="0" cy="0"/>
+        </a:xfrm>
+      </p:grpSpPr>
+      <p:sp>
+        <p:nvSpPr>
+          <p:cNvPr id="25" name="Title 24">
+            <a:extLst>
+              <a:ext uri="{FF2B5EF4-FFF2-40B4-BE49-F238E27FC236}">
+                <a16:creationId xmlns:a16="http://schemas.microsoft.com/office/drawing/2014/main" id="{F8453FC2-5BE9-D49A-A77C-346F0550F648}"/>
+              </a:ext>
+            </a:extLst>
+          </p:cNvPr>
+          <p:cNvSpPr>
+            <a:spLocks noGrp="1"/>
+          </p:cNvSpPr>
+          <p:nvPr>
+            <p:ph type="title"/>
+          </p:nvPr>
+        </p:nvSpPr>
+        <p:spPr/>
+        <p:txBody>
+          <a:bodyPr/>
+          <a:lstStyle/>
+          <a:p>
+            <a:r>
+              <a:rPr lang="en-US" dirty="0"/>
+              <a:t>Inference for Categorical Variables</a:t>
+            </a:r>
+          </a:p>
+        </p:txBody>
+      </p:sp>
+      <p:sp>
+        <p:nvSpPr>
+          <p:cNvPr id="2" name="TextBox 1">
+            <a:extLst>
+              <a:ext uri="{FF2B5EF4-FFF2-40B4-BE49-F238E27FC236}">
+                <a16:creationId xmlns:a16="http://schemas.microsoft.com/office/drawing/2014/main" id="{8D969975-513F-DB6C-92CE-5FE1EB582BDC}"/>
+              </a:ext>
+            </a:extLst>
+          </p:cNvPr>
+          <p:cNvSpPr txBox="1"/>
+          <p:nvPr/>
+        </p:nvSpPr>
+        <p:spPr>
+          <a:xfrm>
+            <a:off x="3481771" y="166110"/>
+            <a:ext cx="8176829" cy="2677656"/>
+          </a:xfrm>
+          <a:prstGeom prst="rect">
+            <a:avLst/>
+          </a:prstGeom>
+          <a:noFill/>
+        </p:spPr>
+        <p:txBody>
+          <a:bodyPr wrap="square" rtlCol="0">
+            <a:spAutoFit/>
+          </a:bodyPr>
+          <a:lstStyle/>
+          <a:p>
+            <a:r>
+              <a:rPr lang="en-US" sz="2400" b="1" dirty="0"/>
+              <a:t>Motivating Example</a:t>
+            </a:r>
+          </a:p>
+          <a:p>
+            <a:endParaRPr lang="en-US" sz="2400" dirty="0"/>
+          </a:p>
+          <a:p>
+            <a:r>
+              <a:rPr lang="en-US" sz="2400" dirty="0"/>
+              <a:t>As part of their 2017 “Pulse of the Nation” project, Cards Against Humanity conducted monthly polls examining American’s social and political views. The following contingency table summarizes the political part affiliation and climate change beliefs of 1000 participants in the September 2017 poll:</a:t>
+            </a:r>
+          </a:p>
+        </p:txBody>
+      </p:sp>
+      <p:pic>
+        <p:nvPicPr>
+          <p:cNvPr id="4" name="Picture 3" descr="A white paper with black text&#10;&#10;Description automatically generated">
+            <a:extLst>
+              <a:ext uri="{FF2B5EF4-FFF2-40B4-BE49-F238E27FC236}">
+                <a16:creationId xmlns:a16="http://schemas.microsoft.com/office/drawing/2014/main" id="{2DAF7862-2A75-70D1-CEF4-ABFA375AEAD9}"/>
+              </a:ext>
+            </a:extLst>
+          </p:cNvPr>
+          <p:cNvPicPr>
+            <a:picLocks noChangeAspect="1"/>
+          </p:cNvPicPr>
+          <p:nvPr/>
+        </p:nvPicPr>
+        <p:blipFill>
+          <a:blip r:embed="rId3"/>
+          <a:stretch>
+            <a:fillRect/>
+          </a:stretch>
+        </p:blipFill>
+        <p:spPr>
+          <a:xfrm>
+            <a:off x="3614338" y="2817072"/>
+            <a:ext cx="8117444" cy="2787315"/>
+          </a:xfrm>
+          <a:prstGeom prst="rect">
+            <a:avLst/>
+          </a:prstGeom>
+        </p:spPr>
+      </p:pic>
+    </p:spTree>
+    <p:extLst>
+      <p:ext uri="{BB962C8B-B14F-4D97-AF65-F5344CB8AC3E}">
+        <p14:creationId xmlns:p14="http://schemas.microsoft.com/office/powerpoint/2010/main" val="2479936140"/>
+      </p:ext>
+    </p:extLst>
+  </p:cSld>
+  <p:clrMapOvr>
+    <a:masterClrMapping/>
+  </p:clrMapOvr>
+  <p:transition>
+    <p:cut/>
+  </p:transition>
+</p:sld>
+</file>
+
+<file path=ppt/slides/slide12.xml><?xml version="1.0" encoding="utf-8"?>
+<p:sld xmlns:a="http://schemas.openxmlformats.org/drawingml/2006/main" xmlns:r="http://schemas.openxmlformats.org/officeDocument/2006/relationships" xmlns:p="http://schemas.openxmlformats.org/presentationml/2006/main">
+  <p:cSld>
+    <p:spTree>
+      <p:nvGrpSpPr>
+        <p:cNvPr id="1" name="">
+          <a:extLst>
+            <a:ext uri="{FF2B5EF4-FFF2-40B4-BE49-F238E27FC236}">
+              <a16:creationId xmlns:a16="http://schemas.microsoft.com/office/drawing/2014/main" id="{51E8B79B-E8E6-9CBC-CFFE-FCF3DF3ACC0B}"/>
+            </a:ext>
+          </a:extLst>
+        </p:cNvPr>
+        <p:cNvGrpSpPr/>
+        <p:nvPr/>
+      </p:nvGrpSpPr>
+      <p:grpSpPr>
+        <a:xfrm>
+          <a:off x="0" y="0"/>
+          <a:ext cx="0" cy="0"/>
+          <a:chOff x="0" y="0"/>
+          <a:chExt cx="0" cy="0"/>
+        </a:xfrm>
+      </p:grpSpPr>
+      <p:sp>
+        <p:nvSpPr>
+          <p:cNvPr id="25" name="Title 24">
+            <a:extLst>
+              <a:ext uri="{FF2B5EF4-FFF2-40B4-BE49-F238E27FC236}">
+                <a16:creationId xmlns:a16="http://schemas.microsoft.com/office/drawing/2014/main" id="{F8453FC2-5BE9-D49A-A77C-346F0550F648}"/>
+              </a:ext>
+            </a:extLst>
+          </p:cNvPr>
+          <p:cNvSpPr>
+            <a:spLocks noGrp="1"/>
+          </p:cNvSpPr>
+          <p:nvPr>
+            <p:ph type="title"/>
+          </p:nvPr>
+        </p:nvSpPr>
+        <p:spPr/>
+        <p:txBody>
+          <a:bodyPr/>
+          <a:lstStyle/>
+          <a:p>
+            <a:r>
+              <a:rPr lang="en-US" dirty="0"/>
+              <a:t>Inference for Categorical Variables</a:t>
+            </a:r>
+          </a:p>
+        </p:txBody>
+      </p:sp>
+      <p:sp>
+        <p:nvSpPr>
+          <p:cNvPr id="2" name="TextBox 1">
+            <a:extLst>
+              <a:ext uri="{FF2B5EF4-FFF2-40B4-BE49-F238E27FC236}">
+                <a16:creationId xmlns:a16="http://schemas.microsoft.com/office/drawing/2014/main" id="{8D969975-513F-DB6C-92CE-5FE1EB582BDC}"/>
+              </a:ext>
+            </a:extLst>
+          </p:cNvPr>
+          <p:cNvSpPr txBox="1"/>
+          <p:nvPr/>
+        </p:nvSpPr>
+        <p:spPr>
+          <a:xfrm>
+            <a:off x="3481771" y="166110"/>
+            <a:ext cx="8176829" cy="2677656"/>
+          </a:xfrm>
+          <a:prstGeom prst="rect">
+            <a:avLst/>
+          </a:prstGeom>
+          <a:noFill/>
+        </p:spPr>
+        <p:txBody>
+          <a:bodyPr wrap="square" rtlCol="0">
+            <a:spAutoFit/>
+          </a:bodyPr>
+          <a:lstStyle/>
+          <a:p>
+            <a:r>
+              <a:rPr lang="en-US" sz="2400" b="1" dirty="0"/>
+              <a:t>Motivating Example</a:t>
+            </a:r>
+          </a:p>
+          <a:p>
+            <a:endParaRPr lang="en-US" sz="2400" dirty="0"/>
+          </a:p>
+          <a:p>
+            <a:r>
+              <a:rPr lang="en-US" sz="2400" dirty="0"/>
+              <a:t>As part of their 2017 “Pulse of the Nation” project, Cards Against Humanity conducted monthly polls examining American’s social and political views. The following contingency table summarizes the political part affiliation and climate change beliefs of 1000 participants in the September 2017 poll:</a:t>
+            </a:r>
+          </a:p>
+        </p:txBody>
+      </p:sp>
+      <p:pic>
+        <p:nvPicPr>
+          <p:cNvPr id="4" name="Picture 3" descr="A white paper with black text&#10;&#10;Description automatically generated">
+            <a:extLst>
+              <a:ext uri="{FF2B5EF4-FFF2-40B4-BE49-F238E27FC236}">
+                <a16:creationId xmlns:a16="http://schemas.microsoft.com/office/drawing/2014/main" id="{2DAF7862-2A75-70D1-CEF4-ABFA375AEAD9}"/>
+              </a:ext>
+            </a:extLst>
+          </p:cNvPr>
+          <p:cNvPicPr>
+            <a:picLocks noChangeAspect="1"/>
+          </p:cNvPicPr>
+          <p:nvPr/>
+        </p:nvPicPr>
+        <p:blipFill>
+          <a:blip r:embed="rId3"/>
+          <a:stretch>
+            <a:fillRect/>
+          </a:stretch>
+        </p:blipFill>
+        <p:spPr>
+          <a:xfrm>
+            <a:off x="3614338" y="2817072"/>
+            <a:ext cx="8117444" cy="2787315"/>
+          </a:xfrm>
+          <a:prstGeom prst="rect">
+            <a:avLst/>
+          </a:prstGeom>
+        </p:spPr>
+      </p:pic>
+      <p:sp>
+        <p:nvSpPr>
+          <p:cNvPr id="3" name="Alternate Process 2">
+            <a:extLst>
+              <a:ext uri="{FF2B5EF4-FFF2-40B4-BE49-F238E27FC236}">
+                <a16:creationId xmlns:a16="http://schemas.microsoft.com/office/drawing/2014/main" id="{433C0A55-48F1-AC5A-CCB7-FD842F6661A4}"/>
+              </a:ext>
+            </a:extLst>
+          </p:cNvPr>
+          <p:cNvSpPr/>
+          <p:nvPr/>
+        </p:nvSpPr>
+        <p:spPr>
+          <a:xfrm>
+            <a:off x="3746090" y="5494728"/>
+            <a:ext cx="7610168" cy="1197162"/>
+          </a:xfrm>
+          <a:prstGeom prst="flowChartAlternateProcess">
+            <a:avLst/>
+          </a:prstGeom>
+        </p:spPr>
+        <p:style>
+          <a:lnRef idx="0">
+            <a:schemeClr val="accent2"/>
+          </a:lnRef>
+          <a:fillRef idx="3">
+            <a:schemeClr val="accent2"/>
+          </a:fillRef>
+          <a:effectRef idx="3">
+            <a:schemeClr val="accent2"/>
+          </a:effectRef>
+          <a:fontRef idx="minor">
+            <a:schemeClr val="lt1"/>
+          </a:fontRef>
+        </p:style>
+        <p:txBody>
+          <a:bodyPr rtlCol="0" anchor="ctr"/>
+          <a:lstStyle/>
+          <a:p>
+            <a:pPr algn="ctr"/>
+            <a:r>
+              <a:rPr lang="en-US" sz="2400" dirty="0"/>
+              <a:t>Suppose our research question is: Are political affiliation and belief in climate change independent of one another?</a:t>
+            </a:r>
+          </a:p>
+        </p:txBody>
+      </p:sp>
+      <p:sp>
+        <p:nvSpPr>
+          <p:cNvPr id="5" name="Alternate Process 4">
+            <a:extLst>
+              <a:ext uri="{FF2B5EF4-FFF2-40B4-BE49-F238E27FC236}">
+                <a16:creationId xmlns:a16="http://schemas.microsoft.com/office/drawing/2014/main" id="{49C75F5C-8A4A-8E9D-08C8-D05AD8535E42}"/>
+              </a:ext>
+            </a:extLst>
+          </p:cNvPr>
+          <p:cNvSpPr/>
+          <p:nvPr/>
+        </p:nvSpPr>
+        <p:spPr>
+          <a:xfrm>
+            <a:off x="3746090" y="3141406"/>
+            <a:ext cx="1563329" cy="412955"/>
+          </a:xfrm>
+          <a:prstGeom prst="flowChartAlternateProcess">
+            <a:avLst/>
+          </a:prstGeom>
+        </p:spPr>
+        <p:style>
+          <a:lnRef idx="0">
+            <a:schemeClr val="accent3"/>
+          </a:lnRef>
+          <a:fillRef idx="3">
+            <a:schemeClr val="accent3"/>
+          </a:fillRef>
+          <a:effectRef idx="3">
+            <a:schemeClr val="accent3"/>
+          </a:effectRef>
+          <a:fontRef idx="minor">
+            <a:schemeClr val="lt1"/>
+          </a:fontRef>
+        </p:style>
+        <p:txBody>
+          <a:bodyPr rtlCol="0" anchor="ctr"/>
+          <a:lstStyle/>
+          <a:p>
+            <a:pPr algn="ctr"/>
+            <a:r>
+              <a:rPr lang="en-US" dirty="0"/>
+              <a:t>Observed</a:t>
+            </a:r>
+          </a:p>
+        </p:txBody>
+      </p:sp>
+    </p:spTree>
+    <p:extLst>
+      <p:ext uri="{BB962C8B-B14F-4D97-AF65-F5344CB8AC3E}">
+        <p14:creationId xmlns:p14="http://schemas.microsoft.com/office/powerpoint/2010/main" val="3791568217"/>
+      </p:ext>
+    </p:extLst>
+  </p:cSld>
+  <p:clrMapOvr>
+    <a:masterClrMapping/>
+  </p:clrMapOvr>
+  <p:transition>
+    <p:cut/>
+  </p:transition>
+</p:sld>
+</file>
+
+<file path=ppt/slides/slide13.xml><?xml version="1.0" encoding="utf-8"?>
+<p:sld xmlns:a="http://schemas.openxmlformats.org/drawingml/2006/main" xmlns:r="http://schemas.openxmlformats.org/officeDocument/2006/relationships" xmlns:p="http://schemas.openxmlformats.org/presentationml/2006/main">
+  <p:cSld>
+    <p:spTree>
+      <p:nvGrpSpPr>
+        <p:cNvPr id="1" name="">
+          <a:extLst>
+            <a:ext uri="{FF2B5EF4-FFF2-40B4-BE49-F238E27FC236}">
+              <a16:creationId xmlns:a16="http://schemas.microsoft.com/office/drawing/2014/main" id="{51E8B79B-E8E6-9CBC-CFFE-FCF3DF3ACC0B}"/>
+            </a:ext>
+          </a:extLst>
+        </p:cNvPr>
+        <p:cNvGrpSpPr/>
+        <p:nvPr/>
+      </p:nvGrpSpPr>
+      <p:grpSpPr>
+        <a:xfrm>
+          <a:off x="0" y="0"/>
+          <a:ext cx="0" cy="0"/>
+          <a:chOff x="0" y="0"/>
+          <a:chExt cx="0" cy="0"/>
+        </a:xfrm>
+      </p:grpSpPr>
+      <p:sp>
+        <p:nvSpPr>
+          <p:cNvPr id="25" name="Title 24">
+            <a:extLst>
+              <a:ext uri="{FF2B5EF4-FFF2-40B4-BE49-F238E27FC236}">
+                <a16:creationId xmlns:a16="http://schemas.microsoft.com/office/drawing/2014/main" id="{F8453FC2-5BE9-D49A-A77C-346F0550F648}"/>
+              </a:ext>
+            </a:extLst>
+          </p:cNvPr>
+          <p:cNvSpPr>
+            <a:spLocks noGrp="1"/>
+          </p:cNvSpPr>
+          <p:nvPr>
+            <p:ph type="title"/>
+          </p:nvPr>
+        </p:nvSpPr>
+        <p:spPr/>
+        <p:txBody>
+          <a:bodyPr/>
+          <a:lstStyle/>
+          <a:p>
+            <a:r>
+              <a:rPr lang="en-US" dirty="0"/>
+              <a:t>Inference for Categorical Variables</a:t>
+            </a:r>
+          </a:p>
+        </p:txBody>
+      </p:sp>
+      <mc:AlternateContent xmlns:mc="http://schemas.openxmlformats.org/markup-compatibility/2006">
+        <mc:Choice xmlns:a14="http://schemas.microsoft.com/office/drawing/2010/main" Requires="a14">
+          <p:sp>
+            <p:nvSpPr>
+              <p:cNvPr id="2" name="TextBox 1">
+                <a:extLst>
+                  <a:ext uri="{FF2B5EF4-FFF2-40B4-BE49-F238E27FC236}">
+                    <a16:creationId xmlns:a16="http://schemas.microsoft.com/office/drawing/2014/main" id="{8D969975-513F-DB6C-92CE-5FE1EB582BDC}"/>
+                  </a:ext>
+                </a:extLst>
+              </p:cNvPr>
+              <p:cNvSpPr txBox="1"/>
+              <p:nvPr/>
+            </p:nvSpPr>
+            <p:spPr>
+              <a:xfrm>
+                <a:off x="3481771" y="166110"/>
+                <a:ext cx="8176829" cy="6740307"/>
+              </a:xfrm>
+              <a:prstGeom prst="rect">
+                <a:avLst/>
+              </a:prstGeom>
+              <a:noFill/>
+            </p:spPr>
+            <p:txBody>
+              <a:bodyPr wrap="square" rtlCol="0">
+                <a:spAutoFit/>
+              </a:bodyPr>
+              <a:lstStyle/>
+              <a:p>
+                <a:r>
+                  <a:rPr lang="en-US" sz="2400" b="1" dirty="0"/>
+                  <a:t>Motivating Example</a:t>
+                </a:r>
+              </a:p>
+              <a:p>
+                <a:endParaRPr lang="en-US" sz="2400" b="1" dirty="0"/>
+              </a:p>
+              <a:p>
+                <a:endParaRPr lang="en-US" sz="2400" b="1" dirty="0"/>
+              </a:p>
+              <a:p>
+                <a:endParaRPr lang="en-US" sz="2400" b="1" dirty="0"/>
+              </a:p>
+              <a:p>
+                <a:endParaRPr lang="en-US" sz="2400" b="1" dirty="0"/>
+              </a:p>
+              <a:p>
+                <a:endParaRPr lang="en-US" sz="2400" b="1" dirty="0"/>
+              </a:p>
+              <a:p>
+                <a:endParaRPr lang="en-US" sz="2400" b="1" dirty="0"/>
+              </a:p>
+              <a:p>
+                <a:endParaRPr lang="en-US" sz="2400" b="1" dirty="0"/>
+              </a:p>
+              <a:p>
+                <a:endParaRPr lang="en-US" sz="2400" b="1" dirty="0"/>
+              </a:p>
+              <a:p>
+                <a:endParaRPr lang="en-US" sz="2400" b="1" dirty="0"/>
+              </a:p>
+              <a:p>
+                <a:endParaRPr lang="en-US" sz="2400" b="1" dirty="0"/>
+              </a:p>
+              <a:p>
+                <a:endParaRPr lang="en-US" sz="2400" b="1" dirty="0"/>
+              </a:p>
+              <a:p>
+                <a:r>
+                  <a:rPr lang="en-US" sz="2400" dirty="0"/>
+                  <a:t>Our </a:t>
+                </a:r>
+                <a:r>
+                  <a:rPr lang="en-US" sz="2400" b="1" dirty="0"/>
+                  <a:t>hypotheses</a:t>
+                </a:r>
+                <a:r>
+                  <a:rPr lang="en-US" sz="2400" dirty="0"/>
+                  <a:t> are:</a:t>
+                </a:r>
+              </a:p>
+              <a:p>
+                <a14:m>
+                  <m:oMath xmlns:m="http://schemas.openxmlformats.org/officeDocument/2006/math">
+                    <m:sSub>
+                      <m:sSubPr>
+                        <m:ctrlPr>
+                          <a:rPr lang="en-US" sz="2400" b="0" i="1" smtClean="0">
+                            <a:latin typeface="Cambria Math" panose="02040503050406030204" pitchFamily="18" charset="0"/>
+                          </a:rPr>
+                        </m:ctrlPr>
+                      </m:sSubPr>
+                      <m:e>
+                        <m:r>
+                          <a:rPr lang="en-US" sz="2400" b="0" i="1" smtClean="0">
+                            <a:latin typeface="Cambria Math" panose="02040503050406030204" pitchFamily="18" charset="0"/>
+                          </a:rPr>
+                          <m:t>𝐻</m:t>
+                        </m:r>
+                      </m:e>
+                      <m:sub>
+                        <m:r>
+                          <a:rPr lang="en-US" sz="2400" b="0" i="1" smtClean="0">
+                            <a:latin typeface="Cambria Math" panose="02040503050406030204" pitchFamily="18" charset="0"/>
+                          </a:rPr>
+                          <m:t>0</m:t>
+                        </m:r>
+                      </m:sub>
+                    </m:sSub>
+                    <m:r>
+                      <a:rPr lang="en-US" sz="2400" b="0" i="1" smtClean="0">
+                        <a:latin typeface="Cambria Math" panose="02040503050406030204" pitchFamily="18" charset="0"/>
+                      </a:rPr>
+                      <m:t>:</m:t>
+                    </m:r>
+                  </m:oMath>
+                </a14:m>
+                <a:r>
+                  <a:rPr lang="en-US" sz="2400" dirty="0"/>
+                  <a:t> individuals’ climate change beliefs </a:t>
+                </a:r>
+                <a:r>
+                  <a:rPr lang="en-US" sz="2400" b="1" dirty="0"/>
+                  <a:t>are independent </a:t>
+                </a:r>
+                <a:r>
+                  <a:rPr lang="en-US" sz="2400" dirty="0"/>
+                  <a:t>of their 	political affiliation</a:t>
+                </a:r>
+              </a:p>
+              <a:p>
+                <a14:m>
+                  <m:oMath xmlns:m="http://schemas.openxmlformats.org/officeDocument/2006/math">
+                    <m:sSub>
+                      <m:sSubPr>
+                        <m:ctrlPr>
+                          <a:rPr lang="en-US" sz="2400" b="0" i="1" smtClean="0">
+                            <a:latin typeface="Cambria Math" panose="02040503050406030204" pitchFamily="18" charset="0"/>
+                          </a:rPr>
+                        </m:ctrlPr>
+                      </m:sSubPr>
+                      <m:e>
+                        <m:r>
+                          <a:rPr lang="en-US" sz="2400" b="0" i="1" smtClean="0">
+                            <a:latin typeface="Cambria Math" panose="02040503050406030204" pitchFamily="18" charset="0"/>
+                          </a:rPr>
+                          <m:t>𝐻</m:t>
+                        </m:r>
+                      </m:e>
+                      <m:sub>
+                        <m:r>
+                          <a:rPr lang="en-US" sz="2400" b="0" i="1" smtClean="0">
+                            <a:latin typeface="Cambria Math" panose="02040503050406030204" pitchFamily="18" charset="0"/>
+                          </a:rPr>
+                          <m:t>𝐴</m:t>
+                        </m:r>
+                      </m:sub>
+                    </m:sSub>
+                    <m:r>
+                      <a:rPr lang="en-US" sz="2400" b="0" i="1" smtClean="0">
+                        <a:latin typeface="Cambria Math" panose="02040503050406030204" pitchFamily="18" charset="0"/>
+                      </a:rPr>
+                      <m:t>:</m:t>
+                    </m:r>
+                  </m:oMath>
+                </a14:m>
+                <a:r>
+                  <a:rPr lang="en-US" sz="2400" dirty="0"/>
+                  <a:t> individuals’ climate change beliefs </a:t>
+                </a:r>
+                <a:r>
+                  <a:rPr lang="en-US" sz="2400" b="1" dirty="0"/>
+                  <a:t>are not independent </a:t>
+                </a:r>
+                <a:r>
+                  <a:rPr lang="en-US" sz="2400" dirty="0"/>
+                  <a:t>of 	their political affiliation. </a:t>
+                </a:r>
+              </a:p>
+              <a:p>
+                <a:endParaRPr lang="en-US" sz="2400" dirty="0"/>
+              </a:p>
+            </p:txBody>
+          </p:sp>
+        </mc:Choice>
+        <mc:Fallback>
+          <p:sp>
+            <p:nvSpPr>
+              <p:cNvPr id="2" name="TextBox 1">
+                <a:extLst>
+                  <a:ext uri="{FF2B5EF4-FFF2-40B4-BE49-F238E27FC236}">
+                    <a16:creationId xmlns:a16="http://schemas.microsoft.com/office/drawing/2014/main" id="{8D969975-513F-DB6C-92CE-5FE1EB582BDC}"/>
+                  </a:ext>
+                </a:extLst>
+              </p:cNvPr>
+              <p:cNvSpPr txBox="1">
+                <a:spLocks noRot="1" noChangeAspect="1" noMove="1" noResize="1" noEditPoints="1" noAdjustHandles="1" noChangeArrowheads="1" noChangeShapeType="1" noTextEdit="1"/>
+              </p:cNvSpPr>
+              <p:nvPr/>
+            </p:nvSpPr>
+            <p:spPr>
+              <a:xfrm>
+                <a:off x="3481771" y="166110"/>
+                <a:ext cx="8176829" cy="6740307"/>
+              </a:xfrm>
+              <a:prstGeom prst="rect">
+                <a:avLst/>
+              </a:prstGeom>
+              <a:blipFill>
+                <a:blip r:embed="rId3"/>
+                <a:stretch>
+                  <a:fillRect l="-1240" t="-564" r="-1395"/>
+                </a:stretch>
+              </a:blipFill>
+            </p:spPr>
+            <p:txBody>
+              <a:bodyPr/>
+              <a:lstStyle/>
+              <a:p>
+                <a:r>
+                  <a:rPr lang="en-US">
+                    <a:noFill/>
+                  </a:rPr>
+                  <a:t> </a:t>
+                </a:r>
+              </a:p>
+            </p:txBody>
+          </p:sp>
+        </mc:Fallback>
+      </mc:AlternateContent>
+      <p:pic>
+        <p:nvPicPr>
+          <p:cNvPr id="4" name="Picture 3" descr="A white paper with black text&#10;&#10;Description automatically generated">
+            <a:extLst>
+              <a:ext uri="{FF2B5EF4-FFF2-40B4-BE49-F238E27FC236}">
+                <a16:creationId xmlns:a16="http://schemas.microsoft.com/office/drawing/2014/main" id="{2DAF7862-2A75-70D1-CEF4-ABFA375AEAD9}"/>
+              </a:ext>
+            </a:extLst>
+          </p:cNvPr>
+          <p:cNvPicPr>
+            <a:picLocks noChangeAspect="1"/>
+          </p:cNvPicPr>
+          <p:nvPr/>
+        </p:nvPicPr>
+        <p:blipFill>
+          <a:blip r:embed="rId4"/>
+          <a:stretch>
+            <a:fillRect/>
+          </a:stretch>
+        </p:blipFill>
+        <p:spPr>
+          <a:xfrm>
+            <a:off x="3541156" y="604814"/>
+            <a:ext cx="8117444" cy="2787315"/>
+          </a:xfrm>
+          <a:prstGeom prst="rect">
+            <a:avLst/>
+          </a:prstGeom>
+        </p:spPr>
+      </p:pic>
+      <p:sp>
+        <p:nvSpPr>
+          <p:cNvPr id="3" name="Alternate Process 2">
+            <a:extLst>
+              <a:ext uri="{FF2B5EF4-FFF2-40B4-BE49-F238E27FC236}">
+                <a16:creationId xmlns:a16="http://schemas.microsoft.com/office/drawing/2014/main" id="{433C0A55-48F1-AC5A-CCB7-FD842F6661A4}"/>
+              </a:ext>
+            </a:extLst>
+          </p:cNvPr>
+          <p:cNvSpPr/>
+          <p:nvPr/>
+        </p:nvSpPr>
+        <p:spPr>
+          <a:xfrm>
+            <a:off x="3672908" y="3282470"/>
+            <a:ext cx="7610168" cy="1197162"/>
+          </a:xfrm>
+          <a:prstGeom prst="flowChartAlternateProcess">
+            <a:avLst/>
+          </a:prstGeom>
+        </p:spPr>
+        <p:style>
+          <a:lnRef idx="0">
+            <a:schemeClr val="accent2"/>
+          </a:lnRef>
+          <a:fillRef idx="3">
+            <a:schemeClr val="accent2"/>
+          </a:fillRef>
+          <a:effectRef idx="3">
+            <a:schemeClr val="accent2"/>
+          </a:effectRef>
+          <a:fontRef idx="minor">
+            <a:schemeClr val="lt1"/>
+          </a:fontRef>
+        </p:style>
+        <p:txBody>
+          <a:bodyPr rtlCol="0" anchor="ctr"/>
+          <a:lstStyle/>
+          <a:p>
+            <a:pPr algn="ctr"/>
+            <a:r>
+              <a:rPr lang="en-US" sz="2400" dirty="0"/>
+              <a:t>Suppose our research question is: Are political affiliation and belief in climate change independent of one another?</a:t>
+            </a:r>
+          </a:p>
+        </p:txBody>
+      </p:sp>
+      <p:sp>
+        <p:nvSpPr>
+          <p:cNvPr id="5" name="Alternate Process 4">
+            <a:extLst>
+              <a:ext uri="{FF2B5EF4-FFF2-40B4-BE49-F238E27FC236}">
+                <a16:creationId xmlns:a16="http://schemas.microsoft.com/office/drawing/2014/main" id="{01C7AFA5-141B-AB2C-F7F8-CCE629BC40AA}"/>
+              </a:ext>
+            </a:extLst>
+          </p:cNvPr>
+          <p:cNvSpPr/>
+          <p:nvPr/>
+        </p:nvSpPr>
+        <p:spPr>
+          <a:xfrm>
+            <a:off x="3672908" y="952503"/>
+            <a:ext cx="1563329" cy="412955"/>
+          </a:xfrm>
+          <a:prstGeom prst="flowChartAlternateProcess">
+            <a:avLst/>
+          </a:prstGeom>
+        </p:spPr>
+        <p:style>
+          <a:lnRef idx="0">
+            <a:schemeClr val="accent3"/>
+          </a:lnRef>
+          <a:fillRef idx="3">
+            <a:schemeClr val="accent3"/>
+          </a:fillRef>
+          <a:effectRef idx="3">
+            <a:schemeClr val="accent3"/>
+          </a:effectRef>
+          <a:fontRef idx="minor">
+            <a:schemeClr val="lt1"/>
+          </a:fontRef>
+        </p:style>
+        <p:txBody>
+          <a:bodyPr rtlCol="0" anchor="ctr"/>
+          <a:lstStyle/>
+          <a:p>
+            <a:pPr algn="ctr"/>
+            <a:r>
+              <a:rPr lang="en-US" dirty="0"/>
+              <a:t>Observed</a:t>
+            </a:r>
+          </a:p>
+        </p:txBody>
+      </p:sp>
+    </p:spTree>
+    <p:extLst>
+      <p:ext uri="{BB962C8B-B14F-4D97-AF65-F5344CB8AC3E}">
+        <p14:creationId xmlns:p14="http://schemas.microsoft.com/office/powerpoint/2010/main" val="196999774"/>
+      </p:ext>
+    </p:extLst>
+  </p:cSld>
+  <p:clrMapOvr>
+    <a:masterClrMapping/>
+  </p:clrMapOvr>
+  <p:transition>
+    <p:cut/>
+  </p:transition>
+</p:sld>
+</file>
+
+<file path=ppt/slides/slide14.xml><?xml version="1.0" encoding="utf-8"?>
+<p:sld xmlns:a="http://schemas.openxmlformats.org/drawingml/2006/main" xmlns:r="http://schemas.openxmlformats.org/officeDocument/2006/relationships" xmlns:p="http://schemas.openxmlformats.org/presentationml/2006/main">
+  <p:cSld>
+    <p:spTree>
+      <p:nvGrpSpPr>
+        <p:cNvPr id="1" name="">
+          <a:extLst>
+            <a:ext uri="{FF2B5EF4-FFF2-40B4-BE49-F238E27FC236}">
+              <a16:creationId xmlns:a16="http://schemas.microsoft.com/office/drawing/2014/main" id="{51E8B79B-E8E6-9CBC-CFFE-FCF3DF3ACC0B}"/>
+            </a:ext>
+          </a:extLst>
+        </p:cNvPr>
+        <p:cNvGrpSpPr/>
+        <p:nvPr/>
+      </p:nvGrpSpPr>
+      <p:grpSpPr>
+        <a:xfrm>
+          <a:off x="0" y="0"/>
+          <a:ext cx="0" cy="0"/>
+          <a:chOff x="0" y="0"/>
+          <a:chExt cx="0" cy="0"/>
+        </a:xfrm>
+      </p:grpSpPr>
+      <p:sp>
+        <p:nvSpPr>
+          <p:cNvPr id="25" name="Title 24">
+            <a:extLst>
+              <a:ext uri="{FF2B5EF4-FFF2-40B4-BE49-F238E27FC236}">
+                <a16:creationId xmlns:a16="http://schemas.microsoft.com/office/drawing/2014/main" id="{F8453FC2-5BE9-D49A-A77C-346F0550F648}"/>
+              </a:ext>
+            </a:extLst>
+          </p:cNvPr>
+          <p:cNvSpPr>
+            <a:spLocks noGrp="1"/>
+          </p:cNvSpPr>
+          <p:nvPr>
+            <p:ph type="title"/>
+          </p:nvPr>
+        </p:nvSpPr>
+        <p:spPr/>
+        <p:txBody>
+          <a:bodyPr/>
+          <a:lstStyle/>
+          <a:p>
+            <a:r>
+              <a:rPr lang="en-US" dirty="0"/>
+              <a:t>Inference for Categorical Variables</a:t>
+            </a:r>
+          </a:p>
+        </p:txBody>
+      </p:sp>
+      <p:sp>
+        <p:nvSpPr>
+          <p:cNvPr id="2" name="TextBox 1">
+            <a:extLst>
+              <a:ext uri="{FF2B5EF4-FFF2-40B4-BE49-F238E27FC236}">
+                <a16:creationId xmlns:a16="http://schemas.microsoft.com/office/drawing/2014/main" id="{8D969975-513F-DB6C-92CE-5FE1EB582BDC}"/>
+              </a:ext>
+            </a:extLst>
+          </p:cNvPr>
+          <p:cNvSpPr txBox="1"/>
+          <p:nvPr/>
+        </p:nvSpPr>
+        <p:spPr>
+          <a:xfrm>
+            <a:off x="3481771" y="166110"/>
+            <a:ext cx="8176829" cy="5262979"/>
+          </a:xfrm>
+          <a:prstGeom prst="rect">
+            <a:avLst/>
+          </a:prstGeom>
+          <a:noFill/>
+        </p:spPr>
+        <p:txBody>
+          <a:bodyPr wrap="square" rtlCol="0">
+            <a:spAutoFit/>
+          </a:bodyPr>
+          <a:lstStyle/>
+          <a:p>
+            <a:r>
+              <a:rPr lang="en-US" sz="2400" b="1" dirty="0"/>
+              <a:t>Motivating Example</a:t>
+            </a:r>
+          </a:p>
+          <a:p>
+            <a:endParaRPr lang="en-US" sz="2400" b="1" dirty="0"/>
+          </a:p>
+          <a:p>
+            <a:endParaRPr lang="en-US" sz="2400" b="1" dirty="0"/>
+          </a:p>
+          <a:p>
+            <a:endParaRPr lang="en-US" sz="2400" b="1" dirty="0"/>
+          </a:p>
+          <a:p>
+            <a:endParaRPr lang="en-US" sz="2400" b="1" dirty="0"/>
+          </a:p>
+          <a:p>
+            <a:endParaRPr lang="en-US" sz="2400" b="1" dirty="0"/>
+          </a:p>
+          <a:p>
+            <a:endParaRPr lang="en-US" sz="2400" b="1" dirty="0"/>
+          </a:p>
+          <a:p>
+            <a:endParaRPr lang="en-US" sz="2400" b="1" dirty="0"/>
+          </a:p>
+          <a:p>
+            <a:endParaRPr lang="en-US" sz="2400" b="1" dirty="0"/>
+          </a:p>
+          <a:p>
+            <a:r>
+              <a:rPr lang="en-US" sz="2400" dirty="0"/>
+              <a:t>The</a:t>
+            </a:r>
+            <a:r>
+              <a:rPr lang="en-US" sz="2400" b="1" dirty="0"/>
+              <a:t> Test Statistic </a:t>
+            </a:r>
+            <a:r>
+              <a:rPr lang="en-US" sz="2400" dirty="0"/>
+              <a:t>will capture the degree of discrepancy between observed counts, and the counts we would expect if the null hypothesis (independence between variables) were true.</a:t>
+            </a:r>
+          </a:p>
+          <a:p>
+            <a:endParaRPr lang="en-US" sz="2400" dirty="0"/>
+          </a:p>
+        </p:txBody>
+      </p:sp>
+      <p:pic>
+        <p:nvPicPr>
+          <p:cNvPr id="4" name="Picture 3" descr="A white paper with black text&#10;&#10;Description automatically generated">
+            <a:extLst>
+              <a:ext uri="{FF2B5EF4-FFF2-40B4-BE49-F238E27FC236}">
+                <a16:creationId xmlns:a16="http://schemas.microsoft.com/office/drawing/2014/main" id="{2DAF7862-2A75-70D1-CEF4-ABFA375AEAD9}"/>
+              </a:ext>
+            </a:extLst>
+          </p:cNvPr>
+          <p:cNvPicPr>
+            <a:picLocks noChangeAspect="1"/>
+          </p:cNvPicPr>
+          <p:nvPr/>
+        </p:nvPicPr>
+        <p:blipFill>
+          <a:blip r:embed="rId3"/>
+          <a:stretch>
+            <a:fillRect/>
+          </a:stretch>
+        </p:blipFill>
+        <p:spPr>
+          <a:xfrm>
+            <a:off x="3541156" y="604814"/>
+            <a:ext cx="8117444" cy="2787315"/>
+          </a:xfrm>
+          <a:prstGeom prst="rect">
+            <a:avLst/>
+          </a:prstGeom>
+        </p:spPr>
+      </p:pic>
+      <p:sp>
+        <p:nvSpPr>
+          <p:cNvPr id="6" name="Alternate Process 5">
+            <a:extLst>
+              <a:ext uri="{FF2B5EF4-FFF2-40B4-BE49-F238E27FC236}">
+                <a16:creationId xmlns:a16="http://schemas.microsoft.com/office/drawing/2014/main" id="{C3663859-8E84-FCD3-FE05-52B2737189C8}"/>
+              </a:ext>
+            </a:extLst>
+          </p:cNvPr>
+          <p:cNvSpPr/>
+          <p:nvPr/>
+        </p:nvSpPr>
+        <p:spPr>
+          <a:xfrm>
+            <a:off x="3672908" y="952503"/>
+            <a:ext cx="1563329" cy="412955"/>
+          </a:xfrm>
+          <a:prstGeom prst="flowChartAlternateProcess">
+            <a:avLst/>
+          </a:prstGeom>
+        </p:spPr>
+        <p:style>
+          <a:lnRef idx="0">
+            <a:schemeClr val="accent3"/>
+          </a:lnRef>
+          <a:fillRef idx="3">
+            <a:schemeClr val="accent3"/>
+          </a:fillRef>
+          <a:effectRef idx="3">
+            <a:schemeClr val="accent3"/>
+          </a:effectRef>
+          <a:fontRef idx="minor">
+            <a:schemeClr val="lt1"/>
+          </a:fontRef>
+        </p:style>
+        <p:txBody>
+          <a:bodyPr rtlCol="0" anchor="ctr"/>
+          <a:lstStyle/>
+          <a:p>
+            <a:pPr algn="ctr"/>
+            <a:r>
+              <a:rPr lang="en-US" dirty="0"/>
+              <a:t>Observed</a:t>
+            </a:r>
+          </a:p>
+        </p:txBody>
+      </p:sp>
+    </p:spTree>
+    <p:extLst>
+      <p:ext uri="{BB962C8B-B14F-4D97-AF65-F5344CB8AC3E}">
+        <p14:creationId xmlns:p14="http://schemas.microsoft.com/office/powerpoint/2010/main" val="395499472"/>
+      </p:ext>
+    </p:extLst>
+  </p:cSld>
+  <p:clrMapOvr>
+    <a:masterClrMapping/>
+  </p:clrMapOvr>
+  <p:transition>
+    <p:cut/>
+  </p:transition>
+</p:sld>
+</file>
+
+<file path=ppt/slides/slide15.xml><?xml version="1.0" encoding="utf-8"?>
+<p:sld xmlns:a="http://schemas.openxmlformats.org/drawingml/2006/main" xmlns:r="http://schemas.openxmlformats.org/officeDocument/2006/relationships" xmlns:p="http://schemas.openxmlformats.org/presentationml/2006/main">
+  <p:cSld>
+    <p:spTree>
+      <p:nvGrpSpPr>
+        <p:cNvPr id="1" name="">
+          <a:extLst>
+            <a:ext uri="{FF2B5EF4-FFF2-40B4-BE49-F238E27FC236}">
+              <a16:creationId xmlns:a16="http://schemas.microsoft.com/office/drawing/2014/main" id="{51E8B79B-E8E6-9CBC-CFFE-FCF3DF3ACC0B}"/>
+            </a:ext>
+          </a:extLst>
+        </p:cNvPr>
+        <p:cNvGrpSpPr/>
+        <p:nvPr/>
+      </p:nvGrpSpPr>
+      <p:grpSpPr>
+        <a:xfrm>
+          <a:off x="0" y="0"/>
+          <a:ext cx="0" cy="0"/>
+          <a:chOff x="0" y="0"/>
+          <a:chExt cx="0" cy="0"/>
+        </a:xfrm>
+      </p:grpSpPr>
+      <p:sp>
+        <p:nvSpPr>
+          <p:cNvPr id="25" name="Title 24">
+            <a:extLst>
+              <a:ext uri="{FF2B5EF4-FFF2-40B4-BE49-F238E27FC236}">
+                <a16:creationId xmlns:a16="http://schemas.microsoft.com/office/drawing/2014/main" id="{F8453FC2-5BE9-D49A-A77C-346F0550F648}"/>
+              </a:ext>
+            </a:extLst>
+          </p:cNvPr>
+          <p:cNvSpPr>
+            <a:spLocks noGrp="1"/>
+          </p:cNvSpPr>
+          <p:nvPr>
+            <p:ph type="title"/>
+          </p:nvPr>
+        </p:nvSpPr>
+        <p:spPr/>
+        <p:txBody>
+          <a:bodyPr/>
+          <a:lstStyle/>
+          <a:p>
+            <a:r>
+              <a:rPr lang="en-US" dirty="0"/>
+              <a:t>Inference for Categorical Variables</a:t>
+            </a:r>
+          </a:p>
+        </p:txBody>
+      </p:sp>
+      <mc:AlternateContent xmlns:mc="http://schemas.openxmlformats.org/markup-compatibility/2006">
+        <mc:Choice xmlns:a14="http://schemas.microsoft.com/office/drawing/2010/main" Requires="a14">
+          <p:sp>
+            <p:nvSpPr>
+              <p:cNvPr id="2" name="TextBox 1">
+                <a:extLst>
+                  <a:ext uri="{FF2B5EF4-FFF2-40B4-BE49-F238E27FC236}">
+                    <a16:creationId xmlns:a16="http://schemas.microsoft.com/office/drawing/2014/main" id="{8D969975-513F-DB6C-92CE-5FE1EB582BDC}"/>
+                  </a:ext>
+                </a:extLst>
+              </p:cNvPr>
+              <p:cNvSpPr txBox="1"/>
+              <p:nvPr/>
+            </p:nvSpPr>
+            <p:spPr>
+              <a:xfrm>
+                <a:off x="3481771" y="166110"/>
+                <a:ext cx="8176829" cy="6740307"/>
+              </a:xfrm>
+              <a:prstGeom prst="rect">
+                <a:avLst/>
+              </a:prstGeom>
+              <a:noFill/>
+            </p:spPr>
+            <p:txBody>
+              <a:bodyPr wrap="square" rtlCol="0">
+                <a:spAutoFit/>
+              </a:bodyPr>
+              <a:lstStyle/>
+              <a:p>
+                <a:r>
+                  <a:rPr lang="en-US" sz="2400" b="1" dirty="0"/>
+                  <a:t>Motivating Example</a:t>
+                </a:r>
+              </a:p>
+              <a:p>
+                <a:endParaRPr lang="en-US" sz="2400" b="1" dirty="0"/>
+              </a:p>
+              <a:p>
+                <a:endParaRPr lang="en-US" sz="2400" b="1" dirty="0"/>
+              </a:p>
+              <a:p>
+                <a:endParaRPr lang="en-US" sz="2400" b="1" dirty="0"/>
+              </a:p>
+              <a:p>
+                <a:endParaRPr lang="en-US" sz="2400" b="1" dirty="0"/>
+              </a:p>
+              <a:p>
+                <a:endParaRPr lang="en-US" sz="2400" b="1" dirty="0"/>
+              </a:p>
+              <a:p>
+                <a:endParaRPr lang="en-US" sz="2400" b="1" dirty="0"/>
+              </a:p>
+              <a:p>
+                <a:endParaRPr lang="en-US" sz="2400" b="1" dirty="0"/>
+              </a:p>
+              <a:p>
+                <a:endParaRPr lang="en-US" sz="2400" b="1" dirty="0"/>
+              </a:p>
+              <a:p>
+                <a:endParaRPr lang="en-US" sz="2400" b="1" dirty="0"/>
+              </a:p>
+              <a:p>
+                <a:endParaRPr lang="en-US" sz="2400" b="1" dirty="0"/>
+              </a:p>
+              <a:p>
+                <a:endParaRPr lang="en-US" sz="2400" b="1" dirty="0"/>
+              </a:p>
+              <a:p>
+                <a:r>
+                  <a:rPr lang="en-US" sz="2400" dirty="0"/>
+                  <a:t>Our </a:t>
+                </a:r>
+                <a:r>
+                  <a:rPr lang="en-US" sz="2400" b="1" dirty="0"/>
+                  <a:t>hypotheses</a:t>
+                </a:r>
+                <a:r>
+                  <a:rPr lang="en-US" sz="2400" dirty="0"/>
+                  <a:t> are:</a:t>
+                </a:r>
+              </a:p>
+              <a:p>
+                <a14:m>
+                  <m:oMath xmlns:m="http://schemas.openxmlformats.org/officeDocument/2006/math">
+                    <m:sSub>
+                      <m:sSubPr>
+                        <m:ctrlPr>
+                          <a:rPr lang="en-US" sz="2400" b="0" i="1" smtClean="0">
+                            <a:latin typeface="Cambria Math" panose="02040503050406030204" pitchFamily="18" charset="0"/>
+                          </a:rPr>
+                        </m:ctrlPr>
+                      </m:sSubPr>
+                      <m:e>
+                        <m:r>
+                          <a:rPr lang="en-US" sz="2400" b="0" i="1" smtClean="0">
+                            <a:latin typeface="Cambria Math" panose="02040503050406030204" pitchFamily="18" charset="0"/>
+                          </a:rPr>
+                          <m:t>𝐻</m:t>
+                        </m:r>
+                      </m:e>
+                      <m:sub>
+                        <m:r>
+                          <a:rPr lang="en-US" sz="2400" b="0" i="1" smtClean="0">
+                            <a:latin typeface="Cambria Math" panose="02040503050406030204" pitchFamily="18" charset="0"/>
+                          </a:rPr>
+                          <m:t>0</m:t>
+                        </m:r>
+                      </m:sub>
+                    </m:sSub>
+                    <m:r>
+                      <a:rPr lang="en-US" sz="2400" b="0" i="1" smtClean="0">
+                        <a:latin typeface="Cambria Math" panose="02040503050406030204" pitchFamily="18" charset="0"/>
+                      </a:rPr>
+                      <m:t>:</m:t>
+                    </m:r>
+                  </m:oMath>
+                </a14:m>
+                <a:r>
+                  <a:rPr lang="en-US" sz="2400" dirty="0"/>
+                  <a:t> individuals’ climate change beliefs </a:t>
+                </a:r>
+                <a:r>
+                  <a:rPr lang="en-US" sz="2400" b="1" dirty="0"/>
+                  <a:t>are independent </a:t>
+                </a:r>
+                <a:r>
+                  <a:rPr lang="en-US" sz="2400" dirty="0"/>
+                  <a:t>of their 	political affiliation</a:t>
+                </a:r>
+              </a:p>
+              <a:p>
+                <a14:m>
+                  <m:oMath xmlns:m="http://schemas.openxmlformats.org/officeDocument/2006/math">
+                    <m:sSub>
+                      <m:sSubPr>
+                        <m:ctrlPr>
+                          <a:rPr lang="en-US" sz="2400" b="0" i="1" smtClean="0">
+                            <a:latin typeface="Cambria Math" panose="02040503050406030204" pitchFamily="18" charset="0"/>
+                          </a:rPr>
+                        </m:ctrlPr>
+                      </m:sSubPr>
+                      <m:e>
+                        <m:r>
+                          <a:rPr lang="en-US" sz="2400" b="0" i="1" smtClean="0">
+                            <a:latin typeface="Cambria Math" panose="02040503050406030204" pitchFamily="18" charset="0"/>
+                          </a:rPr>
+                          <m:t>𝐻</m:t>
+                        </m:r>
+                      </m:e>
+                      <m:sub>
+                        <m:r>
+                          <a:rPr lang="en-US" sz="2400" b="0" i="1" smtClean="0">
+                            <a:latin typeface="Cambria Math" panose="02040503050406030204" pitchFamily="18" charset="0"/>
+                          </a:rPr>
+                          <m:t>𝐴</m:t>
+                        </m:r>
+                      </m:sub>
+                    </m:sSub>
+                    <m:r>
+                      <a:rPr lang="en-US" sz="2400" b="0" i="1" smtClean="0">
+                        <a:latin typeface="Cambria Math" panose="02040503050406030204" pitchFamily="18" charset="0"/>
+                      </a:rPr>
+                      <m:t>:</m:t>
+                    </m:r>
+                  </m:oMath>
+                </a14:m>
+                <a:r>
+                  <a:rPr lang="en-US" sz="2400" dirty="0"/>
+                  <a:t> individuals’ climate change beliefs </a:t>
+                </a:r>
+                <a:r>
+                  <a:rPr lang="en-US" sz="2400" b="1" dirty="0"/>
+                  <a:t>are not independent </a:t>
+                </a:r>
+                <a:r>
+                  <a:rPr lang="en-US" sz="2400" dirty="0"/>
+                  <a:t>of 	their political affiliation. </a:t>
+                </a:r>
+              </a:p>
+              <a:p>
+                <a:endParaRPr lang="en-US" sz="2400" dirty="0"/>
+              </a:p>
+            </p:txBody>
+          </p:sp>
+        </mc:Choice>
+        <mc:Fallback>
+          <p:sp>
+            <p:nvSpPr>
+              <p:cNvPr id="2" name="TextBox 1">
+                <a:extLst>
+                  <a:ext uri="{FF2B5EF4-FFF2-40B4-BE49-F238E27FC236}">
+                    <a16:creationId xmlns:a16="http://schemas.microsoft.com/office/drawing/2014/main" id="{8D969975-513F-DB6C-92CE-5FE1EB582BDC}"/>
+                  </a:ext>
+                </a:extLst>
+              </p:cNvPr>
+              <p:cNvSpPr txBox="1">
+                <a:spLocks noRot="1" noChangeAspect="1" noMove="1" noResize="1" noEditPoints="1" noAdjustHandles="1" noChangeArrowheads="1" noChangeShapeType="1" noTextEdit="1"/>
+              </p:cNvSpPr>
+              <p:nvPr/>
+            </p:nvSpPr>
+            <p:spPr>
+              <a:xfrm>
+                <a:off x="3481771" y="166110"/>
+                <a:ext cx="8176829" cy="6740307"/>
+              </a:xfrm>
+              <a:prstGeom prst="rect">
+                <a:avLst/>
+              </a:prstGeom>
+              <a:blipFill>
+                <a:blip r:embed="rId3"/>
+                <a:stretch>
+                  <a:fillRect l="-1240" t="-564" r="-1395"/>
+                </a:stretch>
+              </a:blipFill>
+            </p:spPr>
+            <p:txBody>
+              <a:bodyPr/>
+              <a:lstStyle/>
+              <a:p>
+                <a:r>
+                  <a:rPr lang="en-US">
+                    <a:noFill/>
+                  </a:rPr>
+                  <a:t> </a:t>
+                </a:r>
+              </a:p>
+            </p:txBody>
+          </p:sp>
+        </mc:Fallback>
+      </mc:AlternateContent>
+      <p:pic>
+        <p:nvPicPr>
+          <p:cNvPr id="4" name="Picture 3" descr="A white paper with black text&#10;&#10;Description automatically generated">
+            <a:extLst>
+              <a:ext uri="{FF2B5EF4-FFF2-40B4-BE49-F238E27FC236}">
+                <a16:creationId xmlns:a16="http://schemas.microsoft.com/office/drawing/2014/main" id="{2DAF7862-2A75-70D1-CEF4-ABFA375AEAD9}"/>
+              </a:ext>
+            </a:extLst>
+          </p:cNvPr>
+          <p:cNvPicPr>
+            <a:picLocks noChangeAspect="1"/>
+          </p:cNvPicPr>
+          <p:nvPr/>
+        </p:nvPicPr>
+        <p:blipFill>
+          <a:blip r:embed="rId4"/>
+          <a:stretch>
+            <a:fillRect/>
+          </a:stretch>
+        </p:blipFill>
+        <p:spPr>
+          <a:xfrm>
+            <a:off x="3541156" y="604814"/>
+            <a:ext cx="8117444" cy="2787315"/>
+          </a:xfrm>
+          <a:prstGeom prst="rect">
+            <a:avLst/>
+          </a:prstGeom>
+        </p:spPr>
+      </p:pic>
+      <p:sp>
+        <p:nvSpPr>
+          <p:cNvPr id="3" name="Alternate Process 2">
+            <a:extLst>
+              <a:ext uri="{FF2B5EF4-FFF2-40B4-BE49-F238E27FC236}">
+                <a16:creationId xmlns:a16="http://schemas.microsoft.com/office/drawing/2014/main" id="{433C0A55-48F1-AC5A-CCB7-FD842F6661A4}"/>
+              </a:ext>
+            </a:extLst>
+          </p:cNvPr>
+          <p:cNvSpPr/>
+          <p:nvPr/>
+        </p:nvSpPr>
+        <p:spPr>
+          <a:xfrm>
+            <a:off x="3672908" y="3282470"/>
+            <a:ext cx="7610168" cy="1197162"/>
+          </a:xfrm>
+          <a:prstGeom prst="flowChartAlternateProcess">
+            <a:avLst/>
+          </a:prstGeom>
+        </p:spPr>
+        <p:style>
+          <a:lnRef idx="0">
+            <a:schemeClr val="accent2"/>
+          </a:lnRef>
+          <a:fillRef idx="3">
+            <a:schemeClr val="accent2"/>
+          </a:fillRef>
+          <a:effectRef idx="3">
+            <a:schemeClr val="accent2"/>
+          </a:effectRef>
+          <a:fontRef idx="minor">
+            <a:schemeClr val="lt1"/>
+          </a:fontRef>
+        </p:style>
+        <p:txBody>
+          <a:bodyPr rtlCol="0" anchor="ctr"/>
+          <a:lstStyle/>
+          <a:p>
+            <a:pPr algn="ctr"/>
+            <a:r>
+              <a:rPr lang="en-US" sz="2400" dirty="0"/>
+              <a:t>Suppose our research question is: Are political affiliation and belief in climate change independent of one another?</a:t>
+            </a:r>
+          </a:p>
+        </p:txBody>
+      </p:sp>
+      <mc:AlternateContent xmlns:mc="http://schemas.openxmlformats.org/markup-compatibility/2006">
+        <mc:Choice xmlns:a14="http://schemas.microsoft.com/office/drawing/2010/main" Requires="a14">
+          <p:sp>
+            <p:nvSpPr>
+              <p:cNvPr id="5" name="Alternate Process 4">
+                <a:extLst>
+                  <a:ext uri="{FF2B5EF4-FFF2-40B4-BE49-F238E27FC236}">
+                    <a16:creationId xmlns:a16="http://schemas.microsoft.com/office/drawing/2014/main" id="{EF517A53-9283-3CF1-B798-DBB2F5C30834}"/>
+                  </a:ext>
+                </a:extLst>
+              </p:cNvPr>
+              <p:cNvSpPr/>
+              <p:nvPr/>
+            </p:nvSpPr>
+            <p:spPr>
+              <a:xfrm>
+                <a:off x="3304902" y="3250081"/>
+                <a:ext cx="8589951" cy="1371599"/>
+              </a:xfrm>
+              <a:prstGeom prst="flowChartAlternateProcess">
+                <a:avLst/>
+              </a:prstGeom>
+            </p:spPr>
+            <p:style>
+              <a:lnRef idx="0">
+                <a:schemeClr val="accent5"/>
+              </a:lnRef>
+              <a:fillRef idx="3">
+                <a:schemeClr val="accent5"/>
+              </a:fillRef>
+              <a:effectRef idx="3">
+                <a:schemeClr val="accent5"/>
+              </a:effectRef>
+              <a:fontRef idx="minor">
+                <a:schemeClr val="lt1"/>
+              </a:fontRef>
+            </p:style>
+            <p:txBody>
+              <a:bodyPr rtlCol="0" anchor="ctr"/>
+              <a:lstStyle/>
+              <a:p>
+                <a:pPr algn="ctr"/>
+                <a:r>
+                  <a:rPr lang="en-US" sz="2400" b="1" dirty="0"/>
+                  <a:t>If </a:t>
+                </a:r>
+                <a14:m>
+                  <m:oMath xmlns:m="http://schemas.openxmlformats.org/officeDocument/2006/math">
+                    <m:sSub>
+                      <m:sSubPr>
+                        <m:ctrlPr>
+                          <a:rPr lang="en-US" sz="2400" b="1" i="1" smtClean="0">
+                            <a:latin typeface="Cambria Math" panose="02040503050406030204" pitchFamily="18" charset="0"/>
+                          </a:rPr>
+                        </m:ctrlPr>
+                      </m:sSubPr>
+                      <m:e>
+                        <m:r>
+                          <a:rPr lang="en-US" sz="2400" b="1" i="1" smtClean="0">
+                            <a:latin typeface="Cambria Math" panose="02040503050406030204" pitchFamily="18" charset="0"/>
+                          </a:rPr>
+                          <m:t>𝑯</m:t>
+                        </m:r>
+                      </m:e>
+                      <m:sub>
+                        <m:r>
+                          <a:rPr lang="en-US" sz="2400" b="1" i="1" smtClean="0">
+                            <a:latin typeface="Cambria Math" panose="02040503050406030204" pitchFamily="18" charset="0"/>
+                          </a:rPr>
+                          <m:t>𝟎</m:t>
+                        </m:r>
+                      </m:sub>
+                    </m:sSub>
+                  </m:oMath>
+                </a14:m>
+                <a:r>
+                  <a:rPr lang="en-US" sz="2400" b="1" dirty="0"/>
+                  <a:t> were true</a:t>
+                </a:r>
+                <a:r>
+                  <a:rPr lang="en-US" sz="2400" dirty="0"/>
+                  <a:t>, how many of the 237 Democratic respondents would we expect to not believe in climate change? </a:t>
+                </a:r>
+              </a:p>
+            </p:txBody>
+          </p:sp>
+        </mc:Choice>
+        <mc:Fallback>
+          <p:sp>
+            <p:nvSpPr>
+              <p:cNvPr id="5" name="Alternate Process 4">
+                <a:extLst>
+                  <a:ext uri="{FF2B5EF4-FFF2-40B4-BE49-F238E27FC236}">
+                    <a16:creationId xmlns:a16="http://schemas.microsoft.com/office/drawing/2014/main" id="{EF517A53-9283-3CF1-B798-DBB2F5C30834}"/>
+                  </a:ext>
+                </a:extLst>
+              </p:cNvPr>
+              <p:cNvSpPr>
+                <a:spLocks noRot="1" noChangeAspect="1" noMove="1" noResize="1" noEditPoints="1" noAdjustHandles="1" noChangeArrowheads="1" noChangeShapeType="1" noTextEdit="1"/>
+              </p:cNvSpPr>
+              <p:nvPr/>
+            </p:nvSpPr>
+            <p:spPr>
+              <a:xfrm>
+                <a:off x="3304902" y="3250081"/>
+                <a:ext cx="8589951" cy="1371599"/>
+              </a:xfrm>
+              <a:prstGeom prst="flowChartAlternateProcess">
+                <a:avLst/>
+              </a:prstGeom>
+              <a:blipFill>
+                <a:blip r:embed="rId5"/>
+                <a:stretch>
+                  <a:fillRect/>
+                </a:stretch>
+              </a:blipFill>
+            </p:spPr>
+            <p:txBody>
+              <a:bodyPr/>
+              <a:lstStyle/>
+              <a:p>
+                <a:r>
+                  <a:rPr lang="en-US">
+                    <a:noFill/>
+                  </a:rPr>
+                  <a:t> </a:t>
+                </a:r>
+              </a:p>
+            </p:txBody>
+          </p:sp>
+        </mc:Fallback>
+      </mc:AlternateContent>
+      <p:sp>
+        <p:nvSpPr>
+          <p:cNvPr id="6" name="Alternate Process 5">
+            <a:extLst>
+              <a:ext uri="{FF2B5EF4-FFF2-40B4-BE49-F238E27FC236}">
+                <a16:creationId xmlns:a16="http://schemas.microsoft.com/office/drawing/2014/main" id="{B98DCA5F-DF86-F076-8553-274F5D8CC3EC}"/>
+              </a:ext>
+            </a:extLst>
+          </p:cNvPr>
+          <p:cNvSpPr/>
+          <p:nvPr/>
+        </p:nvSpPr>
+        <p:spPr>
+          <a:xfrm>
+            <a:off x="3672908" y="952503"/>
+            <a:ext cx="1563329" cy="412955"/>
+          </a:xfrm>
+          <a:prstGeom prst="flowChartAlternateProcess">
+            <a:avLst/>
+          </a:prstGeom>
+        </p:spPr>
+        <p:style>
+          <a:lnRef idx="0">
+            <a:schemeClr val="accent3"/>
+          </a:lnRef>
+          <a:fillRef idx="3">
+            <a:schemeClr val="accent3"/>
+          </a:fillRef>
+          <a:effectRef idx="3">
+            <a:schemeClr val="accent3"/>
+          </a:effectRef>
+          <a:fontRef idx="minor">
+            <a:schemeClr val="lt1"/>
+          </a:fontRef>
+        </p:style>
+        <p:txBody>
+          <a:bodyPr rtlCol="0" anchor="ctr"/>
+          <a:lstStyle/>
+          <a:p>
+            <a:pPr algn="ctr"/>
+            <a:r>
+              <a:rPr lang="en-US" dirty="0"/>
+              <a:t>Observed</a:t>
+            </a:r>
+          </a:p>
+        </p:txBody>
+      </p:sp>
+    </p:spTree>
+    <p:extLst>
+      <p:ext uri="{BB962C8B-B14F-4D97-AF65-F5344CB8AC3E}">
+        <p14:creationId xmlns:p14="http://schemas.microsoft.com/office/powerpoint/2010/main" val="1530308622"/>
+      </p:ext>
+    </p:extLst>
+  </p:cSld>
+  <p:clrMapOvr>
+    <a:masterClrMapping/>
+  </p:clrMapOvr>
+  <p:transition>
+    <p:cut/>
+  </p:transition>
+</p:sld>
+</file>
+
+<file path=ppt/slides/slide16.xml><?xml version="1.0" encoding="utf-8"?>
+<p:sld xmlns:a="http://schemas.openxmlformats.org/drawingml/2006/main" xmlns:r="http://schemas.openxmlformats.org/officeDocument/2006/relationships" xmlns:p="http://schemas.openxmlformats.org/presentationml/2006/main">
+  <p:cSld>
+    <p:spTree>
+      <p:nvGrpSpPr>
+        <p:cNvPr id="1" name="">
+          <a:extLst>
+            <a:ext uri="{FF2B5EF4-FFF2-40B4-BE49-F238E27FC236}">
+              <a16:creationId xmlns:a16="http://schemas.microsoft.com/office/drawing/2014/main" id="{51E8B79B-E8E6-9CBC-CFFE-FCF3DF3ACC0B}"/>
+            </a:ext>
+          </a:extLst>
+        </p:cNvPr>
+        <p:cNvGrpSpPr/>
+        <p:nvPr/>
+      </p:nvGrpSpPr>
+      <p:grpSpPr>
+        <a:xfrm>
+          <a:off x="0" y="0"/>
+          <a:ext cx="0" cy="0"/>
+          <a:chOff x="0" y="0"/>
+          <a:chExt cx="0" cy="0"/>
+        </a:xfrm>
+      </p:grpSpPr>
+      <p:sp>
+        <p:nvSpPr>
+          <p:cNvPr id="25" name="Title 24">
+            <a:extLst>
+              <a:ext uri="{FF2B5EF4-FFF2-40B4-BE49-F238E27FC236}">
+                <a16:creationId xmlns:a16="http://schemas.microsoft.com/office/drawing/2014/main" id="{F8453FC2-5BE9-D49A-A77C-346F0550F648}"/>
+              </a:ext>
+            </a:extLst>
+          </p:cNvPr>
+          <p:cNvSpPr>
+            <a:spLocks noGrp="1"/>
+          </p:cNvSpPr>
+          <p:nvPr>
+            <p:ph type="title"/>
+          </p:nvPr>
+        </p:nvSpPr>
+        <p:spPr/>
+        <p:txBody>
+          <a:bodyPr/>
+          <a:lstStyle/>
+          <a:p>
+            <a:r>
+              <a:rPr lang="en-US" dirty="0"/>
+              <a:t>Inference for Categorical Variables</a:t>
+            </a:r>
+          </a:p>
+        </p:txBody>
+      </p:sp>
+      <p:sp>
+        <p:nvSpPr>
+          <p:cNvPr id="2" name="TextBox 1">
+            <a:extLst>
+              <a:ext uri="{FF2B5EF4-FFF2-40B4-BE49-F238E27FC236}">
+                <a16:creationId xmlns:a16="http://schemas.microsoft.com/office/drawing/2014/main" id="{8D969975-513F-DB6C-92CE-5FE1EB582BDC}"/>
+              </a:ext>
+            </a:extLst>
+          </p:cNvPr>
+          <p:cNvSpPr txBox="1"/>
+          <p:nvPr/>
+        </p:nvSpPr>
+        <p:spPr>
+          <a:xfrm>
+            <a:off x="3481771" y="166110"/>
+            <a:ext cx="8176829" cy="5262979"/>
+          </a:xfrm>
+          <a:prstGeom prst="rect">
+            <a:avLst/>
+          </a:prstGeom>
+          <a:noFill/>
+        </p:spPr>
+        <p:txBody>
+          <a:bodyPr wrap="square" rtlCol="0">
+            <a:spAutoFit/>
+          </a:bodyPr>
+          <a:lstStyle/>
+          <a:p>
+            <a:r>
+              <a:rPr lang="en-US" sz="2400" b="1" dirty="0"/>
+              <a:t>Motivating Example</a:t>
+            </a:r>
+          </a:p>
+          <a:p>
+            <a:endParaRPr lang="en-US" sz="2400" b="1" dirty="0"/>
+          </a:p>
+          <a:p>
+            <a:endParaRPr lang="en-US" sz="2400" b="1" dirty="0"/>
+          </a:p>
+          <a:p>
+            <a:endParaRPr lang="en-US" sz="2400" b="1" dirty="0"/>
+          </a:p>
+          <a:p>
+            <a:endParaRPr lang="en-US" sz="2400" b="1" dirty="0"/>
+          </a:p>
+          <a:p>
+            <a:endParaRPr lang="en-US" sz="2400" b="1" dirty="0"/>
+          </a:p>
+          <a:p>
+            <a:endParaRPr lang="en-US" sz="2400" b="1" dirty="0"/>
+          </a:p>
+          <a:p>
+            <a:endParaRPr lang="en-US" sz="2400" b="1" dirty="0"/>
+          </a:p>
+          <a:p>
+            <a:endParaRPr lang="en-US" sz="2400" b="1" dirty="0"/>
+          </a:p>
+          <a:p>
+            <a:r>
+              <a:rPr lang="en-US" sz="2400" dirty="0"/>
+              <a:t>The</a:t>
+            </a:r>
+            <a:r>
+              <a:rPr lang="en-US" sz="2400" b="1" dirty="0"/>
+              <a:t> Test Statistic </a:t>
+            </a:r>
+            <a:r>
+              <a:rPr lang="en-US" sz="2400" dirty="0"/>
+              <a:t>will capture the degree of discrepancy between observed counts, and the counts we would expect if the null hypothesis (independence between variables) were true.</a:t>
+            </a:r>
+          </a:p>
+          <a:p>
+            <a:endParaRPr lang="en-US" sz="2400" dirty="0"/>
+          </a:p>
+        </p:txBody>
+      </p:sp>
+      <p:pic>
+        <p:nvPicPr>
+          <p:cNvPr id="4" name="Picture 3" descr="A white paper with black text&#10;&#10;Description automatically generated">
+            <a:extLst>
+              <a:ext uri="{FF2B5EF4-FFF2-40B4-BE49-F238E27FC236}">
+                <a16:creationId xmlns:a16="http://schemas.microsoft.com/office/drawing/2014/main" id="{2DAF7862-2A75-70D1-CEF4-ABFA375AEAD9}"/>
+              </a:ext>
+            </a:extLst>
+          </p:cNvPr>
+          <p:cNvPicPr>
+            <a:picLocks noChangeAspect="1"/>
+          </p:cNvPicPr>
+          <p:nvPr/>
+        </p:nvPicPr>
+        <p:blipFill>
+          <a:blip r:embed="rId3"/>
+          <a:stretch>
+            <a:fillRect/>
+          </a:stretch>
+        </p:blipFill>
+        <p:spPr>
+          <a:xfrm>
+            <a:off x="3541156" y="604814"/>
+            <a:ext cx="8117444" cy="2787315"/>
+          </a:xfrm>
+          <a:prstGeom prst="rect">
+            <a:avLst/>
+          </a:prstGeom>
+        </p:spPr>
+      </p:pic>
+      <p:sp>
+        <p:nvSpPr>
+          <p:cNvPr id="3" name="Alternate Process 2">
+            <a:extLst>
+              <a:ext uri="{FF2B5EF4-FFF2-40B4-BE49-F238E27FC236}">
+                <a16:creationId xmlns:a16="http://schemas.microsoft.com/office/drawing/2014/main" id="{2C91D1FD-FCB0-4B04-9406-FED7967FB4CD}"/>
+              </a:ext>
+            </a:extLst>
+          </p:cNvPr>
+          <p:cNvSpPr/>
+          <p:nvPr/>
+        </p:nvSpPr>
+        <p:spPr>
+          <a:xfrm>
+            <a:off x="3672908" y="952503"/>
+            <a:ext cx="1563329" cy="412955"/>
+          </a:xfrm>
+          <a:prstGeom prst="flowChartAlternateProcess">
+            <a:avLst/>
+          </a:prstGeom>
+        </p:spPr>
+        <p:style>
+          <a:lnRef idx="0">
+            <a:schemeClr val="accent3"/>
+          </a:lnRef>
+          <a:fillRef idx="3">
+            <a:schemeClr val="accent3"/>
+          </a:fillRef>
+          <a:effectRef idx="3">
+            <a:schemeClr val="accent3"/>
+          </a:effectRef>
+          <a:fontRef idx="minor">
+            <a:schemeClr val="lt1"/>
+          </a:fontRef>
+        </p:style>
+        <p:txBody>
+          <a:bodyPr rtlCol="0" anchor="ctr"/>
+          <a:lstStyle/>
+          <a:p>
+            <a:pPr algn="ctr"/>
+            <a:r>
+              <a:rPr lang="en-US" dirty="0"/>
+              <a:t>Observed</a:t>
+            </a:r>
+          </a:p>
+        </p:txBody>
+      </p:sp>
+    </p:spTree>
+    <p:extLst>
+      <p:ext uri="{BB962C8B-B14F-4D97-AF65-F5344CB8AC3E}">
+        <p14:creationId xmlns:p14="http://schemas.microsoft.com/office/powerpoint/2010/main" val="60020835"/>
+      </p:ext>
+    </p:extLst>
+  </p:cSld>
+  <p:clrMapOvr>
+    <a:masterClrMapping/>
+  </p:clrMapOvr>
+  <p:transition>
+    <p:cut/>
+  </p:transition>
+</p:sld>
+</file>
+
+<file path=ppt/slides/slide17.xml><?xml version="1.0" encoding="utf-8"?>
+<p:sld xmlns:a="http://schemas.openxmlformats.org/drawingml/2006/main" xmlns:r="http://schemas.openxmlformats.org/officeDocument/2006/relationships" xmlns:p="http://schemas.openxmlformats.org/presentationml/2006/main">
+  <p:cSld>
+    <p:spTree>
+      <p:nvGrpSpPr>
+        <p:cNvPr id="1" name="">
+          <a:extLst>
+            <a:ext uri="{FF2B5EF4-FFF2-40B4-BE49-F238E27FC236}">
+              <a16:creationId xmlns:a16="http://schemas.microsoft.com/office/drawing/2014/main" id="{51E8B79B-E8E6-9CBC-CFFE-FCF3DF3ACC0B}"/>
+            </a:ext>
+          </a:extLst>
+        </p:cNvPr>
+        <p:cNvGrpSpPr/>
+        <p:nvPr/>
+      </p:nvGrpSpPr>
+      <p:grpSpPr>
+        <a:xfrm>
+          <a:off x="0" y="0"/>
+          <a:ext cx="0" cy="0"/>
+          <a:chOff x="0" y="0"/>
+          <a:chExt cx="0" cy="0"/>
+        </a:xfrm>
+      </p:grpSpPr>
+      <p:sp>
+        <p:nvSpPr>
+          <p:cNvPr id="25" name="Title 24">
+            <a:extLst>
+              <a:ext uri="{FF2B5EF4-FFF2-40B4-BE49-F238E27FC236}">
+                <a16:creationId xmlns:a16="http://schemas.microsoft.com/office/drawing/2014/main" id="{F8453FC2-5BE9-D49A-A77C-346F0550F648}"/>
+              </a:ext>
+            </a:extLst>
+          </p:cNvPr>
+          <p:cNvSpPr>
+            <a:spLocks noGrp="1"/>
+          </p:cNvSpPr>
+          <p:nvPr>
+            <p:ph type="title"/>
+          </p:nvPr>
+        </p:nvSpPr>
+        <p:spPr/>
+        <p:txBody>
+          <a:bodyPr/>
+          <a:lstStyle/>
+          <a:p>
+            <a:r>
+              <a:rPr lang="en-US" dirty="0"/>
+              <a:t>Inference for Categorical Variables</a:t>
+            </a:r>
+          </a:p>
+        </p:txBody>
+      </p:sp>
+      <mc:AlternateContent xmlns:mc="http://schemas.openxmlformats.org/markup-compatibility/2006">
+        <mc:Choice xmlns:a14="http://schemas.microsoft.com/office/drawing/2010/main" Requires="a14">
+          <p:sp>
+            <p:nvSpPr>
+              <p:cNvPr id="2" name="TextBox 1">
+                <a:extLst>
+                  <a:ext uri="{FF2B5EF4-FFF2-40B4-BE49-F238E27FC236}">
+                    <a16:creationId xmlns:a16="http://schemas.microsoft.com/office/drawing/2014/main" id="{8D969975-513F-DB6C-92CE-5FE1EB582BDC}"/>
+                  </a:ext>
+                </a:extLst>
+              </p:cNvPr>
+              <p:cNvSpPr txBox="1"/>
+              <p:nvPr/>
+            </p:nvSpPr>
+            <p:spPr>
+              <a:xfrm>
+                <a:off x="3481771" y="166110"/>
+                <a:ext cx="8176829" cy="5225726"/>
+              </a:xfrm>
+              <a:prstGeom prst="rect">
+                <a:avLst/>
+              </a:prstGeom>
+              <a:noFill/>
+            </p:spPr>
+            <p:txBody>
+              <a:bodyPr wrap="square" rtlCol="0">
+                <a:spAutoFit/>
+              </a:bodyPr>
+              <a:lstStyle/>
+              <a:p>
+                <a:r>
+                  <a:rPr lang="en-US" sz="2400" b="1" dirty="0"/>
+                  <a:t>Motivating Example</a:t>
+                </a:r>
+              </a:p>
+              <a:p>
+                <a:endParaRPr lang="en-US" sz="2400" b="1" dirty="0"/>
+              </a:p>
+              <a:p>
+                <a:endParaRPr lang="en-US" sz="2400" b="1" dirty="0"/>
+              </a:p>
+              <a:p>
+                <a:endParaRPr lang="en-US" sz="2400" b="1" dirty="0"/>
+              </a:p>
+              <a:p>
+                <a:endParaRPr lang="en-US" sz="2400" b="1" dirty="0"/>
+              </a:p>
+              <a:p>
+                <a:endParaRPr lang="en-US" sz="2400" b="1" dirty="0"/>
+              </a:p>
+              <a:p>
+                <a:endParaRPr lang="en-US" sz="2400" b="1" dirty="0"/>
+              </a:p>
+              <a:p>
+                <a:endParaRPr lang="en-US" sz="2400" b="1" dirty="0"/>
+              </a:p>
+              <a:p>
+                <a:endParaRPr lang="en-US" sz="2400" b="1" dirty="0"/>
+              </a:p>
+              <a:p>
+                <a:r>
+                  <a:rPr lang="en-US" sz="2400" b="1" dirty="0"/>
+                  <a:t>Test Statistic </a:t>
+                </a:r>
+                <a:r>
+                  <a:rPr lang="en-US" sz="2400" dirty="0"/>
+                  <a:t>calculation</a:t>
+                </a:r>
+              </a:p>
+              <a:p>
+                <a:pPr marL="457200" indent="-457200">
+                  <a:buFont typeface="+mj-lt"/>
+                  <a:buAutoNum type="arabicPeriod"/>
+                </a:pPr>
+                <a:r>
+                  <a:rPr lang="en-US" sz="2400" dirty="0"/>
+                  <a:t>Generate expected number of observations for each cell of the contingency table if </a:t>
+                </a:r>
+                <a14:m>
+                  <m:oMath xmlns:m="http://schemas.openxmlformats.org/officeDocument/2006/math">
+                    <m:sSub>
+                      <m:sSubPr>
+                        <m:ctrlPr>
+                          <a:rPr lang="en-US" sz="2400" b="0" i="1" smtClean="0">
+                            <a:latin typeface="Cambria Math" panose="02040503050406030204" pitchFamily="18" charset="0"/>
+                          </a:rPr>
+                        </m:ctrlPr>
+                      </m:sSubPr>
+                      <m:e>
+                        <m:r>
+                          <a:rPr lang="en-US" sz="2400" b="0" i="1" smtClean="0">
+                            <a:latin typeface="Cambria Math" panose="02040503050406030204" pitchFamily="18" charset="0"/>
+                          </a:rPr>
+                          <m:t>𝐻</m:t>
+                        </m:r>
+                      </m:e>
+                      <m:sub>
+                        <m:r>
+                          <a:rPr lang="en-US" sz="2400" b="0" i="1" smtClean="0">
+                            <a:latin typeface="Cambria Math" panose="02040503050406030204" pitchFamily="18" charset="0"/>
+                          </a:rPr>
+                          <m:t>0</m:t>
+                        </m:r>
+                      </m:sub>
+                    </m:sSub>
+                  </m:oMath>
+                </a14:m>
+                <a:r>
+                  <a:rPr lang="en-US" sz="2400" dirty="0"/>
+                  <a:t> is true</a:t>
+                </a:r>
+              </a:p>
+              <a:p>
+                <a:pPr lvl="1"/>
+                <a14:m>
+                  <m:oMathPara xmlns:m="http://schemas.openxmlformats.org/officeDocument/2006/math">
+                    <m:oMathParaPr>
+                      <m:jc m:val="centerGroup"/>
+                    </m:oMathParaPr>
+                    <m:oMath xmlns:m="http://schemas.openxmlformats.org/officeDocument/2006/math">
+                      <m:sSub>
+                        <m:sSubPr>
+                          <m:ctrlPr>
+                            <a:rPr lang="en-US" sz="2400" b="0" i="1" smtClean="0">
+                              <a:latin typeface="Cambria Math" panose="02040503050406030204" pitchFamily="18" charset="0"/>
+                            </a:rPr>
+                          </m:ctrlPr>
+                        </m:sSubPr>
+                        <m:e>
+                          <m:r>
+                            <a:rPr lang="en-US" sz="2400" b="0" i="1" smtClean="0">
+                              <a:latin typeface="Cambria Math" panose="02040503050406030204" pitchFamily="18" charset="0"/>
+                            </a:rPr>
+                            <m:t>𝐸</m:t>
+                          </m:r>
+                        </m:e>
+                        <m:sub>
+                          <m:r>
+                            <a:rPr lang="en-US" sz="2400" b="0" i="1" smtClean="0">
+                              <a:latin typeface="Cambria Math" panose="02040503050406030204" pitchFamily="18" charset="0"/>
+                            </a:rPr>
+                            <m:t>𝑖𝑗</m:t>
+                          </m:r>
+                        </m:sub>
+                      </m:sSub>
+                      <m:r>
+                        <a:rPr lang="en-US" sz="2400" b="0" i="1" smtClean="0">
+                          <a:latin typeface="Cambria Math" panose="02040503050406030204" pitchFamily="18" charset="0"/>
+                        </a:rPr>
+                        <m:t>=</m:t>
+                      </m:r>
+                      <m:f>
+                        <m:fPr>
+                          <m:ctrlPr>
+                            <a:rPr lang="en-US" sz="2400" b="0" i="1" smtClean="0">
+                              <a:latin typeface="Cambria Math" panose="02040503050406030204" pitchFamily="18" charset="0"/>
+                            </a:rPr>
+                          </m:ctrlPr>
+                        </m:fPr>
+                        <m:num>
+                          <m:r>
+                            <a:rPr lang="en-US" sz="2400" i="1">
+                              <a:latin typeface="Cambria Math" panose="02040503050406030204" pitchFamily="18" charset="0"/>
+                            </a:rPr>
+                            <m:t>𝑟𝑜𝑤</m:t>
+                          </m:r>
+                          <m:r>
+                            <a:rPr lang="en-US" sz="2400" i="1">
+                              <a:latin typeface="Cambria Math" panose="02040503050406030204" pitchFamily="18" charset="0"/>
+                            </a:rPr>
+                            <m:t> </m:t>
+                          </m:r>
+                          <m:r>
+                            <a:rPr lang="en-US" sz="2400" i="1">
+                              <a:latin typeface="Cambria Math" panose="02040503050406030204" pitchFamily="18" charset="0"/>
+                            </a:rPr>
+                            <m:t>𝑖</m:t>
+                          </m:r>
+                          <m:r>
+                            <a:rPr lang="en-US" sz="2400" i="1">
+                              <a:latin typeface="Cambria Math" panose="02040503050406030204" pitchFamily="18" charset="0"/>
+                            </a:rPr>
+                            <m:t> </m:t>
+                          </m:r>
+                          <m:r>
+                            <a:rPr lang="en-US" sz="2400" i="1">
+                              <a:latin typeface="Cambria Math" panose="02040503050406030204" pitchFamily="18" charset="0"/>
+                            </a:rPr>
+                            <m:t>𝑡𝑜𝑡𝑎𝑙</m:t>
+                          </m:r>
+                          <m:r>
+                            <a:rPr lang="en-US" sz="2400" i="1">
+                              <a:latin typeface="Cambria Math" panose="02040503050406030204" pitchFamily="18" charset="0"/>
+                            </a:rPr>
+                            <m:t> ×</m:t>
+                          </m:r>
+                          <m:r>
+                            <a:rPr lang="en-US" sz="2400" i="1">
+                              <a:latin typeface="Cambria Math" panose="02040503050406030204" pitchFamily="18" charset="0"/>
+                            </a:rPr>
+                            <m:t>𝑐𝑜𝑙𝑢𝑚𝑛</m:t>
+                          </m:r>
+                          <m:r>
+                            <a:rPr lang="en-US" sz="2400" i="1">
+                              <a:latin typeface="Cambria Math" panose="02040503050406030204" pitchFamily="18" charset="0"/>
+                            </a:rPr>
+                            <m:t> </m:t>
+                          </m:r>
+                          <m:r>
+                            <a:rPr lang="en-US" sz="2400" i="1">
+                              <a:latin typeface="Cambria Math" panose="02040503050406030204" pitchFamily="18" charset="0"/>
+                            </a:rPr>
+                            <m:t>𝑗</m:t>
+                          </m:r>
+                          <m:r>
+                            <a:rPr lang="en-US" sz="2400" b="0" i="1" smtClean="0">
+                              <a:latin typeface="Cambria Math" panose="02040503050406030204" pitchFamily="18" charset="0"/>
+                            </a:rPr>
+                            <m:t> </m:t>
+                          </m:r>
+                          <m:r>
+                            <a:rPr lang="en-US" sz="2400" b="0" i="1" smtClean="0">
+                              <a:latin typeface="Cambria Math" panose="02040503050406030204" pitchFamily="18" charset="0"/>
+                            </a:rPr>
+                            <m:t>𝑡𝑜𝑡𝑎𝑙</m:t>
+                          </m:r>
+                        </m:num>
+                        <m:den>
+                          <m:r>
+                            <a:rPr lang="en-US" sz="2400" b="0" i="1" smtClean="0">
+                              <a:latin typeface="Cambria Math" panose="02040503050406030204" pitchFamily="18" charset="0"/>
+                            </a:rPr>
+                            <m:t>𝑡𝑎𝑏𝑙𝑒</m:t>
+                          </m:r>
+                          <m:r>
+                            <a:rPr lang="en-US" sz="2400" b="0" i="1" smtClean="0">
+                              <a:latin typeface="Cambria Math" panose="02040503050406030204" pitchFamily="18" charset="0"/>
+                            </a:rPr>
+                            <m:t> </m:t>
+                          </m:r>
+                          <m:r>
+                            <a:rPr lang="en-US" sz="2400" b="0" i="1" smtClean="0">
+                              <a:latin typeface="Cambria Math" panose="02040503050406030204" pitchFamily="18" charset="0"/>
+                            </a:rPr>
+                            <m:t>𝑡𝑜𝑡𝑎𝑙</m:t>
+                          </m:r>
+                        </m:den>
+                      </m:f>
+                    </m:oMath>
+                  </m:oMathPara>
+                </a14:m>
+                <a:endParaRPr lang="en-US" sz="2400" dirty="0"/>
+              </a:p>
+            </p:txBody>
+          </p:sp>
+        </mc:Choice>
+        <mc:Fallback>
+          <p:sp>
+            <p:nvSpPr>
+              <p:cNvPr id="2" name="TextBox 1">
+                <a:extLst>
+                  <a:ext uri="{FF2B5EF4-FFF2-40B4-BE49-F238E27FC236}">
+                    <a16:creationId xmlns:a16="http://schemas.microsoft.com/office/drawing/2014/main" id="{8D969975-513F-DB6C-92CE-5FE1EB582BDC}"/>
+                  </a:ext>
+                </a:extLst>
+              </p:cNvPr>
+              <p:cNvSpPr txBox="1">
+                <a:spLocks noRot="1" noChangeAspect="1" noMove="1" noResize="1" noEditPoints="1" noAdjustHandles="1" noChangeArrowheads="1" noChangeShapeType="1" noTextEdit="1"/>
+              </p:cNvSpPr>
+              <p:nvPr/>
+            </p:nvSpPr>
+            <p:spPr>
+              <a:xfrm>
+                <a:off x="3481771" y="166110"/>
+                <a:ext cx="8176829" cy="5225726"/>
+              </a:xfrm>
+              <a:prstGeom prst="rect">
+                <a:avLst/>
+              </a:prstGeom>
+              <a:blipFill>
+                <a:blip r:embed="rId3"/>
+                <a:stretch>
+                  <a:fillRect l="-1240" t="-726" b="-2421"/>
+                </a:stretch>
+              </a:blipFill>
+            </p:spPr>
+            <p:txBody>
+              <a:bodyPr/>
+              <a:lstStyle/>
+              <a:p>
+                <a:r>
+                  <a:rPr lang="en-US">
+                    <a:noFill/>
+                  </a:rPr>
+                  <a:t> </a:t>
+                </a:r>
+              </a:p>
+            </p:txBody>
+          </p:sp>
+        </mc:Fallback>
+      </mc:AlternateContent>
+      <p:pic>
+        <p:nvPicPr>
+          <p:cNvPr id="4" name="Picture 3" descr="A white paper with black text&#10;&#10;Description automatically generated">
+            <a:extLst>
+              <a:ext uri="{FF2B5EF4-FFF2-40B4-BE49-F238E27FC236}">
+                <a16:creationId xmlns:a16="http://schemas.microsoft.com/office/drawing/2014/main" id="{2DAF7862-2A75-70D1-CEF4-ABFA375AEAD9}"/>
+              </a:ext>
+            </a:extLst>
+          </p:cNvPr>
+          <p:cNvPicPr>
+            <a:picLocks noChangeAspect="1"/>
+          </p:cNvPicPr>
+          <p:nvPr/>
+        </p:nvPicPr>
+        <p:blipFill>
+          <a:blip r:embed="rId4"/>
+          <a:stretch>
+            <a:fillRect/>
+          </a:stretch>
+        </p:blipFill>
+        <p:spPr>
+          <a:xfrm>
+            <a:off x="3541156" y="604814"/>
+            <a:ext cx="8117444" cy="2787315"/>
+          </a:xfrm>
+          <a:prstGeom prst="rect">
+            <a:avLst/>
+          </a:prstGeom>
+        </p:spPr>
+      </p:pic>
+      <p:sp>
+        <p:nvSpPr>
+          <p:cNvPr id="3" name="Alternate Process 2">
+            <a:extLst>
+              <a:ext uri="{FF2B5EF4-FFF2-40B4-BE49-F238E27FC236}">
+                <a16:creationId xmlns:a16="http://schemas.microsoft.com/office/drawing/2014/main" id="{150E7C71-79A6-0CE7-23D1-9D42B25DBFCB}"/>
+              </a:ext>
+            </a:extLst>
+          </p:cNvPr>
+          <p:cNvSpPr/>
+          <p:nvPr/>
+        </p:nvSpPr>
+        <p:spPr>
+          <a:xfrm>
+            <a:off x="3672908" y="952503"/>
+            <a:ext cx="1563329" cy="412955"/>
+          </a:xfrm>
+          <a:prstGeom prst="flowChartAlternateProcess">
+            <a:avLst/>
+          </a:prstGeom>
+        </p:spPr>
+        <p:style>
+          <a:lnRef idx="0">
+            <a:schemeClr val="accent6"/>
+          </a:lnRef>
+          <a:fillRef idx="3">
+            <a:schemeClr val="accent6"/>
+          </a:fillRef>
+          <a:effectRef idx="3">
+            <a:schemeClr val="accent6"/>
+          </a:effectRef>
+          <a:fontRef idx="minor">
+            <a:schemeClr val="lt1"/>
+          </a:fontRef>
+        </p:style>
+        <p:txBody>
+          <a:bodyPr rtlCol="0" anchor="ctr"/>
+          <a:lstStyle/>
+          <a:p>
+            <a:pPr algn="ctr"/>
+            <a:r>
+              <a:rPr lang="en-US" dirty="0"/>
+              <a:t>Expected</a:t>
+            </a:r>
+          </a:p>
+        </p:txBody>
+      </p:sp>
+      <p:sp>
+        <p:nvSpPr>
+          <p:cNvPr id="5" name="Rectangle 4">
+            <a:extLst>
+              <a:ext uri="{FF2B5EF4-FFF2-40B4-BE49-F238E27FC236}">
+                <a16:creationId xmlns:a16="http://schemas.microsoft.com/office/drawing/2014/main" id="{5F665A3F-F287-078C-E564-50193F278A49}"/>
+              </a:ext>
+            </a:extLst>
+          </p:cNvPr>
+          <p:cNvSpPr/>
+          <p:nvPr/>
+        </p:nvSpPr>
+        <p:spPr>
+          <a:xfrm>
+            <a:off x="5501148" y="1887794"/>
+            <a:ext cx="5117691" cy="840658"/>
+          </a:xfrm>
+          <a:prstGeom prst="rect">
+            <a:avLst/>
+          </a:prstGeom>
+          <a:ln>
+            <a:noFill/>
+          </a:ln>
+        </p:spPr>
+        <p:style>
+          <a:lnRef idx="2">
+            <a:schemeClr val="accent1"/>
+          </a:lnRef>
+          <a:fillRef idx="1">
+            <a:schemeClr val="lt1"/>
+          </a:fillRef>
+          <a:effectRef idx="0">
+            <a:schemeClr val="accent1"/>
+          </a:effectRef>
+          <a:fontRef idx="minor">
+            <a:schemeClr val="dk1"/>
+          </a:fontRef>
+        </p:style>
+        <p:txBody>
+          <a:bodyPr rtlCol="0" anchor="ctr"/>
+          <a:lstStyle/>
+          <a:p>
+            <a:pPr algn="ctr"/>
+            <a:endParaRPr lang="en-US"/>
+          </a:p>
+        </p:txBody>
+      </p:sp>
+    </p:spTree>
+    <p:extLst>
+      <p:ext uri="{BB962C8B-B14F-4D97-AF65-F5344CB8AC3E}">
+        <p14:creationId xmlns:p14="http://schemas.microsoft.com/office/powerpoint/2010/main" val="1088939795"/>
+      </p:ext>
+    </p:extLst>
+  </p:cSld>
+  <p:clrMapOvr>
+    <a:masterClrMapping/>
+  </p:clrMapOvr>
+  <p:transition>
+    <p:cut/>
+  </p:transition>
+</p:sld>
+</file>
+
+<file path=ppt/slides/slide18.xml><?xml version="1.0" encoding="utf-8"?>
+<p:sld xmlns:a="http://schemas.openxmlformats.org/drawingml/2006/main" xmlns:r="http://schemas.openxmlformats.org/officeDocument/2006/relationships" xmlns:p="http://schemas.openxmlformats.org/presentationml/2006/main">
+  <p:cSld>
+    <p:spTree>
+      <p:nvGrpSpPr>
+        <p:cNvPr id="1" name="">
+          <a:extLst>
+            <a:ext uri="{FF2B5EF4-FFF2-40B4-BE49-F238E27FC236}">
+              <a16:creationId xmlns:a16="http://schemas.microsoft.com/office/drawing/2014/main" id="{51E8B79B-E8E6-9CBC-CFFE-FCF3DF3ACC0B}"/>
+            </a:ext>
+          </a:extLst>
+        </p:cNvPr>
+        <p:cNvGrpSpPr/>
+        <p:nvPr/>
+      </p:nvGrpSpPr>
+      <p:grpSpPr>
+        <a:xfrm>
+          <a:off x="0" y="0"/>
+          <a:ext cx="0" cy="0"/>
+          <a:chOff x="0" y="0"/>
+          <a:chExt cx="0" cy="0"/>
+        </a:xfrm>
+      </p:grpSpPr>
+      <p:sp>
+        <p:nvSpPr>
+          <p:cNvPr id="25" name="Title 24">
+            <a:extLst>
+              <a:ext uri="{FF2B5EF4-FFF2-40B4-BE49-F238E27FC236}">
+                <a16:creationId xmlns:a16="http://schemas.microsoft.com/office/drawing/2014/main" id="{F8453FC2-5BE9-D49A-A77C-346F0550F648}"/>
+              </a:ext>
+            </a:extLst>
+          </p:cNvPr>
+          <p:cNvSpPr>
+            <a:spLocks noGrp="1"/>
+          </p:cNvSpPr>
+          <p:nvPr>
+            <p:ph type="title"/>
+          </p:nvPr>
+        </p:nvSpPr>
+        <p:spPr/>
+        <p:txBody>
+          <a:bodyPr/>
+          <a:lstStyle/>
+          <a:p>
+            <a:r>
+              <a:rPr lang="en-US" dirty="0"/>
+              <a:t>Inference for Categorical Variables</a:t>
+            </a:r>
+          </a:p>
+        </p:txBody>
+      </p:sp>
+      <mc:AlternateContent xmlns:mc="http://schemas.openxmlformats.org/markup-compatibility/2006">
+        <mc:Choice xmlns:a14="http://schemas.microsoft.com/office/drawing/2010/main" Requires="a14">
+          <p:sp>
+            <p:nvSpPr>
+              <p:cNvPr id="2" name="TextBox 1">
+                <a:extLst>
+                  <a:ext uri="{FF2B5EF4-FFF2-40B4-BE49-F238E27FC236}">
+                    <a16:creationId xmlns:a16="http://schemas.microsoft.com/office/drawing/2014/main" id="{8D969975-513F-DB6C-92CE-5FE1EB582BDC}"/>
+                  </a:ext>
+                </a:extLst>
+              </p:cNvPr>
+              <p:cNvSpPr txBox="1"/>
+              <p:nvPr/>
+            </p:nvSpPr>
+            <p:spPr>
+              <a:xfrm>
+                <a:off x="3481771" y="166110"/>
+                <a:ext cx="8176829" cy="5225726"/>
+              </a:xfrm>
+              <a:prstGeom prst="rect">
+                <a:avLst/>
+              </a:prstGeom>
+              <a:noFill/>
+            </p:spPr>
+            <p:txBody>
+              <a:bodyPr wrap="square" rtlCol="0">
+                <a:spAutoFit/>
+              </a:bodyPr>
+              <a:lstStyle/>
+              <a:p>
+                <a:r>
+                  <a:rPr lang="en-US" sz="2400" b="1" dirty="0"/>
+                  <a:t>Motivating Example</a:t>
+                </a:r>
+              </a:p>
+              <a:p>
+                <a:endParaRPr lang="en-US" sz="2400" b="1" dirty="0"/>
+              </a:p>
+              <a:p>
+                <a:endParaRPr lang="en-US" sz="2400" b="1" dirty="0"/>
+              </a:p>
+              <a:p>
+                <a:endParaRPr lang="en-US" sz="2400" b="1" dirty="0"/>
+              </a:p>
+              <a:p>
+                <a:endParaRPr lang="en-US" sz="2400" b="1" dirty="0"/>
+              </a:p>
+              <a:p>
+                <a:endParaRPr lang="en-US" sz="2400" b="1" dirty="0"/>
+              </a:p>
+              <a:p>
+                <a:endParaRPr lang="en-US" sz="2400" b="1" dirty="0"/>
+              </a:p>
+              <a:p>
+                <a:endParaRPr lang="en-US" sz="2400" b="1" dirty="0"/>
+              </a:p>
+              <a:p>
+                <a:endParaRPr lang="en-US" sz="2400" b="1" dirty="0"/>
+              </a:p>
+              <a:p>
+                <a:r>
+                  <a:rPr lang="en-US" sz="2400" b="1" dirty="0"/>
+                  <a:t>Test Statistic </a:t>
+                </a:r>
+                <a:r>
+                  <a:rPr lang="en-US" sz="2400" dirty="0"/>
+                  <a:t>calculation</a:t>
+                </a:r>
+              </a:p>
+              <a:p>
+                <a:pPr marL="457200" indent="-457200">
+                  <a:buFont typeface="+mj-lt"/>
+                  <a:buAutoNum type="arabicPeriod"/>
+                </a:pPr>
+                <a:r>
+                  <a:rPr lang="en-US" sz="2400" dirty="0"/>
+                  <a:t>Generate expected number of observations for each cell of the contingency table if </a:t>
+                </a:r>
+                <a14:m>
+                  <m:oMath xmlns:m="http://schemas.openxmlformats.org/officeDocument/2006/math">
+                    <m:sSub>
+                      <m:sSubPr>
+                        <m:ctrlPr>
+                          <a:rPr lang="en-US" sz="2400" b="0" i="1" smtClean="0">
+                            <a:latin typeface="Cambria Math" panose="02040503050406030204" pitchFamily="18" charset="0"/>
+                          </a:rPr>
+                        </m:ctrlPr>
+                      </m:sSubPr>
+                      <m:e>
+                        <m:r>
+                          <a:rPr lang="en-US" sz="2400" b="0" i="1" smtClean="0">
+                            <a:latin typeface="Cambria Math" panose="02040503050406030204" pitchFamily="18" charset="0"/>
+                          </a:rPr>
+                          <m:t>𝐻</m:t>
+                        </m:r>
+                      </m:e>
+                      <m:sub>
+                        <m:r>
+                          <a:rPr lang="en-US" sz="2400" b="0" i="1" smtClean="0">
+                            <a:latin typeface="Cambria Math" panose="02040503050406030204" pitchFamily="18" charset="0"/>
+                          </a:rPr>
+                          <m:t>0</m:t>
+                        </m:r>
+                      </m:sub>
+                    </m:sSub>
+                  </m:oMath>
+                </a14:m>
+                <a:r>
+                  <a:rPr lang="en-US" sz="2400" dirty="0"/>
+                  <a:t> is true</a:t>
+                </a:r>
+              </a:p>
+              <a:p>
+                <a:pPr lvl="1"/>
+                <a14:m>
+                  <m:oMathPara xmlns:m="http://schemas.openxmlformats.org/officeDocument/2006/math">
+                    <m:oMathParaPr>
+                      <m:jc m:val="centerGroup"/>
+                    </m:oMathParaPr>
+                    <m:oMath xmlns:m="http://schemas.openxmlformats.org/officeDocument/2006/math">
+                      <m:sSub>
+                        <m:sSubPr>
+                          <m:ctrlPr>
+                            <a:rPr lang="en-US" sz="2400" b="0" i="1" smtClean="0">
+                              <a:latin typeface="Cambria Math" panose="02040503050406030204" pitchFamily="18" charset="0"/>
+                            </a:rPr>
+                          </m:ctrlPr>
+                        </m:sSubPr>
+                        <m:e>
+                          <m:r>
+                            <a:rPr lang="en-US" sz="2400" b="0" i="1" smtClean="0">
+                              <a:latin typeface="Cambria Math" panose="02040503050406030204" pitchFamily="18" charset="0"/>
+                            </a:rPr>
+                            <m:t>𝐸</m:t>
+                          </m:r>
+                        </m:e>
+                        <m:sub>
+                          <m:r>
+                            <a:rPr lang="en-US" sz="2400" b="0" i="1" smtClean="0">
+                              <a:latin typeface="Cambria Math" panose="02040503050406030204" pitchFamily="18" charset="0"/>
+                            </a:rPr>
+                            <m:t>𝑖𝑗</m:t>
+                          </m:r>
+                        </m:sub>
+                      </m:sSub>
+                      <m:r>
+                        <a:rPr lang="en-US" sz="2400" b="0" i="1" smtClean="0">
+                          <a:latin typeface="Cambria Math" panose="02040503050406030204" pitchFamily="18" charset="0"/>
+                        </a:rPr>
+                        <m:t>=</m:t>
+                      </m:r>
+                      <m:f>
+                        <m:fPr>
+                          <m:ctrlPr>
+                            <a:rPr lang="en-US" sz="2400" b="0" i="1" smtClean="0">
+                              <a:latin typeface="Cambria Math" panose="02040503050406030204" pitchFamily="18" charset="0"/>
+                            </a:rPr>
+                          </m:ctrlPr>
+                        </m:fPr>
+                        <m:num>
+                          <m:r>
+                            <a:rPr lang="en-US" sz="2400" i="1">
+                              <a:latin typeface="Cambria Math" panose="02040503050406030204" pitchFamily="18" charset="0"/>
+                            </a:rPr>
+                            <m:t>𝑟𝑜𝑤</m:t>
+                          </m:r>
+                          <m:r>
+                            <a:rPr lang="en-US" sz="2400" i="1">
+                              <a:latin typeface="Cambria Math" panose="02040503050406030204" pitchFamily="18" charset="0"/>
+                            </a:rPr>
+                            <m:t> </m:t>
+                          </m:r>
+                          <m:r>
+                            <a:rPr lang="en-US" sz="2400" i="1">
+                              <a:latin typeface="Cambria Math" panose="02040503050406030204" pitchFamily="18" charset="0"/>
+                            </a:rPr>
+                            <m:t>𝑖</m:t>
+                          </m:r>
+                          <m:r>
+                            <a:rPr lang="en-US" sz="2400" i="1">
+                              <a:latin typeface="Cambria Math" panose="02040503050406030204" pitchFamily="18" charset="0"/>
+                            </a:rPr>
+                            <m:t> </m:t>
+                          </m:r>
+                          <m:r>
+                            <a:rPr lang="en-US" sz="2400" i="1">
+                              <a:latin typeface="Cambria Math" panose="02040503050406030204" pitchFamily="18" charset="0"/>
+                            </a:rPr>
+                            <m:t>𝑡𝑜𝑡𝑎𝑙</m:t>
+                          </m:r>
+                          <m:r>
+                            <a:rPr lang="en-US" sz="2400" i="1">
+                              <a:latin typeface="Cambria Math" panose="02040503050406030204" pitchFamily="18" charset="0"/>
+                            </a:rPr>
+                            <m:t> ×</m:t>
+                          </m:r>
+                          <m:r>
+                            <a:rPr lang="en-US" sz="2400" i="1">
+                              <a:latin typeface="Cambria Math" panose="02040503050406030204" pitchFamily="18" charset="0"/>
+                            </a:rPr>
+                            <m:t>𝑐𝑜𝑙𝑢𝑚𝑛</m:t>
+                          </m:r>
+                          <m:r>
+                            <a:rPr lang="en-US" sz="2400" i="1">
+                              <a:latin typeface="Cambria Math" panose="02040503050406030204" pitchFamily="18" charset="0"/>
+                            </a:rPr>
+                            <m:t> </m:t>
+                          </m:r>
+                          <m:r>
+                            <a:rPr lang="en-US" sz="2400" i="1">
+                              <a:latin typeface="Cambria Math" panose="02040503050406030204" pitchFamily="18" charset="0"/>
+                            </a:rPr>
+                            <m:t>𝑗</m:t>
+                          </m:r>
+                          <m:r>
+                            <a:rPr lang="en-US" sz="2400" b="0" i="1" smtClean="0">
+                              <a:latin typeface="Cambria Math" panose="02040503050406030204" pitchFamily="18" charset="0"/>
+                            </a:rPr>
+                            <m:t> </m:t>
+                          </m:r>
+                          <m:r>
+                            <a:rPr lang="en-US" sz="2400" b="0" i="1" smtClean="0">
+                              <a:latin typeface="Cambria Math" panose="02040503050406030204" pitchFamily="18" charset="0"/>
+                            </a:rPr>
+                            <m:t>𝑡𝑜𝑡𝑎𝑙</m:t>
+                          </m:r>
+                        </m:num>
+                        <m:den>
+                          <m:r>
+                            <a:rPr lang="en-US" sz="2400" b="0" i="1" smtClean="0">
+                              <a:latin typeface="Cambria Math" panose="02040503050406030204" pitchFamily="18" charset="0"/>
+                            </a:rPr>
+                            <m:t>𝑡𝑎𝑏𝑙𝑒</m:t>
+                          </m:r>
+                          <m:r>
+                            <a:rPr lang="en-US" sz="2400" b="0" i="1" smtClean="0">
+                              <a:latin typeface="Cambria Math" panose="02040503050406030204" pitchFamily="18" charset="0"/>
+                            </a:rPr>
+                            <m:t> </m:t>
+                          </m:r>
+                          <m:r>
+                            <a:rPr lang="en-US" sz="2400" b="0" i="1" smtClean="0">
+                              <a:latin typeface="Cambria Math" panose="02040503050406030204" pitchFamily="18" charset="0"/>
+                            </a:rPr>
+                            <m:t>𝑡𝑜𝑡𝑎𝑙</m:t>
+                          </m:r>
+                        </m:den>
+                      </m:f>
+                    </m:oMath>
+                  </m:oMathPara>
+                </a14:m>
+                <a:endParaRPr lang="en-US" sz="2400" dirty="0"/>
+              </a:p>
+            </p:txBody>
+          </p:sp>
+        </mc:Choice>
+        <mc:Fallback>
+          <p:sp>
+            <p:nvSpPr>
+              <p:cNvPr id="2" name="TextBox 1">
+                <a:extLst>
+                  <a:ext uri="{FF2B5EF4-FFF2-40B4-BE49-F238E27FC236}">
+                    <a16:creationId xmlns:a16="http://schemas.microsoft.com/office/drawing/2014/main" id="{8D969975-513F-DB6C-92CE-5FE1EB582BDC}"/>
+                  </a:ext>
+                </a:extLst>
+              </p:cNvPr>
+              <p:cNvSpPr txBox="1">
+                <a:spLocks noRot="1" noChangeAspect="1" noMove="1" noResize="1" noEditPoints="1" noAdjustHandles="1" noChangeArrowheads="1" noChangeShapeType="1" noTextEdit="1"/>
+              </p:cNvSpPr>
+              <p:nvPr/>
+            </p:nvSpPr>
+            <p:spPr>
+              <a:xfrm>
+                <a:off x="3481771" y="166110"/>
+                <a:ext cx="8176829" cy="5225726"/>
+              </a:xfrm>
+              <a:prstGeom prst="rect">
+                <a:avLst/>
+              </a:prstGeom>
+              <a:blipFill>
+                <a:blip r:embed="rId3"/>
+                <a:stretch>
+                  <a:fillRect l="-1240" t="-726" b="-2421"/>
+                </a:stretch>
+              </a:blipFill>
+            </p:spPr>
+            <p:txBody>
+              <a:bodyPr/>
+              <a:lstStyle/>
+              <a:p>
+                <a:r>
+                  <a:rPr lang="en-US">
+                    <a:noFill/>
+                  </a:rPr>
+                  <a:t> </a:t>
+                </a:r>
+              </a:p>
+            </p:txBody>
+          </p:sp>
+        </mc:Fallback>
+      </mc:AlternateContent>
+      <p:pic>
+        <p:nvPicPr>
+          <p:cNvPr id="4" name="Picture 3" descr="A white paper with black text&#10;&#10;Description automatically generated">
+            <a:extLst>
+              <a:ext uri="{FF2B5EF4-FFF2-40B4-BE49-F238E27FC236}">
+                <a16:creationId xmlns:a16="http://schemas.microsoft.com/office/drawing/2014/main" id="{2DAF7862-2A75-70D1-CEF4-ABFA375AEAD9}"/>
+              </a:ext>
+            </a:extLst>
+          </p:cNvPr>
+          <p:cNvPicPr>
+            <a:picLocks noChangeAspect="1"/>
+          </p:cNvPicPr>
+          <p:nvPr/>
+        </p:nvPicPr>
+        <p:blipFill>
+          <a:blip r:embed="rId4"/>
+          <a:stretch>
+            <a:fillRect/>
+          </a:stretch>
+        </p:blipFill>
+        <p:spPr>
+          <a:xfrm>
+            <a:off x="3541156" y="604814"/>
+            <a:ext cx="8117444" cy="2787315"/>
+          </a:xfrm>
+          <a:prstGeom prst="rect">
+            <a:avLst/>
+          </a:prstGeom>
+        </p:spPr>
+      </p:pic>
+      <p:sp>
+        <p:nvSpPr>
+          <p:cNvPr id="3" name="Alternate Process 2">
+            <a:extLst>
+              <a:ext uri="{FF2B5EF4-FFF2-40B4-BE49-F238E27FC236}">
+                <a16:creationId xmlns:a16="http://schemas.microsoft.com/office/drawing/2014/main" id="{150E7C71-79A6-0CE7-23D1-9D42B25DBFCB}"/>
+              </a:ext>
+            </a:extLst>
+          </p:cNvPr>
+          <p:cNvSpPr/>
+          <p:nvPr/>
+        </p:nvSpPr>
+        <p:spPr>
+          <a:xfrm>
+            <a:off x="3672908" y="952503"/>
+            <a:ext cx="1563329" cy="412955"/>
+          </a:xfrm>
+          <a:prstGeom prst="flowChartAlternateProcess">
+            <a:avLst/>
+          </a:prstGeom>
+        </p:spPr>
+        <p:style>
+          <a:lnRef idx="0">
+            <a:schemeClr val="accent6"/>
+          </a:lnRef>
+          <a:fillRef idx="3">
+            <a:schemeClr val="accent6"/>
+          </a:fillRef>
+          <a:effectRef idx="3">
+            <a:schemeClr val="accent6"/>
+          </a:effectRef>
+          <a:fontRef idx="minor">
+            <a:schemeClr val="lt1"/>
+          </a:fontRef>
+        </p:style>
+        <p:txBody>
+          <a:bodyPr rtlCol="0" anchor="ctr"/>
+          <a:lstStyle/>
+          <a:p>
+            <a:pPr algn="ctr"/>
+            <a:r>
+              <a:rPr lang="en-US" dirty="0"/>
+              <a:t>Expected</a:t>
+            </a:r>
+          </a:p>
+        </p:txBody>
+      </p:sp>
+      <p:sp>
+        <p:nvSpPr>
+          <p:cNvPr id="5" name="Rectangle 4">
+            <a:extLst>
+              <a:ext uri="{FF2B5EF4-FFF2-40B4-BE49-F238E27FC236}">
+                <a16:creationId xmlns:a16="http://schemas.microsoft.com/office/drawing/2014/main" id="{5F665A3F-F287-078C-E564-50193F278A49}"/>
+              </a:ext>
+            </a:extLst>
+          </p:cNvPr>
+          <p:cNvSpPr/>
+          <p:nvPr/>
+        </p:nvSpPr>
+        <p:spPr>
+          <a:xfrm>
+            <a:off x="5501148" y="1887794"/>
+            <a:ext cx="5117691" cy="840658"/>
+          </a:xfrm>
+          <a:prstGeom prst="rect">
+            <a:avLst/>
+          </a:prstGeom>
+          <a:ln>
+            <a:noFill/>
+          </a:ln>
+        </p:spPr>
+        <p:style>
+          <a:lnRef idx="2">
+            <a:schemeClr val="accent1"/>
+          </a:lnRef>
+          <a:fillRef idx="1">
+            <a:schemeClr val="lt1"/>
+          </a:fillRef>
+          <a:effectRef idx="0">
+            <a:schemeClr val="accent1"/>
+          </a:effectRef>
+          <a:fontRef idx="minor">
+            <a:schemeClr val="dk1"/>
+          </a:fontRef>
+        </p:style>
+        <p:txBody>
+          <a:bodyPr rtlCol="0" anchor="ctr"/>
+          <a:lstStyle/>
+          <a:p>
+            <a:pPr algn="ctr"/>
+            <a:endParaRPr lang="en-US"/>
+          </a:p>
+        </p:txBody>
+      </p:sp>
+      <p:sp>
+        <p:nvSpPr>
+          <p:cNvPr id="6" name="Alternate Process 5">
+            <a:extLst>
+              <a:ext uri="{FF2B5EF4-FFF2-40B4-BE49-F238E27FC236}">
+                <a16:creationId xmlns:a16="http://schemas.microsoft.com/office/drawing/2014/main" id="{1FC30FAA-A270-A04A-C199-747FE7A83F73}"/>
+              </a:ext>
+            </a:extLst>
+          </p:cNvPr>
+          <p:cNvSpPr/>
+          <p:nvPr/>
+        </p:nvSpPr>
+        <p:spPr>
+          <a:xfrm>
+            <a:off x="5236122" y="5725020"/>
+            <a:ext cx="4668126" cy="932895"/>
+          </a:xfrm>
+          <a:prstGeom prst="flowChartAlternateProcess">
+            <a:avLst/>
+          </a:prstGeom>
+        </p:spPr>
+        <p:style>
+          <a:lnRef idx="0">
+            <a:schemeClr val="accent5"/>
+          </a:lnRef>
+          <a:fillRef idx="3">
+            <a:schemeClr val="accent5"/>
+          </a:fillRef>
+          <a:effectRef idx="3">
+            <a:schemeClr val="accent5"/>
+          </a:effectRef>
+          <a:fontRef idx="minor">
+            <a:schemeClr val="lt1"/>
+          </a:fontRef>
+        </p:style>
+        <p:txBody>
+          <a:bodyPr rtlCol="0" anchor="ctr"/>
+          <a:lstStyle/>
+          <a:p>
+            <a:pPr algn="ctr"/>
+            <a:r>
+              <a:rPr lang="en-US" sz="2400" dirty="0"/>
+              <a:t>Fill in the expected table.</a:t>
+            </a:r>
+          </a:p>
+        </p:txBody>
+      </p:sp>
+    </p:spTree>
+    <p:extLst>
+      <p:ext uri="{BB962C8B-B14F-4D97-AF65-F5344CB8AC3E}">
+        <p14:creationId xmlns:p14="http://schemas.microsoft.com/office/powerpoint/2010/main" val="2386575987"/>
+      </p:ext>
+    </p:extLst>
+  </p:cSld>
+  <p:clrMapOvr>
+    <a:masterClrMapping/>
+  </p:clrMapOvr>
+  <p:transition>
+    <p:cut/>
+  </p:transition>
+</p:sld>
+</file>
+
+<file path=ppt/slides/slide19.xml><?xml version="1.0" encoding="utf-8"?>
+<p:sld xmlns:a="http://schemas.openxmlformats.org/drawingml/2006/main" xmlns:r="http://schemas.openxmlformats.org/officeDocument/2006/relationships" xmlns:p="http://schemas.openxmlformats.org/presentationml/2006/main">
+  <p:cSld>
+    <p:spTree>
+      <p:nvGrpSpPr>
+        <p:cNvPr id="1" name="">
+          <a:extLst>
+            <a:ext uri="{FF2B5EF4-FFF2-40B4-BE49-F238E27FC236}">
+              <a16:creationId xmlns:a16="http://schemas.microsoft.com/office/drawing/2014/main" id="{51E8B79B-E8E6-9CBC-CFFE-FCF3DF3ACC0B}"/>
+            </a:ext>
+          </a:extLst>
+        </p:cNvPr>
+        <p:cNvGrpSpPr/>
+        <p:nvPr/>
+      </p:nvGrpSpPr>
+      <p:grpSpPr>
+        <a:xfrm>
+          <a:off x="0" y="0"/>
+          <a:ext cx="0" cy="0"/>
+          <a:chOff x="0" y="0"/>
+          <a:chExt cx="0" cy="0"/>
+        </a:xfrm>
+      </p:grpSpPr>
+      <p:sp>
+        <p:nvSpPr>
+          <p:cNvPr id="25" name="Title 24">
+            <a:extLst>
+              <a:ext uri="{FF2B5EF4-FFF2-40B4-BE49-F238E27FC236}">
+                <a16:creationId xmlns:a16="http://schemas.microsoft.com/office/drawing/2014/main" id="{F8453FC2-5BE9-D49A-A77C-346F0550F648}"/>
+              </a:ext>
+            </a:extLst>
+          </p:cNvPr>
+          <p:cNvSpPr>
+            <a:spLocks noGrp="1"/>
+          </p:cNvSpPr>
+          <p:nvPr>
+            <p:ph type="title"/>
+          </p:nvPr>
+        </p:nvSpPr>
+        <p:spPr/>
+        <p:txBody>
+          <a:bodyPr/>
+          <a:lstStyle/>
+          <a:p>
+            <a:r>
+              <a:rPr lang="en-US" dirty="0"/>
+              <a:t>Inference for Categorical Variables</a:t>
+            </a:r>
+          </a:p>
+        </p:txBody>
+      </p:sp>
+      <mc:AlternateContent xmlns:mc="http://schemas.openxmlformats.org/markup-compatibility/2006">
+        <mc:Choice xmlns:a14="http://schemas.microsoft.com/office/drawing/2010/main" Requires="a14">
+          <p:sp>
+            <p:nvSpPr>
+              <p:cNvPr id="2" name="TextBox 1">
+                <a:extLst>
+                  <a:ext uri="{FF2B5EF4-FFF2-40B4-BE49-F238E27FC236}">
+                    <a16:creationId xmlns:a16="http://schemas.microsoft.com/office/drawing/2014/main" id="{8D969975-513F-DB6C-92CE-5FE1EB582BDC}"/>
+                  </a:ext>
+                </a:extLst>
+              </p:cNvPr>
+              <p:cNvSpPr txBox="1"/>
+              <p:nvPr/>
+            </p:nvSpPr>
+            <p:spPr>
+              <a:xfrm>
+                <a:off x="3481771" y="166110"/>
+                <a:ext cx="8176829" cy="6677469"/>
+              </a:xfrm>
+              <a:prstGeom prst="rect">
+                <a:avLst/>
+              </a:prstGeom>
+              <a:noFill/>
+            </p:spPr>
+            <p:txBody>
+              <a:bodyPr wrap="square" rtlCol="0">
+                <a:spAutoFit/>
+              </a:bodyPr>
+              <a:lstStyle/>
+              <a:p>
+                <a:r>
+                  <a:rPr lang="en-US" sz="2400" b="1" dirty="0"/>
+                  <a:t>Motivating Example</a:t>
+                </a:r>
+              </a:p>
+              <a:p>
+                <a:endParaRPr lang="en-US" sz="2400" b="1" dirty="0"/>
+              </a:p>
+              <a:p>
+                <a:endParaRPr lang="en-US" sz="2400" b="1" dirty="0"/>
+              </a:p>
+              <a:p>
+                <a:endParaRPr lang="en-US" sz="2400" b="1" dirty="0"/>
+              </a:p>
+              <a:p>
+                <a:endParaRPr lang="en-US" sz="2400" b="1" dirty="0"/>
+              </a:p>
+              <a:p>
+                <a:endParaRPr lang="en-US" sz="2400" b="1" dirty="0"/>
+              </a:p>
+              <a:p>
+                <a:endParaRPr lang="en-US" sz="2400" b="1" dirty="0"/>
+              </a:p>
+              <a:p>
+                <a:endParaRPr lang="en-US" sz="2400" b="1" dirty="0"/>
+              </a:p>
+              <a:p>
+                <a:endParaRPr lang="en-US" sz="2400" b="1" dirty="0"/>
+              </a:p>
+              <a:p>
+                <a:r>
+                  <a:rPr lang="en-US" sz="2400" b="1" dirty="0"/>
+                  <a:t>Test Statistic </a:t>
+                </a:r>
+                <a:r>
+                  <a:rPr lang="en-US" sz="2400" dirty="0"/>
+                  <a:t>calculation</a:t>
+                </a:r>
+              </a:p>
+              <a:p>
+                <a:pPr marL="457200" indent="-457200">
+                  <a:buFont typeface="+mj-lt"/>
+                  <a:buAutoNum type="arabicPeriod"/>
+                </a:pPr>
+                <a:r>
+                  <a:rPr lang="en-US" sz="2400" dirty="0"/>
+                  <a:t>Generate expected number of observations for each cell of the contingency table if </a:t>
+                </a:r>
+                <a14:m>
+                  <m:oMath xmlns:m="http://schemas.openxmlformats.org/officeDocument/2006/math">
+                    <m:sSub>
+                      <m:sSubPr>
+                        <m:ctrlPr>
+                          <a:rPr lang="en-US" sz="2400" b="0" i="1" smtClean="0">
+                            <a:latin typeface="Cambria Math" panose="02040503050406030204" pitchFamily="18" charset="0"/>
+                          </a:rPr>
+                        </m:ctrlPr>
+                      </m:sSubPr>
+                      <m:e>
+                        <m:r>
+                          <a:rPr lang="en-US" sz="2400" b="0" i="1" smtClean="0">
+                            <a:latin typeface="Cambria Math" panose="02040503050406030204" pitchFamily="18" charset="0"/>
+                          </a:rPr>
+                          <m:t>𝐻</m:t>
+                        </m:r>
+                      </m:e>
+                      <m:sub>
+                        <m:r>
+                          <a:rPr lang="en-US" sz="2400" b="0" i="1" smtClean="0">
+                            <a:latin typeface="Cambria Math" panose="02040503050406030204" pitchFamily="18" charset="0"/>
+                          </a:rPr>
+                          <m:t>0</m:t>
+                        </m:r>
+                      </m:sub>
+                    </m:sSub>
+                  </m:oMath>
+                </a14:m>
+                <a:r>
+                  <a:rPr lang="en-US" sz="2400" dirty="0"/>
+                  <a:t> is true</a:t>
+                </a:r>
+              </a:p>
+              <a:p>
+                <a:pPr lvl="1"/>
+                <a14:m>
+                  <m:oMathPara xmlns:m="http://schemas.openxmlformats.org/officeDocument/2006/math">
+                    <m:oMathParaPr>
+                      <m:jc m:val="centerGroup"/>
+                    </m:oMathParaPr>
+                    <m:oMath xmlns:m="http://schemas.openxmlformats.org/officeDocument/2006/math">
+                      <m:sSub>
+                        <m:sSubPr>
+                          <m:ctrlPr>
+                            <a:rPr lang="en-US" sz="2200" b="0" i="1" smtClean="0">
+                              <a:latin typeface="Cambria Math" panose="02040503050406030204" pitchFamily="18" charset="0"/>
+                            </a:rPr>
+                          </m:ctrlPr>
+                        </m:sSubPr>
+                        <m:e>
+                          <m:r>
+                            <a:rPr lang="en-US" sz="2200" b="0" i="1" smtClean="0">
+                              <a:latin typeface="Cambria Math" panose="02040503050406030204" pitchFamily="18" charset="0"/>
+                            </a:rPr>
+                            <m:t>𝐸</m:t>
+                          </m:r>
+                        </m:e>
+                        <m:sub>
+                          <m:r>
+                            <a:rPr lang="en-US" sz="2200" b="0" i="1" smtClean="0">
+                              <a:latin typeface="Cambria Math" panose="02040503050406030204" pitchFamily="18" charset="0"/>
+                            </a:rPr>
+                            <m:t>𝑖𝑗</m:t>
+                          </m:r>
+                        </m:sub>
+                      </m:sSub>
+                      <m:r>
+                        <a:rPr lang="en-US" sz="2200" b="0" i="1" smtClean="0">
+                          <a:latin typeface="Cambria Math" panose="02040503050406030204" pitchFamily="18" charset="0"/>
+                        </a:rPr>
+                        <m:t>=</m:t>
+                      </m:r>
+                      <m:f>
+                        <m:fPr>
+                          <m:ctrlPr>
+                            <a:rPr lang="en-US" sz="2200" b="0" i="1" smtClean="0">
+                              <a:latin typeface="Cambria Math" panose="02040503050406030204" pitchFamily="18" charset="0"/>
+                            </a:rPr>
+                          </m:ctrlPr>
+                        </m:fPr>
+                        <m:num>
+                          <m:r>
+                            <a:rPr lang="en-US" sz="2200" i="1">
+                              <a:latin typeface="Cambria Math" panose="02040503050406030204" pitchFamily="18" charset="0"/>
+                            </a:rPr>
+                            <m:t>𝑟𝑜𝑤</m:t>
+                          </m:r>
+                          <m:r>
+                            <a:rPr lang="en-US" sz="2200" i="1">
+                              <a:latin typeface="Cambria Math" panose="02040503050406030204" pitchFamily="18" charset="0"/>
+                            </a:rPr>
+                            <m:t> </m:t>
+                          </m:r>
+                          <m:r>
+                            <a:rPr lang="en-US" sz="2200" i="1">
+                              <a:latin typeface="Cambria Math" panose="02040503050406030204" pitchFamily="18" charset="0"/>
+                            </a:rPr>
+                            <m:t>𝑖</m:t>
+                          </m:r>
+                          <m:r>
+                            <a:rPr lang="en-US" sz="2200" i="1">
+                              <a:latin typeface="Cambria Math" panose="02040503050406030204" pitchFamily="18" charset="0"/>
+                            </a:rPr>
+                            <m:t> </m:t>
+                          </m:r>
+                          <m:r>
+                            <a:rPr lang="en-US" sz="2200" i="1">
+                              <a:latin typeface="Cambria Math" panose="02040503050406030204" pitchFamily="18" charset="0"/>
+                            </a:rPr>
+                            <m:t>𝑡𝑜𝑡𝑎𝑙</m:t>
+                          </m:r>
+                          <m:r>
+                            <a:rPr lang="en-US" sz="2200" i="1">
+                              <a:latin typeface="Cambria Math" panose="02040503050406030204" pitchFamily="18" charset="0"/>
+                            </a:rPr>
+                            <m:t> ×</m:t>
+                          </m:r>
+                          <m:r>
+                            <a:rPr lang="en-US" sz="2200" i="1">
+                              <a:latin typeface="Cambria Math" panose="02040503050406030204" pitchFamily="18" charset="0"/>
+                            </a:rPr>
+                            <m:t>𝑐𝑜𝑙𝑢𝑚𝑛</m:t>
+                          </m:r>
+                          <m:r>
+                            <a:rPr lang="en-US" sz="2200" i="1">
+                              <a:latin typeface="Cambria Math" panose="02040503050406030204" pitchFamily="18" charset="0"/>
+                            </a:rPr>
+                            <m:t> </m:t>
+                          </m:r>
+                          <m:r>
+                            <a:rPr lang="en-US" sz="2200" i="1">
+                              <a:latin typeface="Cambria Math" panose="02040503050406030204" pitchFamily="18" charset="0"/>
+                            </a:rPr>
+                            <m:t>𝑗</m:t>
+                          </m:r>
+                          <m:r>
+                            <a:rPr lang="en-US" sz="2200" b="0" i="1" smtClean="0">
+                              <a:latin typeface="Cambria Math" panose="02040503050406030204" pitchFamily="18" charset="0"/>
+                            </a:rPr>
+                            <m:t> </m:t>
+                          </m:r>
+                          <m:r>
+                            <a:rPr lang="en-US" sz="2200" b="0" i="1" smtClean="0">
+                              <a:latin typeface="Cambria Math" panose="02040503050406030204" pitchFamily="18" charset="0"/>
+                            </a:rPr>
+                            <m:t>𝑡𝑜𝑡𝑎𝑙</m:t>
+                          </m:r>
+                        </m:num>
+                        <m:den>
+                          <m:r>
+                            <a:rPr lang="en-US" sz="2200" b="0" i="1" smtClean="0">
+                              <a:latin typeface="Cambria Math" panose="02040503050406030204" pitchFamily="18" charset="0"/>
+                            </a:rPr>
+                            <m:t>𝑡𝑎𝑏𝑙𝑒</m:t>
+                          </m:r>
+                          <m:r>
+                            <a:rPr lang="en-US" sz="2200" b="0" i="1" smtClean="0">
+                              <a:latin typeface="Cambria Math" panose="02040503050406030204" pitchFamily="18" charset="0"/>
+                            </a:rPr>
+                            <m:t> </m:t>
+                          </m:r>
+                          <m:r>
+                            <a:rPr lang="en-US" sz="2200" b="0" i="1" smtClean="0">
+                              <a:latin typeface="Cambria Math" panose="02040503050406030204" pitchFamily="18" charset="0"/>
+                            </a:rPr>
+                            <m:t>𝑡𝑜𝑡𝑎𝑙</m:t>
+                          </m:r>
+                        </m:den>
+                      </m:f>
+                    </m:oMath>
+                  </m:oMathPara>
+                </a14:m>
+                <a:endParaRPr lang="en-US" sz="2200" dirty="0"/>
+              </a:p>
+              <a:p>
+                <a:pPr marL="457200" indent="-457200">
+                  <a:buFont typeface="+mj-lt"/>
+                  <a:buAutoNum type="arabicPeriod"/>
+                </a:pPr>
+                <a:r>
+                  <a:rPr lang="en-US" sz="2400" dirty="0"/>
+                  <a:t>Calculate the chi-square statistic, </a:t>
+                </a:r>
+                <a14:m>
+                  <m:oMath xmlns:m="http://schemas.openxmlformats.org/officeDocument/2006/math">
+                    <m:sSup>
+                      <m:sSupPr>
+                        <m:ctrlPr>
+                          <a:rPr lang="en-US" sz="2400" b="0" i="1" smtClean="0">
+                            <a:latin typeface="Cambria Math" panose="02040503050406030204" pitchFamily="18" charset="0"/>
+                          </a:rPr>
+                        </m:ctrlPr>
+                      </m:sSupPr>
+                      <m:e>
+                        <m:r>
+                          <a:rPr lang="en-US" sz="2400" b="0" i="1" smtClean="0">
+                            <a:latin typeface="Cambria Math" panose="02040503050406030204" pitchFamily="18" charset="0"/>
+                          </a:rPr>
+                          <m:t>𝑋</m:t>
+                        </m:r>
+                      </m:e>
+                      <m:sup>
+                        <m:r>
+                          <a:rPr lang="en-US" sz="2400" b="0" i="1" smtClean="0">
+                            <a:latin typeface="Cambria Math" panose="02040503050406030204" pitchFamily="18" charset="0"/>
+                          </a:rPr>
+                          <m:t>2</m:t>
+                        </m:r>
+                      </m:sup>
+                    </m:sSup>
+                  </m:oMath>
+                </a14:m>
+                <a:endParaRPr lang="en-US" sz="2400" dirty="0"/>
+              </a:p>
+              <a:p>
+                <a14:m>
+                  <m:oMathPara xmlns:m="http://schemas.openxmlformats.org/officeDocument/2006/math">
+                    <m:oMathParaPr>
+                      <m:jc m:val="centerGroup"/>
+                    </m:oMathParaPr>
+                    <m:oMath xmlns:m="http://schemas.openxmlformats.org/officeDocument/2006/math">
+                      <m:sSup>
+                        <m:sSupPr>
+                          <m:ctrlPr>
+                            <a:rPr lang="en-US" sz="2400" b="0" i="1" smtClean="0">
+                              <a:latin typeface="Cambria Math" panose="02040503050406030204" pitchFamily="18" charset="0"/>
+                            </a:rPr>
+                          </m:ctrlPr>
+                        </m:sSupPr>
+                        <m:e>
+                          <m:r>
+                            <a:rPr lang="en-US" sz="2400" b="0" i="1" smtClean="0">
+                              <a:latin typeface="Cambria Math" panose="02040503050406030204" pitchFamily="18" charset="0"/>
+                            </a:rPr>
+                            <m:t>𝑋</m:t>
+                          </m:r>
+                        </m:e>
+                        <m:sup>
+                          <m:r>
+                            <a:rPr lang="en-US" sz="2400" b="0" i="1" smtClean="0">
+                              <a:latin typeface="Cambria Math" panose="02040503050406030204" pitchFamily="18" charset="0"/>
+                            </a:rPr>
+                            <m:t>2</m:t>
+                          </m:r>
+                        </m:sup>
+                      </m:sSup>
+                      <m:r>
+                        <a:rPr lang="en-US" sz="2400" b="0" i="1" smtClean="0">
+                          <a:latin typeface="Cambria Math" panose="02040503050406030204" pitchFamily="18" charset="0"/>
+                        </a:rPr>
+                        <m:t>=</m:t>
+                      </m:r>
+                      <m:nary>
+                        <m:naryPr>
+                          <m:chr m:val="∑"/>
+                          <m:ctrlPr>
+                            <a:rPr lang="en-US" sz="2400" b="0" i="1" smtClean="0">
+                              <a:latin typeface="Cambria Math" panose="02040503050406030204" pitchFamily="18" charset="0"/>
+                            </a:rPr>
+                          </m:ctrlPr>
+                        </m:naryPr>
+                        <m:sub>
+                          <m:r>
+                            <m:rPr>
+                              <m:brk m:alnAt="23"/>
+                            </m:rPr>
+                            <a:rPr lang="en-US" sz="2400" b="0" i="1" smtClean="0">
+                              <a:latin typeface="Cambria Math" panose="02040503050406030204" pitchFamily="18" charset="0"/>
+                            </a:rPr>
+                            <m:t>𝑖</m:t>
+                          </m:r>
+                          <m:r>
+                            <a:rPr lang="en-US" sz="2400" b="0" i="1" smtClean="0">
+                              <a:latin typeface="Cambria Math" panose="02040503050406030204" pitchFamily="18" charset="0"/>
+                            </a:rPr>
+                            <m:t>=1</m:t>
+                          </m:r>
+                        </m:sub>
+                        <m:sup>
+                          <m:r>
+                            <a:rPr lang="en-US" sz="2400" b="0" i="1" smtClean="0">
+                              <a:latin typeface="Cambria Math" panose="02040503050406030204" pitchFamily="18" charset="0"/>
+                            </a:rPr>
+                            <m:t>𝑅</m:t>
+                          </m:r>
+                        </m:sup>
+                        <m:e>
+                          <m:nary>
+                            <m:naryPr>
+                              <m:chr m:val="∑"/>
+                              <m:ctrlPr>
+                                <a:rPr lang="en-US" sz="2400" b="0" i="1" smtClean="0">
+                                  <a:latin typeface="Cambria Math" panose="02040503050406030204" pitchFamily="18" charset="0"/>
+                                </a:rPr>
+                              </m:ctrlPr>
+                            </m:naryPr>
+                            <m:sub>
+                              <m:r>
+                                <m:rPr>
+                                  <m:brk m:alnAt="23"/>
+                                </m:rPr>
+                                <a:rPr lang="en-US" sz="2400" b="0" i="1" smtClean="0">
+                                  <a:latin typeface="Cambria Math" panose="02040503050406030204" pitchFamily="18" charset="0"/>
+                                </a:rPr>
+                                <m:t>𝑗</m:t>
+                              </m:r>
+                              <m:r>
+                                <a:rPr lang="en-US" sz="2400" b="0" i="1" smtClean="0">
+                                  <a:latin typeface="Cambria Math" panose="02040503050406030204" pitchFamily="18" charset="0"/>
+                                </a:rPr>
+                                <m:t>=1</m:t>
+                              </m:r>
+                            </m:sub>
+                            <m:sup>
+                              <m:r>
+                                <a:rPr lang="en-US" sz="2400" b="0" i="1" smtClean="0">
+                                  <a:latin typeface="Cambria Math" panose="02040503050406030204" pitchFamily="18" charset="0"/>
+                                </a:rPr>
+                                <m:t>𝐶</m:t>
+                              </m:r>
+                            </m:sup>
+                            <m:e>
+                              <m:f>
+                                <m:fPr>
+                                  <m:ctrlPr>
+                                    <a:rPr lang="en-US" sz="2400" b="0" i="1" smtClean="0">
+                                      <a:latin typeface="Cambria Math" panose="02040503050406030204" pitchFamily="18" charset="0"/>
+                                    </a:rPr>
+                                  </m:ctrlPr>
+                                </m:fPr>
+                                <m:num>
+                                  <m:sSup>
+                                    <m:sSupPr>
+                                      <m:ctrlPr>
+                                        <a:rPr lang="en-US" sz="2400" b="0" i="1" smtClean="0">
+                                          <a:latin typeface="Cambria Math" panose="02040503050406030204" pitchFamily="18" charset="0"/>
+                                        </a:rPr>
+                                      </m:ctrlPr>
+                                    </m:sSupPr>
+                                    <m:e>
+                                      <m:d>
+                                        <m:dPr>
+                                          <m:ctrlPr>
+                                            <a:rPr lang="en-US" sz="2400" i="1">
+                                              <a:latin typeface="Cambria Math" panose="02040503050406030204" pitchFamily="18" charset="0"/>
+                                            </a:rPr>
+                                          </m:ctrlPr>
+                                        </m:dPr>
+                                        <m:e>
+                                          <m:sSub>
+                                            <m:sSubPr>
+                                              <m:ctrlPr>
+                                                <a:rPr lang="en-US" sz="2400" i="1">
+                                                  <a:latin typeface="Cambria Math" panose="02040503050406030204" pitchFamily="18" charset="0"/>
+                                                </a:rPr>
+                                              </m:ctrlPr>
+                                            </m:sSubPr>
+                                            <m:e>
+                                              <m:r>
+                                                <a:rPr lang="en-US" sz="2400" i="1">
+                                                  <a:latin typeface="Cambria Math" panose="02040503050406030204" pitchFamily="18" charset="0"/>
+                                                </a:rPr>
+                                                <m:t>𝑂</m:t>
+                                              </m:r>
+                                            </m:e>
+                                            <m:sub>
+                                              <m:r>
+                                                <a:rPr lang="en-US" sz="2400" i="1">
+                                                  <a:latin typeface="Cambria Math" panose="02040503050406030204" pitchFamily="18" charset="0"/>
+                                                </a:rPr>
+                                                <m:t>𝑖𝑗</m:t>
+                                              </m:r>
+                                            </m:sub>
+                                          </m:sSub>
+                                          <m:r>
+                                            <a:rPr lang="en-US" sz="2400" i="1">
+                                              <a:latin typeface="Cambria Math" panose="02040503050406030204" pitchFamily="18" charset="0"/>
+                                            </a:rPr>
+                                            <m:t>−</m:t>
+                                          </m:r>
+                                          <m:sSub>
+                                            <m:sSubPr>
+                                              <m:ctrlPr>
+                                                <a:rPr lang="en-US" sz="2400" i="1">
+                                                  <a:latin typeface="Cambria Math" panose="02040503050406030204" pitchFamily="18" charset="0"/>
+                                                </a:rPr>
+                                              </m:ctrlPr>
+                                            </m:sSubPr>
+                                            <m:e>
+                                              <m:r>
+                                                <a:rPr lang="en-US" sz="2400" i="1">
+                                                  <a:latin typeface="Cambria Math" panose="02040503050406030204" pitchFamily="18" charset="0"/>
+                                                </a:rPr>
+                                                <m:t>𝐸</m:t>
+                                              </m:r>
+                                            </m:e>
+                                            <m:sub>
+                                              <m:r>
+                                                <a:rPr lang="en-US" sz="2400" i="1">
+                                                  <a:latin typeface="Cambria Math" panose="02040503050406030204" pitchFamily="18" charset="0"/>
+                                                </a:rPr>
+                                                <m:t>𝑖𝑗</m:t>
+                                              </m:r>
+                                            </m:sub>
+                                          </m:sSub>
+                                        </m:e>
+                                      </m:d>
+                                    </m:e>
+                                    <m:sup>
+                                      <m:r>
+                                        <a:rPr lang="en-US" sz="2400" b="0" i="1" smtClean="0">
+                                          <a:latin typeface="Cambria Math" panose="02040503050406030204" pitchFamily="18" charset="0"/>
+                                        </a:rPr>
+                                        <m:t>2</m:t>
+                                      </m:r>
+                                    </m:sup>
+                                  </m:sSup>
+                                </m:num>
+                                <m:den>
+                                  <m:sSub>
+                                    <m:sSubPr>
+                                      <m:ctrlPr>
+                                        <a:rPr lang="en-US" sz="2400" b="0" i="1" smtClean="0">
+                                          <a:latin typeface="Cambria Math" panose="02040503050406030204" pitchFamily="18" charset="0"/>
+                                        </a:rPr>
+                                      </m:ctrlPr>
+                                    </m:sSubPr>
+                                    <m:e>
+                                      <m:r>
+                                        <a:rPr lang="en-US" sz="2400" b="0" i="1" smtClean="0">
+                                          <a:latin typeface="Cambria Math" panose="02040503050406030204" pitchFamily="18" charset="0"/>
+                                        </a:rPr>
+                                        <m:t>𝐸</m:t>
+                                      </m:r>
+                                    </m:e>
+                                    <m:sub>
+                                      <m:r>
+                                        <a:rPr lang="en-US" sz="2400" b="0" i="1" smtClean="0">
+                                          <a:latin typeface="Cambria Math" panose="02040503050406030204" pitchFamily="18" charset="0"/>
+                                        </a:rPr>
+                                        <m:t>𝑖𝑗</m:t>
+                                      </m:r>
+                                    </m:sub>
+                                  </m:sSub>
+                                </m:den>
+                              </m:f>
+                            </m:e>
+                          </m:nary>
+                        </m:e>
+                      </m:nary>
+                    </m:oMath>
+                  </m:oMathPara>
+                </a14:m>
+                <a:endParaRPr lang="en-US" sz="2400" dirty="0"/>
+              </a:p>
+            </p:txBody>
+          </p:sp>
+        </mc:Choice>
+        <mc:Fallback>
+          <p:sp>
+            <p:nvSpPr>
+              <p:cNvPr id="2" name="TextBox 1">
+                <a:extLst>
+                  <a:ext uri="{FF2B5EF4-FFF2-40B4-BE49-F238E27FC236}">
+                    <a16:creationId xmlns:a16="http://schemas.microsoft.com/office/drawing/2014/main" id="{8D969975-513F-DB6C-92CE-5FE1EB582BDC}"/>
+                  </a:ext>
+                </a:extLst>
+              </p:cNvPr>
+              <p:cNvSpPr txBox="1">
+                <a:spLocks noRot="1" noChangeAspect="1" noMove="1" noResize="1" noEditPoints="1" noAdjustHandles="1" noChangeArrowheads="1" noChangeShapeType="1" noTextEdit="1"/>
+              </p:cNvSpPr>
+              <p:nvPr/>
+            </p:nvSpPr>
+            <p:spPr>
+              <a:xfrm>
+                <a:off x="3481771" y="166110"/>
+                <a:ext cx="8176829" cy="6677469"/>
+              </a:xfrm>
+              <a:prstGeom prst="rect">
+                <a:avLst/>
+              </a:prstGeom>
+              <a:blipFill>
+                <a:blip r:embed="rId3"/>
+                <a:stretch>
+                  <a:fillRect l="-1240" t="-568" b="-24621"/>
+                </a:stretch>
+              </a:blipFill>
+            </p:spPr>
+            <p:txBody>
+              <a:bodyPr/>
+              <a:lstStyle/>
+              <a:p>
+                <a:r>
+                  <a:rPr lang="en-US">
+                    <a:noFill/>
+                  </a:rPr>
+                  <a:t> </a:t>
+                </a:r>
+              </a:p>
+            </p:txBody>
+          </p:sp>
+        </mc:Fallback>
+      </mc:AlternateContent>
+      <p:pic>
+        <p:nvPicPr>
+          <p:cNvPr id="4" name="Picture 3" descr="A white paper with black text&#10;&#10;Description automatically generated">
+            <a:extLst>
+              <a:ext uri="{FF2B5EF4-FFF2-40B4-BE49-F238E27FC236}">
+                <a16:creationId xmlns:a16="http://schemas.microsoft.com/office/drawing/2014/main" id="{2DAF7862-2A75-70D1-CEF4-ABFA375AEAD9}"/>
+              </a:ext>
+            </a:extLst>
+          </p:cNvPr>
+          <p:cNvPicPr>
+            <a:picLocks noChangeAspect="1"/>
+          </p:cNvPicPr>
+          <p:nvPr/>
+        </p:nvPicPr>
+        <p:blipFill>
+          <a:blip r:embed="rId4"/>
+          <a:stretch>
+            <a:fillRect/>
+          </a:stretch>
+        </p:blipFill>
+        <p:spPr>
+          <a:xfrm>
+            <a:off x="3541156" y="604814"/>
+            <a:ext cx="8117444" cy="2787315"/>
+          </a:xfrm>
+          <a:prstGeom prst="rect">
+            <a:avLst/>
+          </a:prstGeom>
+        </p:spPr>
+      </p:pic>
+      <p:sp>
+        <p:nvSpPr>
+          <p:cNvPr id="6" name="Alternate Process 5">
+            <a:extLst>
+              <a:ext uri="{FF2B5EF4-FFF2-40B4-BE49-F238E27FC236}">
+                <a16:creationId xmlns:a16="http://schemas.microsoft.com/office/drawing/2014/main" id="{099E214D-C899-F72E-45CD-A52B3C574A9C}"/>
+              </a:ext>
+            </a:extLst>
+          </p:cNvPr>
+          <p:cNvSpPr/>
+          <p:nvPr/>
+        </p:nvSpPr>
+        <p:spPr>
+          <a:xfrm>
+            <a:off x="3672908" y="952503"/>
+            <a:ext cx="1563329" cy="412955"/>
+          </a:xfrm>
+          <a:prstGeom prst="flowChartAlternateProcess">
+            <a:avLst/>
+          </a:prstGeom>
+        </p:spPr>
+        <p:style>
+          <a:lnRef idx="0">
+            <a:schemeClr val="accent3"/>
+          </a:lnRef>
+          <a:fillRef idx="3">
+            <a:schemeClr val="accent3"/>
+          </a:fillRef>
+          <a:effectRef idx="3">
+            <a:schemeClr val="accent3"/>
+          </a:effectRef>
+          <a:fontRef idx="minor">
+            <a:schemeClr val="lt1"/>
+          </a:fontRef>
+        </p:style>
+        <p:txBody>
+          <a:bodyPr rtlCol="0" anchor="ctr"/>
+          <a:lstStyle/>
+          <a:p>
+            <a:pPr algn="ctr"/>
+            <a:r>
+              <a:rPr lang="en-US" dirty="0"/>
+              <a:t>Observed</a:t>
+            </a:r>
+          </a:p>
+        </p:txBody>
+      </p:sp>
+    </p:spTree>
+    <p:extLst>
+      <p:ext uri="{BB962C8B-B14F-4D97-AF65-F5344CB8AC3E}">
+        <p14:creationId xmlns:p14="http://schemas.microsoft.com/office/powerpoint/2010/main" val="3914189113"/>
+      </p:ext>
+    </p:extLst>
+  </p:cSld>
+  <p:clrMapOvr>
+    <a:masterClrMapping/>
+  </p:clrMapOvr>
+  <p:transition>
+    <p:cut/>
+  </p:transition>
+</p:sld>
+</file>
+
 <file path=ppt/slides/slide2.xml><?xml version="1.0" encoding="utf-8"?>
 <p:sld xmlns:a="http://schemas.openxmlformats.org/drawingml/2006/main" xmlns:r="http://schemas.openxmlformats.org/officeDocument/2006/relationships" xmlns:p="http://schemas.openxmlformats.org/presentationml/2006/main">
   <p:cSld>
@@ -4735,6 +10586,2855 @@
   <p:clrMapOvr>
     <a:masterClrMapping/>
   </p:clrMapOvr>
+</p:sld>
+</file>
+
+<file path=ppt/slides/slide20.xml><?xml version="1.0" encoding="utf-8"?>
+<p:sld xmlns:a="http://schemas.openxmlformats.org/drawingml/2006/main" xmlns:r="http://schemas.openxmlformats.org/officeDocument/2006/relationships" xmlns:p="http://schemas.openxmlformats.org/presentationml/2006/main">
+  <p:cSld>
+    <p:spTree>
+      <p:nvGrpSpPr>
+        <p:cNvPr id="1" name="">
+          <a:extLst>
+            <a:ext uri="{FF2B5EF4-FFF2-40B4-BE49-F238E27FC236}">
+              <a16:creationId xmlns:a16="http://schemas.microsoft.com/office/drawing/2014/main" id="{51E8B79B-E8E6-9CBC-CFFE-FCF3DF3ACC0B}"/>
+            </a:ext>
+          </a:extLst>
+        </p:cNvPr>
+        <p:cNvGrpSpPr/>
+        <p:nvPr/>
+      </p:nvGrpSpPr>
+      <p:grpSpPr>
+        <a:xfrm>
+          <a:off x="0" y="0"/>
+          <a:ext cx="0" cy="0"/>
+          <a:chOff x="0" y="0"/>
+          <a:chExt cx="0" cy="0"/>
+        </a:xfrm>
+      </p:grpSpPr>
+      <p:sp>
+        <p:nvSpPr>
+          <p:cNvPr id="25" name="Title 24">
+            <a:extLst>
+              <a:ext uri="{FF2B5EF4-FFF2-40B4-BE49-F238E27FC236}">
+                <a16:creationId xmlns:a16="http://schemas.microsoft.com/office/drawing/2014/main" id="{F8453FC2-5BE9-D49A-A77C-346F0550F648}"/>
+              </a:ext>
+            </a:extLst>
+          </p:cNvPr>
+          <p:cNvSpPr>
+            <a:spLocks noGrp="1"/>
+          </p:cNvSpPr>
+          <p:nvPr>
+            <p:ph type="title"/>
+          </p:nvPr>
+        </p:nvSpPr>
+        <p:spPr/>
+        <p:txBody>
+          <a:bodyPr/>
+          <a:lstStyle/>
+          <a:p>
+            <a:r>
+              <a:rPr lang="en-US" dirty="0"/>
+              <a:t>Inference for Categorical Variables</a:t>
+            </a:r>
+          </a:p>
+        </p:txBody>
+      </p:sp>
+      <mc:AlternateContent xmlns:mc="http://schemas.openxmlformats.org/markup-compatibility/2006">
+        <mc:Choice xmlns:a14="http://schemas.microsoft.com/office/drawing/2010/main" Requires="a14">
+          <p:sp>
+            <p:nvSpPr>
+              <p:cNvPr id="2" name="TextBox 1">
+                <a:extLst>
+                  <a:ext uri="{FF2B5EF4-FFF2-40B4-BE49-F238E27FC236}">
+                    <a16:creationId xmlns:a16="http://schemas.microsoft.com/office/drawing/2014/main" id="{8D969975-513F-DB6C-92CE-5FE1EB582BDC}"/>
+                  </a:ext>
+                </a:extLst>
+              </p:cNvPr>
+              <p:cNvSpPr txBox="1"/>
+              <p:nvPr/>
+            </p:nvSpPr>
+            <p:spPr>
+              <a:xfrm>
+                <a:off x="3481771" y="166110"/>
+                <a:ext cx="8176829" cy="6677469"/>
+              </a:xfrm>
+              <a:prstGeom prst="rect">
+                <a:avLst/>
+              </a:prstGeom>
+              <a:noFill/>
+            </p:spPr>
+            <p:txBody>
+              <a:bodyPr wrap="square" rtlCol="0">
+                <a:spAutoFit/>
+              </a:bodyPr>
+              <a:lstStyle/>
+              <a:p>
+                <a:r>
+                  <a:rPr lang="en-US" sz="2400" b="1" dirty="0"/>
+                  <a:t>Motivating Example</a:t>
+                </a:r>
+              </a:p>
+              <a:p>
+                <a:endParaRPr lang="en-US" sz="2400" b="1" dirty="0"/>
+              </a:p>
+              <a:p>
+                <a:endParaRPr lang="en-US" sz="2400" b="1" dirty="0"/>
+              </a:p>
+              <a:p>
+                <a:endParaRPr lang="en-US" sz="2400" b="1" dirty="0"/>
+              </a:p>
+              <a:p>
+                <a:endParaRPr lang="en-US" sz="2400" b="1" dirty="0"/>
+              </a:p>
+              <a:p>
+                <a:endParaRPr lang="en-US" sz="2400" b="1" dirty="0"/>
+              </a:p>
+              <a:p>
+                <a:endParaRPr lang="en-US" sz="2400" b="1" dirty="0"/>
+              </a:p>
+              <a:p>
+                <a:endParaRPr lang="en-US" sz="2400" b="1" dirty="0"/>
+              </a:p>
+              <a:p>
+                <a:endParaRPr lang="en-US" sz="2400" b="1" dirty="0"/>
+              </a:p>
+              <a:p>
+                <a:r>
+                  <a:rPr lang="en-US" sz="2400" b="1" dirty="0"/>
+                  <a:t>Test Statistic </a:t>
+                </a:r>
+                <a:r>
+                  <a:rPr lang="en-US" sz="2400" dirty="0"/>
+                  <a:t>calculation</a:t>
+                </a:r>
+              </a:p>
+              <a:p>
+                <a:pPr marL="457200" indent="-457200">
+                  <a:buFont typeface="+mj-lt"/>
+                  <a:buAutoNum type="arabicPeriod"/>
+                </a:pPr>
+                <a:r>
+                  <a:rPr lang="en-US" sz="2400" dirty="0"/>
+                  <a:t>Generate expected number of observations for each cell of the contingency table if </a:t>
+                </a:r>
+                <a14:m>
+                  <m:oMath xmlns:m="http://schemas.openxmlformats.org/officeDocument/2006/math">
+                    <m:sSub>
+                      <m:sSubPr>
+                        <m:ctrlPr>
+                          <a:rPr lang="en-US" sz="2400" b="0" i="1" smtClean="0">
+                            <a:latin typeface="Cambria Math" panose="02040503050406030204" pitchFamily="18" charset="0"/>
+                          </a:rPr>
+                        </m:ctrlPr>
+                      </m:sSubPr>
+                      <m:e>
+                        <m:r>
+                          <a:rPr lang="en-US" sz="2400" b="0" i="1" smtClean="0">
+                            <a:latin typeface="Cambria Math" panose="02040503050406030204" pitchFamily="18" charset="0"/>
+                          </a:rPr>
+                          <m:t>𝐻</m:t>
+                        </m:r>
+                      </m:e>
+                      <m:sub>
+                        <m:r>
+                          <a:rPr lang="en-US" sz="2400" b="0" i="1" smtClean="0">
+                            <a:latin typeface="Cambria Math" panose="02040503050406030204" pitchFamily="18" charset="0"/>
+                          </a:rPr>
+                          <m:t>0</m:t>
+                        </m:r>
+                      </m:sub>
+                    </m:sSub>
+                  </m:oMath>
+                </a14:m>
+                <a:r>
+                  <a:rPr lang="en-US" sz="2400" dirty="0"/>
+                  <a:t> is true</a:t>
+                </a:r>
+              </a:p>
+              <a:p>
+                <a:pPr lvl="1"/>
+                <a14:m>
+                  <m:oMathPara xmlns:m="http://schemas.openxmlformats.org/officeDocument/2006/math">
+                    <m:oMathParaPr>
+                      <m:jc m:val="centerGroup"/>
+                    </m:oMathParaPr>
+                    <m:oMath xmlns:m="http://schemas.openxmlformats.org/officeDocument/2006/math">
+                      <m:sSub>
+                        <m:sSubPr>
+                          <m:ctrlPr>
+                            <a:rPr lang="en-US" sz="2200" b="0" i="1" smtClean="0">
+                              <a:latin typeface="Cambria Math" panose="02040503050406030204" pitchFamily="18" charset="0"/>
+                            </a:rPr>
+                          </m:ctrlPr>
+                        </m:sSubPr>
+                        <m:e>
+                          <m:r>
+                            <a:rPr lang="en-US" sz="2200" b="0" i="1" smtClean="0">
+                              <a:latin typeface="Cambria Math" panose="02040503050406030204" pitchFamily="18" charset="0"/>
+                            </a:rPr>
+                            <m:t>𝐸</m:t>
+                          </m:r>
+                        </m:e>
+                        <m:sub>
+                          <m:r>
+                            <a:rPr lang="en-US" sz="2200" b="0" i="1" smtClean="0">
+                              <a:latin typeface="Cambria Math" panose="02040503050406030204" pitchFamily="18" charset="0"/>
+                            </a:rPr>
+                            <m:t>𝑖𝑗</m:t>
+                          </m:r>
+                        </m:sub>
+                      </m:sSub>
+                      <m:r>
+                        <a:rPr lang="en-US" sz="2200" b="0" i="1" smtClean="0">
+                          <a:latin typeface="Cambria Math" panose="02040503050406030204" pitchFamily="18" charset="0"/>
+                        </a:rPr>
+                        <m:t>=</m:t>
+                      </m:r>
+                      <m:f>
+                        <m:fPr>
+                          <m:ctrlPr>
+                            <a:rPr lang="en-US" sz="2200" b="0" i="1" smtClean="0">
+                              <a:latin typeface="Cambria Math" panose="02040503050406030204" pitchFamily="18" charset="0"/>
+                            </a:rPr>
+                          </m:ctrlPr>
+                        </m:fPr>
+                        <m:num>
+                          <m:r>
+                            <a:rPr lang="en-US" sz="2200" i="1">
+                              <a:latin typeface="Cambria Math" panose="02040503050406030204" pitchFamily="18" charset="0"/>
+                            </a:rPr>
+                            <m:t>𝑟𝑜𝑤</m:t>
+                          </m:r>
+                          <m:r>
+                            <a:rPr lang="en-US" sz="2200" i="1">
+                              <a:latin typeface="Cambria Math" panose="02040503050406030204" pitchFamily="18" charset="0"/>
+                            </a:rPr>
+                            <m:t> </m:t>
+                          </m:r>
+                          <m:r>
+                            <a:rPr lang="en-US" sz="2200" i="1">
+                              <a:latin typeface="Cambria Math" panose="02040503050406030204" pitchFamily="18" charset="0"/>
+                            </a:rPr>
+                            <m:t>𝑖</m:t>
+                          </m:r>
+                          <m:r>
+                            <a:rPr lang="en-US" sz="2200" i="1">
+                              <a:latin typeface="Cambria Math" panose="02040503050406030204" pitchFamily="18" charset="0"/>
+                            </a:rPr>
+                            <m:t> </m:t>
+                          </m:r>
+                          <m:r>
+                            <a:rPr lang="en-US" sz="2200" i="1">
+                              <a:latin typeface="Cambria Math" panose="02040503050406030204" pitchFamily="18" charset="0"/>
+                            </a:rPr>
+                            <m:t>𝑡𝑜𝑡𝑎𝑙</m:t>
+                          </m:r>
+                          <m:r>
+                            <a:rPr lang="en-US" sz="2200" i="1">
+                              <a:latin typeface="Cambria Math" panose="02040503050406030204" pitchFamily="18" charset="0"/>
+                            </a:rPr>
+                            <m:t> ×</m:t>
+                          </m:r>
+                          <m:r>
+                            <a:rPr lang="en-US" sz="2200" i="1">
+                              <a:latin typeface="Cambria Math" panose="02040503050406030204" pitchFamily="18" charset="0"/>
+                            </a:rPr>
+                            <m:t>𝑐𝑜𝑙𝑢𝑚𝑛</m:t>
+                          </m:r>
+                          <m:r>
+                            <a:rPr lang="en-US" sz="2200" i="1">
+                              <a:latin typeface="Cambria Math" panose="02040503050406030204" pitchFamily="18" charset="0"/>
+                            </a:rPr>
+                            <m:t> </m:t>
+                          </m:r>
+                          <m:r>
+                            <a:rPr lang="en-US" sz="2200" i="1">
+                              <a:latin typeface="Cambria Math" panose="02040503050406030204" pitchFamily="18" charset="0"/>
+                            </a:rPr>
+                            <m:t>𝑗</m:t>
+                          </m:r>
+                          <m:r>
+                            <a:rPr lang="en-US" sz="2200" b="0" i="1" smtClean="0">
+                              <a:latin typeface="Cambria Math" panose="02040503050406030204" pitchFamily="18" charset="0"/>
+                            </a:rPr>
+                            <m:t> </m:t>
+                          </m:r>
+                          <m:r>
+                            <a:rPr lang="en-US" sz="2200" b="0" i="1" smtClean="0">
+                              <a:latin typeface="Cambria Math" panose="02040503050406030204" pitchFamily="18" charset="0"/>
+                            </a:rPr>
+                            <m:t>𝑡𝑜𝑡𝑎𝑙</m:t>
+                          </m:r>
+                        </m:num>
+                        <m:den>
+                          <m:r>
+                            <a:rPr lang="en-US" sz="2200" b="0" i="1" smtClean="0">
+                              <a:latin typeface="Cambria Math" panose="02040503050406030204" pitchFamily="18" charset="0"/>
+                            </a:rPr>
+                            <m:t>𝑡𝑎𝑏𝑙𝑒</m:t>
+                          </m:r>
+                          <m:r>
+                            <a:rPr lang="en-US" sz="2200" b="0" i="1" smtClean="0">
+                              <a:latin typeface="Cambria Math" panose="02040503050406030204" pitchFamily="18" charset="0"/>
+                            </a:rPr>
+                            <m:t> </m:t>
+                          </m:r>
+                          <m:r>
+                            <a:rPr lang="en-US" sz="2200" b="0" i="1" smtClean="0">
+                              <a:latin typeface="Cambria Math" panose="02040503050406030204" pitchFamily="18" charset="0"/>
+                            </a:rPr>
+                            <m:t>𝑡𝑜𝑡𝑎𝑙</m:t>
+                          </m:r>
+                        </m:den>
+                      </m:f>
+                    </m:oMath>
+                  </m:oMathPara>
+                </a14:m>
+                <a:endParaRPr lang="en-US" sz="2200" dirty="0"/>
+              </a:p>
+              <a:p>
+                <a:pPr marL="457200" indent="-457200">
+                  <a:buFont typeface="+mj-lt"/>
+                  <a:buAutoNum type="arabicPeriod"/>
+                </a:pPr>
+                <a:r>
+                  <a:rPr lang="en-US" sz="2400" dirty="0"/>
+                  <a:t>Calculate the chi-square statistic, </a:t>
+                </a:r>
+                <a14:m>
+                  <m:oMath xmlns:m="http://schemas.openxmlformats.org/officeDocument/2006/math">
+                    <m:sSup>
+                      <m:sSupPr>
+                        <m:ctrlPr>
+                          <a:rPr lang="en-US" sz="2400" b="0" i="1" smtClean="0">
+                            <a:latin typeface="Cambria Math" panose="02040503050406030204" pitchFamily="18" charset="0"/>
+                          </a:rPr>
+                        </m:ctrlPr>
+                      </m:sSupPr>
+                      <m:e>
+                        <m:r>
+                          <a:rPr lang="en-US" sz="2400" b="0" i="1" smtClean="0">
+                            <a:latin typeface="Cambria Math" panose="02040503050406030204" pitchFamily="18" charset="0"/>
+                          </a:rPr>
+                          <m:t>𝑋</m:t>
+                        </m:r>
+                      </m:e>
+                      <m:sup>
+                        <m:r>
+                          <a:rPr lang="en-US" sz="2400" b="0" i="1" smtClean="0">
+                            <a:latin typeface="Cambria Math" panose="02040503050406030204" pitchFamily="18" charset="0"/>
+                          </a:rPr>
+                          <m:t>2</m:t>
+                        </m:r>
+                      </m:sup>
+                    </m:sSup>
+                  </m:oMath>
+                </a14:m>
+                <a:endParaRPr lang="en-US" sz="2400" dirty="0"/>
+              </a:p>
+              <a:p>
+                <a14:m>
+                  <m:oMathPara xmlns:m="http://schemas.openxmlformats.org/officeDocument/2006/math">
+                    <m:oMathParaPr>
+                      <m:jc m:val="centerGroup"/>
+                    </m:oMathParaPr>
+                    <m:oMath xmlns:m="http://schemas.openxmlformats.org/officeDocument/2006/math">
+                      <m:sSup>
+                        <m:sSupPr>
+                          <m:ctrlPr>
+                            <a:rPr lang="en-US" sz="2400" b="0" i="1" smtClean="0">
+                              <a:latin typeface="Cambria Math" panose="02040503050406030204" pitchFamily="18" charset="0"/>
+                            </a:rPr>
+                          </m:ctrlPr>
+                        </m:sSupPr>
+                        <m:e>
+                          <m:r>
+                            <a:rPr lang="en-US" sz="2400" b="0" i="1" smtClean="0">
+                              <a:latin typeface="Cambria Math" panose="02040503050406030204" pitchFamily="18" charset="0"/>
+                            </a:rPr>
+                            <m:t>𝑋</m:t>
+                          </m:r>
+                        </m:e>
+                        <m:sup>
+                          <m:r>
+                            <a:rPr lang="en-US" sz="2400" b="0" i="1" smtClean="0">
+                              <a:latin typeface="Cambria Math" panose="02040503050406030204" pitchFamily="18" charset="0"/>
+                            </a:rPr>
+                            <m:t>2</m:t>
+                          </m:r>
+                        </m:sup>
+                      </m:sSup>
+                      <m:r>
+                        <a:rPr lang="en-US" sz="2400" b="0" i="1" smtClean="0">
+                          <a:latin typeface="Cambria Math" panose="02040503050406030204" pitchFamily="18" charset="0"/>
+                        </a:rPr>
+                        <m:t>=</m:t>
+                      </m:r>
+                      <m:nary>
+                        <m:naryPr>
+                          <m:chr m:val="∑"/>
+                          <m:ctrlPr>
+                            <a:rPr lang="en-US" sz="2400" b="0" i="1" smtClean="0">
+                              <a:latin typeface="Cambria Math" panose="02040503050406030204" pitchFamily="18" charset="0"/>
+                            </a:rPr>
+                          </m:ctrlPr>
+                        </m:naryPr>
+                        <m:sub>
+                          <m:r>
+                            <m:rPr>
+                              <m:brk m:alnAt="23"/>
+                            </m:rPr>
+                            <a:rPr lang="en-US" sz="2400" b="0" i="1" smtClean="0">
+                              <a:latin typeface="Cambria Math" panose="02040503050406030204" pitchFamily="18" charset="0"/>
+                            </a:rPr>
+                            <m:t>𝑖</m:t>
+                          </m:r>
+                          <m:r>
+                            <a:rPr lang="en-US" sz="2400" b="0" i="1" smtClean="0">
+                              <a:latin typeface="Cambria Math" panose="02040503050406030204" pitchFamily="18" charset="0"/>
+                            </a:rPr>
+                            <m:t>=1</m:t>
+                          </m:r>
+                        </m:sub>
+                        <m:sup>
+                          <m:r>
+                            <a:rPr lang="en-US" sz="2400" b="0" i="1" smtClean="0">
+                              <a:latin typeface="Cambria Math" panose="02040503050406030204" pitchFamily="18" charset="0"/>
+                            </a:rPr>
+                            <m:t>𝑅</m:t>
+                          </m:r>
+                        </m:sup>
+                        <m:e>
+                          <m:nary>
+                            <m:naryPr>
+                              <m:chr m:val="∑"/>
+                              <m:ctrlPr>
+                                <a:rPr lang="en-US" sz="2400" b="0" i="1" smtClean="0">
+                                  <a:latin typeface="Cambria Math" panose="02040503050406030204" pitchFamily="18" charset="0"/>
+                                </a:rPr>
+                              </m:ctrlPr>
+                            </m:naryPr>
+                            <m:sub>
+                              <m:r>
+                                <m:rPr>
+                                  <m:brk m:alnAt="23"/>
+                                </m:rPr>
+                                <a:rPr lang="en-US" sz="2400" b="0" i="1" smtClean="0">
+                                  <a:latin typeface="Cambria Math" panose="02040503050406030204" pitchFamily="18" charset="0"/>
+                                </a:rPr>
+                                <m:t>𝑗</m:t>
+                              </m:r>
+                              <m:r>
+                                <a:rPr lang="en-US" sz="2400" b="0" i="1" smtClean="0">
+                                  <a:latin typeface="Cambria Math" panose="02040503050406030204" pitchFamily="18" charset="0"/>
+                                </a:rPr>
+                                <m:t>=1</m:t>
+                              </m:r>
+                            </m:sub>
+                            <m:sup>
+                              <m:r>
+                                <a:rPr lang="en-US" sz="2400" b="0" i="1" smtClean="0">
+                                  <a:latin typeface="Cambria Math" panose="02040503050406030204" pitchFamily="18" charset="0"/>
+                                </a:rPr>
+                                <m:t>𝐶</m:t>
+                              </m:r>
+                            </m:sup>
+                            <m:e>
+                              <m:f>
+                                <m:fPr>
+                                  <m:ctrlPr>
+                                    <a:rPr lang="en-US" sz="2400" b="0" i="1" smtClean="0">
+                                      <a:latin typeface="Cambria Math" panose="02040503050406030204" pitchFamily="18" charset="0"/>
+                                    </a:rPr>
+                                  </m:ctrlPr>
+                                </m:fPr>
+                                <m:num>
+                                  <m:sSup>
+                                    <m:sSupPr>
+                                      <m:ctrlPr>
+                                        <a:rPr lang="en-US" sz="2400" b="0" i="1" smtClean="0">
+                                          <a:latin typeface="Cambria Math" panose="02040503050406030204" pitchFamily="18" charset="0"/>
+                                        </a:rPr>
+                                      </m:ctrlPr>
+                                    </m:sSupPr>
+                                    <m:e>
+                                      <m:d>
+                                        <m:dPr>
+                                          <m:ctrlPr>
+                                            <a:rPr lang="en-US" sz="2400" i="1">
+                                              <a:latin typeface="Cambria Math" panose="02040503050406030204" pitchFamily="18" charset="0"/>
+                                            </a:rPr>
+                                          </m:ctrlPr>
+                                        </m:dPr>
+                                        <m:e>
+                                          <m:sSub>
+                                            <m:sSubPr>
+                                              <m:ctrlPr>
+                                                <a:rPr lang="en-US" sz="2400" i="1">
+                                                  <a:latin typeface="Cambria Math" panose="02040503050406030204" pitchFamily="18" charset="0"/>
+                                                </a:rPr>
+                                              </m:ctrlPr>
+                                            </m:sSubPr>
+                                            <m:e>
+                                              <m:r>
+                                                <a:rPr lang="en-US" sz="2400" i="1">
+                                                  <a:latin typeface="Cambria Math" panose="02040503050406030204" pitchFamily="18" charset="0"/>
+                                                </a:rPr>
+                                                <m:t>𝑂</m:t>
+                                              </m:r>
+                                            </m:e>
+                                            <m:sub>
+                                              <m:r>
+                                                <a:rPr lang="en-US" sz="2400" i="1">
+                                                  <a:latin typeface="Cambria Math" panose="02040503050406030204" pitchFamily="18" charset="0"/>
+                                                </a:rPr>
+                                                <m:t>𝑖𝑗</m:t>
+                                              </m:r>
+                                            </m:sub>
+                                          </m:sSub>
+                                          <m:r>
+                                            <a:rPr lang="en-US" sz="2400" i="1">
+                                              <a:latin typeface="Cambria Math" panose="02040503050406030204" pitchFamily="18" charset="0"/>
+                                            </a:rPr>
+                                            <m:t>−</m:t>
+                                          </m:r>
+                                          <m:sSub>
+                                            <m:sSubPr>
+                                              <m:ctrlPr>
+                                                <a:rPr lang="en-US" sz="2400" i="1">
+                                                  <a:latin typeface="Cambria Math" panose="02040503050406030204" pitchFamily="18" charset="0"/>
+                                                </a:rPr>
+                                              </m:ctrlPr>
+                                            </m:sSubPr>
+                                            <m:e>
+                                              <m:r>
+                                                <a:rPr lang="en-US" sz="2400" i="1">
+                                                  <a:latin typeface="Cambria Math" panose="02040503050406030204" pitchFamily="18" charset="0"/>
+                                                </a:rPr>
+                                                <m:t>𝐸</m:t>
+                                              </m:r>
+                                            </m:e>
+                                            <m:sub>
+                                              <m:r>
+                                                <a:rPr lang="en-US" sz="2400" i="1">
+                                                  <a:latin typeface="Cambria Math" panose="02040503050406030204" pitchFamily="18" charset="0"/>
+                                                </a:rPr>
+                                                <m:t>𝑖𝑗</m:t>
+                                              </m:r>
+                                            </m:sub>
+                                          </m:sSub>
+                                        </m:e>
+                                      </m:d>
+                                    </m:e>
+                                    <m:sup>
+                                      <m:r>
+                                        <a:rPr lang="en-US" sz="2400" b="0" i="1" smtClean="0">
+                                          <a:latin typeface="Cambria Math" panose="02040503050406030204" pitchFamily="18" charset="0"/>
+                                        </a:rPr>
+                                        <m:t>2</m:t>
+                                      </m:r>
+                                    </m:sup>
+                                  </m:sSup>
+                                </m:num>
+                                <m:den>
+                                  <m:sSub>
+                                    <m:sSubPr>
+                                      <m:ctrlPr>
+                                        <a:rPr lang="en-US" sz="2400" b="0" i="1" smtClean="0">
+                                          <a:latin typeface="Cambria Math" panose="02040503050406030204" pitchFamily="18" charset="0"/>
+                                        </a:rPr>
+                                      </m:ctrlPr>
+                                    </m:sSubPr>
+                                    <m:e>
+                                      <m:r>
+                                        <a:rPr lang="en-US" sz="2400" b="0" i="1" smtClean="0">
+                                          <a:latin typeface="Cambria Math" panose="02040503050406030204" pitchFamily="18" charset="0"/>
+                                        </a:rPr>
+                                        <m:t>𝐸</m:t>
+                                      </m:r>
+                                    </m:e>
+                                    <m:sub>
+                                      <m:r>
+                                        <a:rPr lang="en-US" sz="2400" b="0" i="1" smtClean="0">
+                                          <a:latin typeface="Cambria Math" panose="02040503050406030204" pitchFamily="18" charset="0"/>
+                                        </a:rPr>
+                                        <m:t>𝑖𝑗</m:t>
+                                      </m:r>
+                                    </m:sub>
+                                  </m:sSub>
+                                </m:den>
+                              </m:f>
+                            </m:e>
+                          </m:nary>
+                        </m:e>
+                      </m:nary>
+                    </m:oMath>
+                  </m:oMathPara>
+                </a14:m>
+                <a:endParaRPr lang="en-US" sz="2400" dirty="0"/>
+              </a:p>
+            </p:txBody>
+          </p:sp>
+        </mc:Choice>
+        <mc:Fallback>
+          <p:sp>
+            <p:nvSpPr>
+              <p:cNvPr id="2" name="TextBox 1">
+                <a:extLst>
+                  <a:ext uri="{FF2B5EF4-FFF2-40B4-BE49-F238E27FC236}">
+                    <a16:creationId xmlns:a16="http://schemas.microsoft.com/office/drawing/2014/main" id="{8D969975-513F-DB6C-92CE-5FE1EB582BDC}"/>
+                  </a:ext>
+                </a:extLst>
+              </p:cNvPr>
+              <p:cNvSpPr txBox="1">
+                <a:spLocks noRot="1" noChangeAspect="1" noMove="1" noResize="1" noEditPoints="1" noAdjustHandles="1" noChangeArrowheads="1" noChangeShapeType="1" noTextEdit="1"/>
+              </p:cNvSpPr>
+              <p:nvPr/>
+            </p:nvSpPr>
+            <p:spPr>
+              <a:xfrm>
+                <a:off x="3481771" y="166110"/>
+                <a:ext cx="8176829" cy="6677469"/>
+              </a:xfrm>
+              <a:prstGeom prst="rect">
+                <a:avLst/>
+              </a:prstGeom>
+              <a:blipFill>
+                <a:blip r:embed="rId3"/>
+                <a:stretch>
+                  <a:fillRect l="-1240" t="-568" b="-24621"/>
+                </a:stretch>
+              </a:blipFill>
+            </p:spPr>
+            <p:txBody>
+              <a:bodyPr/>
+              <a:lstStyle/>
+              <a:p>
+                <a:r>
+                  <a:rPr lang="en-US">
+                    <a:noFill/>
+                  </a:rPr>
+                  <a:t> </a:t>
+                </a:r>
+              </a:p>
+            </p:txBody>
+          </p:sp>
+        </mc:Fallback>
+      </mc:AlternateContent>
+      <p:pic>
+        <p:nvPicPr>
+          <p:cNvPr id="4" name="Picture 3" descr="A white paper with black text&#10;&#10;Description automatically generated">
+            <a:extLst>
+              <a:ext uri="{FF2B5EF4-FFF2-40B4-BE49-F238E27FC236}">
+                <a16:creationId xmlns:a16="http://schemas.microsoft.com/office/drawing/2014/main" id="{2DAF7862-2A75-70D1-CEF4-ABFA375AEAD9}"/>
+              </a:ext>
+            </a:extLst>
+          </p:cNvPr>
+          <p:cNvPicPr>
+            <a:picLocks noChangeAspect="1"/>
+          </p:cNvPicPr>
+          <p:nvPr/>
+        </p:nvPicPr>
+        <p:blipFill>
+          <a:blip r:embed="rId4"/>
+          <a:stretch>
+            <a:fillRect/>
+          </a:stretch>
+        </p:blipFill>
+        <p:spPr>
+          <a:xfrm>
+            <a:off x="3541156" y="604814"/>
+            <a:ext cx="8117444" cy="2787315"/>
+          </a:xfrm>
+          <a:prstGeom prst="rect">
+            <a:avLst/>
+          </a:prstGeom>
+        </p:spPr>
+      </p:pic>
+      <p:sp>
+        <p:nvSpPr>
+          <p:cNvPr id="6" name="Alternate Process 5">
+            <a:extLst>
+              <a:ext uri="{FF2B5EF4-FFF2-40B4-BE49-F238E27FC236}">
+                <a16:creationId xmlns:a16="http://schemas.microsoft.com/office/drawing/2014/main" id="{099E214D-C899-F72E-45CD-A52B3C574A9C}"/>
+              </a:ext>
+            </a:extLst>
+          </p:cNvPr>
+          <p:cNvSpPr/>
+          <p:nvPr/>
+        </p:nvSpPr>
+        <p:spPr>
+          <a:xfrm>
+            <a:off x="3672908" y="952503"/>
+            <a:ext cx="1563329" cy="412955"/>
+          </a:xfrm>
+          <a:prstGeom prst="flowChartAlternateProcess">
+            <a:avLst/>
+          </a:prstGeom>
+        </p:spPr>
+        <p:style>
+          <a:lnRef idx="0">
+            <a:schemeClr val="accent3"/>
+          </a:lnRef>
+          <a:fillRef idx="3">
+            <a:schemeClr val="accent3"/>
+          </a:fillRef>
+          <a:effectRef idx="3">
+            <a:schemeClr val="accent3"/>
+          </a:effectRef>
+          <a:fontRef idx="minor">
+            <a:schemeClr val="lt1"/>
+          </a:fontRef>
+        </p:style>
+        <p:txBody>
+          <a:bodyPr rtlCol="0" anchor="ctr"/>
+          <a:lstStyle/>
+          <a:p>
+            <a:pPr algn="ctr"/>
+            <a:r>
+              <a:rPr lang="en-US" dirty="0"/>
+              <a:t>Observed</a:t>
+            </a:r>
+          </a:p>
+        </p:txBody>
+      </p:sp>
+      <p:sp>
+        <p:nvSpPr>
+          <p:cNvPr id="7" name="Alternate Process 6">
+            <a:extLst>
+              <a:ext uri="{FF2B5EF4-FFF2-40B4-BE49-F238E27FC236}">
+                <a16:creationId xmlns:a16="http://schemas.microsoft.com/office/drawing/2014/main" id="{FDC802C7-CE28-8D50-0E60-4287373EC56B}"/>
+              </a:ext>
+            </a:extLst>
+          </p:cNvPr>
+          <p:cNvSpPr/>
+          <p:nvPr/>
+        </p:nvSpPr>
+        <p:spPr>
+          <a:xfrm>
+            <a:off x="9497961" y="5324168"/>
+            <a:ext cx="2160639" cy="1367722"/>
+          </a:xfrm>
+          <a:prstGeom prst="flowChartAlternateProcess">
+            <a:avLst/>
+          </a:prstGeom>
+        </p:spPr>
+        <p:style>
+          <a:lnRef idx="0">
+            <a:schemeClr val="accent5"/>
+          </a:lnRef>
+          <a:fillRef idx="3">
+            <a:schemeClr val="accent5"/>
+          </a:fillRef>
+          <a:effectRef idx="3">
+            <a:schemeClr val="accent5"/>
+          </a:effectRef>
+          <a:fontRef idx="minor">
+            <a:schemeClr val="lt1"/>
+          </a:fontRef>
+        </p:style>
+        <p:txBody>
+          <a:bodyPr rtlCol="0" anchor="ctr"/>
+          <a:lstStyle/>
+          <a:p>
+            <a:pPr algn="ctr"/>
+            <a:r>
+              <a:rPr lang="en-US" sz="2400" dirty="0"/>
+              <a:t>Calculate the chi-square statistic</a:t>
+            </a:r>
+          </a:p>
+        </p:txBody>
+      </p:sp>
+    </p:spTree>
+    <p:extLst>
+      <p:ext uri="{BB962C8B-B14F-4D97-AF65-F5344CB8AC3E}">
+        <p14:creationId xmlns:p14="http://schemas.microsoft.com/office/powerpoint/2010/main" val="3799106099"/>
+      </p:ext>
+    </p:extLst>
+  </p:cSld>
+  <p:clrMapOvr>
+    <a:masterClrMapping/>
+  </p:clrMapOvr>
+  <p:transition>
+    <p:cut/>
+  </p:transition>
+</p:sld>
+</file>
+
+<file path=ppt/slides/slide21.xml><?xml version="1.0" encoding="utf-8"?>
+<p:sld xmlns:a="http://schemas.openxmlformats.org/drawingml/2006/main" xmlns:r="http://schemas.openxmlformats.org/officeDocument/2006/relationships" xmlns:p="http://schemas.openxmlformats.org/presentationml/2006/main">
+  <p:cSld>
+    <p:spTree>
+      <p:nvGrpSpPr>
+        <p:cNvPr id="1" name="">
+          <a:extLst>
+            <a:ext uri="{FF2B5EF4-FFF2-40B4-BE49-F238E27FC236}">
+              <a16:creationId xmlns:a16="http://schemas.microsoft.com/office/drawing/2014/main" id="{51E8B79B-E8E6-9CBC-CFFE-FCF3DF3ACC0B}"/>
+            </a:ext>
+          </a:extLst>
+        </p:cNvPr>
+        <p:cNvGrpSpPr/>
+        <p:nvPr/>
+      </p:nvGrpSpPr>
+      <p:grpSpPr>
+        <a:xfrm>
+          <a:off x="0" y="0"/>
+          <a:ext cx="0" cy="0"/>
+          <a:chOff x="0" y="0"/>
+          <a:chExt cx="0" cy="0"/>
+        </a:xfrm>
+      </p:grpSpPr>
+      <p:sp>
+        <p:nvSpPr>
+          <p:cNvPr id="25" name="Title 24">
+            <a:extLst>
+              <a:ext uri="{FF2B5EF4-FFF2-40B4-BE49-F238E27FC236}">
+                <a16:creationId xmlns:a16="http://schemas.microsoft.com/office/drawing/2014/main" id="{F8453FC2-5BE9-D49A-A77C-346F0550F648}"/>
+              </a:ext>
+            </a:extLst>
+          </p:cNvPr>
+          <p:cNvSpPr>
+            <a:spLocks noGrp="1"/>
+          </p:cNvSpPr>
+          <p:nvPr>
+            <p:ph type="title"/>
+          </p:nvPr>
+        </p:nvSpPr>
+        <p:spPr/>
+        <p:txBody>
+          <a:bodyPr/>
+          <a:lstStyle/>
+          <a:p>
+            <a:r>
+              <a:rPr lang="en-US" dirty="0"/>
+              <a:t>Inference for Categorical Variables</a:t>
+            </a:r>
+          </a:p>
+        </p:txBody>
+      </p:sp>
+      <mc:AlternateContent xmlns:mc="http://schemas.openxmlformats.org/markup-compatibility/2006">
+        <mc:Choice xmlns:a14="http://schemas.microsoft.com/office/drawing/2010/main" Requires="a14">
+          <p:sp>
+            <p:nvSpPr>
+              <p:cNvPr id="2" name="TextBox 1">
+                <a:extLst>
+                  <a:ext uri="{FF2B5EF4-FFF2-40B4-BE49-F238E27FC236}">
+                    <a16:creationId xmlns:a16="http://schemas.microsoft.com/office/drawing/2014/main" id="{8D969975-513F-DB6C-92CE-5FE1EB582BDC}"/>
+                  </a:ext>
+                </a:extLst>
+              </p:cNvPr>
+              <p:cNvSpPr txBox="1"/>
+              <p:nvPr/>
+            </p:nvSpPr>
+            <p:spPr>
+              <a:xfrm>
+                <a:off x="3481771" y="166110"/>
+                <a:ext cx="8457310" cy="6001643"/>
+              </a:xfrm>
+              <a:prstGeom prst="rect">
+                <a:avLst/>
+              </a:prstGeom>
+              <a:noFill/>
+            </p:spPr>
+            <p:txBody>
+              <a:bodyPr wrap="square" rtlCol="0">
+                <a:spAutoFit/>
+              </a:bodyPr>
+              <a:lstStyle/>
+              <a:p>
+                <a:r>
+                  <a:rPr lang="en-US" sz="2400" b="1" dirty="0"/>
+                  <a:t>Motivating Example</a:t>
+                </a:r>
+              </a:p>
+              <a:p>
+                <a:endParaRPr lang="en-US" sz="2400" b="1" dirty="0"/>
+              </a:p>
+              <a:p>
+                <a:endParaRPr lang="en-US" sz="2400" b="1" dirty="0"/>
+              </a:p>
+              <a:p>
+                <a:endParaRPr lang="en-US" sz="2400" b="1" dirty="0"/>
+              </a:p>
+              <a:p>
+                <a:endParaRPr lang="en-US" sz="2400" b="1" dirty="0"/>
+              </a:p>
+              <a:p>
+                <a:endParaRPr lang="en-US" sz="2400" b="1" dirty="0"/>
+              </a:p>
+              <a:p>
+                <a:endParaRPr lang="en-US" sz="2400" b="1" dirty="0"/>
+              </a:p>
+              <a:p>
+                <a:endParaRPr lang="en-US" sz="2400" b="1" dirty="0"/>
+              </a:p>
+              <a:p>
+                <a:endParaRPr lang="en-US" sz="2400" b="1" dirty="0"/>
+              </a:p>
+              <a:p>
+                <a:r>
+                  <a:rPr lang="en-US" sz="2400" b="1" dirty="0"/>
+                  <a:t>Null Distribution</a:t>
+                </a:r>
+              </a:p>
+              <a:p>
+                <a:r>
+                  <a:rPr lang="en-US" sz="2400" dirty="0"/>
+                  <a:t>If these conditions are met:</a:t>
+                </a:r>
+              </a:p>
+              <a:p>
+                <a:pPr marL="457200" indent="-457200">
+                  <a:buFont typeface="+mj-lt"/>
+                  <a:buAutoNum type="arabicPeriod"/>
+                </a:pPr>
+                <a:r>
+                  <a:rPr lang="en-US" sz="2400" dirty="0"/>
+                  <a:t>Observations are independent</a:t>
+                </a:r>
+              </a:p>
+              <a:p>
+                <a:pPr marL="457200" indent="-457200">
+                  <a:buFont typeface="+mj-lt"/>
+                  <a:buAutoNum type="arabicPeriod"/>
+                </a:pPr>
+                <a:r>
+                  <a:rPr lang="en-US" sz="2400" dirty="0"/>
+                  <a:t>Each cell in the contingency table has an expected count </a:t>
+                </a:r>
+                <a14:m>
+                  <m:oMath xmlns:m="http://schemas.openxmlformats.org/officeDocument/2006/math">
+                    <m:r>
+                      <a:rPr lang="en-US" sz="2400" b="0" i="1" smtClean="0">
+                        <a:latin typeface="Cambria Math" panose="02040503050406030204" pitchFamily="18" charset="0"/>
+                      </a:rPr>
+                      <m:t>≥</m:t>
+                    </m:r>
+                  </m:oMath>
+                </a14:m>
+                <a:r>
+                  <a:rPr lang="en-US" sz="2400" dirty="0"/>
+                  <a:t> 5</a:t>
+                </a:r>
+              </a:p>
+              <a:p>
+                <a:endParaRPr lang="en-US" sz="2400" dirty="0"/>
+              </a:p>
+              <a:p>
+                <a:r>
+                  <a:rPr lang="en-US" sz="2400" dirty="0"/>
+                  <a:t>Then we use the Chi-square distribution with </a:t>
+                </a:r>
+                <a14:m>
+                  <m:oMath xmlns:m="http://schemas.openxmlformats.org/officeDocument/2006/math">
+                    <m:r>
+                      <a:rPr lang="en-US" sz="2400" b="0" i="1" smtClean="0">
+                        <a:latin typeface="Cambria Math" panose="02040503050406030204" pitchFamily="18" charset="0"/>
+                      </a:rPr>
+                      <m:t>(</m:t>
+                    </m:r>
+                    <m:r>
+                      <a:rPr lang="en-US" sz="2400" b="0" i="1" smtClean="0">
+                        <a:latin typeface="Cambria Math" panose="02040503050406030204" pitchFamily="18" charset="0"/>
+                      </a:rPr>
+                      <m:t>𝑅</m:t>
+                    </m:r>
+                    <m:r>
+                      <a:rPr lang="en-US" sz="2400" b="0" i="1" smtClean="0">
+                        <a:latin typeface="Cambria Math" panose="02040503050406030204" pitchFamily="18" charset="0"/>
+                      </a:rPr>
+                      <m:t>−1)(</m:t>
+                    </m:r>
+                    <m:r>
+                      <a:rPr lang="en-US" sz="2400" b="0" i="1" smtClean="0">
+                        <a:latin typeface="Cambria Math" panose="02040503050406030204" pitchFamily="18" charset="0"/>
+                      </a:rPr>
+                      <m:t>𝐶</m:t>
+                    </m:r>
+                    <m:r>
+                      <a:rPr lang="en-US" sz="2400" b="0" i="1" smtClean="0">
+                        <a:latin typeface="Cambria Math" panose="02040503050406030204" pitchFamily="18" charset="0"/>
+                      </a:rPr>
+                      <m:t>−1)</m:t>
+                    </m:r>
+                  </m:oMath>
+                </a14:m>
+                <a:r>
+                  <a:rPr lang="en-US" sz="2400" dirty="0"/>
+                  <a:t> degrees of freedom to model the null distribution of </a:t>
+                </a:r>
+                <a14:m>
+                  <m:oMath xmlns:m="http://schemas.openxmlformats.org/officeDocument/2006/math">
+                    <m:sSup>
+                      <m:sSupPr>
+                        <m:ctrlPr>
+                          <a:rPr lang="en-US" sz="2400" b="0" i="1" smtClean="0">
+                            <a:latin typeface="Cambria Math" panose="02040503050406030204" pitchFamily="18" charset="0"/>
+                          </a:rPr>
+                        </m:ctrlPr>
+                      </m:sSupPr>
+                      <m:e>
+                        <m:r>
+                          <a:rPr lang="en-US" sz="2400" b="0" i="1" smtClean="0">
+                            <a:latin typeface="Cambria Math" panose="02040503050406030204" pitchFamily="18" charset="0"/>
+                          </a:rPr>
+                          <m:t>𝑋</m:t>
+                        </m:r>
+                      </m:e>
+                      <m:sup>
+                        <m:r>
+                          <a:rPr lang="en-US" sz="2400" b="0" i="1" smtClean="0">
+                            <a:latin typeface="Cambria Math" panose="02040503050406030204" pitchFamily="18" charset="0"/>
+                          </a:rPr>
+                          <m:t>2</m:t>
+                        </m:r>
+                      </m:sup>
+                    </m:sSup>
+                  </m:oMath>
+                </a14:m>
+                <a:r>
+                  <a:rPr lang="en-US" sz="2400" dirty="0"/>
+                  <a:t>  </a:t>
+                </a:r>
+              </a:p>
+            </p:txBody>
+          </p:sp>
+        </mc:Choice>
+        <mc:Fallback>
+          <p:sp>
+            <p:nvSpPr>
+              <p:cNvPr id="2" name="TextBox 1">
+                <a:extLst>
+                  <a:ext uri="{FF2B5EF4-FFF2-40B4-BE49-F238E27FC236}">
+                    <a16:creationId xmlns:a16="http://schemas.microsoft.com/office/drawing/2014/main" id="{8D969975-513F-DB6C-92CE-5FE1EB582BDC}"/>
+                  </a:ext>
+                </a:extLst>
+              </p:cNvPr>
+              <p:cNvSpPr txBox="1">
+                <a:spLocks noRot="1" noChangeAspect="1" noMove="1" noResize="1" noEditPoints="1" noAdjustHandles="1" noChangeArrowheads="1" noChangeShapeType="1" noTextEdit="1"/>
+              </p:cNvSpPr>
+              <p:nvPr/>
+            </p:nvSpPr>
+            <p:spPr>
+              <a:xfrm>
+                <a:off x="3481771" y="166110"/>
+                <a:ext cx="8457310" cy="6001643"/>
+              </a:xfrm>
+              <a:prstGeom prst="rect">
+                <a:avLst/>
+              </a:prstGeom>
+              <a:blipFill>
+                <a:blip r:embed="rId3"/>
+                <a:stretch>
+                  <a:fillRect l="-1199" t="-633" b="-1477"/>
+                </a:stretch>
+              </a:blipFill>
+            </p:spPr>
+            <p:txBody>
+              <a:bodyPr/>
+              <a:lstStyle/>
+              <a:p>
+                <a:r>
+                  <a:rPr lang="en-US">
+                    <a:noFill/>
+                  </a:rPr>
+                  <a:t> </a:t>
+                </a:r>
+              </a:p>
+            </p:txBody>
+          </p:sp>
+        </mc:Fallback>
+      </mc:AlternateContent>
+      <p:pic>
+        <p:nvPicPr>
+          <p:cNvPr id="4" name="Picture 3" descr="A white paper with black text&#10;&#10;Description automatically generated">
+            <a:extLst>
+              <a:ext uri="{FF2B5EF4-FFF2-40B4-BE49-F238E27FC236}">
+                <a16:creationId xmlns:a16="http://schemas.microsoft.com/office/drawing/2014/main" id="{2DAF7862-2A75-70D1-CEF4-ABFA375AEAD9}"/>
+              </a:ext>
+            </a:extLst>
+          </p:cNvPr>
+          <p:cNvPicPr>
+            <a:picLocks noChangeAspect="1"/>
+          </p:cNvPicPr>
+          <p:nvPr/>
+        </p:nvPicPr>
+        <p:blipFill>
+          <a:blip r:embed="rId4"/>
+          <a:stretch>
+            <a:fillRect/>
+          </a:stretch>
+        </p:blipFill>
+        <p:spPr>
+          <a:xfrm>
+            <a:off x="3541156" y="604814"/>
+            <a:ext cx="8117444" cy="2787315"/>
+          </a:xfrm>
+          <a:prstGeom prst="rect">
+            <a:avLst/>
+          </a:prstGeom>
+        </p:spPr>
+      </p:pic>
+      <p:sp>
+        <p:nvSpPr>
+          <p:cNvPr id="6" name="Alternate Process 5">
+            <a:extLst>
+              <a:ext uri="{FF2B5EF4-FFF2-40B4-BE49-F238E27FC236}">
+                <a16:creationId xmlns:a16="http://schemas.microsoft.com/office/drawing/2014/main" id="{099E214D-C899-F72E-45CD-A52B3C574A9C}"/>
+              </a:ext>
+            </a:extLst>
+          </p:cNvPr>
+          <p:cNvSpPr/>
+          <p:nvPr/>
+        </p:nvSpPr>
+        <p:spPr>
+          <a:xfrm>
+            <a:off x="3672908" y="952503"/>
+            <a:ext cx="1563329" cy="412955"/>
+          </a:xfrm>
+          <a:prstGeom prst="flowChartAlternateProcess">
+            <a:avLst/>
+          </a:prstGeom>
+        </p:spPr>
+        <p:style>
+          <a:lnRef idx="0">
+            <a:schemeClr val="accent3"/>
+          </a:lnRef>
+          <a:fillRef idx="3">
+            <a:schemeClr val="accent3"/>
+          </a:fillRef>
+          <a:effectRef idx="3">
+            <a:schemeClr val="accent3"/>
+          </a:effectRef>
+          <a:fontRef idx="minor">
+            <a:schemeClr val="lt1"/>
+          </a:fontRef>
+        </p:style>
+        <p:txBody>
+          <a:bodyPr rtlCol="0" anchor="ctr"/>
+          <a:lstStyle/>
+          <a:p>
+            <a:pPr algn="ctr"/>
+            <a:r>
+              <a:rPr lang="en-US" dirty="0"/>
+              <a:t>Observed</a:t>
+            </a:r>
+          </a:p>
+        </p:txBody>
+      </p:sp>
+    </p:spTree>
+    <p:extLst>
+      <p:ext uri="{BB962C8B-B14F-4D97-AF65-F5344CB8AC3E}">
+        <p14:creationId xmlns:p14="http://schemas.microsoft.com/office/powerpoint/2010/main" val="2654769868"/>
+      </p:ext>
+    </p:extLst>
+  </p:cSld>
+  <p:clrMapOvr>
+    <a:masterClrMapping/>
+  </p:clrMapOvr>
+  <p:transition>
+    <p:cut/>
+  </p:transition>
+</p:sld>
+</file>
+
+<file path=ppt/slides/slide22.xml><?xml version="1.0" encoding="utf-8"?>
+<p:sld xmlns:a="http://schemas.openxmlformats.org/drawingml/2006/main" xmlns:r="http://schemas.openxmlformats.org/officeDocument/2006/relationships" xmlns:p="http://schemas.openxmlformats.org/presentationml/2006/main">
+  <p:cSld>
+    <p:spTree>
+      <p:nvGrpSpPr>
+        <p:cNvPr id="1" name="">
+          <a:extLst>
+            <a:ext uri="{FF2B5EF4-FFF2-40B4-BE49-F238E27FC236}">
+              <a16:creationId xmlns:a16="http://schemas.microsoft.com/office/drawing/2014/main" id="{51E8B79B-E8E6-9CBC-CFFE-FCF3DF3ACC0B}"/>
+            </a:ext>
+          </a:extLst>
+        </p:cNvPr>
+        <p:cNvGrpSpPr/>
+        <p:nvPr/>
+      </p:nvGrpSpPr>
+      <p:grpSpPr>
+        <a:xfrm>
+          <a:off x="0" y="0"/>
+          <a:ext cx="0" cy="0"/>
+          <a:chOff x="0" y="0"/>
+          <a:chExt cx="0" cy="0"/>
+        </a:xfrm>
+      </p:grpSpPr>
+      <p:sp>
+        <p:nvSpPr>
+          <p:cNvPr id="25" name="Title 24">
+            <a:extLst>
+              <a:ext uri="{FF2B5EF4-FFF2-40B4-BE49-F238E27FC236}">
+                <a16:creationId xmlns:a16="http://schemas.microsoft.com/office/drawing/2014/main" id="{F8453FC2-5BE9-D49A-A77C-346F0550F648}"/>
+              </a:ext>
+            </a:extLst>
+          </p:cNvPr>
+          <p:cNvSpPr>
+            <a:spLocks noGrp="1"/>
+          </p:cNvSpPr>
+          <p:nvPr>
+            <p:ph type="title"/>
+          </p:nvPr>
+        </p:nvSpPr>
+        <p:spPr/>
+        <p:txBody>
+          <a:bodyPr/>
+          <a:lstStyle/>
+          <a:p>
+            <a:r>
+              <a:rPr lang="en-US" dirty="0"/>
+              <a:t>Inference for Categorical Variables</a:t>
+            </a:r>
+          </a:p>
+        </p:txBody>
+      </p:sp>
+      <mc:AlternateContent xmlns:mc="http://schemas.openxmlformats.org/markup-compatibility/2006">
+        <mc:Choice xmlns:a14="http://schemas.microsoft.com/office/drawing/2010/main" Requires="a14">
+          <p:sp>
+            <p:nvSpPr>
+              <p:cNvPr id="2" name="TextBox 1">
+                <a:extLst>
+                  <a:ext uri="{FF2B5EF4-FFF2-40B4-BE49-F238E27FC236}">
+                    <a16:creationId xmlns:a16="http://schemas.microsoft.com/office/drawing/2014/main" id="{8D969975-513F-DB6C-92CE-5FE1EB582BDC}"/>
+                  </a:ext>
+                </a:extLst>
+              </p:cNvPr>
+              <p:cNvSpPr txBox="1"/>
+              <p:nvPr/>
+            </p:nvSpPr>
+            <p:spPr>
+              <a:xfrm>
+                <a:off x="3481771" y="166110"/>
+                <a:ext cx="8457310" cy="6001643"/>
+              </a:xfrm>
+              <a:prstGeom prst="rect">
+                <a:avLst/>
+              </a:prstGeom>
+              <a:noFill/>
+            </p:spPr>
+            <p:txBody>
+              <a:bodyPr wrap="square" rtlCol="0">
+                <a:spAutoFit/>
+              </a:bodyPr>
+              <a:lstStyle/>
+              <a:p>
+                <a:r>
+                  <a:rPr lang="en-US" sz="2400" b="1" dirty="0"/>
+                  <a:t>Motivating Example</a:t>
+                </a:r>
+              </a:p>
+              <a:p>
+                <a:endParaRPr lang="en-US" sz="2400" b="1" dirty="0"/>
+              </a:p>
+              <a:p>
+                <a:endParaRPr lang="en-US" sz="2400" b="1" dirty="0"/>
+              </a:p>
+              <a:p>
+                <a:endParaRPr lang="en-US" sz="2400" b="1" dirty="0"/>
+              </a:p>
+              <a:p>
+                <a:endParaRPr lang="en-US" sz="2400" b="1" dirty="0"/>
+              </a:p>
+              <a:p>
+                <a:endParaRPr lang="en-US" sz="2400" b="1" dirty="0"/>
+              </a:p>
+              <a:p>
+                <a:endParaRPr lang="en-US" sz="2400" b="1" dirty="0"/>
+              </a:p>
+              <a:p>
+                <a:endParaRPr lang="en-US" sz="2400" b="1" dirty="0"/>
+              </a:p>
+              <a:p>
+                <a:endParaRPr lang="en-US" sz="2400" b="1" dirty="0"/>
+              </a:p>
+              <a:p>
+                <a:r>
+                  <a:rPr lang="en-US" sz="2400" b="1" dirty="0"/>
+                  <a:t>Null Distribution</a:t>
+                </a:r>
+              </a:p>
+              <a:p>
+                <a:r>
+                  <a:rPr lang="en-US" sz="2400" dirty="0"/>
+                  <a:t>If these conditions are met:</a:t>
+                </a:r>
+              </a:p>
+              <a:p>
+                <a:pPr marL="457200" indent="-457200">
+                  <a:buFont typeface="+mj-lt"/>
+                  <a:buAutoNum type="arabicPeriod"/>
+                </a:pPr>
+                <a:r>
+                  <a:rPr lang="en-US" sz="2400" dirty="0"/>
+                  <a:t>Observations are independent</a:t>
+                </a:r>
+              </a:p>
+              <a:p>
+                <a:pPr marL="457200" indent="-457200">
+                  <a:buFont typeface="+mj-lt"/>
+                  <a:buAutoNum type="arabicPeriod"/>
+                </a:pPr>
+                <a:r>
+                  <a:rPr lang="en-US" sz="2400" dirty="0"/>
+                  <a:t>Each cell in the contingency table has an expected count </a:t>
+                </a:r>
+                <a14:m>
+                  <m:oMath xmlns:m="http://schemas.openxmlformats.org/officeDocument/2006/math">
+                    <m:r>
+                      <a:rPr lang="en-US" sz="2400" b="0" i="1" smtClean="0">
+                        <a:latin typeface="Cambria Math" panose="02040503050406030204" pitchFamily="18" charset="0"/>
+                      </a:rPr>
+                      <m:t>≥</m:t>
+                    </m:r>
+                  </m:oMath>
+                </a14:m>
+                <a:r>
+                  <a:rPr lang="en-US" sz="2400" dirty="0"/>
+                  <a:t> 5</a:t>
+                </a:r>
+              </a:p>
+              <a:p>
+                <a:endParaRPr lang="en-US" sz="2400" dirty="0"/>
+              </a:p>
+              <a:p>
+                <a:r>
+                  <a:rPr lang="en-US" sz="2400" dirty="0"/>
+                  <a:t>Then we use the Chi-square distribution with </a:t>
+                </a:r>
+                <a14:m>
+                  <m:oMath xmlns:m="http://schemas.openxmlformats.org/officeDocument/2006/math">
+                    <m:r>
+                      <a:rPr lang="en-US" sz="2400" b="0" i="1" smtClean="0">
+                        <a:latin typeface="Cambria Math" panose="02040503050406030204" pitchFamily="18" charset="0"/>
+                      </a:rPr>
+                      <m:t>(</m:t>
+                    </m:r>
+                    <m:r>
+                      <a:rPr lang="en-US" sz="2400" b="0" i="1" smtClean="0">
+                        <a:latin typeface="Cambria Math" panose="02040503050406030204" pitchFamily="18" charset="0"/>
+                      </a:rPr>
+                      <m:t>𝑅</m:t>
+                    </m:r>
+                    <m:r>
+                      <a:rPr lang="en-US" sz="2400" b="0" i="1" smtClean="0">
+                        <a:latin typeface="Cambria Math" panose="02040503050406030204" pitchFamily="18" charset="0"/>
+                      </a:rPr>
+                      <m:t>−1)(</m:t>
+                    </m:r>
+                    <m:r>
+                      <a:rPr lang="en-US" sz="2400" b="0" i="1" smtClean="0">
+                        <a:latin typeface="Cambria Math" panose="02040503050406030204" pitchFamily="18" charset="0"/>
+                      </a:rPr>
+                      <m:t>𝐶</m:t>
+                    </m:r>
+                    <m:r>
+                      <a:rPr lang="en-US" sz="2400" b="0" i="1" smtClean="0">
+                        <a:latin typeface="Cambria Math" panose="02040503050406030204" pitchFamily="18" charset="0"/>
+                      </a:rPr>
+                      <m:t>−1)</m:t>
+                    </m:r>
+                  </m:oMath>
+                </a14:m>
+                <a:r>
+                  <a:rPr lang="en-US" sz="2400" dirty="0"/>
+                  <a:t> degrees of freedom to model the null distribution of </a:t>
+                </a:r>
+                <a14:m>
+                  <m:oMath xmlns:m="http://schemas.openxmlformats.org/officeDocument/2006/math">
+                    <m:sSup>
+                      <m:sSupPr>
+                        <m:ctrlPr>
+                          <a:rPr lang="en-US" sz="2400" b="0" i="1" smtClean="0">
+                            <a:latin typeface="Cambria Math" panose="02040503050406030204" pitchFamily="18" charset="0"/>
+                          </a:rPr>
+                        </m:ctrlPr>
+                      </m:sSupPr>
+                      <m:e>
+                        <m:r>
+                          <a:rPr lang="en-US" sz="2400" b="0" i="1" smtClean="0">
+                            <a:latin typeface="Cambria Math" panose="02040503050406030204" pitchFamily="18" charset="0"/>
+                          </a:rPr>
+                          <m:t>𝑋</m:t>
+                        </m:r>
+                      </m:e>
+                      <m:sup>
+                        <m:r>
+                          <a:rPr lang="en-US" sz="2400" b="0" i="1" smtClean="0">
+                            <a:latin typeface="Cambria Math" panose="02040503050406030204" pitchFamily="18" charset="0"/>
+                          </a:rPr>
+                          <m:t>2</m:t>
+                        </m:r>
+                      </m:sup>
+                    </m:sSup>
+                  </m:oMath>
+                </a14:m>
+                <a:r>
+                  <a:rPr lang="en-US" sz="2400" dirty="0"/>
+                  <a:t>  </a:t>
+                </a:r>
+              </a:p>
+            </p:txBody>
+          </p:sp>
+        </mc:Choice>
+        <mc:Fallback>
+          <p:sp>
+            <p:nvSpPr>
+              <p:cNvPr id="2" name="TextBox 1">
+                <a:extLst>
+                  <a:ext uri="{FF2B5EF4-FFF2-40B4-BE49-F238E27FC236}">
+                    <a16:creationId xmlns:a16="http://schemas.microsoft.com/office/drawing/2014/main" id="{8D969975-513F-DB6C-92CE-5FE1EB582BDC}"/>
+                  </a:ext>
+                </a:extLst>
+              </p:cNvPr>
+              <p:cNvSpPr txBox="1">
+                <a:spLocks noRot="1" noChangeAspect="1" noMove="1" noResize="1" noEditPoints="1" noAdjustHandles="1" noChangeArrowheads="1" noChangeShapeType="1" noTextEdit="1"/>
+              </p:cNvSpPr>
+              <p:nvPr/>
+            </p:nvSpPr>
+            <p:spPr>
+              <a:xfrm>
+                <a:off x="3481771" y="166110"/>
+                <a:ext cx="8457310" cy="6001643"/>
+              </a:xfrm>
+              <a:prstGeom prst="rect">
+                <a:avLst/>
+              </a:prstGeom>
+              <a:blipFill>
+                <a:blip r:embed="rId3"/>
+                <a:stretch>
+                  <a:fillRect l="-1199" t="-633" b="-1477"/>
+                </a:stretch>
+              </a:blipFill>
+            </p:spPr>
+            <p:txBody>
+              <a:bodyPr/>
+              <a:lstStyle/>
+              <a:p>
+                <a:r>
+                  <a:rPr lang="en-US">
+                    <a:noFill/>
+                  </a:rPr>
+                  <a:t> </a:t>
+                </a:r>
+              </a:p>
+            </p:txBody>
+          </p:sp>
+        </mc:Fallback>
+      </mc:AlternateContent>
+      <p:pic>
+        <p:nvPicPr>
+          <p:cNvPr id="4" name="Picture 3" descr="A white paper with black text&#10;&#10;Description automatically generated">
+            <a:extLst>
+              <a:ext uri="{FF2B5EF4-FFF2-40B4-BE49-F238E27FC236}">
+                <a16:creationId xmlns:a16="http://schemas.microsoft.com/office/drawing/2014/main" id="{2DAF7862-2A75-70D1-CEF4-ABFA375AEAD9}"/>
+              </a:ext>
+            </a:extLst>
+          </p:cNvPr>
+          <p:cNvPicPr>
+            <a:picLocks noChangeAspect="1"/>
+          </p:cNvPicPr>
+          <p:nvPr/>
+        </p:nvPicPr>
+        <p:blipFill>
+          <a:blip r:embed="rId4"/>
+          <a:stretch>
+            <a:fillRect/>
+          </a:stretch>
+        </p:blipFill>
+        <p:spPr>
+          <a:xfrm>
+            <a:off x="3541156" y="604814"/>
+            <a:ext cx="8117444" cy="2787315"/>
+          </a:xfrm>
+          <a:prstGeom prst="rect">
+            <a:avLst/>
+          </a:prstGeom>
+        </p:spPr>
+      </p:pic>
+      <p:sp>
+        <p:nvSpPr>
+          <p:cNvPr id="6" name="Alternate Process 5">
+            <a:extLst>
+              <a:ext uri="{FF2B5EF4-FFF2-40B4-BE49-F238E27FC236}">
+                <a16:creationId xmlns:a16="http://schemas.microsoft.com/office/drawing/2014/main" id="{099E214D-C899-F72E-45CD-A52B3C574A9C}"/>
+              </a:ext>
+            </a:extLst>
+          </p:cNvPr>
+          <p:cNvSpPr/>
+          <p:nvPr/>
+        </p:nvSpPr>
+        <p:spPr>
+          <a:xfrm>
+            <a:off x="3672908" y="952503"/>
+            <a:ext cx="1563329" cy="412955"/>
+          </a:xfrm>
+          <a:prstGeom prst="flowChartAlternateProcess">
+            <a:avLst/>
+          </a:prstGeom>
+        </p:spPr>
+        <p:style>
+          <a:lnRef idx="0">
+            <a:schemeClr val="accent3"/>
+          </a:lnRef>
+          <a:fillRef idx="3">
+            <a:schemeClr val="accent3"/>
+          </a:fillRef>
+          <a:effectRef idx="3">
+            <a:schemeClr val="accent3"/>
+          </a:effectRef>
+          <a:fontRef idx="minor">
+            <a:schemeClr val="lt1"/>
+          </a:fontRef>
+        </p:style>
+        <p:txBody>
+          <a:bodyPr rtlCol="0" anchor="ctr"/>
+          <a:lstStyle/>
+          <a:p>
+            <a:pPr algn="ctr"/>
+            <a:r>
+              <a:rPr lang="en-US" dirty="0"/>
+              <a:t>Observed</a:t>
+            </a:r>
+          </a:p>
+        </p:txBody>
+      </p:sp>
+      <p:sp>
+        <p:nvSpPr>
+          <p:cNvPr id="3" name="Alternate Process 2">
+            <a:extLst>
+              <a:ext uri="{FF2B5EF4-FFF2-40B4-BE49-F238E27FC236}">
+                <a16:creationId xmlns:a16="http://schemas.microsoft.com/office/drawing/2014/main" id="{386AB3FA-50FE-15A0-6280-4B26A0150949}"/>
+              </a:ext>
+            </a:extLst>
+          </p:cNvPr>
+          <p:cNvSpPr/>
+          <p:nvPr/>
+        </p:nvSpPr>
+        <p:spPr>
+          <a:xfrm>
+            <a:off x="3097161" y="6094011"/>
+            <a:ext cx="8561439" cy="645051"/>
+          </a:xfrm>
+          <a:prstGeom prst="flowChartAlternateProcess">
+            <a:avLst/>
+          </a:prstGeom>
+        </p:spPr>
+        <p:style>
+          <a:lnRef idx="0">
+            <a:schemeClr val="accent5"/>
+          </a:lnRef>
+          <a:fillRef idx="3">
+            <a:schemeClr val="accent5"/>
+          </a:fillRef>
+          <a:effectRef idx="3">
+            <a:schemeClr val="accent5"/>
+          </a:effectRef>
+          <a:fontRef idx="minor">
+            <a:schemeClr val="lt1"/>
+          </a:fontRef>
+        </p:style>
+        <p:txBody>
+          <a:bodyPr rtlCol="0" anchor="ctr"/>
+          <a:lstStyle/>
+          <a:p>
+            <a:pPr algn="ctr"/>
+            <a:r>
+              <a:rPr lang="en-US" sz="2400" dirty="0"/>
+              <a:t>How many degrees of freedom do we have in this example?</a:t>
+            </a:r>
+          </a:p>
+        </p:txBody>
+      </p:sp>
+    </p:spTree>
+    <p:extLst>
+      <p:ext uri="{BB962C8B-B14F-4D97-AF65-F5344CB8AC3E}">
+        <p14:creationId xmlns:p14="http://schemas.microsoft.com/office/powerpoint/2010/main" val="996591608"/>
+      </p:ext>
+    </p:extLst>
+  </p:cSld>
+  <p:clrMapOvr>
+    <a:masterClrMapping/>
+  </p:clrMapOvr>
+  <p:transition>
+    <p:cut/>
+  </p:transition>
+</p:sld>
+</file>
+
+<file path=ppt/slides/slide23.xml><?xml version="1.0" encoding="utf-8"?>
+<p:sld xmlns:a="http://schemas.openxmlformats.org/drawingml/2006/main" xmlns:r="http://schemas.openxmlformats.org/officeDocument/2006/relationships" xmlns:p="http://schemas.openxmlformats.org/presentationml/2006/main">
+  <p:cSld>
+    <p:spTree>
+      <p:nvGrpSpPr>
+        <p:cNvPr id="1" name="">
+          <a:extLst>
+            <a:ext uri="{FF2B5EF4-FFF2-40B4-BE49-F238E27FC236}">
+              <a16:creationId xmlns:a16="http://schemas.microsoft.com/office/drawing/2014/main" id="{51E8B79B-E8E6-9CBC-CFFE-FCF3DF3ACC0B}"/>
+            </a:ext>
+          </a:extLst>
+        </p:cNvPr>
+        <p:cNvGrpSpPr/>
+        <p:nvPr/>
+      </p:nvGrpSpPr>
+      <p:grpSpPr>
+        <a:xfrm>
+          <a:off x="0" y="0"/>
+          <a:ext cx="0" cy="0"/>
+          <a:chOff x="0" y="0"/>
+          <a:chExt cx="0" cy="0"/>
+        </a:xfrm>
+      </p:grpSpPr>
+      <p:sp>
+        <p:nvSpPr>
+          <p:cNvPr id="25" name="Title 24">
+            <a:extLst>
+              <a:ext uri="{FF2B5EF4-FFF2-40B4-BE49-F238E27FC236}">
+                <a16:creationId xmlns:a16="http://schemas.microsoft.com/office/drawing/2014/main" id="{F8453FC2-5BE9-D49A-A77C-346F0550F648}"/>
+              </a:ext>
+            </a:extLst>
+          </p:cNvPr>
+          <p:cNvSpPr>
+            <a:spLocks noGrp="1"/>
+          </p:cNvSpPr>
+          <p:nvPr>
+            <p:ph type="title"/>
+          </p:nvPr>
+        </p:nvSpPr>
+        <p:spPr/>
+        <p:txBody>
+          <a:bodyPr/>
+          <a:lstStyle/>
+          <a:p>
+            <a:r>
+              <a:rPr lang="en-US" dirty="0"/>
+              <a:t>Inference for Categorical Variables</a:t>
+            </a:r>
+          </a:p>
+        </p:txBody>
+      </p:sp>
+      <mc:AlternateContent xmlns:mc="http://schemas.openxmlformats.org/markup-compatibility/2006">
+        <mc:Choice xmlns:a14="http://schemas.microsoft.com/office/drawing/2010/main" Requires="a14">
+          <p:sp>
+            <p:nvSpPr>
+              <p:cNvPr id="2" name="TextBox 1">
+                <a:extLst>
+                  <a:ext uri="{FF2B5EF4-FFF2-40B4-BE49-F238E27FC236}">
+                    <a16:creationId xmlns:a16="http://schemas.microsoft.com/office/drawing/2014/main" id="{8D969975-513F-DB6C-92CE-5FE1EB582BDC}"/>
+                  </a:ext>
+                </a:extLst>
+              </p:cNvPr>
+              <p:cNvSpPr txBox="1"/>
+              <p:nvPr/>
+            </p:nvSpPr>
+            <p:spPr>
+              <a:xfrm>
+                <a:off x="3481771" y="166110"/>
+                <a:ext cx="8457310" cy="2322944"/>
+              </a:xfrm>
+              <a:prstGeom prst="rect">
+                <a:avLst/>
+              </a:prstGeom>
+              <a:noFill/>
+            </p:spPr>
+            <p:txBody>
+              <a:bodyPr wrap="square" rtlCol="0">
+                <a:spAutoFit/>
+              </a:bodyPr>
+              <a:lstStyle/>
+              <a:p>
+                <a:r>
+                  <a:rPr lang="en-US" sz="2400" b="1" dirty="0"/>
+                  <a:t>Motivating Example</a:t>
+                </a:r>
+              </a:p>
+              <a:p>
+                <a:endParaRPr lang="en-US" sz="2400" b="1" dirty="0"/>
+              </a:p>
+              <a:p>
+                <a:r>
+                  <a:rPr lang="en-US" sz="2400" b="1" dirty="0"/>
+                  <a:t>Null Distribution</a:t>
+                </a:r>
+              </a:p>
+              <a:p>
+                <a:endParaRPr lang="en-US" sz="2400" dirty="0"/>
+              </a:p>
+              <a:p>
+                <a:r>
+                  <a:rPr lang="en-US" sz="2400" dirty="0"/>
+                  <a:t>The </a:t>
+                </a:r>
+                <a14:m>
+                  <m:oMath xmlns:m="http://schemas.openxmlformats.org/officeDocument/2006/math">
+                    <m:sSubSup>
+                      <m:sSubSupPr>
+                        <m:ctrlPr>
+                          <a:rPr lang="en-US" sz="2400" b="0" i="1" smtClean="0">
+                            <a:latin typeface="Cambria Math" panose="02040503050406030204" pitchFamily="18" charset="0"/>
+                          </a:rPr>
+                        </m:ctrlPr>
+                      </m:sSubSupPr>
+                      <m:e>
+                        <m:r>
+                          <a:rPr lang="en-US" sz="2400" b="0" i="1" smtClean="0">
+                            <a:latin typeface="Cambria Math" panose="02040503050406030204" pitchFamily="18" charset="0"/>
+                          </a:rPr>
+                          <m:t>𝜒</m:t>
+                        </m:r>
+                      </m:e>
+                      <m:sub>
+                        <m:r>
+                          <a:rPr lang="en-US" sz="2400" b="0" i="1" smtClean="0">
+                            <a:latin typeface="Cambria Math" panose="02040503050406030204" pitchFamily="18" charset="0"/>
+                          </a:rPr>
+                          <m:t>𝑘</m:t>
+                        </m:r>
+                      </m:sub>
+                      <m:sup>
+                        <m:r>
+                          <a:rPr lang="en-US" sz="2400" b="0" i="1" smtClean="0">
+                            <a:latin typeface="Cambria Math" panose="02040503050406030204" pitchFamily="18" charset="0"/>
+                          </a:rPr>
+                          <m:t>2</m:t>
+                        </m:r>
+                      </m:sup>
+                    </m:sSubSup>
+                  </m:oMath>
+                </a14:m>
+                <a:r>
+                  <a:rPr lang="en-US" sz="2400" dirty="0"/>
+                  <a:t> distribution is a right-skewed distribution whose shape and degree of skew are controlled by the degrees of freedom, </a:t>
+                </a:r>
+                <a14:m>
+                  <m:oMath xmlns:m="http://schemas.openxmlformats.org/officeDocument/2006/math">
+                    <m:r>
+                      <a:rPr lang="en-US" sz="2400" b="0" i="1" smtClean="0">
+                        <a:latin typeface="Cambria Math" panose="02040503050406030204" pitchFamily="18" charset="0"/>
+                      </a:rPr>
+                      <m:t>𝑘</m:t>
+                    </m:r>
+                  </m:oMath>
+                </a14:m>
+                <a:r>
+                  <a:rPr lang="en-US" sz="2400" dirty="0"/>
+                  <a:t>:</a:t>
+                </a:r>
+              </a:p>
+            </p:txBody>
+          </p:sp>
+        </mc:Choice>
+        <mc:Fallback>
+          <p:sp>
+            <p:nvSpPr>
+              <p:cNvPr id="2" name="TextBox 1">
+                <a:extLst>
+                  <a:ext uri="{FF2B5EF4-FFF2-40B4-BE49-F238E27FC236}">
+                    <a16:creationId xmlns:a16="http://schemas.microsoft.com/office/drawing/2014/main" id="{8D969975-513F-DB6C-92CE-5FE1EB582BDC}"/>
+                  </a:ext>
+                </a:extLst>
+              </p:cNvPr>
+              <p:cNvSpPr txBox="1">
+                <a:spLocks noRot="1" noChangeAspect="1" noMove="1" noResize="1" noEditPoints="1" noAdjustHandles="1" noChangeArrowheads="1" noChangeShapeType="1" noTextEdit="1"/>
+              </p:cNvSpPr>
+              <p:nvPr/>
+            </p:nvSpPr>
+            <p:spPr>
+              <a:xfrm>
+                <a:off x="3481771" y="166110"/>
+                <a:ext cx="8457310" cy="2322944"/>
+              </a:xfrm>
+              <a:prstGeom prst="rect">
+                <a:avLst/>
+              </a:prstGeom>
+              <a:blipFill>
+                <a:blip r:embed="rId3"/>
+                <a:stretch>
+                  <a:fillRect l="-1199" t="-1630" b="-5435"/>
+                </a:stretch>
+              </a:blipFill>
+            </p:spPr>
+            <p:txBody>
+              <a:bodyPr/>
+              <a:lstStyle/>
+              <a:p>
+                <a:r>
+                  <a:rPr lang="en-US">
+                    <a:noFill/>
+                  </a:rPr>
+                  <a:t> </a:t>
+                </a:r>
+              </a:p>
+            </p:txBody>
+          </p:sp>
+        </mc:Fallback>
+      </mc:AlternateContent>
+      <p:pic>
+        <p:nvPicPr>
+          <p:cNvPr id="7" name="Picture 6" descr="A graph with lines and numbers&#10;&#10;Description automatically generated">
+            <a:extLst>
+              <a:ext uri="{FF2B5EF4-FFF2-40B4-BE49-F238E27FC236}">
+                <a16:creationId xmlns:a16="http://schemas.microsoft.com/office/drawing/2014/main" id="{262261D8-F14E-EC16-582D-0F88CD9BADFD}"/>
+              </a:ext>
+            </a:extLst>
+          </p:cNvPr>
+          <p:cNvPicPr>
+            <a:picLocks noChangeAspect="1"/>
+          </p:cNvPicPr>
+          <p:nvPr/>
+        </p:nvPicPr>
+        <p:blipFill>
+          <a:blip r:embed="rId4"/>
+          <a:stretch>
+            <a:fillRect/>
+          </a:stretch>
+        </p:blipFill>
+        <p:spPr>
+          <a:xfrm>
+            <a:off x="3585010" y="2489054"/>
+            <a:ext cx="7623764" cy="3974783"/>
+          </a:xfrm>
+          <a:prstGeom prst="rect">
+            <a:avLst/>
+          </a:prstGeom>
+        </p:spPr>
+      </p:pic>
+    </p:spTree>
+    <p:extLst>
+      <p:ext uri="{BB962C8B-B14F-4D97-AF65-F5344CB8AC3E}">
+        <p14:creationId xmlns:p14="http://schemas.microsoft.com/office/powerpoint/2010/main" val="1018427788"/>
+      </p:ext>
+    </p:extLst>
+  </p:cSld>
+  <p:clrMapOvr>
+    <a:masterClrMapping/>
+  </p:clrMapOvr>
+  <p:transition>
+    <p:cut/>
+  </p:transition>
+</p:sld>
+</file>
+
+<file path=ppt/slides/slide24.xml><?xml version="1.0" encoding="utf-8"?>
+<p:sld xmlns:a="http://schemas.openxmlformats.org/drawingml/2006/main" xmlns:r="http://schemas.openxmlformats.org/officeDocument/2006/relationships" xmlns:p="http://schemas.openxmlformats.org/presentationml/2006/main">
+  <p:cSld>
+    <p:spTree>
+      <p:nvGrpSpPr>
+        <p:cNvPr id="1" name="">
+          <a:extLst>
+            <a:ext uri="{FF2B5EF4-FFF2-40B4-BE49-F238E27FC236}">
+              <a16:creationId xmlns:a16="http://schemas.microsoft.com/office/drawing/2014/main" id="{51E8B79B-E8E6-9CBC-CFFE-FCF3DF3ACC0B}"/>
+            </a:ext>
+          </a:extLst>
+        </p:cNvPr>
+        <p:cNvGrpSpPr/>
+        <p:nvPr/>
+      </p:nvGrpSpPr>
+      <p:grpSpPr>
+        <a:xfrm>
+          <a:off x="0" y="0"/>
+          <a:ext cx="0" cy="0"/>
+          <a:chOff x="0" y="0"/>
+          <a:chExt cx="0" cy="0"/>
+        </a:xfrm>
+      </p:grpSpPr>
+      <p:sp>
+        <p:nvSpPr>
+          <p:cNvPr id="25" name="Title 24">
+            <a:extLst>
+              <a:ext uri="{FF2B5EF4-FFF2-40B4-BE49-F238E27FC236}">
+                <a16:creationId xmlns:a16="http://schemas.microsoft.com/office/drawing/2014/main" id="{F8453FC2-5BE9-D49A-A77C-346F0550F648}"/>
+              </a:ext>
+            </a:extLst>
+          </p:cNvPr>
+          <p:cNvSpPr>
+            <a:spLocks noGrp="1"/>
+          </p:cNvSpPr>
+          <p:nvPr>
+            <p:ph type="title"/>
+          </p:nvPr>
+        </p:nvSpPr>
+        <p:spPr/>
+        <p:txBody>
+          <a:bodyPr/>
+          <a:lstStyle/>
+          <a:p>
+            <a:r>
+              <a:rPr lang="en-US" dirty="0"/>
+              <a:t>Inference for Categorical Variables</a:t>
+            </a:r>
+          </a:p>
+        </p:txBody>
+      </p:sp>
+      <mc:AlternateContent xmlns:mc="http://schemas.openxmlformats.org/markup-compatibility/2006">
+        <mc:Choice xmlns:a14="http://schemas.microsoft.com/office/drawing/2010/main" Requires="a14">
+          <p:sp>
+            <p:nvSpPr>
+              <p:cNvPr id="2" name="TextBox 1">
+                <a:extLst>
+                  <a:ext uri="{FF2B5EF4-FFF2-40B4-BE49-F238E27FC236}">
+                    <a16:creationId xmlns:a16="http://schemas.microsoft.com/office/drawing/2014/main" id="{8D969975-513F-DB6C-92CE-5FE1EB582BDC}"/>
+                  </a:ext>
+                </a:extLst>
+              </p:cNvPr>
+              <p:cNvSpPr txBox="1"/>
+              <p:nvPr/>
+            </p:nvSpPr>
+            <p:spPr>
+              <a:xfrm>
+                <a:off x="3481771" y="166110"/>
+                <a:ext cx="8457310" cy="1938992"/>
+              </a:xfrm>
+              <a:prstGeom prst="rect">
+                <a:avLst/>
+              </a:prstGeom>
+              <a:noFill/>
+            </p:spPr>
+            <p:txBody>
+              <a:bodyPr wrap="square" rtlCol="0">
+                <a:spAutoFit/>
+              </a:bodyPr>
+              <a:lstStyle/>
+              <a:p>
+                <a:r>
+                  <a:rPr lang="en-US" sz="2400" b="1" dirty="0"/>
+                  <a:t>Motivating Example</a:t>
+                </a:r>
+              </a:p>
+              <a:p>
+                <a:endParaRPr lang="en-US" sz="2400" b="1" dirty="0"/>
+              </a:p>
+              <a:p>
+                <a:r>
+                  <a:rPr lang="en-US" sz="2400" b="1" dirty="0"/>
+                  <a:t>P-value</a:t>
+                </a:r>
+              </a:p>
+              <a:p>
+                <a:r>
+                  <a:rPr lang="en-US" sz="2400" dirty="0"/>
+                  <a:t>We will measure how unusual our </a:t>
+                </a:r>
+                <a14:m>
+                  <m:oMath xmlns:m="http://schemas.openxmlformats.org/officeDocument/2006/math">
+                    <m:sSup>
+                      <m:sSupPr>
+                        <m:ctrlPr>
+                          <a:rPr lang="en-US" sz="2400" b="0" i="1" smtClean="0">
+                            <a:latin typeface="Cambria Math" panose="02040503050406030204" pitchFamily="18" charset="0"/>
+                          </a:rPr>
+                        </m:ctrlPr>
+                      </m:sSupPr>
+                      <m:e>
+                        <m:r>
+                          <a:rPr lang="en-US" sz="2400" b="0" i="1" smtClean="0">
+                            <a:latin typeface="Cambria Math" panose="02040503050406030204" pitchFamily="18" charset="0"/>
+                          </a:rPr>
+                          <m:t>𝑋</m:t>
+                        </m:r>
+                      </m:e>
+                      <m:sup>
+                        <m:r>
+                          <a:rPr lang="en-US" sz="2400" b="0" i="1" smtClean="0">
+                            <a:latin typeface="Cambria Math" panose="02040503050406030204" pitchFamily="18" charset="0"/>
+                          </a:rPr>
+                          <m:t>2</m:t>
+                        </m:r>
+                      </m:sup>
+                    </m:sSup>
+                  </m:oMath>
+                </a14:m>
+                <a:r>
+                  <a:rPr lang="en-US" sz="2400" dirty="0"/>
+                  <a:t> is, using the appropriate </a:t>
+                </a:r>
+                <a14:m>
+                  <m:oMath xmlns:m="http://schemas.openxmlformats.org/officeDocument/2006/math">
+                    <m:sSup>
+                      <m:sSupPr>
+                        <m:ctrlPr>
+                          <a:rPr lang="en-US" sz="2400" b="0" i="1" smtClean="0">
+                            <a:latin typeface="Cambria Math" panose="02040503050406030204" pitchFamily="18" charset="0"/>
+                          </a:rPr>
+                        </m:ctrlPr>
+                      </m:sSupPr>
+                      <m:e>
+                        <m:r>
+                          <a:rPr lang="en-US" sz="2400" b="0" i="1" smtClean="0">
+                            <a:latin typeface="Cambria Math" panose="02040503050406030204" pitchFamily="18" charset="0"/>
+                          </a:rPr>
+                          <m:t>𝜒</m:t>
+                        </m:r>
+                      </m:e>
+                      <m:sup>
+                        <m:r>
+                          <a:rPr lang="en-US" sz="2400" b="0" i="1" smtClean="0">
+                            <a:latin typeface="Cambria Math" panose="02040503050406030204" pitchFamily="18" charset="0"/>
+                          </a:rPr>
+                          <m:t>2</m:t>
+                        </m:r>
+                      </m:sup>
+                    </m:sSup>
+                  </m:oMath>
+                </a14:m>
+                <a:r>
+                  <a:rPr lang="en-US" sz="2400" dirty="0"/>
+                  <a:t> distribution. </a:t>
+                </a:r>
+              </a:p>
+            </p:txBody>
+          </p:sp>
+        </mc:Choice>
+        <mc:Fallback>
+          <p:sp>
+            <p:nvSpPr>
+              <p:cNvPr id="2" name="TextBox 1">
+                <a:extLst>
+                  <a:ext uri="{FF2B5EF4-FFF2-40B4-BE49-F238E27FC236}">
+                    <a16:creationId xmlns:a16="http://schemas.microsoft.com/office/drawing/2014/main" id="{8D969975-513F-DB6C-92CE-5FE1EB582BDC}"/>
+                  </a:ext>
+                </a:extLst>
+              </p:cNvPr>
+              <p:cNvSpPr txBox="1">
+                <a:spLocks noRot="1" noChangeAspect="1" noMove="1" noResize="1" noEditPoints="1" noAdjustHandles="1" noChangeArrowheads="1" noChangeShapeType="1" noTextEdit="1"/>
+              </p:cNvSpPr>
+              <p:nvPr/>
+            </p:nvSpPr>
+            <p:spPr>
+              <a:xfrm>
+                <a:off x="3481771" y="166110"/>
+                <a:ext cx="8457310" cy="1938992"/>
+              </a:xfrm>
+              <a:prstGeom prst="rect">
+                <a:avLst/>
+              </a:prstGeom>
+              <a:blipFill>
+                <a:blip r:embed="rId3"/>
+                <a:stretch>
+                  <a:fillRect l="-1199" t="-1948" b="-6494"/>
+                </a:stretch>
+              </a:blipFill>
+            </p:spPr>
+            <p:txBody>
+              <a:bodyPr/>
+              <a:lstStyle/>
+              <a:p>
+                <a:r>
+                  <a:rPr lang="en-US">
+                    <a:noFill/>
+                  </a:rPr>
+                  <a:t> </a:t>
+                </a:r>
+              </a:p>
+            </p:txBody>
+          </p:sp>
+        </mc:Fallback>
+      </mc:AlternateContent>
+      <p:pic>
+        <p:nvPicPr>
+          <p:cNvPr id="5" name="Picture 4" descr="A graph of a function&#10;&#10;Description automatically generated">
+            <a:extLst>
+              <a:ext uri="{FF2B5EF4-FFF2-40B4-BE49-F238E27FC236}">
+                <a16:creationId xmlns:a16="http://schemas.microsoft.com/office/drawing/2014/main" id="{0FCB82CB-415D-10F6-4F8E-59D1598ECFBD}"/>
+              </a:ext>
+            </a:extLst>
+          </p:cNvPr>
+          <p:cNvPicPr>
+            <a:picLocks noChangeAspect="1"/>
+          </p:cNvPicPr>
+          <p:nvPr/>
+        </p:nvPicPr>
+        <p:blipFill>
+          <a:blip r:embed="rId4"/>
+          <a:stretch>
+            <a:fillRect/>
+          </a:stretch>
+        </p:blipFill>
+        <p:spPr>
+          <a:xfrm>
+            <a:off x="5220928" y="1987116"/>
+            <a:ext cx="4468762" cy="4429611"/>
+          </a:xfrm>
+          <a:prstGeom prst="rect">
+            <a:avLst/>
+          </a:prstGeom>
+        </p:spPr>
+      </p:pic>
+      <p:cxnSp>
+        <p:nvCxnSpPr>
+          <p:cNvPr id="8" name="Straight Connector 7">
+            <a:extLst>
+              <a:ext uri="{FF2B5EF4-FFF2-40B4-BE49-F238E27FC236}">
+                <a16:creationId xmlns:a16="http://schemas.microsoft.com/office/drawing/2014/main" id="{417CE888-CE91-24A3-A9CF-F021043086D5}"/>
+              </a:ext>
+            </a:extLst>
+          </p:cNvPr>
+          <p:cNvCxnSpPr/>
+          <p:nvPr/>
+        </p:nvCxnSpPr>
+        <p:spPr>
+          <a:xfrm>
+            <a:off x="9232490" y="5810867"/>
+            <a:ext cx="0" cy="443629"/>
+          </a:xfrm>
+          <a:prstGeom prst="line">
+            <a:avLst/>
+          </a:prstGeom>
+          <a:ln w="76200">
+            <a:solidFill>
+              <a:srgbClr val="FFC000"/>
+            </a:solidFill>
+          </a:ln>
+        </p:spPr>
+        <p:style>
+          <a:lnRef idx="1">
+            <a:schemeClr val="accent1"/>
+          </a:lnRef>
+          <a:fillRef idx="0">
+            <a:schemeClr val="accent1"/>
+          </a:fillRef>
+          <a:effectRef idx="0">
+            <a:schemeClr val="accent1"/>
+          </a:effectRef>
+          <a:fontRef idx="minor">
+            <a:schemeClr val="tx1"/>
+          </a:fontRef>
+        </p:style>
+      </p:cxnSp>
+      <mc:AlternateContent xmlns:mc="http://schemas.openxmlformats.org/markup-compatibility/2006">
+        <mc:Choice xmlns:a14="http://schemas.microsoft.com/office/drawing/2010/main" Requires="a14">
+          <p:sp>
+            <p:nvSpPr>
+              <p:cNvPr id="9" name="TextBox 8">
+                <a:extLst>
+                  <a:ext uri="{FF2B5EF4-FFF2-40B4-BE49-F238E27FC236}">
+                    <a16:creationId xmlns:a16="http://schemas.microsoft.com/office/drawing/2014/main" id="{E0E0A696-0EC7-A7EA-ABBE-E2F47D1DBC80}"/>
+                  </a:ext>
+                </a:extLst>
+              </p:cNvPr>
+              <p:cNvSpPr txBox="1"/>
+              <p:nvPr/>
+            </p:nvSpPr>
+            <p:spPr>
+              <a:xfrm>
+                <a:off x="9026012" y="6327059"/>
+                <a:ext cx="601703" cy="461665"/>
+              </a:xfrm>
+              <a:prstGeom prst="rect">
+                <a:avLst/>
+              </a:prstGeom>
+              <a:noFill/>
+            </p:spPr>
+            <p:txBody>
+              <a:bodyPr wrap="none" rtlCol="0">
+                <a:spAutoFit/>
+              </a:bodyPr>
+              <a:lstStyle/>
+              <a:p>
+                <a14:m>
+                  <m:oMathPara xmlns:m="http://schemas.openxmlformats.org/officeDocument/2006/math">
+                    <m:oMathParaPr>
+                      <m:jc m:val="centerGroup"/>
+                    </m:oMathParaPr>
+                    <m:oMath xmlns:m="http://schemas.openxmlformats.org/officeDocument/2006/math">
+                      <m:sSup>
+                        <m:sSupPr>
+                          <m:ctrlPr>
+                            <a:rPr lang="en-US" sz="2400" b="0" i="1" smtClean="0">
+                              <a:latin typeface="Cambria Math" panose="02040503050406030204" pitchFamily="18" charset="0"/>
+                            </a:rPr>
+                          </m:ctrlPr>
+                        </m:sSupPr>
+                        <m:e>
+                          <m:r>
+                            <a:rPr lang="en-US" sz="2400" b="0" i="1" smtClean="0">
+                              <a:latin typeface="Cambria Math" panose="02040503050406030204" pitchFamily="18" charset="0"/>
+                            </a:rPr>
+                            <m:t>𝑋</m:t>
+                          </m:r>
+                        </m:e>
+                        <m:sup>
+                          <m:r>
+                            <a:rPr lang="en-US" sz="2400" b="0" i="1" smtClean="0">
+                              <a:latin typeface="Cambria Math" panose="02040503050406030204" pitchFamily="18" charset="0"/>
+                            </a:rPr>
+                            <m:t>2</m:t>
+                          </m:r>
+                        </m:sup>
+                      </m:sSup>
+                    </m:oMath>
+                  </m:oMathPara>
+                </a14:m>
+                <a:endParaRPr lang="en-US" sz="2400" dirty="0"/>
+              </a:p>
+            </p:txBody>
+          </p:sp>
+        </mc:Choice>
+        <mc:Fallback>
+          <p:sp>
+            <p:nvSpPr>
+              <p:cNvPr id="9" name="TextBox 8">
+                <a:extLst>
+                  <a:ext uri="{FF2B5EF4-FFF2-40B4-BE49-F238E27FC236}">
+                    <a16:creationId xmlns:a16="http://schemas.microsoft.com/office/drawing/2014/main" id="{E0E0A696-0EC7-A7EA-ABBE-E2F47D1DBC80}"/>
+                  </a:ext>
+                </a:extLst>
+              </p:cNvPr>
+              <p:cNvSpPr txBox="1">
+                <a:spLocks noRot="1" noChangeAspect="1" noMove="1" noResize="1" noEditPoints="1" noAdjustHandles="1" noChangeArrowheads="1" noChangeShapeType="1" noTextEdit="1"/>
+              </p:cNvSpPr>
+              <p:nvPr/>
+            </p:nvSpPr>
+            <p:spPr>
+              <a:xfrm>
+                <a:off x="9026012" y="6327059"/>
+                <a:ext cx="601703" cy="461665"/>
+              </a:xfrm>
+              <a:prstGeom prst="rect">
+                <a:avLst/>
+              </a:prstGeom>
+              <a:blipFill>
+                <a:blip r:embed="rId5"/>
+                <a:stretch>
+                  <a:fillRect/>
+                </a:stretch>
+              </a:blipFill>
+            </p:spPr>
+            <p:txBody>
+              <a:bodyPr/>
+              <a:lstStyle/>
+              <a:p>
+                <a:r>
+                  <a:rPr lang="en-US">
+                    <a:noFill/>
+                  </a:rPr>
+                  <a:t> </a:t>
+                </a:r>
+              </a:p>
+            </p:txBody>
+          </p:sp>
+        </mc:Fallback>
+      </mc:AlternateContent>
+      <mc:AlternateContent xmlns:mc="http://schemas.openxmlformats.org/markup-compatibility/2006">
+        <mc:Choice xmlns:p14="http://schemas.microsoft.com/office/powerpoint/2010/main" Requires="p14">
+          <p:contentPart p14:bwMode="auto" r:id="rId6">
+            <p14:nvContentPartPr>
+              <p14:cNvPr id="10" name="Ink 9">
+                <a:extLst>
+                  <a:ext uri="{FF2B5EF4-FFF2-40B4-BE49-F238E27FC236}">
+                    <a16:creationId xmlns:a16="http://schemas.microsoft.com/office/drawing/2014/main" id="{3282477E-FF9E-B404-A76C-4CC210939A71}"/>
+                  </a:ext>
+                </a:extLst>
+              </p14:cNvPr>
+              <p14:cNvContentPartPr/>
+              <p14:nvPr/>
+            </p14:nvContentPartPr>
+            <p14:xfrm>
+              <a:off x="9277154" y="6064351"/>
+              <a:ext cx="282240" cy="110520"/>
+            </p14:xfrm>
+          </p:contentPart>
+        </mc:Choice>
+        <mc:Fallback>
+          <p:pic>
+            <p:nvPicPr>
+              <p:cNvPr id="10" name="Ink 9">
+                <a:extLst>
+                  <a:ext uri="{FF2B5EF4-FFF2-40B4-BE49-F238E27FC236}">
+                    <a16:creationId xmlns:a16="http://schemas.microsoft.com/office/drawing/2014/main" id="{3282477E-FF9E-B404-A76C-4CC210939A71}"/>
+                  </a:ext>
+                </a:extLst>
+              </p:cNvPr>
+              <p:cNvPicPr/>
+              <p:nvPr/>
+            </p:nvPicPr>
+            <p:blipFill>
+              <a:blip r:embed="rId7"/>
+              <a:stretch>
+                <a:fillRect/>
+              </a:stretch>
+            </p:blipFill>
+            <p:spPr>
+              <a:xfrm>
+                <a:off x="9271034" y="6058231"/>
+                <a:ext cx="294480" cy="122760"/>
+              </a:xfrm>
+              <a:prstGeom prst="rect">
+                <a:avLst/>
+              </a:prstGeom>
+            </p:spPr>
+          </p:pic>
+        </mc:Fallback>
+      </mc:AlternateContent>
+      <mc:AlternateContent xmlns:mc="http://schemas.openxmlformats.org/markup-compatibility/2006">
+        <mc:Choice xmlns:a14="http://schemas.microsoft.com/office/drawing/2010/main" Requires="a14">
+          <p:sp>
+            <p:nvSpPr>
+              <p:cNvPr id="11" name="Alternate Process 10">
+                <a:extLst>
+                  <a:ext uri="{FF2B5EF4-FFF2-40B4-BE49-F238E27FC236}">
+                    <a16:creationId xmlns:a16="http://schemas.microsoft.com/office/drawing/2014/main" id="{ED59053C-A1BB-488E-B728-89BD0AF73B36}"/>
+                  </a:ext>
+                </a:extLst>
+              </p:cNvPr>
+              <p:cNvSpPr/>
+              <p:nvPr/>
+            </p:nvSpPr>
+            <p:spPr>
+              <a:xfrm>
+                <a:off x="9734353" y="2212258"/>
+                <a:ext cx="2457648" cy="4204469"/>
+              </a:xfrm>
+              <a:prstGeom prst="flowChartAlternateProcess">
+                <a:avLst/>
+              </a:prstGeom>
+            </p:spPr>
+            <p:style>
+              <a:lnRef idx="0">
+                <a:schemeClr val="accent5"/>
+              </a:lnRef>
+              <a:fillRef idx="3">
+                <a:schemeClr val="accent5"/>
+              </a:fillRef>
+              <a:effectRef idx="3">
+                <a:schemeClr val="accent5"/>
+              </a:effectRef>
+              <a:fontRef idx="minor">
+                <a:schemeClr val="lt1"/>
+              </a:fontRef>
+            </p:style>
+            <p:txBody>
+              <a:bodyPr rtlCol="0" anchor="ctr"/>
+              <a:lstStyle/>
+              <a:p>
+                <a:pPr algn="ctr"/>
+                <a:r>
+                  <a:rPr lang="en-US" sz="2400" dirty="0"/>
+                  <a:t>What is the p-value for the </a:t>
+                </a:r>
+                <a14:m>
+                  <m:oMath xmlns:m="http://schemas.openxmlformats.org/officeDocument/2006/math">
+                    <m:sSup>
+                      <m:sSupPr>
+                        <m:ctrlPr>
+                          <a:rPr lang="en-US" sz="2400" b="0" i="1" smtClean="0">
+                            <a:latin typeface="Cambria Math" panose="02040503050406030204" pitchFamily="18" charset="0"/>
+                          </a:rPr>
+                        </m:ctrlPr>
+                      </m:sSupPr>
+                      <m:e>
+                        <m:r>
+                          <a:rPr lang="en-US" sz="2400" b="0" i="1" smtClean="0">
+                            <a:latin typeface="Cambria Math" panose="02040503050406030204" pitchFamily="18" charset="0"/>
+                          </a:rPr>
+                          <m:t>𝑋</m:t>
+                        </m:r>
+                      </m:e>
+                      <m:sup>
+                        <m:r>
+                          <a:rPr lang="en-US" sz="2400" b="0" i="1" smtClean="0">
+                            <a:latin typeface="Cambria Math" panose="02040503050406030204" pitchFamily="18" charset="0"/>
+                          </a:rPr>
+                          <m:t>2</m:t>
+                        </m:r>
+                      </m:sup>
+                    </m:sSup>
+                  </m:oMath>
+                </a14:m>
+                <a:r>
+                  <a:rPr lang="en-US" sz="2400" dirty="0"/>
+                  <a:t> we calculated earlier?</a:t>
+                </a:r>
+              </a:p>
+              <a:p>
+                <a:pPr algn="ctr"/>
+                <a:endParaRPr lang="en-US" sz="2400" dirty="0"/>
+              </a:p>
+              <a:p>
+                <a:pPr algn="ctr"/>
+                <a:r>
+                  <a:rPr lang="en-US" sz="2400" dirty="0"/>
+                  <a:t>If </a:t>
+                </a:r>
+                <a14:m>
+                  <m:oMath xmlns:m="http://schemas.openxmlformats.org/officeDocument/2006/math">
+                    <m:r>
+                      <a:rPr lang="en-US" sz="2400" b="0" i="1" smtClean="0">
+                        <a:latin typeface="Cambria Math" panose="02040503050406030204" pitchFamily="18" charset="0"/>
+                      </a:rPr>
+                      <m:t>𝛼</m:t>
+                    </m:r>
+                    <m:r>
+                      <a:rPr lang="en-US" sz="2400" b="0" i="1" smtClean="0">
+                        <a:latin typeface="Cambria Math" panose="02040503050406030204" pitchFamily="18" charset="0"/>
+                      </a:rPr>
+                      <m:t>=0.05</m:t>
+                    </m:r>
+                  </m:oMath>
+                </a14:m>
+                <a:r>
+                  <a:rPr lang="en-US" sz="2400" dirty="0"/>
+                  <a:t>, what is the conclusion of our test?</a:t>
+                </a:r>
+              </a:p>
+            </p:txBody>
+          </p:sp>
+        </mc:Choice>
+        <mc:Fallback>
+          <p:sp>
+            <p:nvSpPr>
+              <p:cNvPr id="11" name="Alternate Process 10">
+                <a:extLst>
+                  <a:ext uri="{FF2B5EF4-FFF2-40B4-BE49-F238E27FC236}">
+                    <a16:creationId xmlns:a16="http://schemas.microsoft.com/office/drawing/2014/main" id="{ED59053C-A1BB-488E-B728-89BD0AF73B36}"/>
+                  </a:ext>
+                </a:extLst>
+              </p:cNvPr>
+              <p:cNvSpPr>
+                <a:spLocks noRot="1" noChangeAspect="1" noMove="1" noResize="1" noEditPoints="1" noAdjustHandles="1" noChangeArrowheads="1" noChangeShapeType="1" noTextEdit="1"/>
+              </p:cNvSpPr>
+              <p:nvPr/>
+            </p:nvSpPr>
+            <p:spPr>
+              <a:xfrm>
+                <a:off x="9734353" y="2212258"/>
+                <a:ext cx="2457648" cy="4204469"/>
+              </a:xfrm>
+              <a:prstGeom prst="flowChartAlternateProcess">
+                <a:avLst/>
+              </a:prstGeom>
+              <a:blipFill>
+                <a:blip r:embed="rId8"/>
+                <a:stretch>
+                  <a:fillRect/>
+                </a:stretch>
+              </a:blipFill>
+            </p:spPr>
+            <p:txBody>
+              <a:bodyPr/>
+              <a:lstStyle/>
+              <a:p>
+                <a:r>
+                  <a:rPr lang="en-US">
+                    <a:noFill/>
+                  </a:rPr>
+                  <a:t> </a:t>
+                </a:r>
+              </a:p>
+            </p:txBody>
+          </p:sp>
+        </mc:Fallback>
+      </mc:AlternateContent>
+    </p:spTree>
+    <p:extLst>
+      <p:ext uri="{BB962C8B-B14F-4D97-AF65-F5344CB8AC3E}">
+        <p14:creationId xmlns:p14="http://schemas.microsoft.com/office/powerpoint/2010/main" val="2427887688"/>
+      </p:ext>
+    </p:extLst>
+  </p:cSld>
+  <p:clrMapOvr>
+    <a:masterClrMapping/>
+  </p:clrMapOvr>
+  <p:transition>
+    <p:cut/>
+  </p:transition>
+</p:sld>
+</file>
+
+<file path=ppt/slides/slide25.xml><?xml version="1.0" encoding="utf-8"?>
+<p:sld xmlns:a="http://schemas.openxmlformats.org/drawingml/2006/main" xmlns:r="http://schemas.openxmlformats.org/officeDocument/2006/relationships" xmlns:p="http://schemas.openxmlformats.org/presentationml/2006/main">
+  <p:cSld>
+    <p:spTree>
+      <p:nvGrpSpPr>
+        <p:cNvPr id="1" name="">
+          <a:extLst>
+            <a:ext uri="{FF2B5EF4-FFF2-40B4-BE49-F238E27FC236}">
+              <a16:creationId xmlns:a16="http://schemas.microsoft.com/office/drawing/2014/main" id="{51E8B79B-E8E6-9CBC-CFFE-FCF3DF3ACC0B}"/>
+            </a:ext>
+          </a:extLst>
+        </p:cNvPr>
+        <p:cNvGrpSpPr/>
+        <p:nvPr/>
+      </p:nvGrpSpPr>
+      <p:grpSpPr>
+        <a:xfrm>
+          <a:off x="0" y="0"/>
+          <a:ext cx="0" cy="0"/>
+          <a:chOff x="0" y="0"/>
+          <a:chExt cx="0" cy="0"/>
+        </a:xfrm>
+      </p:grpSpPr>
+      <p:sp>
+        <p:nvSpPr>
+          <p:cNvPr id="25" name="Title 24">
+            <a:extLst>
+              <a:ext uri="{FF2B5EF4-FFF2-40B4-BE49-F238E27FC236}">
+                <a16:creationId xmlns:a16="http://schemas.microsoft.com/office/drawing/2014/main" id="{F8453FC2-5BE9-D49A-A77C-346F0550F648}"/>
+              </a:ext>
+            </a:extLst>
+          </p:cNvPr>
+          <p:cNvSpPr>
+            <a:spLocks noGrp="1"/>
+          </p:cNvSpPr>
+          <p:nvPr>
+            <p:ph type="title"/>
+          </p:nvPr>
+        </p:nvSpPr>
+        <p:spPr/>
+        <p:txBody>
+          <a:bodyPr/>
+          <a:lstStyle/>
+          <a:p>
+            <a:r>
+              <a:rPr lang="en-US" dirty="0"/>
+              <a:t>Inference for Categorical Variables</a:t>
+            </a:r>
+          </a:p>
+        </p:txBody>
+      </p:sp>
+      <mc:AlternateContent xmlns:mc="http://schemas.openxmlformats.org/markup-compatibility/2006">
+        <mc:Choice xmlns:a14="http://schemas.microsoft.com/office/drawing/2010/main" Requires="a14">
+          <p:sp>
+            <p:nvSpPr>
+              <p:cNvPr id="2" name="TextBox 1">
+                <a:extLst>
+                  <a:ext uri="{FF2B5EF4-FFF2-40B4-BE49-F238E27FC236}">
+                    <a16:creationId xmlns:a16="http://schemas.microsoft.com/office/drawing/2014/main" id="{8D969975-513F-DB6C-92CE-5FE1EB582BDC}"/>
+                  </a:ext>
+                </a:extLst>
+              </p:cNvPr>
+              <p:cNvSpPr txBox="1"/>
+              <p:nvPr/>
+            </p:nvSpPr>
+            <p:spPr>
+              <a:xfrm>
+                <a:off x="3481771" y="166110"/>
+                <a:ext cx="8457310" cy="4154984"/>
+              </a:xfrm>
+              <a:prstGeom prst="rect">
+                <a:avLst/>
+              </a:prstGeom>
+              <a:noFill/>
+            </p:spPr>
+            <p:txBody>
+              <a:bodyPr wrap="square" rtlCol="0">
+                <a:spAutoFit/>
+              </a:bodyPr>
+              <a:lstStyle/>
+              <a:p>
+                <a:r>
+                  <a:rPr lang="en-US" sz="2400" b="1" dirty="0"/>
+                  <a:t>Practice</a:t>
+                </a:r>
+              </a:p>
+              <a:p>
+                <a:endParaRPr lang="en-US" sz="2400" b="1" dirty="0"/>
+              </a:p>
+              <a:p>
+                <a:r>
+                  <a:rPr lang="en-US" sz="2400" dirty="0"/>
+                  <a:t>The table below summarizes the results of an experiment evaluating three treatments for Type 2 Diabetes in patients aged 10-17 who were being treated with metformin. The three treatments considered were continued treatment with metformin (met), treatment with metformin combined with rosiglitazone (</a:t>
+                </a:r>
+                <a:r>
+                  <a:rPr lang="en-US" sz="2400" dirty="0" err="1"/>
+                  <a:t>rosi</a:t>
+                </a:r>
+                <a:r>
+                  <a:rPr lang="en-US" sz="2400" dirty="0"/>
+                  <a:t>), or a lifestyle intervention program. Each patient have a primary outcome, which either lacked glycemic control (failure) or did not lack control (success). Perform a hypothesis test with </a:t>
+                </a:r>
+                <a14:m>
+                  <m:oMath xmlns:m="http://schemas.openxmlformats.org/officeDocument/2006/math">
+                    <m:r>
+                      <a:rPr lang="en-US" sz="2400" b="0" i="1" smtClean="0">
+                        <a:latin typeface="Cambria Math" panose="02040503050406030204" pitchFamily="18" charset="0"/>
+                      </a:rPr>
+                      <m:t>𝛼</m:t>
+                    </m:r>
+                    <m:r>
+                      <a:rPr lang="en-US" sz="2400" b="0" i="1" smtClean="0">
+                        <a:latin typeface="Cambria Math" panose="02040503050406030204" pitchFamily="18" charset="0"/>
+                      </a:rPr>
+                      <m:t>=0.05</m:t>
+                    </m:r>
+                  </m:oMath>
+                </a14:m>
+                <a:r>
+                  <a:rPr lang="en-US" sz="2400" dirty="0"/>
+                  <a:t> to answer the question: Does treatment effect outcome? </a:t>
+                </a:r>
+              </a:p>
+            </p:txBody>
+          </p:sp>
+        </mc:Choice>
+        <mc:Fallback>
+          <p:sp>
+            <p:nvSpPr>
+              <p:cNvPr id="2" name="TextBox 1">
+                <a:extLst>
+                  <a:ext uri="{FF2B5EF4-FFF2-40B4-BE49-F238E27FC236}">
+                    <a16:creationId xmlns:a16="http://schemas.microsoft.com/office/drawing/2014/main" id="{8D969975-513F-DB6C-92CE-5FE1EB582BDC}"/>
+                  </a:ext>
+                </a:extLst>
+              </p:cNvPr>
+              <p:cNvSpPr txBox="1">
+                <a:spLocks noRot="1" noChangeAspect="1" noMove="1" noResize="1" noEditPoints="1" noAdjustHandles="1" noChangeArrowheads="1" noChangeShapeType="1" noTextEdit="1"/>
+              </p:cNvSpPr>
+              <p:nvPr/>
+            </p:nvSpPr>
+            <p:spPr>
+              <a:xfrm>
+                <a:off x="3481771" y="166110"/>
+                <a:ext cx="8457310" cy="4154984"/>
+              </a:xfrm>
+              <a:prstGeom prst="rect">
+                <a:avLst/>
+              </a:prstGeom>
+              <a:blipFill>
+                <a:blip r:embed="rId3"/>
+                <a:stretch>
+                  <a:fillRect l="-1199" t="-912" r="-1499" b="-2432"/>
+                </a:stretch>
+              </a:blipFill>
+            </p:spPr>
+            <p:txBody>
+              <a:bodyPr/>
+              <a:lstStyle/>
+              <a:p>
+                <a:r>
+                  <a:rPr lang="en-US">
+                    <a:noFill/>
+                  </a:rPr>
+                  <a:t> </a:t>
+                </a:r>
+              </a:p>
+            </p:txBody>
+          </p:sp>
+        </mc:Fallback>
+      </mc:AlternateContent>
+      <p:pic>
+        <p:nvPicPr>
+          <p:cNvPr id="4" name="Picture 3" descr="A table with text on it&#10;&#10;Description automatically generated">
+            <a:extLst>
+              <a:ext uri="{FF2B5EF4-FFF2-40B4-BE49-F238E27FC236}">
+                <a16:creationId xmlns:a16="http://schemas.microsoft.com/office/drawing/2014/main" id="{C7B00C65-FE9C-1C70-1812-A56D03321310}"/>
+              </a:ext>
+            </a:extLst>
+          </p:cNvPr>
+          <p:cNvPicPr>
+            <a:picLocks noChangeAspect="1"/>
+          </p:cNvPicPr>
+          <p:nvPr/>
+        </p:nvPicPr>
+        <p:blipFill>
+          <a:blip r:embed="rId4"/>
+          <a:stretch>
+            <a:fillRect/>
+          </a:stretch>
+        </p:blipFill>
+        <p:spPr>
+          <a:xfrm>
+            <a:off x="3959068" y="4321094"/>
+            <a:ext cx="7253674" cy="2198770"/>
+          </a:xfrm>
+          <a:prstGeom prst="rect">
+            <a:avLst/>
+          </a:prstGeom>
+        </p:spPr>
+      </p:pic>
+    </p:spTree>
+    <p:extLst>
+      <p:ext uri="{BB962C8B-B14F-4D97-AF65-F5344CB8AC3E}">
+        <p14:creationId xmlns:p14="http://schemas.microsoft.com/office/powerpoint/2010/main" val="1172920190"/>
+      </p:ext>
+    </p:extLst>
+  </p:cSld>
+  <p:clrMapOvr>
+    <a:masterClrMapping/>
+  </p:clrMapOvr>
+  <p:transition>
+    <p:cut/>
+  </p:transition>
+</p:sld>
+</file>
+
+<file path=ppt/slides/slide26.xml><?xml version="1.0" encoding="utf-8"?>
+<p:sld xmlns:a="http://schemas.openxmlformats.org/drawingml/2006/main" xmlns:r="http://schemas.openxmlformats.org/officeDocument/2006/relationships" xmlns:p="http://schemas.openxmlformats.org/presentationml/2006/main">
+  <p:cSld>
+    <p:spTree>
+      <p:nvGrpSpPr>
+        <p:cNvPr id="1" name="">
+          <a:extLst>
+            <a:ext uri="{FF2B5EF4-FFF2-40B4-BE49-F238E27FC236}">
+              <a16:creationId xmlns:a16="http://schemas.microsoft.com/office/drawing/2014/main" id="{51E8B79B-E8E6-9CBC-CFFE-FCF3DF3ACC0B}"/>
+            </a:ext>
+          </a:extLst>
+        </p:cNvPr>
+        <p:cNvGrpSpPr/>
+        <p:nvPr/>
+      </p:nvGrpSpPr>
+      <p:grpSpPr>
+        <a:xfrm>
+          <a:off x="0" y="0"/>
+          <a:ext cx="0" cy="0"/>
+          <a:chOff x="0" y="0"/>
+          <a:chExt cx="0" cy="0"/>
+        </a:xfrm>
+      </p:grpSpPr>
+      <p:sp>
+        <p:nvSpPr>
+          <p:cNvPr id="25" name="Title 24">
+            <a:extLst>
+              <a:ext uri="{FF2B5EF4-FFF2-40B4-BE49-F238E27FC236}">
+                <a16:creationId xmlns:a16="http://schemas.microsoft.com/office/drawing/2014/main" id="{F8453FC2-5BE9-D49A-A77C-346F0550F648}"/>
+              </a:ext>
+            </a:extLst>
+          </p:cNvPr>
+          <p:cNvSpPr>
+            <a:spLocks noGrp="1"/>
+          </p:cNvSpPr>
+          <p:nvPr>
+            <p:ph type="title"/>
+          </p:nvPr>
+        </p:nvSpPr>
+        <p:spPr/>
+        <p:txBody>
+          <a:bodyPr/>
+          <a:lstStyle/>
+          <a:p>
+            <a:r>
+              <a:rPr lang="en-US" dirty="0"/>
+              <a:t>Inference for Categorical Variables</a:t>
+            </a:r>
+          </a:p>
+        </p:txBody>
+      </p:sp>
+      <mc:AlternateContent xmlns:mc="http://schemas.openxmlformats.org/markup-compatibility/2006">
+        <mc:Choice xmlns:a14="http://schemas.microsoft.com/office/drawing/2010/main" Requires="a14">
+          <p:sp>
+            <p:nvSpPr>
+              <p:cNvPr id="2" name="TextBox 1">
+                <a:extLst>
+                  <a:ext uri="{FF2B5EF4-FFF2-40B4-BE49-F238E27FC236}">
+                    <a16:creationId xmlns:a16="http://schemas.microsoft.com/office/drawing/2014/main" id="{8D969975-513F-DB6C-92CE-5FE1EB582BDC}"/>
+                  </a:ext>
+                </a:extLst>
+              </p:cNvPr>
+              <p:cNvSpPr txBox="1"/>
+              <p:nvPr/>
+            </p:nvSpPr>
+            <p:spPr>
+              <a:xfrm>
+                <a:off x="3481771" y="166110"/>
+                <a:ext cx="8457310" cy="4524315"/>
+              </a:xfrm>
+              <a:prstGeom prst="rect">
+                <a:avLst/>
+              </a:prstGeom>
+              <a:noFill/>
+            </p:spPr>
+            <p:txBody>
+              <a:bodyPr wrap="square" rtlCol="0">
+                <a:spAutoFit/>
+              </a:bodyPr>
+              <a:lstStyle/>
+              <a:p>
+                <a:r>
+                  <a:rPr lang="en-US" sz="2400" b="1" dirty="0"/>
+                  <a:t>Practice</a:t>
+                </a:r>
+              </a:p>
+              <a:p>
+                <a:endParaRPr lang="en-US" sz="2400" b="1" dirty="0"/>
+              </a:p>
+              <a:p>
+                <a:r>
+                  <a:rPr lang="en-US" sz="2400" dirty="0"/>
+                  <a:t>A county health department enrolled 300 smokers in a randomized experiment. 150 participants were randomly assigned to a group that used a nicotine patch and met weekly with a support group; the other 150 received the patch and did not meet with a support group. At the end of the study, 40 of the participants in the patch plus support group had quit smoking while only 30 smokers had quit in the other group. Perform a hypothesis test with </a:t>
+                </a:r>
+                <a14:m>
+                  <m:oMath xmlns:m="http://schemas.openxmlformats.org/officeDocument/2006/math">
+                    <m:r>
+                      <a:rPr lang="en-US" sz="2400" b="0" i="1" smtClean="0">
+                        <a:latin typeface="Cambria Math" panose="02040503050406030204" pitchFamily="18" charset="0"/>
+                      </a:rPr>
+                      <m:t>𝛼</m:t>
+                    </m:r>
+                    <m:r>
+                      <a:rPr lang="en-US" sz="2400" b="0" i="1" smtClean="0">
+                        <a:latin typeface="Cambria Math" panose="02040503050406030204" pitchFamily="18" charset="0"/>
+                      </a:rPr>
+                      <m:t>=0.05</m:t>
+                    </m:r>
+                  </m:oMath>
+                </a14:m>
+                <a:r>
+                  <a:rPr lang="en-US" sz="2400" dirty="0"/>
+                  <a:t> to answer the question: Does being part of a support group affect the ability of people to quit smoking?</a:t>
+                </a:r>
+              </a:p>
+            </p:txBody>
+          </p:sp>
+        </mc:Choice>
+        <mc:Fallback>
+          <p:sp>
+            <p:nvSpPr>
+              <p:cNvPr id="2" name="TextBox 1">
+                <a:extLst>
+                  <a:ext uri="{FF2B5EF4-FFF2-40B4-BE49-F238E27FC236}">
+                    <a16:creationId xmlns:a16="http://schemas.microsoft.com/office/drawing/2014/main" id="{8D969975-513F-DB6C-92CE-5FE1EB582BDC}"/>
+                  </a:ext>
+                </a:extLst>
+              </p:cNvPr>
+              <p:cNvSpPr txBox="1">
+                <a:spLocks noRot="1" noChangeAspect="1" noMove="1" noResize="1" noEditPoints="1" noAdjustHandles="1" noChangeArrowheads="1" noChangeShapeType="1" noTextEdit="1"/>
+              </p:cNvSpPr>
+              <p:nvPr/>
+            </p:nvSpPr>
+            <p:spPr>
+              <a:xfrm>
+                <a:off x="3481771" y="166110"/>
+                <a:ext cx="8457310" cy="4524315"/>
+              </a:xfrm>
+              <a:prstGeom prst="rect">
+                <a:avLst/>
+              </a:prstGeom>
+              <a:blipFill>
+                <a:blip r:embed="rId3"/>
+                <a:stretch>
+                  <a:fillRect l="-1199" t="-838" r="-1799" b="-1955"/>
+                </a:stretch>
+              </a:blipFill>
+            </p:spPr>
+            <p:txBody>
+              <a:bodyPr/>
+              <a:lstStyle/>
+              <a:p>
+                <a:r>
+                  <a:rPr lang="en-US">
+                    <a:noFill/>
+                  </a:rPr>
+                  <a:t> </a:t>
+                </a:r>
+              </a:p>
+            </p:txBody>
+          </p:sp>
+        </mc:Fallback>
+      </mc:AlternateContent>
+    </p:spTree>
+    <p:extLst>
+      <p:ext uri="{BB962C8B-B14F-4D97-AF65-F5344CB8AC3E}">
+        <p14:creationId xmlns:p14="http://schemas.microsoft.com/office/powerpoint/2010/main" val="1316341495"/>
+      </p:ext>
+    </p:extLst>
+  </p:cSld>
+  <p:clrMapOvr>
+    <a:masterClrMapping/>
+  </p:clrMapOvr>
+  <p:transition>
+    <p:cut/>
+  </p:transition>
 </p:sld>
 </file>
 
@@ -4789,8 +13489,8 @@
           </a:p>
         </p:txBody>
       </p:sp>
-      <mc:AlternateContent xmlns:mc="http://schemas.openxmlformats.org/markup-compatibility/2006">
-        <mc:Choice xmlns:a14="http://schemas.microsoft.com/office/drawing/2010/main" Requires="a14">
+      <mc:AlternateContent xmlns:mc="http://schemas.openxmlformats.org/markup-compatibility/2006" xmlns:a14="http://schemas.microsoft.com/office/drawing/2010/main">
+        <mc:Choice Requires="a14">
           <p:sp>
             <p:nvSpPr>
               <p:cNvPr id="2" name="TextBox 1">
@@ -6011,6 +14711,7 @@
                 </a:r>
               </a:p>
               <a:p>
+                <a:pPr/>
                 <a14:m>
                   <m:oMathPara xmlns:m="http://schemas.openxmlformats.org/officeDocument/2006/math">
                     <m:oMathParaPr>
@@ -6289,13 +14990,12 @@
                 <a:endParaRPr lang="en-US" sz="2200" dirty="0"/>
               </a:p>
               <a:p>
-                <a:pPr/>
                 <a:endParaRPr lang="en-US" sz="2200" dirty="0"/>
               </a:p>
             </p:txBody>
           </p:sp>
         </mc:Choice>
-        <mc:Fallback>
+        <mc:Fallback xmlns="">
           <p:sp>
             <p:nvSpPr>
               <p:cNvPr id="2" name="TextBox 1">
@@ -6340,8 +15040,8 @@
           </p:sp>
         </mc:Fallback>
       </mc:AlternateContent>
-      <mc:AlternateContent xmlns:mc="http://schemas.openxmlformats.org/markup-compatibility/2006">
-        <mc:Choice xmlns:a14="http://schemas.microsoft.com/office/drawing/2010/main" Requires="a14">
+      <mc:AlternateContent xmlns:mc="http://schemas.openxmlformats.org/markup-compatibility/2006" xmlns:a14="http://schemas.microsoft.com/office/drawing/2010/main">
+        <mc:Choice Requires="a14">
           <p:sp>
             <p:nvSpPr>
               <p:cNvPr id="3" name="Rounded Rectangle 2">
@@ -6553,7 +15253,7 @@
             </p:txBody>
           </p:sp>
         </mc:Choice>
-        <mc:Fallback>
+        <mc:Fallback xmlns="">
           <p:sp>
             <p:nvSpPr>
               <p:cNvPr id="3" name="Rounded Rectangle 2">
@@ -6665,8 +15365,8 @@
           </a:p>
         </p:txBody>
       </p:sp>
-      <mc:AlternateContent xmlns:mc="http://schemas.openxmlformats.org/markup-compatibility/2006">
-        <mc:Choice xmlns:a14="http://schemas.microsoft.com/office/drawing/2010/main" Requires="a14">
+      <mc:AlternateContent xmlns:mc="http://schemas.openxmlformats.org/markup-compatibility/2006" xmlns:a14="http://schemas.microsoft.com/office/drawing/2010/main">
+        <mc:Choice Requires="a14">
           <p:sp>
             <p:nvSpPr>
               <p:cNvPr id="2" name="TextBox 1">
@@ -8035,13 +16735,12 @@
                 </a:r>
               </a:p>
               <a:p>
-                <a:pPr/>
                 <a:endParaRPr lang="en-US" sz="2200" dirty="0"/>
               </a:p>
             </p:txBody>
           </p:sp>
         </mc:Choice>
-        <mc:Fallback>
+        <mc:Fallback xmlns="">
           <p:sp>
             <p:nvSpPr>
               <p:cNvPr id="2" name="TextBox 1">
@@ -8086,8 +16785,8 @@
           </p:sp>
         </mc:Fallback>
       </mc:AlternateContent>
-      <mc:AlternateContent xmlns:mc="http://schemas.openxmlformats.org/markup-compatibility/2006">
-        <mc:Choice xmlns:a14="http://schemas.microsoft.com/office/drawing/2010/main" Requires="a14">
+      <mc:AlternateContent xmlns:mc="http://schemas.openxmlformats.org/markup-compatibility/2006" xmlns:a14="http://schemas.microsoft.com/office/drawing/2010/main">
+        <mc:Choice Requires="a14">
           <p:sp>
             <p:nvSpPr>
               <p:cNvPr id="3" name="Rounded Rectangle 2">
@@ -8156,7 +16855,7 @@
             </p:txBody>
           </p:sp>
         </mc:Choice>
-        <mc:Fallback>
+        <mc:Fallback xmlns="">
           <p:sp>
             <p:nvSpPr>
               <p:cNvPr id="3" name="Rounded Rectangle 2">
@@ -8296,7 +16995,6 @@
           </a:bodyPr>
           <a:lstStyle/>
           <a:p>
-            <a:pPr/>
             <a:r>
               <a:rPr lang="en-US" sz="2400" dirty="0"/>
               <a:t>So far we have focused on questions like</a:t>
@@ -8330,7 +17028,6 @@
             <a:endParaRPr lang="en-US" sz="2400" dirty="0"/>
           </a:p>
           <a:p>
-            <a:pPr/>
             <a:endParaRPr lang="en-US" sz="2400" dirty="0"/>
           </a:p>
         </p:txBody>
@@ -8430,7 +17127,6 @@
           </a:bodyPr>
           <a:lstStyle/>
           <a:p>
-            <a:pPr/>
             <a:r>
               <a:rPr lang="en-US" sz="2400" dirty="0"/>
               <a:t>So far we have focused on questions like</a:t>
@@ -8464,7 +17160,6 @@
             <a:endParaRPr lang="en-US" sz="2400" dirty="0"/>
           </a:p>
           <a:p>
-            <a:pPr/>
             <a:r>
               <a:rPr lang="en-US" sz="2400" dirty="0"/>
               <a:t>However, many research questions are posed in terms of categorical variables that have more than 2 levels. Ex. </a:t>
@@ -8498,7 +17193,6 @@
             <a:endParaRPr lang="en-US" sz="2400" dirty="0"/>
           </a:p>
           <a:p>
-            <a:pPr/>
             <a:endParaRPr lang="en-US" sz="2400" dirty="0"/>
           </a:p>
         </p:txBody>
@@ -8598,7 +17292,6 @@
           </a:bodyPr>
           <a:lstStyle/>
           <a:p>
-            <a:pPr/>
             <a:r>
               <a:rPr lang="en-US" sz="2400" dirty="0"/>
               <a:t>Many research questions are posed in terms of categorical variables that have more than 2 levels. Ex. </a:t>
@@ -8632,7 +17325,6 @@
             <a:endParaRPr lang="en-US" sz="2400" dirty="0"/>
           </a:p>
           <a:p>
-            <a:pPr/>
             <a:r>
               <a:rPr lang="en-US" sz="2400" dirty="0"/>
               <a:t>In these cases, we want to understand joint behavior of all possible levels of our categorical variables. There is no longer a single population parameter of interest. </a:t>
@@ -8646,7 +17338,6 @@
             <a:endParaRPr lang="en-US" sz="2400" dirty="0"/>
           </a:p>
           <a:p>
-            <a:pPr/>
             <a:endParaRPr lang="en-US" sz="2400" dirty="0"/>
           </a:p>
         </p:txBody>
@@ -8746,7 +17437,6 @@
           </a:bodyPr>
           <a:lstStyle/>
           <a:p>
-            <a:pPr/>
             <a:r>
               <a:rPr lang="en-US" sz="2400" dirty="0"/>
               <a:t>Many research questions are posed in terms of categorical variables that have more than 2 levels. Ex. </a:t>
@@ -8780,7 +17470,6 @@
             <a:endParaRPr lang="en-US" sz="2400" dirty="0"/>
           </a:p>
           <a:p>
-            <a:pPr/>
             <a:r>
               <a:rPr lang="en-US" sz="2400" dirty="0"/>
               <a:t>In these cases, we want to understand joint behavior of all possible levels of our categorical variables. There is no longer a single population parameter of interest. </a:t>
@@ -8897,7 +17586,7 @@
         <p:spPr>
           <a:xfrm>
             <a:off x="3481771" y="166110"/>
-            <a:ext cx="8176829" cy="7109639"/>
+            <a:ext cx="8176829" cy="3785652"/>
           </a:xfrm>
           <a:prstGeom prst="rect">
             <a:avLst/>
@@ -8910,89 +17599,59 @@
           </a:bodyPr>
           <a:lstStyle/>
           <a:p>
-            <a:pPr/>
             <a:r>
               <a:rPr lang="en-US" sz="2400" dirty="0"/>
-              <a:t>So far we have focused on questions like</a:t>
+              <a:t>Hypothesis Tests for Categorical Variables with more than 2 levels follow the same recipe as the binary examples we’ve looked at:</a:t>
             </a:r>
           </a:p>
           <a:p>
-            <a:pPr marL="342900" indent="-342900">
-              <a:buFont typeface="Arial" panose="020B0604020202020204" pitchFamily="34" charset="0"/>
-              <a:buChar char="•"/>
+            <a:endParaRPr lang="en-US" sz="2400" dirty="0"/>
+          </a:p>
+          <a:p>
+            <a:r>
+              <a:rPr lang="en-US" sz="2400" dirty="0"/>
+              <a:t>Pieces of a Hypothesis test:</a:t>
+            </a:r>
+          </a:p>
+          <a:p>
+            <a:pPr marL="457200" indent="-457200">
+              <a:buAutoNum type="arabicPeriod"/>
             </a:pPr>
             <a:r>
-              <a:rPr lang="en-US" sz="2400" dirty="0"/>
-              <a:t>Is the proportion of WSU students who major in math more than 50%?</a:t>
+              <a:rPr lang="en-US" sz="2400" b="1" i="1" dirty="0"/>
+              <a:t>Null and Alternative Hypotheses</a:t>
             </a:r>
           </a:p>
           <a:p>
-            <a:pPr marL="342900" indent="-342900">
-              <a:buFont typeface="Arial" panose="020B0604020202020204" pitchFamily="34" charset="0"/>
-              <a:buChar char="•"/>
+            <a:pPr marL="457200" indent="-457200">
+              <a:buAutoNum type="arabicPeriod"/>
             </a:pPr>
             <a:r>
-              <a:rPr lang="en-US" sz="2400" dirty="0"/>
-              <a:t>Is the proportion of WSU students who major in math different than the proportion of Springfield College students who major in math? </a:t>
+              <a:rPr lang="en-US" sz="2400" b="1" i="1" dirty="0"/>
+              <a:t>Test Statistic</a:t>
             </a:r>
           </a:p>
           <a:p>
-            <a:pPr marL="342900" indent="-342900">
-              <a:buFont typeface="Arial" panose="020B0604020202020204" pitchFamily="34" charset="0"/>
-              <a:buChar char="•"/>
-            </a:pPr>
-            <a:endParaRPr lang="en-US" sz="2400" dirty="0"/>
-          </a:p>
-          <a:p>
-            <a:pPr/>
-            <a:r>
-              <a:rPr lang="en-US" sz="2400" dirty="0"/>
-              <a:t>However, many research questions are posed in terms of categorical variables that have more than 2 levels. Ex. </a:t>
-            </a:r>
-          </a:p>
-          <a:p>
-            <a:pPr marL="342900" indent="-342900">
-              <a:buFont typeface="Arial" panose="020B0604020202020204" pitchFamily="34" charset="0"/>
-              <a:buChar char="•"/>
+            <a:pPr marL="457200" indent="-457200">
+              <a:buAutoNum type="arabicPeriod"/>
             </a:pPr>
             <a:r>
-              <a:rPr lang="en-US" sz="2400" dirty="0"/>
-              <a:t>What is the comparative effectiveness of three drug treatments (drug A, drug B, drug C)? </a:t>
+              <a:rPr lang="en-US" sz="2400" b="1" i="1" dirty="0"/>
+              <a:t>Null Distribution	</a:t>
             </a:r>
-          </a:p>
-          <a:p>
-            <a:pPr marL="342900" indent="-342900">
-              <a:buFont typeface="Arial" panose="020B0604020202020204" pitchFamily="34" charset="0"/>
-              <a:buChar char="•"/>
+            <a:endParaRPr lang="en-US" sz="2400" dirty="0"/>
+          </a:p>
+          <a:p>
+            <a:pPr marL="457200" indent="-457200">
+              <a:buFont typeface="+mj-lt"/>
+              <a:buAutoNum type="arabicPeriod" startAt="4"/>
             </a:pPr>
             <a:r>
-              <a:rPr lang="en-US" sz="2400" dirty="0"/>
-              <a:t>Has the distribution of educational attainment in the US changed since 2000?</a:t>
+              <a:rPr lang="en-US" sz="2400" b="1" i="1" dirty="0"/>
+              <a:t>P-value</a:t>
             </a:r>
           </a:p>
           <a:p>
-            <a:pPr marL="342900" indent="-342900">
-              <a:buFont typeface="Arial" panose="020B0604020202020204" pitchFamily="34" charset="0"/>
-              <a:buChar char="•"/>
-            </a:pPr>
-            <a:endParaRPr lang="en-US" sz="2400" dirty="0"/>
-          </a:p>
-          <a:p>
-            <a:pPr/>
-            <a:r>
-              <a:rPr lang="en-US" sz="2400" dirty="0"/>
-              <a:t>In these cases, we want to understand joint behavior of all possible levels of our categorical variables. There is no longer a single population parameter of interest. </a:t>
-            </a:r>
-          </a:p>
-          <a:p>
-            <a:pPr marL="342900" indent="-342900">
-              <a:buFont typeface="Arial" panose="020B0604020202020204" pitchFamily="34" charset="0"/>
-              <a:buChar char="•"/>
-            </a:pPr>
-            <a:endParaRPr lang="en-US" sz="2400" dirty="0"/>
-          </a:p>
-          <a:p>
-            <a:pPr/>
             <a:endParaRPr lang="en-US" sz="2400" dirty="0"/>
           </a:p>
         </p:txBody>
@@ -9000,7 +17659,7 @@
     </p:spTree>
     <p:extLst>
       <p:ext uri="{BB962C8B-B14F-4D97-AF65-F5344CB8AC3E}">
-        <p14:creationId xmlns:p14="http://schemas.microsoft.com/office/powerpoint/2010/main" val="2877038190"/>
+        <p14:creationId xmlns:p14="http://schemas.microsoft.com/office/powerpoint/2010/main" val="2013958950"/>
       </p:ext>
     </p:extLst>
   </p:cSld>

--- a/slides/12-categorical-inference-pt2.pptx
+++ b/slides/12-categorical-inference-pt2.pptx
@@ -250,7 +250,7 @@
           <a:p>
             <a:fld id="{3CBB8A52-8AC5-C74C-97FB-632C448F3674}" type="datetimeFigureOut">
               <a:rPr lang="en-US" smtClean="0"/>
-              <a:t>3/20/24</a:t>
+              <a:t>3/21/24</a:t>
             </a:fld>
             <a:endParaRPr lang="en-US"/>
           </a:p>
@@ -3514,7 +3514,7 @@
             <a:fld id="{5586B75A-687E-405C-8A0B-8D00578BA2C3}" type="datetimeFigureOut">
               <a:rPr lang="en-US" smtClean="0"/>
               <a:pPr/>
-              <a:t>3/20/24</a:t>
+              <a:t>3/21/24</a:t>
             </a:fld>
             <a:endParaRPr lang="en-US" dirty="0"/>
           </a:p>
@@ -3686,7 +3686,7 @@
             <a:fld id="{5586B75A-687E-405C-8A0B-8D00578BA2C3}" type="datetimeFigureOut">
               <a:rPr lang="en-US" smtClean="0"/>
               <a:pPr/>
-              <a:t>3/20/24</a:t>
+              <a:t>3/21/24</a:t>
             </a:fld>
             <a:endParaRPr lang="en-US" dirty="0"/>
           </a:p>
@@ -3868,7 +3868,7 @@
             <a:fld id="{5586B75A-687E-405C-8A0B-8D00578BA2C3}" type="datetimeFigureOut">
               <a:rPr lang="en-US" smtClean="0"/>
               <a:pPr/>
-              <a:t>3/20/24</a:t>
+              <a:t>3/21/24</a:t>
             </a:fld>
             <a:endParaRPr lang="en-US" dirty="0"/>
           </a:p>
@@ -4040,7 +4040,7 @@
             <a:fld id="{5586B75A-687E-405C-8A0B-8D00578BA2C3}" type="datetimeFigureOut">
               <a:rPr lang="en-US" smtClean="0"/>
               <a:pPr/>
-              <a:t>3/20/24</a:t>
+              <a:t>3/21/24</a:t>
             </a:fld>
             <a:endParaRPr lang="en-US" dirty="0"/>
           </a:p>
@@ -4296,7 +4296,7 @@
             <a:fld id="{5586B75A-687E-405C-8A0B-8D00578BA2C3}" type="datetimeFigureOut">
               <a:rPr lang="en-US" smtClean="0"/>
               <a:pPr/>
-              <a:t>3/20/24</a:t>
+              <a:t>3/21/24</a:t>
             </a:fld>
             <a:endParaRPr lang="en-US" dirty="0"/>
           </a:p>
@@ -4586,7 +4586,7 @@
             <a:fld id="{5586B75A-687E-405C-8A0B-8D00578BA2C3}" type="datetimeFigureOut">
               <a:rPr lang="en-US" smtClean="0"/>
               <a:pPr/>
-              <a:t>3/20/24</a:t>
+              <a:t>3/21/24</a:t>
             </a:fld>
             <a:endParaRPr lang="en-US" dirty="0"/>
           </a:p>
@@ -5030,7 +5030,7 @@
             <a:fld id="{5586B75A-687E-405C-8A0B-8D00578BA2C3}" type="datetimeFigureOut">
               <a:rPr lang="en-US" smtClean="0"/>
               <a:pPr/>
-              <a:t>3/20/24</a:t>
+              <a:t>3/21/24</a:t>
             </a:fld>
             <a:endParaRPr lang="en-US" dirty="0"/>
           </a:p>
@@ -5150,7 +5150,7 @@
             <a:fld id="{5586B75A-687E-405C-8A0B-8D00578BA2C3}" type="datetimeFigureOut">
               <a:rPr lang="en-US" smtClean="0"/>
               <a:pPr/>
-              <a:t>3/20/24</a:t>
+              <a:t>3/21/24</a:t>
             </a:fld>
             <a:endParaRPr lang="en-US" dirty="0"/>
           </a:p>
@@ -5247,7 +5247,7 @@
             <a:fld id="{5586B75A-687E-405C-8A0B-8D00578BA2C3}" type="datetimeFigureOut">
               <a:rPr lang="en-US" smtClean="0"/>
               <a:pPr/>
-              <a:t>3/20/24</a:t>
+              <a:t>3/21/24</a:t>
             </a:fld>
             <a:endParaRPr lang="en-US" dirty="0"/>
           </a:p>
@@ -5537,7 +5537,7 @@
             <a:fld id="{5586B75A-687E-405C-8A0B-8D00578BA2C3}" type="datetimeFigureOut">
               <a:rPr lang="en-US" smtClean="0"/>
               <a:pPr/>
-              <a:t>3/20/24</a:t>
+              <a:t>3/21/24</a:t>
             </a:fld>
             <a:endParaRPr lang="en-US" dirty="0"/>
           </a:p>
@@ -5812,7 +5812,7 @@
             <a:fld id="{5586B75A-687E-405C-8A0B-8D00578BA2C3}" type="datetimeFigureOut">
               <a:rPr lang="en-US" smtClean="0"/>
               <a:pPr/>
-              <a:t>3/20/24</a:t>
+              <a:t>3/21/24</a:t>
             </a:fld>
             <a:endParaRPr lang="en-US" dirty="0"/>
           </a:p>
@@ -6111,7 +6111,7 @@
             <a:fld id="{5586B75A-687E-405C-8A0B-8D00578BA2C3}" type="datetimeFigureOut">
               <a:rPr lang="en-US" smtClean="0"/>
               <a:pPr/>
-              <a:t>3/20/24</a:t>
+              <a:t>3/21/24</a:t>
             </a:fld>
             <a:endParaRPr lang="en-US" dirty="0"/>
           </a:p>
@@ -6762,8 +6762,8 @@
           </a:p>
         </p:txBody>
       </p:sp>
-      <mc:AlternateContent xmlns:mc="http://schemas.openxmlformats.org/markup-compatibility/2006">
-        <mc:Choice xmlns:a14="http://schemas.microsoft.com/office/drawing/2010/main" Requires="a14">
+      <mc:AlternateContent xmlns:mc="http://schemas.openxmlformats.org/markup-compatibility/2006" xmlns:a14="http://schemas.microsoft.com/office/drawing/2010/main">
+        <mc:Choice Requires="a14">
           <p:sp>
             <p:nvSpPr>
               <p:cNvPr id="2" name="TextBox 1">
@@ -6891,7 +6891,7 @@
             </p:txBody>
           </p:sp>
         </mc:Choice>
-        <mc:Fallback>
+        <mc:Fallback xmlns="">
           <p:sp>
             <p:nvSpPr>
               <p:cNvPr id="2" name="TextBox 1">
@@ -7379,8 +7379,8 @@
           </a:p>
         </p:txBody>
       </p:sp>
-      <mc:AlternateContent xmlns:mc="http://schemas.openxmlformats.org/markup-compatibility/2006">
-        <mc:Choice xmlns:a14="http://schemas.microsoft.com/office/drawing/2010/main" Requires="a14">
+      <mc:AlternateContent xmlns:mc="http://schemas.openxmlformats.org/markup-compatibility/2006" xmlns:a14="http://schemas.microsoft.com/office/drawing/2010/main">
+        <mc:Choice Requires="a14">
           <p:sp>
             <p:nvSpPr>
               <p:cNvPr id="2" name="TextBox 1">
@@ -7565,7 +7565,7 @@
             </p:txBody>
           </p:sp>
         </mc:Choice>
-        <mc:Fallback>
+        <mc:Fallback xmlns="">
           <p:sp>
             <p:nvSpPr>
               <p:cNvPr id="2" name="TextBox 1">
@@ -8021,8 +8021,8 @@
           </a:p>
         </p:txBody>
       </p:sp>
-      <mc:AlternateContent xmlns:mc="http://schemas.openxmlformats.org/markup-compatibility/2006">
-        <mc:Choice xmlns:a14="http://schemas.microsoft.com/office/drawing/2010/main" Requires="a14">
+      <mc:AlternateContent xmlns:mc="http://schemas.openxmlformats.org/markup-compatibility/2006" xmlns:a14="http://schemas.microsoft.com/office/drawing/2010/main">
+        <mc:Choice Requires="a14">
           <p:sp>
             <p:nvSpPr>
               <p:cNvPr id="2" name="TextBox 1">
@@ -8207,7 +8207,7 @@
             </p:txBody>
           </p:sp>
         </mc:Choice>
-        <mc:Fallback>
+        <mc:Fallback xmlns="">
           <p:sp>
             <p:nvSpPr>
               <p:cNvPr id="2" name="TextBox 1">
@@ -8329,8 +8329,8 @@
           </a:p>
         </p:txBody>
       </p:sp>
-      <mc:AlternateContent xmlns:mc="http://schemas.openxmlformats.org/markup-compatibility/2006">
-        <mc:Choice xmlns:a14="http://schemas.microsoft.com/office/drawing/2010/main" Requires="a14">
+      <mc:AlternateContent xmlns:mc="http://schemas.openxmlformats.org/markup-compatibility/2006" xmlns:a14="http://schemas.microsoft.com/office/drawing/2010/main">
+        <mc:Choice Requires="a14">
           <p:sp>
             <p:nvSpPr>
               <p:cNvPr id="5" name="Alternate Process 4">
@@ -8416,7 +8416,7 @@
             </p:txBody>
           </p:sp>
         </mc:Choice>
-        <mc:Fallback>
+        <mc:Fallback xmlns="">
           <p:sp>
             <p:nvSpPr>
               <p:cNvPr id="5" name="Alternate Process 4">
@@ -8795,8 +8795,8 @@
           </a:p>
         </p:txBody>
       </p:sp>
-      <mc:AlternateContent xmlns:mc="http://schemas.openxmlformats.org/markup-compatibility/2006">
-        <mc:Choice xmlns:a14="http://schemas.microsoft.com/office/drawing/2010/main" Requires="a14">
+      <mc:AlternateContent xmlns:mc="http://schemas.openxmlformats.org/markup-compatibility/2006" xmlns:a14="http://schemas.microsoft.com/office/drawing/2010/main">
+        <mc:Choice Requires="a14">
           <p:sp>
             <p:nvSpPr>
               <p:cNvPr id="2" name="TextBox 1">
@@ -9051,7 +9051,7 @@
             </p:txBody>
           </p:sp>
         </mc:Choice>
-        <mc:Fallback>
+        <mc:Fallback xmlns="">
           <p:sp>
             <p:nvSpPr>
               <p:cNvPr id="2" name="TextBox 1">
@@ -9287,8 +9287,8 @@
           </a:p>
         </p:txBody>
       </p:sp>
-      <mc:AlternateContent xmlns:mc="http://schemas.openxmlformats.org/markup-compatibility/2006">
-        <mc:Choice xmlns:a14="http://schemas.microsoft.com/office/drawing/2010/main" Requires="a14">
+      <mc:AlternateContent xmlns:mc="http://schemas.openxmlformats.org/markup-compatibility/2006" xmlns:a14="http://schemas.microsoft.com/office/drawing/2010/main">
+        <mc:Choice Requires="a14">
           <p:sp>
             <p:nvSpPr>
               <p:cNvPr id="2" name="TextBox 1">
@@ -9543,7 +9543,7 @@
             </p:txBody>
           </p:sp>
         </mc:Choice>
-        <mc:Fallback>
+        <mc:Fallback xmlns="">
           <p:sp>
             <p:nvSpPr>
               <p:cNvPr id="2" name="TextBox 1">
@@ -9826,8 +9826,8 @@
           </a:p>
         </p:txBody>
       </p:sp>
-      <mc:AlternateContent xmlns:mc="http://schemas.openxmlformats.org/markup-compatibility/2006">
-        <mc:Choice xmlns:a14="http://schemas.microsoft.com/office/drawing/2010/main" Requires="a14">
+      <mc:AlternateContent xmlns:mc="http://schemas.openxmlformats.org/markup-compatibility/2006" xmlns:a14="http://schemas.microsoft.com/office/drawing/2010/main">
+        <mc:Choice Requires="a14">
           <p:sp>
             <p:nvSpPr>
               <p:cNvPr id="2" name="TextBox 1">
@@ -10120,6 +10120,7 @@
                 <a:endParaRPr lang="en-US" sz="2400" dirty="0"/>
               </a:p>
               <a:p>
+                <a:pPr/>
                 <a14:m>
                   <m:oMathPara xmlns:m="http://schemas.openxmlformats.org/officeDocument/2006/math">
                     <m:oMathParaPr>
@@ -10363,7 +10364,7 @@
             </p:txBody>
           </p:sp>
         </mc:Choice>
-        <mc:Fallback>
+        <mc:Fallback xmlns="">
           <p:sp>
             <p:nvSpPr>
               <p:cNvPr id="2" name="TextBox 1">
@@ -10640,8 +10641,8 @@
           </a:p>
         </p:txBody>
       </p:sp>
-      <mc:AlternateContent xmlns:mc="http://schemas.openxmlformats.org/markup-compatibility/2006">
-        <mc:Choice xmlns:a14="http://schemas.microsoft.com/office/drawing/2010/main" Requires="a14">
+      <mc:AlternateContent xmlns:mc="http://schemas.openxmlformats.org/markup-compatibility/2006" xmlns:a14="http://schemas.microsoft.com/office/drawing/2010/main">
+        <mc:Choice Requires="a14">
           <p:sp>
             <p:nvSpPr>
               <p:cNvPr id="2" name="TextBox 1">
@@ -10934,6 +10935,7 @@
                 <a:endParaRPr lang="en-US" sz="2400" dirty="0"/>
               </a:p>
               <a:p>
+                <a:pPr/>
                 <a14:m>
                   <m:oMathPara xmlns:m="http://schemas.openxmlformats.org/officeDocument/2006/math">
                     <m:oMathParaPr>
@@ -11177,7 +11179,7 @@
             </p:txBody>
           </p:sp>
         </mc:Choice>
-        <mc:Fallback>
+        <mc:Fallback xmlns="">
           <p:sp>
             <p:nvSpPr>
               <p:cNvPr id="2" name="TextBox 1">
@@ -11413,8 +11415,8 @@
           </a:p>
         </p:txBody>
       </p:sp>
-      <mc:AlternateContent xmlns:mc="http://schemas.openxmlformats.org/markup-compatibility/2006">
-        <mc:Choice xmlns:a14="http://schemas.microsoft.com/office/drawing/2010/main" Requires="a14">
+      <mc:AlternateContent xmlns:mc="http://schemas.openxmlformats.org/markup-compatibility/2006" xmlns:a14="http://schemas.microsoft.com/office/drawing/2010/main">
+        <mc:Choice Requires="a14">
           <p:sp>
             <p:nvSpPr>
               <p:cNvPr id="2" name="TextBox 1">
@@ -11601,7 +11603,7 @@
             </p:txBody>
           </p:sp>
         </mc:Choice>
-        <mc:Fallback>
+        <mc:Fallback xmlns="">
           <p:sp>
             <p:nvSpPr>
               <p:cNvPr id="2" name="TextBox 1">
@@ -11790,8 +11792,8 @@
           </a:p>
         </p:txBody>
       </p:sp>
-      <mc:AlternateContent xmlns:mc="http://schemas.openxmlformats.org/markup-compatibility/2006">
-        <mc:Choice xmlns:a14="http://schemas.microsoft.com/office/drawing/2010/main" Requires="a14">
+      <mc:AlternateContent xmlns:mc="http://schemas.openxmlformats.org/markup-compatibility/2006" xmlns:a14="http://schemas.microsoft.com/office/drawing/2010/main">
+        <mc:Choice Requires="a14">
           <p:sp>
             <p:nvSpPr>
               <p:cNvPr id="2" name="TextBox 1">
@@ -11978,7 +11980,7 @@
             </p:txBody>
           </p:sp>
         </mc:Choice>
-        <mc:Fallback>
+        <mc:Fallback xmlns="">
           <p:sp>
             <p:nvSpPr>
               <p:cNvPr id="2" name="TextBox 1">
@@ -12214,8 +12216,8 @@
           </a:p>
         </p:txBody>
       </p:sp>
-      <mc:AlternateContent xmlns:mc="http://schemas.openxmlformats.org/markup-compatibility/2006">
-        <mc:Choice xmlns:a14="http://schemas.microsoft.com/office/drawing/2010/main" Requires="a14">
+      <mc:AlternateContent xmlns:mc="http://schemas.openxmlformats.org/markup-compatibility/2006" xmlns:a14="http://schemas.microsoft.com/office/drawing/2010/main">
+        <mc:Choice Requires="a14">
           <p:sp>
             <p:nvSpPr>
               <p:cNvPr id="2" name="TextBox 1">
@@ -12325,7 +12327,7 @@
             </p:txBody>
           </p:sp>
         </mc:Choice>
-        <mc:Fallback>
+        <mc:Fallback xmlns="">
           <p:sp>
             <p:nvSpPr>
               <p:cNvPr id="2" name="TextBox 1">
@@ -12467,8 +12469,8 @@
           </a:p>
         </p:txBody>
       </p:sp>
-      <mc:AlternateContent xmlns:mc="http://schemas.openxmlformats.org/markup-compatibility/2006">
-        <mc:Choice xmlns:a14="http://schemas.microsoft.com/office/drawing/2010/main" Requires="a14">
+      <mc:AlternateContent xmlns:mc="http://schemas.openxmlformats.org/markup-compatibility/2006" xmlns:a14="http://schemas.microsoft.com/office/drawing/2010/main">
+        <mc:Choice Requires="a14">
           <p:sp>
             <p:nvSpPr>
               <p:cNvPr id="2" name="TextBox 1">
@@ -12586,7 +12588,7 @@
             </p:txBody>
           </p:sp>
         </mc:Choice>
-        <mc:Fallback>
+        <mc:Fallback xmlns="">
           <p:sp>
             <p:nvSpPr>
               <p:cNvPr id="2" name="TextBox 1">
@@ -12702,8 +12704,8 @@
           </a:fontRef>
         </p:style>
       </p:cxnSp>
-      <mc:AlternateContent xmlns:mc="http://schemas.openxmlformats.org/markup-compatibility/2006">
-        <mc:Choice xmlns:a14="http://schemas.microsoft.com/office/drawing/2010/main" Requires="a14">
+      <mc:AlternateContent xmlns:mc="http://schemas.openxmlformats.org/markup-compatibility/2006" xmlns:a14="http://schemas.microsoft.com/office/drawing/2010/main">
+        <mc:Choice Requires="a14">
           <p:sp>
             <p:nvSpPr>
               <p:cNvPr id="9" name="TextBox 8">
@@ -12732,6 +12734,7 @@
               </a:bodyPr>
               <a:lstStyle/>
               <a:p>
+                <a:pPr/>
                 <a14:m>
                   <m:oMathPara xmlns:m="http://schemas.openxmlformats.org/officeDocument/2006/math">
                     <m:oMathParaPr>
@@ -12771,7 +12774,7 @@
             </p:txBody>
           </p:sp>
         </mc:Choice>
-        <mc:Fallback>
+        <mc:Fallback xmlns="">
           <p:sp>
             <p:nvSpPr>
               <p:cNvPr id="9" name="TextBox 8">
@@ -12816,8 +12819,8 @@
           </p:sp>
         </mc:Fallback>
       </mc:AlternateContent>
-      <mc:AlternateContent xmlns:mc="http://schemas.openxmlformats.org/markup-compatibility/2006">
-        <mc:Choice xmlns:p14="http://schemas.microsoft.com/office/powerpoint/2010/main" Requires="p14">
+      <mc:AlternateContent xmlns:mc="http://schemas.openxmlformats.org/markup-compatibility/2006" xmlns:p14="http://schemas.microsoft.com/office/powerpoint/2010/main">
+        <mc:Choice Requires="p14">
           <p:contentPart p14:bwMode="auto" r:id="rId6">
             <p14:nvContentPartPr>
               <p14:cNvPr id="10" name="Ink 9">
@@ -12836,7 +12839,7 @@
             </p14:xfrm>
           </p:contentPart>
         </mc:Choice>
-        <mc:Fallback>
+        <mc:Fallback xmlns="">
           <p:pic>
             <p:nvPicPr>
               <p:cNvPr id="10" name="Ink 9">
@@ -12867,8 +12870,8 @@
           </p:pic>
         </mc:Fallback>
       </mc:AlternateContent>
-      <mc:AlternateContent xmlns:mc="http://schemas.openxmlformats.org/markup-compatibility/2006">
-        <mc:Choice xmlns:a14="http://schemas.microsoft.com/office/drawing/2010/main" Requires="a14">
+      <mc:AlternateContent xmlns:mc="http://schemas.openxmlformats.org/markup-compatibility/2006" xmlns:a14="http://schemas.microsoft.com/office/drawing/2010/main">
+        <mc:Choice Requires="a14">
           <p:sp>
             <p:nvSpPr>
               <p:cNvPr id="11" name="Alternate Process 10">
@@ -12981,7 +12984,7 @@
             </p:txBody>
           </p:sp>
         </mc:Choice>
-        <mc:Fallback>
+        <mc:Fallback xmlns="">
           <p:sp>
             <p:nvSpPr>
               <p:cNvPr id="11" name="Alternate Process 10">
@@ -13093,8 +13096,8 @@
           </a:p>
         </p:txBody>
       </p:sp>
-      <mc:AlternateContent xmlns:mc="http://schemas.openxmlformats.org/markup-compatibility/2006">
-        <mc:Choice xmlns:a14="http://schemas.microsoft.com/office/drawing/2010/main" Requires="a14">
+      <mc:AlternateContent xmlns:mc="http://schemas.openxmlformats.org/markup-compatibility/2006" xmlns:a14="http://schemas.microsoft.com/office/drawing/2010/main">
+        <mc:Choice Requires="a14">
           <p:sp>
             <p:nvSpPr>
               <p:cNvPr id="2" name="TextBox 1">
@@ -13168,7 +13171,7 @@
             </p:txBody>
           </p:sp>
         </mc:Choice>
-        <mc:Fallback>
+        <mc:Fallback xmlns="">
           <p:sp>
             <p:nvSpPr>
               <p:cNvPr id="2" name="TextBox 1">
@@ -13310,8 +13313,8 @@
           </a:p>
         </p:txBody>
       </p:sp>
-      <mc:AlternateContent xmlns:mc="http://schemas.openxmlformats.org/markup-compatibility/2006">
-        <mc:Choice xmlns:a14="http://schemas.microsoft.com/office/drawing/2010/main" Requires="a14">
+      <mc:AlternateContent xmlns:mc="http://schemas.openxmlformats.org/markup-compatibility/2006" xmlns:a14="http://schemas.microsoft.com/office/drawing/2010/main">
+        <mc:Choice Requires="a14">
           <p:sp>
             <p:nvSpPr>
               <p:cNvPr id="2" name="TextBox 1">
@@ -13377,7 +13380,7 @@
             </p:txBody>
           </p:sp>
         </mc:Choice>
-        <mc:Fallback>
+        <mc:Fallback xmlns="">
           <p:sp>
             <p:nvSpPr>
               <p:cNvPr id="2" name="TextBox 1">
@@ -15040,8 +15043,8 @@
           </p:sp>
         </mc:Fallback>
       </mc:AlternateContent>
-      <mc:AlternateContent xmlns:mc="http://schemas.openxmlformats.org/markup-compatibility/2006" xmlns:a14="http://schemas.microsoft.com/office/drawing/2010/main">
-        <mc:Choice Requires="a14">
+      <mc:AlternateContent xmlns:mc="http://schemas.openxmlformats.org/markup-compatibility/2006">
+        <mc:Choice xmlns:a14="http://schemas.microsoft.com/office/drawing/2010/main" Requires="a14">
           <p:sp>
             <p:nvSpPr>
               <p:cNvPr id="3" name="Rounded Rectangle 2">
@@ -15132,7 +15135,7 @@
                           <a:rPr lang="en-US" sz="2400" b="0" i="1" smtClean="0">
                             <a:latin typeface="Cambria Math" panose="02040503050406030204" pitchFamily="18" charset="0"/>
                           </a:rPr>
-                          <m:t>𝑃</m:t>
+                          <m:t>𝑝</m:t>
                         </m:r>
                       </m:e>
                       <m:sub>
@@ -15253,7 +15256,7 @@
             </p:txBody>
           </p:sp>
         </mc:Choice>
-        <mc:Fallback xmlns="">
+        <mc:Fallback>
           <p:sp>
             <p:nvSpPr>
               <p:cNvPr id="3" name="Rounded Rectangle 2">
